--- a/Docs/Final Presentation.pptx
+++ b/Docs/Final Presentation.pptx
@@ -114,6 +114,11 @@
       </a:defRPr>
     </a:lvl9pPr>
   </p:defaultTextStyle>
+  <p:extLst>
+    <p:ext uri="{EFAFB233-063F-42B5-8137-9DF3F51BA10A}">
+      <p15:sldGuideLst xmlns:p15="http://schemas.microsoft.com/office/powerpoint/2012/main"/>
+    </p:ext>
+  </p:extLst>
 </p:presentation>
 </file>
 
@@ -3823,9 +3828,16 @@
         <a:lstStyle/>
         <a:p>
           <a:r>
-            <a:rPr lang="en-US"/>
-            <a:t>When a robot points, </a:t>
+            <a:rPr lang="en-US" dirty="0"/>
+            <a:t>When a robot points </a:t>
           </a:r>
+          <a:r>
+            <a:rPr lang="en-US" dirty="0">
+              <a:sym typeface="Wingdings" panose="05000000000000000000" pitchFamily="2" charset="2"/>
+            </a:rPr>
+            <a:t></a:t>
+          </a:r>
+          <a:endParaRPr lang="en-US" dirty="0"/>
         </a:p>
       </dgm:t>
     </dgm:pt>
@@ -3859,9 +3871,16 @@
         <a:lstStyle/>
         <a:p>
           <a:r>
-            <a:rPr lang="en-US"/>
-            <a:t>how precise does </a:t>
+            <a:rPr lang="en-US" dirty="0"/>
+            <a:t>…how does precision </a:t>
           </a:r>
+          <a:r>
+            <a:rPr lang="en-US" dirty="0">
+              <a:sym typeface="Wingdings" panose="05000000000000000000" pitchFamily="2" charset="2"/>
+            </a:rPr>
+            <a:t></a:t>
+          </a:r>
+          <a:endParaRPr lang="en-US" dirty="0"/>
         </a:p>
       </dgm:t>
     </dgm:pt>
@@ -3895,8 +3914,18 @@
         <a:lstStyle/>
         <a:p>
           <a:r>
-            <a:rPr lang="en-US"/>
-            <a:t>the gesture need to be </a:t>
+            <a:rPr lang="en-US" dirty="0"/>
+            <a:t>…affect human interpretation </a:t>
+          </a:r>
+          <a:r>
+            <a:rPr lang="en-US" dirty="0">
+              <a:sym typeface="Wingdings" panose="05000000000000000000" pitchFamily="2" charset="2"/>
+            </a:rPr>
+            <a:t></a:t>
+          </a:r>
+          <a:r>
+            <a:rPr lang="en-US" dirty="0"/>
+            <a:t> </a:t>
           </a:r>
         </a:p>
       </dgm:t>
@@ -3931,8 +3960,8 @@
         <a:lstStyle/>
         <a:p>
           <a:r>
-            <a:rPr lang="en-US"/>
-            <a:t>for a human to understand what the robot is pointing at? </a:t>
+            <a:rPr lang="en-US" dirty="0"/>
+            <a:t>…of where an object would be? </a:t>
           </a:r>
         </a:p>
       </dgm:t>
@@ -4838,8 +4867,8 @@
     <dgm:cxn modelId="{6301FB2A-6E7F-448C-A557-8989057B3A8D}" srcId="{202F00C0-5B37-4945-A875-502DBF486774}" destId="{1E9C1387-E092-4335-B2BE-5A36C94B5E6B}" srcOrd="2" destOrd="0" parTransId="{D71F8BA1-4D51-4D27-ADE6-9010299C2B49}" sibTransId="{BF922FB7-CB29-46DF-855B-F3097813B80D}"/>
     <dgm:cxn modelId="{653D3436-299C-4A9D-AFBF-F5869E348AA6}" type="presOf" srcId="{4D2E3BE6-7227-4FEB-9EE9-5D54AC1460BA}" destId="{43640242-6A7D-4781-ACEC-F67573E980DF}" srcOrd="0" destOrd="0" presId="urn:microsoft.com/office/officeart/2018/2/layout/IconLabelDescriptionList"/>
     <dgm:cxn modelId="{4AAD4646-CA50-4C99-934A-FDACFB9A855B}" srcId="{4D2E3BE6-7227-4FEB-9EE9-5D54AC1460BA}" destId="{D30D765A-D94F-47EF-9401-A2BC51E418B2}" srcOrd="0" destOrd="0" parTransId="{F4A958BD-8B15-4212-867C-2DD69FC48C04}" sibTransId="{ACC137CB-85ED-4A7E-9BC1-48DF3113055A}"/>
+    <dgm:cxn modelId="{CAB7396F-0BEC-42BD-9346-30438A9C3C1C}" type="presOf" srcId="{D30D765A-D94F-47EF-9401-A2BC51E418B2}" destId="{0997095E-9EEC-419B-A148-59168F074FC8}" srcOrd="0" destOrd="0" presId="urn:microsoft.com/office/officeart/2018/2/layout/IconLabelDescriptionList"/>
     <dgm:cxn modelId="{9BB3B94F-4EB4-47F7-A802-308B4B74AA30}" type="presOf" srcId="{4C2D5D9A-17C6-4362-87F8-E86F001E696F}" destId="{0997095E-9EEC-419B-A148-59168F074FC8}" srcOrd="0" destOrd="1" presId="urn:microsoft.com/office/officeart/2018/2/layout/IconLabelDescriptionList"/>
-    <dgm:cxn modelId="{CAB7396F-0BEC-42BD-9346-30438A9C3C1C}" type="presOf" srcId="{D30D765A-D94F-47EF-9401-A2BC51E418B2}" destId="{0997095E-9EEC-419B-A148-59168F074FC8}" srcOrd="0" destOrd="0" presId="urn:microsoft.com/office/officeart/2018/2/layout/IconLabelDescriptionList"/>
     <dgm:cxn modelId="{4086C4D0-4295-4B89-A7B3-46E435060B3D}" srcId="{4D2E3BE6-7227-4FEB-9EE9-5D54AC1460BA}" destId="{4C2D5D9A-17C6-4362-87F8-E86F001E696F}" srcOrd="1" destOrd="0" parTransId="{20219C89-93A8-4EEE-AAAD-06C4CEEE1EAE}" sibTransId="{C5372F89-5B04-4950-9A93-08A850FCE789}"/>
     <dgm:cxn modelId="{176A4BD9-2BEE-451D-9687-AFD1DD16C558}" srcId="{202F00C0-5B37-4945-A875-502DBF486774}" destId="{4D2E3BE6-7227-4FEB-9EE9-5D54AC1460BA}" srcOrd="0" destOrd="0" parTransId="{A2ED9D88-A521-47B2-A3AB-97B9EDF9E748}" sibTransId="{3199F234-27BE-479F-9ED3-678FB35B83A0}"/>
     <dgm:cxn modelId="{38C320EC-543B-4B70-8B2D-1461C51D9BCA}" type="presOf" srcId="{202F00C0-5B37-4945-A875-502DBF486774}" destId="{2E7EF993-6CD6-40F9-AD66-C3970EFC2EA4}" srcOrd="0" destOrd="0" presId="urn:microsoft.com/office/officeart/2018/2/layout/IconLabelDescriptionList"/>
@@ -5356,9 +5385,16 @@
             <a:buNone/>
           </a:pPr>
           <a:r>
-            <a:rPr lang="en-US" sz="2200" kern="1200"/>
-            <a:t>When a robot points, </a:t>
+            <a:rPr lang="en-US" sz="2200" kern="1200" dirty="0"/>
+            <a:t>When a robot points </a:t>
           </a:r>
+          <a:r>
+            <a:rPr lang="en-US" sz="2200" kern="1200" dirty="0">
+              <a:sym typeface="Wingdings" panose="05000000000000000000" pitchFamily="2" charset="2"/>
+            </a:rPr>
+            <a:t></a:t>
+          </a:r>
+          <a:endParaRPr lang="en-US" sz="2200" kern="1200" dirty="0"/>
         </a:p>
       </dsp:txBody>
       <dsp:txXfrm>
@@ -5507,9 +5543,16 @@
             <a:buNone/>
           </a:pPr>
           <a:r>
-            <a:rPr lang="en-US" sz="2200" kern="1200"/>
-            <a:t>how precise does </a:t>
+            <a:rPr lang="en-US" sz="2200" kern="1200" dirty="0"/>
+            <a:t>…how does precision </a:t>
           </a:r>
+          <a:r>
+            <a:rPr lang="en-US" sz="2200" kern="1200" dirty="0">
+              <a:sym typeface="Wingdings" panose="05000000000000000000" pitchFamily="2" charset="2"/>
+            </a:rPr>
+            <a:t></a:t>
+          </a:r>
+          <a:endParaRPr lang="en-US" sz="2200" kern="1200" dirty="0"/>
         </a:p>
       </dsp:txBody>
       <dsp:txXfrm>
@@ -5658,8 +5701,18 @@
             <a:buNone/>
           </a:pPr>
           <a:r>
-            <a:rPr lang="en-US" sz="2200" kern="1200"/>
-            <a:t>the gesture need to be </a:t>
+            <a:rPr lang="en-US" sz="2200" kern="1200" dirty="0"/>
+            <a:t>…affect human interpretation </a:t>
+          </a:r>
+          <a:r>
+            <a:rPr lang="en-US" sz="2200" kern="1200" dirty="0">
+              <a:sym typeface="Wingdings" panose="05000000000000000000" pitchFamily="2" charset="2"/>
+            </a:rPr>
+            <a:t></a:t>
+          </a:r>
+          <a:r>
+            <a:rPr lang="en-US" sz="2200" kern="1200" dirty="0"/>
+            <a:t> </a:t>
           </a:r>
         </a:p>
       </dsp:txBody>
@@ -5809,8 +5862,8 @@
             <a:buNone/>
           </a:pPr>
           <a:r>
-            <a:rPr lang="en-US" sz="2200" kern="1200"/>
-            <a:t>for a human to understand what the robot is pointing at? </a:t>
+            <a:rPr lang="en-US" sz="2200" kern="1200" dirty="0"/>
+            <a:t>…of where an object would be? </a:t>
           </a:r>
         </a:p>
       </dsp:txBody>
@@ -6151,7 +6204,7 @@
       </dsp:nvSpPr>
       <dsp:spPr>
         <a:xfrm>
-          <a:off x="4985" y="578397"/>
+          <a:off x="4985" y="634882"/>
           <a:ext cx="1049835" cy="1049835"/>
         </a:xfrm>
         <a:prstGeom prst="rect">
@@ -6200,7 +6253,7 @@
       </dsp:nvSpPr>
       <dsp:spPr>
         <a:xfrm>
-          <a:off x="4985" y="1738692"/>
+          <a:off x="4985" y="1790319"/>
           <a:ext cx="2999531" cy="449929"/>
         </a:xfrm>
         <a:prstGeom prst="rect">
@@ -6250,7 +6303,7 @@
         </a:p>
       </dsp:txBody>
       <dsp:txXfrm>
-        <a:off x="4985" y="1738692"/>
+        <a:off x="4985" y="1790319"/>
         <a:ext cx="2999531" cy="449929"/>
       </dsp:txXfrm>
     </dsp:sp>
@@ -6261,8 +6314,8 @@
       </dsp:nvSpPr>
       <dsp:spPr>
         <a:xfrm>
-          <a:off x="4985" y="2239998"/>
-          <a:ext cx="2999531" cy="907215"/>
+          <a:off x="4985" y="2289366"/>
+          <a:ext cx="2999531" cy="801363"/>
         </a:xfrm>
         <a:prstGeom prst="rect">
           <a:avLst/>
@@ -6328,8 +6381,8 @@
         </a:p>
       </dsp:txBody>
       <dsp:txXfrm>
-        <a:off x="4985" y="2239998"/>
-        <a:ext cx="2999531" cy="907215"/>
+        <a:off x="4985" y="2289366"/>
+        <a:ext cx="2999531" cy="801363"/>
       </dsp:txXfrm>
     </dsp:sp>
     <dsp:sp modelId="{4A0DCEBF-54DA-41C8-8EBB-9FDD7687E419}">
@@ -6339,7 +6392,7 @@
       </dsp:nvSpPr>
       <dsp:spPr>
         <a:xfrm>
-          <a:off x="3529434" y="578397"/>
+          <a:off x="3529434" y="634882"/>
           <a:ext cx="1049835" cy="1049835"/>
         </a:xfrm>
         <a:prstGeom prst="rect">
@@ -6388,7 +6441,7 @@
       </dsp:nvSpPr>
       <dsp:spPr>
         <a:xfrm>
-          <a:off x="3529434" y="1738692"/>
+          <a:off x="3529434" y="1790319"/>
           <a:ext cx="2999531" cy="449929"/>
         </a:xfrm>
         <a:prstGeom prst="rect">
@@ -6438,7 +6491,7 @@
         </a:p>
       </dsp:txBody>
       <dsp:txXfrm>
-        <a:off x="3529434" y="1738692"/>
+        <a:off x="3529434" y="1790319"/>
         <a:ext cx="2999531" cy="449929"/>
       </dsp:txXfrm>
     </dsp:sp>
@@ -6449,8 +6502,8 @@
       </dsp:nvSpPr>
       <dsp:spPr>
         <a:xfrm>
-          <a:off x="3529434" y="2239998"/>
-          <a:ext cx="2999531" cy="907215"/>
+          <a:off x="3529434" y="2289366"/>
+          <a:ext cx="2999531" cy="801363"/>
         </a:xfrm>
         <a:prstGeom prst="rect">
           <a:avLst/>
@@ -6481,7 +6534,7 @@
       </dsp:nvSpPr>
       <dsp:spPr>
         <a:xfrm>
-          <a:off x="7053883" y="578397"/>
+          <a:off x="7053883" y="634882"/>
           <a:ext cx="1049835" cy="1049835"/>
         </a:xfrm>
         <a:prstGeom prst="rect">
@@ -6530,7 +6583,7 @@
       </dsp:nvSpPr>
       <dsp:spPr>
         <a:xfrm>
-          <a:off x="7053883" y="1738692"/>
+          <a:off x="7053883" y="1790319"/>
           <a:ext cx="2999531" cy="449929"/>
         </a:xfrm>
         <a:prstGeom prst="rect">
@@ -6580,7 +6633,7 @@
         </a:p>
       </dsp:txBody>
       <dsp:txXfrm>
-        <a:off x="7053883" y="1738692"/>
+        <a:off x="7053883" y="1790319"/>
         <a:ext cx="2999531" cy="449929"/>
       </dsp:txXfrm>
     </dsp:sp>
@@ -6591,8 +6644,8 @@
       </dsp:nvSpPr>
       <dsp:spPr>
         <a:xfrm>
-          <a:off x="7053883" y="2239998"/>
-          <a:ext cx="2999531" cy="907215"/>
+          <a:off x="7053883" y="2289366"/>
+          <a:ext cx="2999531" cy="801363"/>
         </a:xfrm>
         <a:prstGeom prst="rect">
           <a:avLst/>
@@ -6753,7 +6806,7 @@
         </a:bodyPr>
         <a:lstStyle/>
         <a:p>
-          <a:pPr marL="0" lvl="0" indent="0" algn="ctr" defTabSz="711200">
+          <a:pPr marL="0" lvl="0" indent="0" algn="ctr" defTabSz="755650">
             <a:lnSpc>
               <a:spcPct val="90000"/>
             </a:lnSpc>
@@ -6767,7 +6820,7 @@
             <a:defRPr cap="all"/>
           </a:pPr>
           <a:r>
-            <a:rPr lang="en-US" sz="1600" kern="1200"/>
+            <a:rPr lang="en-US" sz="1700" kern="1200"/>
             <a:t>My dog will chase a laser to the end of the earth</a:t>
           </a:r>
         </a:p>
@@ -6902,7 +6955,7 @@
         </a:bodyPr>
         <a:lstStyle/>
         <a:p>
-          <a:pPr marL="0" lvl="0" indent="0" algn="ctr" defTabSz="711200">
+          <a:pPr marL="0" lvl="0" indent="0" algn="ctr" defTabSz="755650">
             <a:lnSpc>
               <a:spcPct val="90000"/>
             </a:lnSpc>
@@ -6916,7 +6969,7 @@
             <a:defRPr cap="all"/>
           </a:pPr>
           <a:r>
-            <a:rPr lang="en-US" sz="1600" kern="1200"/>
+            <a:rPr lang="en-US" sz="1700" kern="1200"/>
             <a:t>Demographics: The CHROME lab, mostly.</a:t>
           </a:r>
         </a:p>
@@ -7051,7 +7104,7 @@
         </a:bodyPr>
         <a:lstStyle/>
         <a:p>
-          <a:pPr marL="0" lvl="0" indent="0" algn="ctr" defTabSz="711200">
+          <a:pPr marL="0" lvl="0" indent="0" algn="ctr" defTabSz="755650">
             <a:lnSpc>
               <a:spcPct val="90000"/>
             </a:lnSpc>
@@ -7065,7 +7118,7 @@
             <a:defRPr cap="all"/>
           </a:pPr>
           <a:r>
-            <a:rPr lang="en-US" sz="1600" kern="1200"/>
+            <a:rPr lang="en-US" sz="1700" kern="1200"/>
             <a:t>Statistics: Coming soon</a:t>
           </a:r>
         </a:p>
@@ -12696,7 +12749,7 @@
           <a:p>
             <a:fld id="{EA0C0817-A112-4847-8014-A94B7D2A4EA3}" type="datetime1">
               <a:rPr lang="en-US" smtClean="0"/>
-              <a:t>11/25/19</a:t>
+              <a:t>11/26/2019</a:t>
             </a:fld>
             <a:endParaRPr lang="en-US" dirty="0"/>
           </a:p>
@@ -12898,7 +12951,7 @@
           <a:p>
             <a:fld id="{134F40B7-36AB-4376-BE14-EF7004D79BB9}" type="datetime1">
               <a:rPr lang="en-US" smtClean="0"/>
-              <a:t>11/25/19</a:t>
+              <a:t>11/26/2019</a:t>
             </a:fld>
             <a:endParaRPr lang="en-US"/>
           </a:p>
@@ -13078,7 +13131,7 @@
           <a:p>
             <a:fld id="{FF87CAB8-DCAE-46A5-AADA-B3FAD11A54E0}" type="datetime1">
               <a:rPr lang="en-US" smtClean="0"/>
-              <a:t>11/25/19</a:t>
+              <a:t>11/26/2019</a:t>
             </a:fld>
             <a:endParaRPr lang="en-US"/>
           </a:p>
@@ -13248,7 +13301,7 @@
           <a:p>
             <a:fld id="{7332B432-ACDA-4023-A761-2BAB76577B62}" type="datetime1">
               <a:rPr lang="en-US" smtClean="0"/>
-              <a:t>11/25/19</a:t>
+              <a:t>11/26/2019</a:t>
             </a:fld>
             <a:endParaRPr lang="en-US"/>
           </a:p>
@@ -13847,7 +13900,7 @@
           <a:p>
             <a:fld id="{D9C646AA-F36E-4540-911D-FFFC0A0EF24A}" type="datetime1">
               <a:rPr lang="en-US" smtClean="0"/>
-              <a:t>11/25/19</a:t>
+              <a:t>11/26/2019</a:t>
             </a:fld>
             <a:endParaRPr lang="en-US" dirty="0"/>
           </a:p>
@@ -14167,7 +14220,7 @@
           <a:p>
             <a:fld id="{69186D26-FA5F-4637-B602-B7C2DC34CFD4}" type="datetime1">
               <a:rPr lang="en-US" smtClean="0"/>
-              <a:t>11/25/19</a:t>
+              <a:t>11/26/2019</a:t>
             </a:fld>
             <a:endParaRPr lang="en-US"/>
           </a:p>
@@ -14602,7 +14655,7 @@
           <a:p>
             <a:fld id="{8A7F15D8-96D1-4781-BC50-CA8A088B2FE4}" type="datetime1">
               <a:rPr lang="en-US" smtClean="0"/>
-              <a:t>11/25/19</a:t>
+              <a:t>11/26/2019</a:t>
             </a:fld>
             <a:endParaRPr lang="en-US"/>
           </a:p>
@@ -14720,7 +14773,7 @@
           <a:p>
             <a:fld id="{F9A96C99-B8F8-4528-BD05-0E16E943DC09}" type="datetime1">
               <a:rPr lang="en-US" smtClean="0"/>
-              <a:t>11/25/19</a:t>
+              <a:t>11/26/2019</a:t>
             </a:fld>
             <a:endParaRPr lang="en-US"/>
           </a:p>
@@ -14815,7 +14868,7 @@
           <a:p>
             <a:fld id="{03636942-C211-4B28-8DBD-C953E00AF71B}" type="datetime1">
               <a:rPr lang="en-US" smtClean="0"/>
-              <a:t>11/25/19</a:t>
+              <a:t>11/26/2019</a:t>
             </a:fld>
             <a:endParaRPr lang="en-US"/>
           </a:p>
@@ -15232,7 +15285,7 @@
           <a:p>
             <a:fld id="{7E8D12A6-918A-48BD-8CB9-CA713993B0EA}" type="datetime1">
               <a:rPr lang="en-US" smtClean="0"/>
-              <a:t>11/25/19</a:t>
+              <a:t>11/26/2019</a:t>
             </a:fld>
             <a:endParaRPr lang="en-US"/>
           </a:p>
@@ -15494,7 +15547,7 @@
             <a:fld id="{E778CE86-875F-4587-BCF6-FA054AFC0D53}" type="datetime1">
               <a:rPr lang="en-US" smtClean="0"/>
               <a:pPr/>
-              <a:t>11/25/19</a:t>
+              <a:t>11/26/2019</a:t>
             </a:fld>
             <a:endParaRPr lang="en-US" dirty="0"/>
           </a:p>
@@ -16010,7 +16063,7 @@
           <a:p>
             <a:fld id="{F6FA2B21-3FCD-4721-B95C-427943F61125}" type="datetime1">
               <a:rPr lang="en-US" smtClean="0"/>
-              <a:t>11/25/19</a:t>
+              <a:t>11/26/2019</a:t>
             </a:fld>
             <a:endParaRPr lang="en-US"/>
           </a:p>
@@ -16681,7 +16734,7 @@
               </a:spcAft>
             </a:pPr>
             <a:r>
-              <a:rPr lang="en-US" sz="1500">
+              <a:rPr lang="en-US" sz="1500" dirty="0">
                 <a:solidFill>
                   <a:schemeClr val="tx1"/>
                 </a:solidFill>
@@ -16839,10 +16892,157 @@
         </p:nvSpPr>
         <p:spPr/>
         <p:txBody>
-          <a:bodyPr/>
+          <a:bodyPr>
+            <a:normAutofit fontScale="92500" lnSpcReduction="20000"/>
+          </a:bodyPr>
           <a:lstStyle/>
           <a:p>
+            <a:r>
+              <a:rPr lang="en-US" dirty="0"/>
+              <a:t>Hardware</a:t>
+            </a:r>
+          </a:p>
+          <a:p>
+            <a:pPr lvl="1"/>
+            <a:r>
+              <a:rPr lang="en-US" dirty="0"/>
+              <a:t>Arm:</a:t>
+            </a:r>
+          </a:p>
+          <a:p>
+            <a:pPr lvl="2"/>
+            <a:r>
+              <a:rPr lang="en-US" dirty="0"/>
+              <a:t>Initial arm set up with correct wiring and </a:t>
+            </a:r>
+            <a:r>
+              <a:rPr lang="en-US" dirty="0" err="1"/>
+              <a:t>usb</a:t>
+            </a:r>
+            <a:r>
+              <a:rPr lang="en-US" dirty="0"/>
+              <a:t> plug in</a:t>
+            </a:r>
+          </a:p>
+          <a:p>
+            <a:pPr lvl="1"/>
+            <a:r>
+              <a:rPr lang="en-US" dirty="0"/>
+              <a:t>Hand:</a:t>
+            </a:r>
+          </a:p>
+          <a:p>
+            <a:pPr lvl="2"/>
+            <a:r>
+              <a:rPr lang="en-US" dirty="0"/>
+              <a:t>Updated to latest ROS build, interfacing between hand and arm, </a:t>
+            </a:r>
+          </a:p>
+          <a:p>
+            <a:r>
+              <a:rPr lang="en-US" dirty="0"/>
+              <a:t>Software</a:t>
+            </a:r>
+          </a:p>
+          <a:p>
+            <a:pPr lvl="1"/>
+            <a:r>
+              <a:rPr lang="en-US" dirty="0" err="1"/>
+              <a:t>Reflashing</a:t>
+            </a:r>
+            <a:r>
+              <a:rPr lang="en-US" dirty="0"/>
+              <a:t> with new libraries, learning to include GitHub into ROS</a:t>
+            </a:r>
+          </a:p>
+          <a:p>
+            <a:pPr lvl="1"/>
+            <a:r>
+              <a:rPr lang="en-US" dirty="0"/>
+              <a:t>Arm:</a:t>
+            </a:r>
+          </a:p>
+          <a:p>
+            <a:pPr lvl="2"/>
+            <a:r>
+              <a:rPr lang="en-US" dirty="0"/>
+              <a:t>Precise trajectory movement due to error accumulation </a:t>
+            </a:r>
+          </a:p>
+          <a:p>
+            <a:pPr lvl="2"/>
+            <a:r>
+              <a:rPr lang="en-US" dirty="0"/>
+              <a:t>List of setup commands need to run after restart</a:t>
+            </a:r>
+          </a:p>
+          <a:p>
+            <a:pPr lvl="3"/>
+            <a:r>
+              <a:rPr lang="en-US" dirty="0"/>
+              <a:t>Activate </a:t>
+            </a:r>
+            <a:r>
+              <a:rPr lang="en-US" dirty="0" err="1"/>
+              <a:t>usb</a:t>
+            </a:r>
+            <a:r>
+              <a:rPr lang="en-US" dirty="0"/>
+              <a:t> port</a:t>
+            </a:r>
+          </a:p>
+          <a:p>
+            <a:pPr lvl="3"/>
+            <a:r>
+              <a:rPr lang="en-US" dirty="0"/>
+              <a:t>Catkin build</a:t>
+            </a:r>
+          </a:p>
+          <a:p>
+            <a:pPr lvl="3"/>
+            <a:r>
+              <a:rPr lang="en-US" dirty="0" err="1"/>
+              <a:t>Setup.bash</a:t>
+            </a:r>
             <a:endParaRPr lang="en-US" dirty="0"/>
+          </a:p>
+          <a:p>
+            <a:pPr lvl="3"/>
+            <a:r>
+              <a:rPr lang="en-US" dirty="0"/>
+              <a:t>Then </a:t>
+            </a:r>
+            <a:r>
+              <a:rPr lang="en-US" dirty="0" err="1"/>
+              <a:t>roslaunch</a:t>
+            </a:r>
+            <a:endParaRPr lang="en-US" dirty="0"/>
+          </a:p>
+          <a:p>
+            <a:pPr lvl="4"/>
+            <a:r>
+              <a:rPr lang="en-US" dirty="0"/>
+              <a:t>Sliders with </a:t>
+            </a:r>
+            <a:r>
+              <a:rPr lang="en-US" dirty="0" err="1"/>
+              <a:t>rqt_joint_trajectory_controller</a:t>
+            </a:r>
+            <a:endParaRPr lang="en-US" dirty="0"/>
+          </a:p>
+          <a:p>
+            <a:pPr lvl="1"/>
+            <a:r>
+              <a:rPr lang="en-US" dirty="0"/>
+              <a:t>Hand:</a:t>
+            </a:r>
+          </a:p>
+          <a:p>
+            <a:pPr lvl="2"/>
+            <a:r>
+              <a:rPr lang="en-US" dirty="0"/>
+              <a:t>Fill here</a:t>
+            </a:r>
           </a:p>
         </p:txBody>
       </p:sp>
@@ -17191,7 +17391,7 @@
             <p:ph idx="1"/>
             <p:extLst>
               <p:ext uri="{D42A27DB-BD31-4B8C-83A1-F6EECF244321}">
-                <p14:modId xmlns:p14="http://schemas.microsoft.com/office/powerpoint/2010/main" val="201240812"/>
+                <p14:modId xmlns:p14="http://schemas.microsoft.com/office/powerpoint/2010/main" val="3960866606"/>
               </p:ext>
             </p:extLst>
           </p:nvPr>
@@ -18061,7 +18261,7 @@
           <a:p>
             <a:r>
               <a:rPr lang="en-US" dirty="0"/>
-              <a:t>When a robot points, how precise does the gesture need to be for a human to understand what the robot is pointing at? </a:t>
+              <a:t>When a robot points, how does precision affect human interpretation of where an object would be?</a:t>
             </a:r>
           </a:p>
           <a:p>

--- a/Docs/Final Presentation.pptx
+++ b/Docs/Final Presentation.pptx
@@ -10,12 +10,11 @@
     <p:sldId id="259" r:id="rId4"/>
     <p:sldId id="258" r:id="rId5"/>
     <p:sldId id="260" r:id="rId6"/>
-    <p:sldId id="261" r:id="rId7"/>
-    <p:sldId id="265" r:id="rId8"/>
-    <p:sldId id="262" r:id="rId9"/>
-    <p:sldId id="266" r:id="rId10"/>
-    <p:sldId id="263" r:id="rId11"/>
-    <p:sldId id="264" r:id="rId12"/>
+    <p:sldId id="265" r:id="rId7"/>
+    <p:sldId id="261" r:id="rId8"/>
+    <p:sldId id="263" r:id="rId9"/>
+    <p:sldId id="264" r:id="rId10"/>
+    <p:sldId id="262" r:id="rId11"/>
   </p:sldIdLst>
   <p:sldSz cx="12192000" cy="6858000"/>
   <p:notesSz cx="6858000" cy="9144000"/>
@@ -120,6 +119,32 @@
     </p:ext>
   </p:extLst>
 </p:presentation>
+</file>
+
+<file path=ppt/commentAuthors.xml><?xml version="1.0" encoding="utf-8"?>
+<p:cmAuthorLst xmlns:a="http://schemas.openxmlformats.org/drawingml/2006/main" xmlns:r="http://schemas.openxmlformats.org/officeDocument/2006/relationships" xmlns:p="http://schemas.openxmlformats.org/presentationml/2006/main">
+  <p:cmAuthor id="1" name="Bryan MacGavin" initials="BM" lastIdx="1" clrIdx="0">
+    <p:extLst>
+      <p:ext uri="{19B8F6BF-5375-455C-9EA6-DF929625EA0E}">
+        <p15:presenceInfo xmlns:p15="http://schemas.microsoft.com/office/powerpoint/2012/main" userId="13e7cccde5f46968" providerId="Windows Live"/>
+      </p:ext>
+    </p:extLst>
+  </p:cmAuthor>
+</p:cmAuthorLst>
+</file>
+
+<file path=ppt/comments/comment1.xml><?xml version="1.0" encoding="utf-8"?>
+<p:cmLst xmlns:a="http://schemas.openxmlformats.org/drawingml/2006/main" xmlns:r="http://schemas.openxmlformats.org/officeDocument/2006/relationships" xmlns:p="http://schemas.openxmlformats.org/presentationml/2006/main">
+  <p:cm authorId="1" dt="2019-12-01T10:38:54.480" idx="1">
+    <p:pos x="861" y="1396"/>
+    <p:text/>
+    <p:extLst>
+      <p:ext uri="{C676402C-5697-4E1C-873F-D02D1690AC5C}">
+        <p15:threadingInfo xmlns:p15="http://schemas.microsoft.com/office/powerpoint/2012/main" timeZoneBias="360"/>
+      </p:ext>
+    </p:extLst>
+  </p:cm>
+</p:cmLst>
 </file>
 
 <file path=ppt/diagrams/colors1.xml><?xml version="1.0" encoding="utf-8"?>
@@ -4500,7 +4525,7 @@
             <a:defRPr b="1"/>
           </a:pPr>
           <a:r>
-            <a:rPr lang="en-US"/>
+            <a:rPr lang="en-US" dirty="0"/>
             <a:t>2 X 2 Design</a:t>
           </a:r>
         </a:p>
@@ -4529,16 +4554,20 @@
       </dgm:t>
     </dgm:pt>
     <dgm:pt modelId="{D30D765A-D94F-47EF-9401-A2BC51E418B2}">
-      <dgm:prSet/>
+      <dgm:prSet custT="1"/>
       <dgm:spPr/>
       <dgm:t>
         <a:bodyPr/>
         <a:lstStyle/>
         <a:p>
           <a:r>
-            <a:rPr lang="en-US"/>
+            <a:rPr lang="en-US" sz="1600" dirty="0"/>
             <a:t>IVs/Manipulated Variables: Deviation Distance, Presence of Laser</a:t>
           </a:r>
+          <a:br>
+            <a:rPr lang="en-US" sz="1600" dirty="0"/>
+          </a:br>
+          <a:endParaRPr lang="en-US" sz="1600" dirty="0"/>
         </a:p>
       </dgm:t>
     </dgm:pt>
@@ -4565,14 +4594,14 @@
       </dgm:t>
     </dgm:pt>
     <dgm:pt modelId="{4C2D5D9A-17C6-4362-87F8-E86F001E696F}">
-      <dgm:prSet/>
+      <dgm:prSet custT="1"/>
       <dgm:spPr/>
       <dgm:t>
         <a:bodyPr/>
         <a:lstStyle/>
         <a:p>
           <a:r>
-            <a:rPr lang="en-US"/>
+            <a:rPr lang="en-US" sz="1600" dirty="0"/>
             <a:t>DVs/Measured Variables: Participant Perception and Confidence</a:t>
           </a:r>
         </a:p>
@@ -4611,7 +4640,7 @@
             <a:defRPr b="1"/>
           </a:pPr>
           <a:r>
-            <a:rPr lang="en-US"/>
+            <a:rPr lang="en-US" dirty="0"/>
             <a:t>3 Targets</a:t>
           </a:r>
         </a:p>
@@ -4929,7 +4958,7 @@
             <a:defRPr cap="all"/>
           </a:pPr>
           <a:r>
-            <a:rPr lang="en-US"/>
+            <a:rPr lang="en-US" dirty="0"/>
             <a:t>My dog will chase a laser to the end of the earth</a:t>
           </a:r>
         </a:p>
@@ -6204,7 +6233,7 @@
       </dsp:nvSpPr>
       <dsp:spPr>
         <a:xfrm>
-          <a:off x="4985" y="634882"/>
+          <a:off x="4985" y="533986"/>
           <a:ext cx="1049835" cy="1049835"/>
         </a:xfrm>
         <a:prstGeom prst="rect">
@@ -6253,7 +6282,7 @@
       </dsp:nvSpPr>
       <dsp:spPr>
         <a:xfrm>
-          <a:off x="4985" y="1790319"/>
+          <a:off x="4985" y="1728053"/>
           <a:ext cx="2999531" cy="449929"/>
         </a:xfrm>
         <a:prstGeom prst="rect">
@@ -6297,13 +6326,13 @@
             <a:defRPr b="1"/>
           </a:pPr>
           <a:r>
-            <a:rPr lang="en-US" sz="1700" kern="1200"/>
+            <a:rPr lang="en-US" sz="1700" kern="1200" dirty="0"/>
             <a:t>2 X 2 Design</a:t>
           </a:r>
         </a:p>
       </dsp:txBody>
       <dsp:txXfrm>
-        <a:off x="4985" y="1790319"/>
+        <a:off x="4985" y="1728053"/>
         <a:ext cx="2999531" cy="449929"/>
       </dsp:txXfrm>
     </dsp:sp>
@@ -6314,8 +6343,8 @@
       </dsp:nvSpPr>
       <dsp:spPr>
         <a:xfrm>
-          <a:off x="4985" y="2289366"/>
-          <a:ext cx="2999531" cy="801363"/>
+          <a:off x="4985" y="2245067"/>
+          <a:ext cx="2999531" cy="1643124"/>
         </a:xfrm>
         <a:prstGeom prst="rect">
           <a:avLst/>
@@ -6344,7 +6373,7 @@
         </a:bodyPr>
         <a:lstStyle/>
         <a:p>
-          <a:pPr marL="0" lvl="0" indent="0" algn="l" defTabSz="577850">
+          <a:pPr marL="0" lvl="0" indent="0" algn="l" defTabSz="711200">
             <a:lnSpc>
               <a:spcPct val="90000"/>
             </a:lnSpc>
@@ -6357,12 +6386,16 @@
             <a:buNone/>
           </a:pPr>
           <a:r>
-            <a:rPr lang="en-US" sz="1300" kern="1200"/>
+            <a:rPr lang="en-US" sz="1600" kern="1200" dirty="0"/>
             <a:t>IVs/Manipulated Variables: Deviation Distance, Presence of Laser</a:t>
           </a:r>
+          <a:br>
+            <a:rPr lang="en-US" sz="1600" kern="1200" dirty="0"/>
+          </a:br>
+          <a:endParaRPr lang="en-US" sz="1600" kern="1200" dirty="0"/>
         </a:p>
         <a:p>
-          <a:pPr marL="0" lvl="0" indent="0" algn="l" defTabSz="577850">
+          <a:pPr marL="0" lvl="0" indent="0" algn="l" defTabSz="711200">
             <a:lnSpc>
               <a:spcPct val="90000"/>
             </a:lnSpc>
@@ -6375,14 +6408,14 @@
             <a:buNone/>
           </a:pPr>
           <a:r>
-            <a:rPr lang="en-US" sz="1300" kern="1200"/>
+            <a:rPr lang="en-US" sz="1600" kern="1200" dirty="0"/>
             <a:t>DVs/Measured Variables: Participant Perception and Confidence</a:t>
           </a:r>
         </a:p>
       </dsp:txBody>
       <dsp:txXfrm>
-        <a:off x="4985" y="2289366"/>
-        <a:ext cx="2999531" cy="801363"/>
+        <a:off x="4985" y="2245067"/>
+        <a:ext cx="2999531" cy="1643124"/>
       </dsp:txXfrm>
     </dsp:sp>
     <dsp:sp modelId="{4A0DCEBF-54DA-41C8-8EBB-9FDD7687E419}">
@@ -6392,7 +6425,7 @@
       </dsp:nvSpPr>
       <dsp:spPr>
         <a:xfrm>
-          <a:off x="3529434" y="634882"/>
+          <a:off x="3529434" y="533986"/>
           <a:ext cx="1049835" cy="1049835"/>
         </a:xfrm>
         <a:prstGeom prst="rect">
@@ -6441,7 +6474,7 @@
       </dsp:nvSpPr>
       <dsp:spPr>
         <a:xfrm>
-          <a:off x="3529434" y="1790319"/>
+          <a:off x="3529434" y="1728053"/>
           <a:ext cx="2999531" cy="449929"/>
         </a:xfrm>
         <a:prstGeom prst="rect">
@@ -6485,13 +6518,13 @@
             <a:defRPr b="1"/>
           </a:pPr>
           <a:r>
-            <a:rPr lang="en-US" sz="1700" kern="1200"/>
+            <a:rPr lang="en-US" sz="1700" kern="1200" dirty="0"/>
             <a:t>3 Targets</a:t>
           </a:r>
         </a:p>
       </dsp:txBody>
       <dsp:txXfrm>
-        <a:off x="3529434" y="1790319"/>
+        <a:off x="3529434" y="1728053"/>
         <a:ext cx="2999531" cy="449929"/>
       </dsp:txXfrm>
     </dsp:sp>
@@ -6502,8 +6535,8 @@
       </dsp:nvSpPr>
       <dsp:spPr>
         <a:xfrm>
-          <a:off x="3529434" y="2289366"/>
-          <a:ext cx="2999531" cy="801363"/>
+          <a:off x="3529434" y="2245067"/>
+          <a:ext cx="2999531" cy="1643124"/>
         </a:xfrm>
         <a:prstGeom prst="rect">
           <a:avLst/>
@@ -6534,7 +6567,7 @@
       </dsp:nvSpPr>
       <dsp:spPr>
         <a:xfrm>
-          <a:off x="7053883" y="634882"/>
+          <a:off x="7053883" y="533986"/>
           <a:ext cx="1049835" cy="1049835"/>
         </a:xfrm>
         <a:prstGeom prst="rect">
@@ -6583,7 +6616,7 @@
       </dsp:nvSpPr>
       <dsp:spPr>
         <a:xfrm>
-          <a:off x="7053883" y="1790319"/>
+          <a:off x="7053883" y="1728053"/>
           <a:ext cx="2999531" cy="449929"/>
         </a:xfrm>
         <a:prstGeom prst="rect">
@@ -6633,7 +6666,7 @@
         </a:p>
       </dsp:txBody>
       <dsp:txXfrm>
-        <a:off x="7053883" y="1790319"/>
+        <a:off x="7053883" y="1728053"/>
         <a:ext cx="2999531" cy="449929"/>
       </dsp:txXfrm>
     </dsp:sp>
@@ -6644,8 +6677,8 @@
       </dsp:nvSpPr>
       <dsp:spPr>
         <a:xfrm>
-          <a:off x="7053883" y="2289366"/>
-          <a:ext cx="2999531" cy="801363"/>
+          <a:off x="7053883" y="2245067"/>
+          <a:ext cx="2999531" cy="1643124"/>
         </a:xfrm>
         <a:prstGeom prst="rect">
           <a:avLst/>
@@ -6820,7 +6853,7 @@
             <a:defRPr cap="all"/>
           </a:pPr>
           <a:r>
-            <a:rPr lang="en-US" sz="1700" kern="1200"/>
+            <a:rPr lang="en-US" sz="1700" kern="1200" dirty="0"/>
             <a:t>My dog will chase a laser to the end of the earth</a:t>
           </a:r>
         </a:p>
@@ -12749,7 +12782,7 @@
           <a:p>
             <a:fld id="{EA0C0817-A112-4847-8014-A94B7D2A4EA3}" type="datetime1">
               <a:rPr lang="en-US" smtClean="0"/>
-              <a:t>11/26/2019</a:t>
+              <a:t>12/1/2019</a:t>
             </a:fld>
             <a:endParaRPr lang="en-US" dirty="0"/>
           </a:p>
@@ -12951,7 +12984,7 @@
           <a:p>
             <a:fld id="{134F40B7-36AB-4376-BE14-EF7004D79BB9}" type="datetime1">
               <a:rPr lang="en-US" smtClean="0"/>
-              <a:t>11/26/2019</a:t>
+              <a:t>12/1/2019</a:t>
             </a:fld>
             <a:endParaRPr lang="en-US"/>
           </a:p>
@@ -13131,7 +13164,7 @@
           <a:p>
             <a:fld id="{FF87CAB8-DCAE-46A5-AADA-B3FAD11A54E0}" type="datetime1">
               <a:rPr lang="en-US" smtClean="0"/>
-              <a:t>11/26/2019</a:t>
+              <a:t>12/1/2019</a:t>
             </a:fld>
             <a:endParaRPr lang="en-US"/>
           </a:p>
@@ -13301,7 +13334,7 @@
           <a:p>
             <a:fld id="{7332B432-ACDA-4023-A761-2BAB76577B62}" type="datetime1">
               <a:rPr lang="en-US" smtClean="0"/>
-              <a:t>11/26/2019</a:t>
+              <a:t>12/1/2019</a:t>
             </a:fld>
             <a:endParaRPr lang="en-US"/>
           </a:p>
@@ -13900,7 +13933,7 @@
           <a:p>
             <a:fld id="{D9C646AA-F36E-4540-911D-FFFC0A0EF24A}" type="datetime1">
               <a:rPr lang="en-US" smtClean="0"/>
-              <a:t>11/26/2019</a:t>
+              <a:t>12/1/2019</a:t>
             </a:fld>
             <a:endParaRPr lang="en-US" dirty="0"/>
           </a:p>
@@ -14220,7 +14253,7 @@
           <a:p>
             <a:fld id="{69186D26-FA5F-4637-B602-B7C2DC34CFD4}" type="datetime1">
               <a:rPr lang="en-US" smtClean="0"/>
-              <a:t>11/26/2019</a:t>
+              <a:t>12/1/2019</a:t>
             </a:fld>
             <a:endParaRPr lang="en-US"/>
           </a:p>
@@ -14655,7 +14688,7 @@
           <a:p>
             <a:fld id="{8A7F15D8-96D1-4781-BC50-CA8A088B2FE4}" type="datetime1">
               <a:rPr lang="en-US" smtClean="0"/>
-              <a:t>11/26/2019</a:t>
+              <a:t>12/1/2019</a:t>
             </a:fld>
             <a:endParaRPr lang="en-US"/>
           </a:p>
@@ -14773,7 +14806,7 @@
           <a:p>
             <a:fld id="{F9A96C99-B8F8-4528-BD05-0E16E943DC09}" type="datetime1">
               <a:rPr lang="en-US" smtClean="0"/>
-              <a:t>11/26/2019</a:t>
+              <a:t>12/1/2019</a:t>
             </a:fld>
             <a:endParaRPr lang="en-US"/>
           </a:p>
@@ -14868,7 +14901,7 @@
           <a:p>
             <a:fld id="{03636942-C211-4B28-8DBD-C953E00AF71B}" type="datetime1">
               <a:rPr lang="en-US" smtClean="0"/>
-              <a:t>11/26/2019</a:t>
+              <a:t>12/1/2019</a:t>
             </a:fld>
             <a:endParaRPr lang="en-US"/>
           </a:p>
@@ -15285,7 +15318,7 @@
           <a:p>
             <a:fld id="{7E8D12A6-918A-48BD-8CB9-CA713993B0EA}" type="datetime1">
               <a:rPr lang="en-US" smtClean="0"/>
-              <a:t>11/26/2019</a:t>
+              <a:t>12/1/2019</a:t>
             </a:fld>
             <a:endParaRPr lang="en-US"/>
           </a:p>
@@ -15547,7 +15580,7 @@
             <a:fld id="{E778CE86-875F-4587-BCF6-FA054AFC0D53}" type="datetime1">
               <a:rPr lang="en-US" smtClean="0"/>
               <a:pPr/>
-              <a:t>11/26/2019</a:t>
+              <a:t>12/1/2019</a:t>
             </a:fld>
             <a:endParaRPr lang="en-US" dirty="0"/>
           </a:p>
@@ -16063,7 +16096,7 @@
           <a:p>
             <a:fld id="{F6FA2B21-3FCD-4721-B95C-427943F61125}" type="datetime1">
               <a:rPr lang="en-US" smtClean="0"/>
-              <a:t>11/26/2019</a:t>
+              <a:t>12/1/2019</a:t>
             </a:fld>
             <a:endParaRPr lang="en-US"/>
           </a:p>
@@ -16832,6 +16865,14 @@
 <file path=ppt/slides/slide10.xml><?xml version="1.0" encoding="utf-8"?>
 <p:sld xmlns:a="http://schemas.openxmlformats.org/drawingml/2006/main" xmlns:r="http://schemas.openxmlformats.org/officeDocument/2006/relationships" xmlns:p="http://schemas.openxmlformats.org/presentationml/2006/main">
   <p:cSld>
+    <p:bg>
+      <p:bgPr>
+        <a:solidFill>
+          <a:schemeClr val="bg1"/>
+        </a:solidFill>
+        <a:effectLst/>
+      </p:bgPr>
+    </p:bg>
     <p:spTree>
       <p:nvGrpSpPr>
         <p:cNvPr id="1" name=""/>
@@ -16851,7 +16892,7 @@
           <p:cNvPr id="2" name="Title 1">
             <a:extLst>
               <a:ext uri="{FF2B5EF4-FFF2-40B4-BE49-F238E27FC236}">
-                <a16:creationId xmlns:a16="http://schemas.microsoft.com/office/drawing/2014/main" id="{6B7EFD50-B4A5-B844-890D-D0C85687797C}"/>
+                <a16:creationId xmlns:a16="http://schemas.microsoft.com/office/drawing/2014/main" id="{C0AF16EB-16E6-3943-BB9F-131795B594B5}"/>
               </a:ext>
             </a:extLst>
           </p:cNvPr>
@@ -16862,298 +16903,62 @@
             <p:ph type="title"/>
           </p:nvPr>
         </p:nvSpPr>
-        <p:spPr/>
+        <p:spPr>
+          <a:xfrm>
+            <a:off x="1066800" y="642594"/>
+            <a:ext cx="10058400" cy="1371600"/>
+          </a:xfrm>
+        </p:spPr>
         <p:txBody>
-          <a:bodyPr/>
+          <a:bodyPr>
+            <a:normAutofit/>
+          </a:bodyPr>
           <a:lstStyle/>
           <a:p>
+            <a:pPr algn="ctr"/>
             <a:r>
               <a:rPr lang="en-US" dirty="0"/>
-              <a:t>Challenges</a:t>
+              <a:t>Findings</a:t>
             </a:r>
+            <a:endParaRPr lang="en-US"/>
           </a:p>
         </p:txBody>
       </p:sp>
-      <p:sp>
-        <p:nvSpPr>
-          <p:cNvPr id="3" name="Content Placeholder 2">
+      <p:graphicFrame>
+        <p:nvGraphicFramePr>
+          <p:cNvPr id="5" name="Content Placeholder 2">
             <a:extLst>
               <a:ext uri="{FF2B5EF4-FFF2-40B4-BE49-F238E27FC236}">
-                <a16:creationId xmlns:a16="http://schemas.microsoft.com/office/drawing/2014/main" id="{C7B3FC05-D0E1-4845-AD31-AA88CAE78CA9}"/>
+                <a16:creationId xmlns:a16="http://schemas.microsoft.com/office/drawing/2014/main" id="{C3D26FCD-F511-4722-8DB5-C91863A3E186}"/>
               </a:ext>
             </a:extLst>
           </p:cNvPr>
-          <p:cNvSpPr>
-            <a:spLocks noGrp="1"/>
-          </p:cNvSpPr>
+          <p:cNvGraphicFramePr>
+            <a:graphicFrameLocks noGrp="1"/>
+          </p:cNvGraphicFramePr>
           <p:nvPr>
             <p:ph idx="1"/>
+            <p:extLst>
+              <p:ext uri="{D42A27DB-BD31-4B8C-83A1-F6EECF244321}">
+                <p14:modId xmlns:p14="http://schemas.microsoft.com/office/powerpoint/2010/main" val="354001289"/>
+              </p:ext>
+            </p:extLst>
           </p:nvPr>
-        </p:nvSpPr>
-        <p:spPr/>
-        <p:txBody>
-          <a:bodyPr>
-            <a:normAutofit fontScale="92500" lnSpcReduction="20000"/>
-          </a:bodyPr>
-          <a:lstStyle/>
-          <a:p>
-            <a:r>
-              <a:rPr lang="en-US" dirty="0"/>
-              <a:t>Hardware</a:t>
-            </a:r>
-          </a:p>
-          <a:p>
-            <a:pPr lvl="1"/>
-            <a:r>
-              <a:rPr lang="en-US" dirty="0"/>
-              <a:t>Arm:</a:t>
-            </a:r>
-          </a:p>
-          <a:p>
-            <a:pPr lvl="2"/>
-            <a:r>
-              <a:rPr lang="en-US" dirty="0"/>
-              <a:t>Initial arm set up with correct wiring and </a:t>
-            </a:r>
-            <a:r>
-              <a:rPr lang="en-US" dirty="0" err="1"/>
-              <a:t>usb</a:t>
-            </a:r>
-            <a:r>
-              <a:rPr lang="en-US" dirty="0"/>
-              <a:t> plug in</a:t>
-            </a:r>
-          </a:p>
-          <a:p>
-            <a:pPr lvl="1"/>
-            <a:r>
-              <a:rPr lang="en-US" dirty="0"/>
-              <a:t>Hand:</a:t>
-            </a:r>
-          </a:p>
-          <a:p>
-            <a:pPr lvl="2"/>
-            <a:r>
-              <a:rPr lang="en-US" dirty="0"/>
-              <a:t>Updated to latest ROS build, interfacing between hand and arm, </a:t>
-            </a:r>
-          </a:p>
-          <a:p>
-            <a:r>
-              <a:rPr lang="en-US" dirty="0"/>
-              <a:t>Software</a:t>
-            </a:r>
-          </a:p>
-          <a:p>
-            <a:pPr lvl="1"/>
-            <a:r>
-              <a:rPr lang="en-US" dirty="0" err="1"/>
-              <a:t>Reflashing</a:t>
-            </a:r>
-            <a:r>
-              <a:rPr lang="en-US" dirty="0"/>
-              <a:t> with new libraries, learning to include GitHub into ROS</a:t>
-            </a:r>
-          </a:p>
-          <a:p>
-            <a:pPr lvl="1"/>
-            <a:r>
-              <a:rPr lang="en-US" dirty="0"/>
-              <a:t>Arm:</a:t>
-            </a:r>
-          </a:p>
-          <a:p>
-            <a:pPr lvl="2"/>
-            <a:r>
-              <a:rPr lang="en-US" dirty="0"/>
-              <a:t>Precise trajectory movement due to error accumulation </a:t>
-            </a:r>
-          </a:p>
-          <a:p>
-            <a:pPr lvl="2"/>
-            <a:r>
-              <a:rPr lang="en-US" dirty="0"/>
-              <a:t>List of setup commands need to run after restart</a:t>
-            </a:r>
-          </a:p>
-          <a:p>
-            <a:pPr lvl="3"/>
-            <a:r>
-              <a:rPr lang="en-US" dirty="0"/>
-              <a:t>Activate </a:t>
-            </a:r>
-            <a:r>
-              <a:rPr lang="en-US" dirty="0" err="1"/>
-              <a:t>usb</a:t>
-            </a:r>
-            <a:r>
-              <a:rPr lang="en-US" dirty="0"/>
-              <a:t> port</a:t>
-            </a:r>
-          </a:p>
-          <a:p>
-            <a:pPr lvl="3"/>
-            <a:r>
-              <a:rPr lang="en-US" dirty="0"/>
-              <a:t>Catkin build</a:t>
-            </a:r>
-          </a:p>
-          <a:p>
-            <a:pPr lvl="3"/>
-            <a:r>
-              <a:rPr lang="en-US" dirty="0" err="1"/>
-              <a:t>Setup.bash</a:t>
-            </a:r>
-            <a:endParaRPr lang="en-US" dirty="0"/>
-          </a:p>
-          <a:p>
-            <a:pPr lvl="3"/>
-            <a:r>
-              <a:rPr lang="en-US" dirty="0"/>
-              <a:t>Then </a:t>
-            </a:r>
-            <a:r>
-              <a:rPr lang="en-US" dirty="0" err="1"/>
-              <a:t>roslaunch</a:t>
-            </a:r>
-            <a:endParaRPr lang="en-US" dirty="0"/>
-          </a:p>
-          <a:p>
-            <a:pPr lvl="4"/>
-            <a:r>
-              <a:rPr lang="en-US" dirty="0"/>
-              <a:t>Sliders with </a:t>
-            </a:r>
-            <a:r>
-              <a:rPr lang="en-US" dirty="0" err="1"/>
-              <a:t>rqt_joint_trajectory_controller</a:t>
-            </a:r>
-            <a:endParaRPr lang="en-US" dirty="0"/>
-          </a:p>
-          <a:p>
-            <a:pPr lvl="1"/>
-            <a:r>
-              <a:rPr lang="en-US" dirty="0"/>
-              <a:t>Hand:</a:t>
-            </a:r>
-          </a:p>
-          <a:p>
-            <a:pPr lvl="2"/>
-            <a:r>
-              <a:rPr lang="en-US" dirty="0"/>
-              <a:t>Fill here</a:t>
-            </a:r>
-          </a:p>
-        </p:txBody>
-      </p:sp>
+        </p:nvGraphicFramePr>
+        <p:xfrm>
+          <a:off x="1066800" y="2310063"/>
+          <a:ext cx="10058400" cy="3725612"/>
+        </p:xfrm>
+        <a:graphic>
+          <a:graphicData uri="http://schemas.openxmlformats.org/drawingml/2006/diagram">
+            <dgm:relIds xmlns:dgm="http://schemas.openxmlformats.org/drawingml/2006/diagram" xmlns:r="http://schemas.openxmlformats.org/officeDocument/2006/relationships" r:dm="rId2" r:lo="rId3" r:qs="rId4" r:cs="rId5"/>
+          </a:graphicData>
+        </a:graphic>
+      </p:graphicFrame>
     </p:spTree>
     <p:extLst>
       <p:ext uri="{BB962C8B-B14F-4D97-AF65-F5344CB8AC3E}">
-        <p14:creationId xmlns:p14="http://schemas.microsoft.com/office/powerpoint/2010/main" val="3853216191"/>
-      </p:ext>
-    </p:extLst>
-  </p:cSld>
-  <p:clrMapOvr>
-    <a:masterClrMapping/>
-  </p:clrMapOvr>
-</p:sld>
-</file>
-
-<file path=ppt/slides/slide11.xml><?xml version="1.0" encoding="utf-8"?>
-<p:sld xmlns:a="http://schemas.openxmlformats.org/drawingml/2006/main" xmlns:r="http://schemas.openxmlformats.org/officeDocument/2006/relationships" xmlns:p="http://schemas.openxmlformats.org/presentationml/2006/main">
-  <p:cSld>
-    <p:spTree>
-      <p:nvGrpSpPr>
-        <p:cNvPr id="1" name=""/>
-        <p:cNvGrpSpPr/>
-        <p:nvPr/>
-      </p:nvGrpSpPr>
-      <p:grpSpPr>
-        <a:xfrm>
-          <a:off x="0" y="0"/>
-          <a:ext cx="0" cy="0"/>
-          <a:chOff x="0" y="0"/>
-          <a:chExt cx="0" cy="0"/>
-        </a:xfrm>
-      </p:grpSpPr>
-      <p:sp>
-        <p:nvSpPr>
-          <p:cNvPr id="2" name="Title 1">
-            <a:extLst>
-              <a:ext uri="{FF2B5EF4-FFF2-40B4-BE49-F238E27FC236}">
-                <a16:creationId xmlns:a16="http://schemas.microsoft.com/office/drawing/2014/main" id="{911CAB4A-5F12-7D4F-B2E4-59E47AA2A522}"/>
-              </a:ext>
-            </a:extLst>
-          </p:cNvPr>
-          <p:cNvSpPr>
-            <a:spLocks noGrp="1"/>
-          </p:cNvSpPr>
-          <p:nvPr>
-            <p:ph type="title"/>
-          </p:nvPr>
-        </p:nvSpPr>
-        <p:spPr/>
-        <p:txBody>
-          <a:bodyPr/>
-          <a:lstStyle/>
-          <a:p>
-            <a:r>
-              <a:rPr lang="en-US" dirty="0"/>
-              <a:t>What We Learned</a:t>
-            </a:r>
-          </a:p>
-        </p:txBody>
-      </p:sp>
-      <p:sp>
-        <p:nvSpPr>
-          <p:cNvPr id="3" name="Content Placeholder 2">
-            <a:extLst>
-              <a:ext uri="{FF2B5EF4-FFF2-40B4-BE49-F238E27FC236}">
-                <a16:creationId xmlns:a16="http://schemas.microsoft.com/office/drawing/2014/main" id="{5F889957-674F-B747-B37B-1B18BA2ECA64}"/>
-              </a:ext>
-            </a:extLst>
-          </p:cNvPr>
-          <p:cNvSpPr>
-            <a:spLocks noGrp="1"/>
-          </p:cNvSpPr>
-          <p:nvPr>
-            <p:ph idx="1"/>
-          </p:nvPr>
-        </p:nvSpPr>
-        <p:spPr/>
-        <p:txBody>
-          <a:bodyPr/>
-          <a:lstStyle/>
-          <a:p>
-            <a:r>
-              <a:rPr lang="en-US" dirty="0"/>
-              <a:t>Git</a:t>
-            </a:r>
-          </a:p>
-          <a:p>
-            <a:r>
-              <a:rPr lang="en-US" dirty="0"/>
-              <a:t>ROS</a:t>
-            </a:r>
-          </a:p>
-          <a:p>
-            <a:r>
-              <a:rPr lang="en-US" dirty="0"/>
-              <a:t>Hardware setup</a:t>
-            </a:r>
-          </a:p>
-          <a:p>
-            <a:r>
-              <a:rPr lang="en-US" dirty="0"/>
-              <a:t>The Beauty of Improvisation</a:t>
-            </a:r>
-          </a:p>
-        </p:txBody>
-      </p:sp>
-    </p:spTree>
-    <p:extLst>
-      <p:ext uri="{BB962C8B-B14F-4D97-AF65-F5344CB8AC3E}">
-        <p14:creationId xmlns:p14="http://schemas.microsoft.com/office/powerpoint/2010/main" val="3607730106"/>
+        <p14:creationId xmlns:p14="http://schemas.microsoft.com/office/powerpoint/2010/main" val="2739376859"/>
       </p:ext>
     </p:extLst>
   </p:cSld>
@@ -18260,7 +18065,7 @@
           <a:lstStyle/>
           <a:p>
             <a:r>
-              <a:rPr lang="en-US" dirty="0"/>
+              <a:rPr lang="en-US" sz="2400" dirty="0"/>
               <a:t>When a robot points, how does precision affect human interpretation of where an object would be?</a:t>
             </a:r>
           </a:p>
@@ -18269,14 +18074,22 @@
           </a:p>
           <a:p>
             <a:r>
-              <a:rPr lang="en-US" dirty="0"/>
+              <a:rPr lang="en-US" sz="2400" dirty="0"/>
+              <a:t>What we measure:</a:t>
+            </a:r>
+          </a:p>
+          <a:p>
+            <a:pPr lvl="1"/>
+            <a:r>
+              <a:rPr lang="en-US" sz="1800" dirty="0"/>
               <a:t>Deviation vs. Human Confidence</a:t>
             </a:r>
           </a:p>
           <a:p>
+            <a:pPr lvl="1"/>
             <a:r>
-              <a:rPr lang="en-US" dirty="0"/>
-              <a:t>With a laser (precision handicap) vs. without a laser (natural pointing)</a:t>
+              <a:rPr lang="en-US" sz="1800" dirty="0"/>
+              <a:t>With a laser (precision handicap) at a target vs. without a laser (natural pointing) at a target</a:t>
             </a:r>
           </a:p>
           <a:p>
@@ -18298,142 +18111,6 @@
 </file>
 
 <file path=ppt/slides/slide6.xml><?xml version="1.0" encoding="utf-8"?>
-<p:sld xmlns:a="http://schemas.openxmlformats.org/drawingml/2006/main" xmlns:r="http://schemas.openxmlformats.org/officeDocument/2006/relationships" xmlns:p="http://schemas.openxmlformats.org/presentationml/2006/main">
-  <p:cSld>
-    <p:spTree>
-      <p:nvGrpSpPr>
-        <p:cNvPr id="1" name=""/>
-        <p:cNvGrpSpPr/>
-        <p:nvPr/>
-      </p:nvGrpSpPr>
-      <p:grpSpPr>
-        <a:xfrm>
-          <a:off x="0" y="0"/>
-          <a:ext cx="0" cy="0"/>
-          <a:chOff x="0" y="0"/>
-          <a:chExt cx="0" cy="0"/>
-        </a:xfrm>
-      </p:grpSpPr>
-      <p:sp>
-        <p:nvSpPr>
-          <p:cNvPr id="2" name="Title 1">
-            <a:extLst>
-              <a:ext uri="{FF2B5EF4-FFF2-40B4-BE49-F238E27FC236}">
-                <a16:creationId xmlns:a16="http://schemas.microsoft.com/office/drawing/2014/main" id="{4FC55BF4-E044-E946-808F-AAE2946F1DC6}"/>
-              </a:ext>
-            </a:extLst>
-          </p:cNvPr>
-          <p:cNvSpPr>
-            <a:spLocks noGrp="1"/>
-          </p:cNvSpPr>
-          <p:nvPr>
-            <p:ph type="title"/>
-          </p:nvPr>
-        </p:nvSpPr>
-        <p:spPr/>
-        <p:txBody>
-          <a:bodyPr/>
-          <a:lstStyle/>
-          <a:p>
-            <a:r>
-              <a:rPr lang="en-US" dirty="0"/>
-              <a:t>Implementation</a:t>
-            </a:r>
-          </a:p>
-        </p:txBody>
-      </p:sp>
-      <p:sp>
-        <p:nvSpPr>
-          <p:cNvPr id="3" name="Content Placeholder 2">
-            <a:extLst>
-              <a:ext uri="{FF2B5EF4-FFF2-40B4-BE49-F238E27FC236}">
-                <a16:creationId xmlns:a16="http://schemas.microsoft.com/office/drawing/2014/main" id="{F04C5D2F-6431-2740-A7FD-94E9A60D45BD}"/>
-              </a:ext>
-            </a:extLst>
-          </p:cNvPr>
-          <p:cNvSpPr>
-            <a:spLocks noGrp="1"/>
-          </p:cNvSpPr>
-          <p:nvPr>
-            <p:ph idx="1"/>
-          </p:nvPr>
-        </p:nvSpPr>
-        <p:spPr/>
-        <p:txBody>
-          <a:bodyPr/>
-          <a:lstStyle/>
-          <a:p>
-            <a:r>
-              <a:rPr lang="en-US" dirty="0"/>
-              <a:t>ROS stinks</a:t>
-            </a:r>
-          </a:p>
-          <a:p>
-            <a:r>
-              <a:rPr lang="en-US" dirty="0" err="1"/>
-              <a:t>Cutecom</a:t>
-            </a:r>
-            <a:r>
-              <a:rPr lang="en-US" dirty="0"/>
-              <a:t> is bae</a:t>
-            </a:r>
-          </a:p>
-          <a:p>
-            <a:r>
-              <a:rPr lang="en-US" dirty="0"/>
-              <a:t>TGFAS (Thank God For Arm Sliders)</a:t>
-            </a:r>
-          </a:p>
-          <a:p>
-            <a:r>
-              <a:rPr lang="en-US" dirty="0"/>
-              <a:t>Why so many errors </a:t>
-            </a:r>
-            <a:r>
-              <a:rPr lang="en-US" dirty="0" err="1"/>
-              <a:t>tho</a:t>
-            </a:r>
-            <a:r>
-              <a:rPr lang="en-US" dirty="0"/>
-              <a:t>?</a:t>
-            </a:r>
-          </a:p>
-          <a:p>
-            <a:r>
-              <a:rPr lang="en-US" dirty="0"/>
-              <a:t>I swear I followed the text file exactly.</a:t>
-            </a:r>
-          </a:p>
-          <a:p>
-            <a:r>
-              <a:rPr lang="en-US" dirty="0"/>
-              <a:t>Seriously, did you </a:t>
-            </a:r>
-            <a:r>
-              <a:rPr lang="en-US" dirty="0" err="1"/>
-              <a:t>chmod</a:t>
-            </a:r>
-            <a:r>
-              <a:rPr lang="en-US" dirty="0"/>
-              <a:t> 777?</a:t>
-            </a:r>
-          </a:p>
-        </p:txBody>
-      </p:sp>
-    </p:spTree>
-    <p:extLst>
-      <p:ext uri="{BB962C8B-B14F-4D97-AF65-F5344CB8AC3E}">
-        <p14:creationId xmlns:p14="http://schemas.microsoft.com/office/powerpoint/2010/main" val="1310768622"/>
-      </p:ext>
-    </p:extLst>
-  </p:cSld>
-  <p:clrMapOvr>
-    <a:masterClrMapping/>
-  </p:clrMapOvr>
-</p:sld>
-</file>
-
-<file path=ppt/slides/slide7.xml><?xml version="1.0" encoding="utf-8"?>
 <p:sld xmlns:a="http://schemas.openxmlformats.org/drawingml/2006/main" xmlns:r="http://schemas.openxmlformats.org/officeDocument/2006/relationships" xmlns:p="http://schemas.openxmlformats.org/presentationml/2006/main">
   <p:cSld>
     <p:bg>
@@ -18511,14 +18188,14 @@
             <p:ph idx="1"/>
             <p:extLst>
               <p:ext uri="{D42A27DB-BD31-4B8C-83A1-F6EECF244321}">
-                <p14:modId xmlns:p14="http://schemas.microsoft.com/office/powerpoint/2010/main" val="14930463"/>
+                <p14:modId xmlns:p14="http://schemas.microsoft.com/office/powerpoint/2010/main" val="69485478"/>
               </p:ext>
             </p:extLst>
           </p:nvPr>
         </p:nvGraphicFramePr>
         <p:xfrm>
-          <a:off x="1066800" y="2310063"/>
-          <a:ext cx="10058400" cy="3725612"/>
+          <a:off x="1066800" y="1793228"/>
+          <a:ext cx="10058400" cy="4422178"/>
         </p:xfrm>
         <a:graphic>
           <a:graphicData uri="http://schemas.openxmlformats.org/drawingml/2006/diagram">
@@ -18526,6 +18203,311 @@
           </a:graphicData>
         </a:graphic>
       </p:graphicFrame>
+      <p:grpSp>
+        <p:nvGrpSpPr>
+          <p:cNvPr id="4" name="Group 3">
+            <a:extLst>
+              <a:ext uri="{FF2B5EF4-FFF2-40B4-BE49-F238E27FC236}">
+                <a16:creationId xmlns:a16="http://schemas.microsoft.com/office/drawing/2014/main" id="{8FA972A1-2C26-4FA9-97E8-BEB6A835C97D}"/>
+              </a:ext>
+            </a:extLst>
+          </p:cNvPr>
+          <p:cNvGrpSpPr/>
+          <p:nvPr/>
+        </p:nvGrpSpPr>
+        <p:grpSpPr>
+          <a:xfrm>
+            <a:off x="4596234" y="4022245"/>
+            <a:ext cx="2999531" cy="1643124"/>
+            <a:chOff x="4985" y="2245067"/>
+            <a:chExt cx="2999531" cy="1643124"/>
+          </a:xfrm>
+        </p:grpSpPr>
+        <p:sp>
+          <p:nvSpPr>
+            <p:cNvPr id="6" name="Rectangle 5">
+              <a:extLst>
+                <a:ext uri="{FF2B5EF4-FFF2-40B4-BE49-F238E27FC236}">
+                  <a16:creationId xmlns:a16="http://schemas.microsoft.com/office/drawing/2014/main" id="{F6FA15DA-DC15-4562-823F-C63AEAEB513A}"/>
+                </a:ext>
+              </a:extLst>
+            </p:cNvPr>
+            <p:cNvSpPr/>
+            <p:nvPr/>
+          </p:nvSpPr>
+          <p:spPr>
+            <a:xfrm>
+              <a:off x="4985" y="2245067"/>
+              <a:ext cx="2999531" cy="1643124"/>
+            </a:xfrm>
+            <a:prstGeom prst="rect">
+              <a:avLst/>
+            </a:prstGeom>
+          </p:spPr>
+          <p:style>
+            <a:lnRef idx="0">
+              <a:schemeClr val="dk1">
+                <a:alpha val="0"/>
+                <a:hueOff val="0"/>
+                <a:satOff val="0"/>
+                <a:lumOff val="0"/>
+                <a:alphaOff val="0"/>
+              </a:schemeClr>
+            </a:lnRef>
+            <a:fillRef idx="0">
+              <a:schemeClr val="lt1">
+                <a:alpha val="0"/>
+                <a:hueOff val="0"/>
+                <a:satOff val="0"/>
+                <a:lumOff val="0"/>
+                <a:alphaOff val="0"/>
+              </a:schemeClr>
+            </a:fillRef>
+            <a:effectRef idx="0">
+              <a:schemeClr val="lt1">
+                <a:alpha val="0"/>
+                <a:hueOff val="0"/>
+                <a:satOff val="0"/>
+                <a:lumOff val="0"/>
+                <a:alphaOff val="0"/>
+              </a:schemeClr>
+            </a:effectRef>
+            <a:fontRef idx="minor">
+              <a:schemeClr val="tx1">
+                <a:hueOff val="0"/>
+                <a:satOff val="0"/>
+                <a:lumOff val="0"/>
+                <a:alphaOff val="0"/>
+              </a:schemeClr>
+            </a:fontRef>
+          </p:style>
+        </p:sp>
+        <p:sp>
+          <p:nvSpPr>
+            <p:cNvPr id="7" name="TextBox 6">
+              <a:extLst>
+                <a:ext uri="{FF2B5EF4-FFF2-40B4-BE49-F238E27FC236}">
+                  <a16:creationId xmlns:a16="http://schemas.microsoft.com/office/drawing/2014/main" id="{649D4B2E-0BA2-4471-B24D-40A279803CB7}"/>
+                </a:ext>
+              </a:extLst>
+            </p:cNvPr>
+            <p:cNvSpPr txBox="1"/>
+            <p:nvPr/>
+          </p:nvSpPr>
+          <p:spPr>
+            <a:xfrm>
+              <a:off x="4985" y="2245067"/>
+              <a:ext cx="2999531" cy="1643124"/>
+            </a:xfrm>
+            <a:prstGeom prst="rect">
+              <a:avLst/>
+            </a:prstGeom>
+          </p:spPr>
+          <p:style>
+            <a:lnRef idx="0">
+              <a:scrgbClr r="0" g="0" b="0"/>
+            </a:lnRef>
+            <a:fillRef idx="0">
+              <a:scrgbClr r="0" g="0" b="0"/>
+            </a:fillRef>
+            <a:effectRef idx="0">
+              <a:scrgbClr r="0" g="0" b="0"/>
+            </a:effectRef>
+            <a:fontRef idx="minor">
+              <a:schemeClr val="tx1">
+                <a:hueOff val="0"/>
+                <a:satOff val="0"/>
+                <a:lumOff val="0"/>
+                <a:alphaOff val="0"/>
+              </a:schemeClr>
+            </a:fontRef>
+          </p:style>
+          <p:txBody>
+            <a:bodyPr spcFirstLastPara="0" vert="horz" wrap="square" lIns="0" tIns="0" rIns="0" bIns="0" numCol="1" spcCol="1270" anchor="t" anchorCtr="0">
+              <a:noAutofit/>
+            </a:bodyPr>
+            <a:lstStyle/>
+            <a:p>
+              <a:pPr marL="0" lvl="0" indent="0" algn="l" defTabSz="711200">
+                <a:lnSpc>
+                  <a:spcPct val="90000"/>
+                </a:lnSpc>
+                <a:spcBef>
+                  <a:spcPct val="0"/>
+                </a:spcBef>
+                <a:spcAft>
+                  <a:spcPct val="35000"/>
+                </a:spcAft>
+                <a:buNone/>
+              </a:pPr>
+              <a:r>
+                <a:rPr lang="en-US" sz="1600" dirty="0"/>
+                <a:t>Setup:</a:t>
+              </a:r>
+              <a:br>
+                <a:rPr lang="en-US" sz="1600" dirty="0"/>
+              </a:br>
+              <a:r>
+                <a:rPr lang="en-US" sz="1600" dirty="0"/>
+                <a:t>Each target is attached to a whiteboard, in a diagonal pattern, for the arm to point at.</a:t>
+              </a:r>
+            </a:p>
+          </p:txBody>
+        </p:sp>
+      </p:grpSp>
+      <p:grpSp>
+        <p:nvGrpSpPr>
+          <p:cNvPr id="8" name="Group 7">
+            <a:extLst>
+              <a:ext uri="{FF2B5EF4-FFF2-40B4-BE49-F238E27FC236}">
+                <a16:creationId xmlns:a16="http://schemas.microsoft.com/office/drawing/2014/main" id="{DBF8E28B-96FC-46B1-B30F-3C8051EE5079}"/>
+              </a:ext>
+            </a:extLst>
+          </p:cNvPr>
+          <p:cNvGrpSpPr/>
+          <p:nvPr/>
+        </p:nvGrpSpPr>
+        <p:grpSpPr>
+          <a:xfrm>
+            <a:off x="8125668" y="4022245"/>
+            <a:ext cx="2999531" cy="1643124"/>
+            <a:chOff x="4985" y="2245067"/>
+            <a:chExt cx="2999531" cy="1643124"/>
+          </a:xfrm>
+        </p:grpSpPr>
+        <p:sp>
+          <p:nvSpPr>
+            <p:cNvPr id="9" name="Rectangle 8">
+              <a:extLst>
+                <a:ext uri="{FF2B5EF4-FFF2-40B4-BE49-F238E27FC236}">
+                  <a16:creationId xmlns:a16="http://schemas.microsoft.com/office/drawing/2014/main" id="{C76A6BB3-CE82-4681-884B-EAF345100A1E}"/>
+                </a:ext>
+              </a:extLst>
+            </p:cNvPr>
+            <p:cNvSpPr/>
+            <p:nvPr/>
+          </p:nvSpPr>
+          <p:spPr>
+            <a:xfrm>
+              <a:off x="4985" y="2245067"/>
+              <a:ext cx="2999531" cy="1643124"/>
+            </a:xfrm>
+            <a:prstGeom prst="rect">
+              <a:avLst/>
+            </a:prstGeom>
+          </p:spPr>
+          <p:style>
+            <a:lnRef idx="0">
+              <a:schemeClr val="dk1">
+                <a:alpha val="0"/>
+                <a:hueOff val="0"/>
+                <a:satOff val="0"/>
+                <a:lumOff val="0"/>
+                <a:alphaOff val="0"/>
+              </a:schemeClr>
+            </a:lnRef>
+            <a:fillRef idx="0">
+              <a:schemeClr val="lt1">
+                <a:alpha val="0"/>
+                <a:hueOff val="0"/>
+                <a:satOff val="0"/>
+                <a:lumOff val="0"/>
+                <a:alphaOff val="0"/>
+              </a:schemeClr>
+            </a:fillRef>
+            <a:effectRef idx="0">
+              <a:schemeClr val="lt1">
+                <a:alpha val="0"/>
+                <a:hueOff val="0"/>
+                <a:satOff val="0"/>
+                <a:lumOff val="0"/>
+                <a:alphaOff val="0"/>
+              </a:schemeClr>
+            </a:effectRef>
+            <a:fontRef idx="minor">
+              <a:schemeClr val="tx1">
+                <a:hueOff val="0"/>
+                <a:satOff val="0"/>
+                <a:lumOff val="0"/>
+                <a:alphaOff val="0"/>
+              </a:schemeClr>
+            </a:fontRef>
+          </p:style>
+        </p:sp>
+        <p:sp>
+          <p:nvSpPr>
+            <p:cNvPr id="10" name="TextBox 9">
+              <a:extLst>
+                <a:ext uri="{FF2B5EF4-FFF2-40B4-BE49-F238E27FC236}">
+                  <a16:creationId xmlns:a16="http://schemas.microsoft.com/office/drawing/2014/main" id="{CC7C7824-55A0-456F-8F68-883F376C01D3}"/>
+                </a:ext>
+              </a:extLst>
+            </p:cNvPr>
+            <p:cNvSpPr txBox="1"/>
+            <p:nvPr/>
+          </p:nvSpPr>
+          <p:spPr>
+            <a:xfrm>
+              <a:off x="4985" y="2245067"/>
+              <a:ext cx="2999531" cy="1643124"/>
+            </a:xfrm>
+            <a:prstGeom prst="rect">
+              <a:avLst/>
+            </a:prstGeom>
+          </p:spPr>
+          <p:style>
+            <a:lnRef idx="0">
+              <a:scrgbClr r="0" g="0" b="0"/>
+            </a:lnRef>
+            <a:fillRef idx="0">
+              <a:scrgbClr r="0" g="0" b="0"/>
+            </a:fillRef>
+            <a:effectRef idx="0">
+              <a:scrgbClr r="0" g="0" b="0"/>
+            </a:effectRef>
+            <a:fontRef idx="minor">
+              <a:schemeClr val="tx1">
+                <a:hueOff val="0"/>
+                <a:satOff val="0"/>
+                <a:lumOff val="0"/>
+                <a:alphaOff val="0"/>
+              </a:schemeClr>
+            </a:fontRef>
+          </p:style>
+          <p:txBody>
+            <a:bodyPr spcFirstLastPara="0" vert="horz" wrap="square" lIns="0" tIns="0" rIns="0" bIns="0" numCol="1" spcCol="1270" anchor="t" anchorCtr="0">
+              <a:noAutofit/>
+            </a:bodyPr>
+            <a:lstStyle/>
+            <a:p>
+              <a:pPr marL="0" lvl="0" indent="0" algn="l" defTabSz="711200">
+                <a:lnSpc>
+                  <a:spcPct val="90000"/>
+                </a:lnSpc>
+                <a:spcBef>
+                  <a:spcPct val="0"/>
+                </a:spcBef>
+                <a:spcAft>
+                  <a:spcPct val="35000"/>
+                </a:spcAft>
+                <a:buNone/>
+              </a:pPr>
+              <a:r>
+                <a:rPr lang="en-US" sz="1600" dirty="0"/>
+                <a:t>Points:</a:t>
+              </a:r>
+              <a:br>
+                <a:rPr lang="en-US" sz="1600" dirty="0"/>
+              </a:br>
+              <a:r>
+                <a:rPr lang="en-US" sz="1600" dirty="0"/>
+                <a:t>The target would be surrounded by a 5x5 grid of points for the arm to randomly select.</a:t>
+              </a:r>
+              <a:endParaRPr lang="en-US" sz="1600" kern="1200" dirty="0"/>
+            </a:p>
+          </p:txBody>
+        </p:sp>
+      </p:grpSp>
     </p:spTree>
     <p:extLst>
       <p:ext uri="{BB962C8B-B14F-4D97-AF65-F5344CB8AC3E}">
@@ -18539,17 +18521,9 @@
 </p:sld>
 </file>
 
-<file path=ppt/slides/slide8.xml><?xml version="1.0" encoding="utf-8"?>
+<file path=ppt/slides/slide7.xml><?xml version="1.0" encoding="utf-8"?>
 <p:sld xmlns:a="http://schemas.openxmlformats.org/drawingml/2006/main" xmlns:r="http://schemas.openxmlformats.org/officeDocument/2006/relationships" xmlns:p="http://schemas.openxmlformats.org/presentationml/2006/main">
   <p:cSld>
-    <p:bg>
-      <p:bgPr>
-        <a:solidFill>
-          <a:schemeClr val="bg1"/>
-        </a:solidFill>
-        <a:effectLst/>
-      </p:bgPr>
-    </p:bg>
     <p:spTree>
       <p:nvGrpSpPr>
         <p:cNvPr id="1" name=""/>
@@ -18569,7 +18543,7 @@
           <p:cNvPr id="2" name="Title 1">
             <a:extLst>
               <a:ext uri="{FF2B5EF4-FFF2-40B4-BE49-F238E27FC236}">
-                <a16:creationId xmlns:a16="http://schemas.microsoft.com/office/drawing/2014/main" id="{C0AF16EB-16E6-3943-BB9F-131795B594B5}"/>
+                <a16:creationId xmlns:a16="http://schemas.microsoft.com/office/drawing/2014/main" id="{4FC55BF4-E044-E946-808F-AAE2946F1DC6}"/>
               </a:ext>
             </a:extLst>
           </p:cNvPr>
@@ -18580,62 +18554,358 @@
             <p:ph type="title"/>
           </p:nvPr>
         </p:nvSpPr>
-        <p:spPr>
-          <a:xfrm>
-            <a:off x="1066800" y="642594"/>
-            <a:ext cx="10058400" cy="1371600"/>
-          </a:xfrm>
-        </p:spPr>
+        <p:spPr/>
+        <p:txBody>
+          <a:bodyPr/>
+          <a:lstStyle/>
+          <a:p>
+            <a:r>
+              <a:rPr lang="en-US" dirty="0"/>
+              <a:t>Implementation</a:t>
+            </a:r>
+          </a:p>
+        </p:txBody>
+      </p:sp>
+      <p:sp>
+        <p:nvSpPr>
+          <p:cNvPr id="3" name="Content Placeholder 2">
+            <a:extLst>
+              <a:ext uri="{FF2B5EF4-FFF2-40B4-BE49-F238E27FC236}">
+                <a16:creationId xmlns:a16="http://schemas.microsoft.com/office/drawing/2014/main" id="{F04C5D2F-6431-2740-A7FD-94E9A60D45BD}"/>
+              </a:ext>
+            </a:extLst>
+          </p:cNvPr>
+          <p:cNvSpPr>
+            <a:spLocks noGrp="1"/>
+          </p:cNvSpPr>
+          <p:nvPr>
+            <p:ph idx="1"/>
+          </p:nvPr>
+        </p:nvSpPr>
+        <p:spPr/>
         <p:txBody>
           <a:bodyPr>
             <a:normAutofit/>
           </a:bodyPr>
           <a:lstStyle/>
           <a:p>
-            <a:pPr algn="ctr"/>
             <a:r>
-              <a:rPr lang="en-US" dirty="0"/>
-              <a:t>Findings</a:t>
+              <a:rPr lang="en-US" sz="2400" dirty="0"/>
+              <a:t>ROS issues</a:t>
             </a:r>
-            <a:endParaRPr lang="en-US"/>
+          </a:p>
+          <a:p>
+            <a:r>
+              <a:rPr lang="en-US" sz="2400" dirty="0" err="1"/>
+              <a:t>Cutecom</a:t>
+            </a:r>
+            <a:r>
+              <a:rPr lang="en-US" sz="2400" dirty="0"/>
+              <a:t> is just how the name sounds</a:t>
+            </a:r>
+          </a:p>
+          <a:p>
+            <a:r>
+              <a:rPr lang="en-US" sz="2400" dirty="0"/>
+              <a:t>TGFAS (Thank God For Arm Sliders)</a:t>
+            </a:r>
+          </a:p>
+          <a:p>
+            <a:pPr lvl="1"/>
+            <a:r>
+              <a:rPr lang="en-US" sz="2200" dirty="0"/>
+              <a:t>But also, not</a:t>
+            </a:r>
+          </a:p>
+          <a:p>
+            <a:r>
+              <a:rPr lang="en-US" sz="2400" dirty="0"/>
+              <a:t>Why so many errors?</a:t>
+            </a:r>
+          </a:p>
+          <a:p>
+            <a:r>
+              <a:rPr lang="en-US" sz="2400" dirty="0"/>
+              <a:t>Did you </a:t>
+            </a:r>
+            <a:r>
+              <a:rPr lang="en-US" sz="2400" dirty="0" err="1"/>
+              <a:t>chmod</a:t>
+            </a:r>
+            <a:r>
+              <a:rPr lang="en-US" sz="2400" dirty="0"/>
+              <a:t> 777?</a:t>
+            </a:r>
           </a:p>
         </p:txBody>
       </p:sp>
-      <p:graphicFrame>
-        <p:nvGraphicFramePr>
-          <p:cNvPr id="5" name="Content Placeholder 2">
+    </p:spTree>
+    <p:extLst>
+      <p:ext uri="{BB962C8B-B14F-4D97-AF65-F5344CB8AC3E}">
+        <p14:creationId xmlns:p14="http://schemas.microsoft.com/office/powerpoint/2010/main" val="1310768622"/>
+      </p:ext>
+    </p:extLst>
+  </p:cSld>
+  <p:clrMapOvr>
+    <a:masterClrMapping/>
+  </p:clrMapOvr>
+</p:sld>
+</file>
+
+<file path=ppt/slides/slide8.xml><?xml version="1.0" encoding="utf-8"?>
+<p:sld xmlns:a="http://schemas.openxmlformats.org/drawingml/2006/main" xmlns:r="http://schemas.openxmlformats.org/officeDocument/2006/relationships" xmlns:p="http://schemas.openxmlformats.org/presentationml/2006/main">
+  <p:cSld>
+    <p:spTree>
+      <p:nvGrpSpPr>
+        <p:cNvPr id="1" name=""/>
+        <p:cNvGrpSpPr/>
+        <p:nvPr/>
+      </p:nvGrpSpPr>
+      <p:grpSpPr>
+        <a:xfrm>
+          <a:off x="0" y="0"/>
+          <a:ext cx="0" cy="0"/>
+          <a:chOff x="0" y="0"/>
+          <a:chExt cx="0" cy="0"/>
+        </a:xfrm>
+      </p:grpSpPr>
+      <p:sp>
+        <p:nvSpPr>
+          <p:cNvPr id="2" name="Title 1">
             <a:extLst>
               <a:ext uri="{FF2B5EF4-FFF2-40B4-BE49-F238E27FC236}">
-                <a16:creationId xmlns:a16="http://schemas.microsoft.com/office/drawing/2014/main" id="{C3D26FCD-F511-4722-8DB5-C91863A3E186}"/>
+                <a16:creationId xmlns:a16="http://schemas.microsoft.com/office/drawing/2014/main" id="{6B7EFD50-B4A5-B844-890D-D0C85687797C}"/>
               </a:ext>
             </a:extLst>
           </p:cNvPr>
-          <p:cNvGraphicFramePr>
-            <a:graphicFrameLocks noGrp="1"/>
-          </p:cNvGraphicFramePr>
+          <p:cNvSpPr>
+            <a:spLocks noGrp="1"/>
+          </p:cNvSpPr>
+          <p:nvPr>
+            <p:ph type="title"/>
+          </p:nvPr>
+        </p:nvSpPr>
+        <p:spPr/>
+        <p:txBody>
+          <a:bodyPr/>
+          <a:lstStyle/>
+          <a:p>
+            <a:r>
+              <a:rPr lang="en-US" dirty="0"/>
+              <a:t>Challenges</a:t>
+            </a:r>
+          </a:p>
+        </p:txBody>
+      </p:sp>
+      <p:sp>
+        <p:nvSpPr>
+          <p:cNvPr id="3" name="Content Placeholder 2">
+            <a:extLst>
+              <a:ext uri="{FF2B5EF4-FFF2-40B4-BE49-F238E27FC236}">
+                <a16:creationId xmlns:a16="http://schemas.microsoft.com/office/drawing/2014/main" id="{C7B3FC05-D0E1-4845-AD31-AA88CAE78CA9}"/>
+              </a:ext>
+            </a:extLst>
+          </p:cNvPr>
+          <p:cNvSpPr>
+            <a:spLocks noGrp="1"/>
+          </p:cNvSpPr>
           <p:nvPr>
             <p:ph idx="1"/>
-            <p:extLst>
-              <p:ext uri="{D42A27DB-BD31-4B8C-83A1-F6EECF244321}">
-                <p14:modId xmlns:p14="http://schemas.microsoft.com/office/powerpoint/2010/main" val="4102565834"/>
-              </p:ext>
-            </p:extLst>
           </p:nvPr>
-        </p:nvGraphicFramePr>
-        <p:xfrm>
-          <a:off x="1066800" y="2310063"/>
-          <a:ext cx="10058400" cy="3725612"/>
-        </p:xfrm>
-        <a:graphic>
-          <a:graphicData uri="http://schemas.openxmlformats.org/drawingml/2006/diagram">
-            <dgm:relIds xmlns:dgm="http://schemas.openxmlformats.org/drawingml/2006/diagram" xmlns:r="http://schemas.openxmlformats.org/officeDocument/2006/relationships" r:dm="rId2" r:lo="rId3" r:qs="rId4" r:cs="rId5"/>
-          </a:graphicData>
-        </a:graphic>
-      </p:graphicFrame>
+        </p:nvSpPr>
+        <p:spPr/>
+        <p:txBody>
+          <a:bodyPr>
+            <a:normAutofit fontScale="70000" lnSpcReduction="20000"/>
+          </a:bodyPr>
+          <a:lstStyle/>
+          <a:p>
+            <a:r>
+              <a:rPr lang="en-US" dirty="0"/>
+              <a:t>Hardware</a:t>
+            </a:r>
+          </a:p>
+          <a:p>
+            <a:pPr lvl="1"/>
+            <a:r>
+              <a:rPr lang="en-US" dirty="0"/>
+              <a:t>Arm:</a:t>
+            </a:r>
+          </a:p>
+          <a:p>
+            <a:pPr lvl="2"/>
+            <a:r>
+              <a:rPr lang="en-US" dirty="0"/>
+              <a:t>Initial arm set up with correct wiring and </a:t>
+            </a:r>
+            <a:r>
+              <a:rPr lang="en-US" dirty="0" err="1"/>
+              <a:t>usb</a:t>
+            </a:r>
+            <a:r>
+              <a:rPr lang="en-US" dirty="0"/>
+              <a:t> plug in</a:t>
+            </a:r>
+          </a:p>
+          <a:p>
+            <a:pPr lvl="2"/>
+            <a:r>
+              <a:rPr lang="en-US" dirty="0"/>
+              <a:t>Interfacing between ROS and motors</a:t>
+            </a:r>
+          </a:p>
+          <a:p>
+            <a:pPr lvl="1"/>
+            <a:r>
+              <a:rPr lang="en-US" dirty="0"/>
+              <a:t>Hand:</a:t>
+            </a:r>
+          </a:p>
+          <a:p>
+            <a:pPr lvl="2"/>
+            <a:r>
+              <a:rPr lang="en-US" dirty="0"/>
+              <a:t>Updated to latest ROS build</a:t>
+            </a:r>
+          </a:p>
+          <a:p>
+            <a:pPr lvl="2"/>
+            <a:r>
+              <a:rPr lang="en-US" dirty="0"/>
+              <a:t>Interfacing between hand and arm</a:t>
+            </a:r>
+          </a:p>
+          <a:p>
+            <a:r>
+              <a:rPr lang="en-US" dirty="0"/>
+              <a:t>Software</a:t>
+            </a:r>
+          </a:p>
+          <a:p>
+            <a:pPr lvl="1"/>
+            <a:r>
+              <a:rPr lang="en-US" dirty="0" err="1"/>
+              <a:t>Reflashing</a:t>
+            </a:r>
+            <a:r>
+              <a:rPr lang="en-US" dirty="0"/>
+              <a:t> with new libraries</a:t>
+            </a:r>
+          </a:p>
+          <a:p>
+            <a:pPr lvl="1"/>
+            <a:r>
+              <a:rPr lang="en-US" dirty="0"/>
+              <a:t>Learning to include GitHub into ROS</a:t>
+            </a:r>
+          </a:p>
+          <a:p>
+            <a:pPr lvl="1"/>
+            <a:r>
+              <a:rPr lang="en-US" dirty="0"/>
+              <a:t>Arm:</a:t>
+            </a:r>
+          </a:p>
+          <a:p>
+            <a:pPr lvl="2"/>
+            <a:r>
+              <a:rPr lang="en-US" dirty="0"/>
+              <a:t>Precise trajectory movement due to error accumulation </a:t>
+            </a:r>
+          </a:p>
+          <a:p>
+            <a:pPr lvl="2"/>
+            <a:r>
+              <a:rPr lang="en-US" dirty="0"/>
+              <a:t>List of setup commands need to run after restart</a:t>
+            </a:r>
+          </a:p>
+          <a:p>
+            <a:pPr lvl="3"/>
+            <a:r>
+              <a:rPr lang="en-US" dirty="0"/>
+              <a:t>Activate </a:t>
+            </a:r>
+            <a:r>
+              <a:rPr lang="en-US" dirty="0" err="1"/>
+              <a:t>usb</a:t>
+            </a:r>
+            <a:r>
+              <a:rPr lang="en-US" dirty="0"/>
+              <a:t> port</a:t>
+            </a:r>
+          </a:p>
+          <a:p>
+            <a:pPr lvl="3"/>
+            <a:r>
+              <a:rPr lang="en-US" dirty="0"/>
+              <a:t>Catkin build</a:t>
+            </a:r>
+          </a:p>
+          <a:p>
+            <a:pPr lvl="3"/>
+            <a:r>
+              <a:rPr lang="en-US" dirty="0" err="1"/>
+              <a:t>Setup.bash</a:t>
+            </a:r>
+            <a:endParaRPr lang="en-US" dirty="0"/>
+          </a:p>
+          <a:p>
+            <a:pPr lvl="3"/>
+            <a:r>
+              <a:rPr lang="en-US" dirty="0"/>
+              <a:t>Then </a:t>
+            </a:r>
+            <a:r>
+              <a:rPr lang="en-US" dirty="0" err="1"/>
+              <a:t>roslaunch</a:t>
+            </a:r>
+            <a:endParaRPr lang="en-US" dirty="0"/>
+          </a:p>
+          <a:p>
+            <a:pPr lvl="4"/>
+            <a:r>
+              <a:rPr lang="en-US" dirty="0"/>
+              <a:t>Sliders with </a:t>
+            </a:r>
+            <a:r>
+              <a:rPr lang="en-US" dirty="0" err="1"/>
+              <a:t>rqt_joint_trajectory_controller</a:t>
+            </a:r>
+            <a:endParaRPr lang="en-US" dirty="0"/>
+          </a:p>
+          <a:p>
+            <a:pPr lvl="1"/>
+            <a:r>
+              <a:rPr lang="en-US" dirty="0"/>
+              <a:t>Hand:</a:t>
+            </a:r>
+          </a:p>
+          <a:p>
+            <a:pPr lvl="2"/>
+            <a:r>
+              <a:rPr lang="en-US" dirty="0"/>
+              <a:t>Commands without </a:t>
+            </a:r>
+            <a:r>
+              <a:rPr lang="en-US" dirty="0" err="1"/>
+              <a:t>cutecom</a:t>
+            </a:r>
+            <a:endParaRPr lang="en-US" dirty="0"/>
+          </a:p>
+          <a:p>
+            <a:pPr lvl="2"/>
+            <a:r>
+              <a:rPr lang="en-US" dirty="0"/>
+              <a:t>Arduino instead of ROS?</a:t>
+            </a:r>
+          </a:p>
+        </p:txBody>
+      </p:sp>
     </p:spTree>
     <p:extLst>
       <p:ext uri="{BB962C8B-B14F-4D97-AF65-F5344CB8AC3E}">
-        <p14:creationId xmlns:p14="http://schemas.microsoft.com/office/powerpoint/2010/main" val="2739376859"/>
+        <p14:creationId xmlns:p14="http://schemas.microsoft.com/office/powerpoint/2010/main" val="3853216191"/>
       </p:ext>
     </p:extLst>
   </p:cSld>
@@ -18667,7 +18937,7 @@
           <p:cNvPr id="2" name="Title 1">
             <a:extLst>
               <a:ext uri="{FF2B5EF4-FFF2-40B4-BE49-F238E27FC236}">
-                <a16:creationId xmlns:a16="http://schemas.microsoft.com/office/drawing/2014/main" id="{2AA78634-C20E-8145-B268-892C7BFDDCF9}"/>
+                <a16:creationId xmlns:a16="http://schemas.microsoft.com/office/drawing/2014/main" id="{911CAB4A-5F12-7D4F-B2E4-59E47AA2A522}"/>
               </a:ext>
             </a:extLst>
           </p:cNvPr>
@@ -18685,7 +18955,7 @@
           <a:p>
             <a:r>
               <a:rPr lang="en-US" dirty="0"/>
-              <a:t>Takeaways</a:t>
+              <a:t>What We Learned</a:t>
             </a:r>
           </a:p>
         </p:txBody>
@@ -18695,7 +18965,7 @@
           <p:cNvPr id="3" name="Content Placeholder 2">
             <a:extLst>
               <a:ext uri="{FF2B5EF4-FFF2-40B4-BE49-F238E27FC236}">
-                <a16:creationId xmlns:a16="http://schemas.microsoft.com/office/drawing/2014/main" id="{2B06C231-CA1D-F144-8144-05E3301FB456}"/>
+                <a16:creationId xmlns:a16="http://schemas.microsoft.com/office/drawing/2014/main" id="{5F889957-674F-B747-B37B-1B18BA2ECA64}"/>
               </a:ext>
             </a:extLst>
           </p:cNvPr>
@@ -18713,7 +18983,60 @@
           <a:p>
             <a:r>
               <a:rPr lang="en-US" dirty="0"/>
-              <a:t>Uh we may have these?</a:t>
+              <a:t>Git</a:t>
+            </a:r>
+          </a:p>
+          <a:p>
+            <a:pPr lvl="1"/>
+            <a:r>
+              <a:rPr lang="en-US" dirty="0"/>
+              <a:t>Integration into ROS</a:t>
+            </a:r>
+          </a:p>
+          <a:p>
+            <a:pPr lvl="1"/>
+            <a:r>
+              <a:rPr lang="en-US" dirty="0"/>
+              <a:t>VIM and how to publish</a:t>
+            </a:r>
+          </a:p>
+          <a:p>
+            <a:r>
+              <a:rPr lang="en-US" dirty="0"/>
+              <a:t>ROS</a:t>
+            </a:r>
+          </a:p>
+          <a:p>
+            <a:pPr lvl="1"/>
+            <a:r>
+              <a:rPr lang="en-US" dirty="0"/>
+              <a:t>How to send messages to the arm motors</a:t>
+            </a:r>
+          </a:p>
+          <a:p>
+            <a:pPr lvl="1"/>
+            <a:r>
+              <a:rPr lang="en-US" dirty="0"/>
+              <a:t>Simulation vs. actual arm testing</a:t>
+            </a:r>
+          </a:p>
+          <a:p>
+            <a:pPr lvl="1"/>
+            <a:r>
+              <a:rPr lang="en-US" dirty="0"/>
+              <a:t>Structure of messages</a:t>
+            </a:r>
+          </a:p>
+          <a:p>
+            <a:r>
+              <a:rPr lang="en-US" dirty="0"/>
+              <a:t>Hardware setup</a:t>
+            </a:r>
+          </a:p>
+          <a:p>
+            <a:r>
+              <a:rPr lang="en-US" dirty="0"/>
+              <a:t>The Beauty of Improvisation</a:t>
             </a:r>
           </a:p>
         </p:txBody>
@@ -18721,7 +19044,7 @@
     </p:spTree>
     <p:extLst>
       <p:ext uri="{BB962C8B-B14F-4D97-AF65-F5344CB8AC3E}">
-        <p14:creationId xmlns:p14="http://schemas.microsoft.com/office/powerpoint/2010/main" val="2707466712"/>
+        <p14:creationId xmlns:p14="http://schemas.microsoft.com/office/powerpoint/2010/main" val="3607730106"/>
       </p:ext>
     </p:extLst>
   </p:cSld>

--- a/Docs/Final Presentation.pptx
+++ b/Docs/Final Presentation.pptx
@@ -12782,7 +12782,7 @@
           <a:p>
             <a:fld id="{EA0C0817-A112-4847-8014-A94B7D2A4EA3}" type="datetime1">
               <a:rPr lang="en-US" smtClean="0"/>
-              <a:t>12/1/2019</a:t>
+              <a:t>12/2/2019</a:t>
             </a:fld>
             <a:endParaRPr lang="en-US" dirty="0"/>
           </a:p>
@@ -12984,7 +12984,7 @@
           <a:p>
             <a:fld id="{134F40B7-36AB-4376-BE14-EF7004D79BB9}" type="datetime1">
               <a:rPr lang="en-US" smtClean="0"/>
-              <a:t>12/1/2019</a:t>
+              <a:t>12/2/2019</a:t>
             </a:fld>
             <a:endParaRPr lang="en-US"/>
           </a:p>
@@ -13164,7 +13164,7 @@
           <a:p>
             <a:fld id="{FF87CAB8-DCAE-46A5-AADA-B3FAD11A54E0}" type="datetime1">
               <a:rPr lang="en-US" smtClean="0"/>
-              <a:t>12/1/2019</a:t>
+              <a:t>12/2/2019</a:t>
             </a:fld>
             <a:endParaRPr lang="en-US"/>
           </a:p>
@@ -13334,7 +13334,7 @@
           <a:p>
             <a:fld id="{7332B432-ACDA-4023-A761-2BAB76577B62}" type="datetime1">
               <a:rPr lang="en-US" smtClean="0"/>
-              <a:t>12/1/2019</a:t>
+              <a:t>12/2/2019</a:t>
             </a:fld>
             <a:endParaRPr lang="en-US"/>
           </a:p>
@@ -13933,7 +13933,7 @@
           <a:p>
             <a:fld id="{D9C646AA-F36E-4540-911D-FFFC0A0EF24A}" type="datetime1">
               <a:rPr lang="en-US" smtClean="0"/>
-              <a:t>12/1/2019</a:t>
+              <a:t>12/2/2019</a:t>
             </a:fld>
             <a:endParaRPr lang="en-US" dirty="0"/>
           </a:p>
@@ -14253,7 +14253,7 @@
           <a:p>
             <a:fld id="{69186D26-FA5F-4637-B602-B7C2DC34CFD4}" type="datetime1">
               <a:rPr lang="en-US" smtClean="0"/>
-              <a:t>12/1/2019</a:t>
+              <a:t>12/2/2019</a:t>
             </a:fld>
             <a:endParaRPr lang="en-US"/>
           </a:p>
@@ -14688,7 +14688,7 @@
           <a:p>
             <a:fld id="{8A7F15D8-96D1-4781-BC50-CA8A088B2FE4}" type="datetime1">
               <a:rPr lang="en-US" smtClean="0"/>
-              <a:t>12/1/2019</a:t>
+              <a:t>12/2/2019</a:t>
             </a:fld>
             <a:endParaRPr lang="en-US"/>
           </a:p>
@@ -14806,7 +14806,7 @@
           <a:p>
             <a:fld id="{F9A96C99-B8F8-4528-BD05-0E16E943DC09}" type="datetime1">
               <a:rPr lang="en-US" smtClean="0"/>
-              <a:t>12/1/2019</a:t>
+              <a:t>12/2/2019</a:t>
             </a:fld>
             <a:endParaRPr lang="en-US"/>
           </a:p>
@@ -14901,7 +14901,7 @@
           <a:p>
             <a:fld id="{03636942-C211-4B28-8DBD-C953E00AF71B}" type="datetime1">
               <a:rPr lang="en-US" smtClean="0"/>
-              <a:t>12/1/2019</a:t>
+              <a:t>12/2/2019</a:t>
             </a:fld>
             <a:endParaRPr lang="en-US"/>
           </a:p>
@@ -15318,7 +15318,7 @@
           <a:p>
             <a:fld id="{7E8D12A6-918A-48BD-8CB9-CA713993B0EA}" type="datetime1">
               <a:rPr lang="en-US" smtClean="0"/>
-              <a:t>12/1/2019</a:t>
+              <a:t>12/2/2019</a:t>
             </a:fld>
             <a:endParaRPr lang="en-US"/>
           </a:p>
@@ -15580,7 +15580,7 @@
             <a:fld id="{E778CE86-875F-4587-BCF6-FA054AFC0D53}" type="datetime1">
               <a:rPr lang="en-US" smtClean="0"/>
               <a:pPr/>
-              <a:t>12/1/2019</a:t>
+              <a:t>12/2/2019</a:t>
             </a:fld>
             <a:endParaRPr lang="en-US" dirty="0"/>
           </a:p>
@@ -16096,7 +16096,7 @@
           <a:p>
             <a:fld id="{F6FA2B21-3FCD-4721-B95C-427943F61125}" type="datetime1">
               <a:rPr lang="en-US" smtClean="0"/>
-              <a:t>12/1/2019</a:t>
+              <a:t>12/2/2019</a:t>
             </a:fld>
             <a:endParaRPr lang="en-US"/>
           </a:p>
@@ -17955,8 +17955,8 @@
         </p:nvSpPr>
         <p:spPr>
           <a:xfrm>
-            <a:off x="5236723" y="1420706"/>
-            <a:ext cx="5514758" cy="4016587"/>
+            <a:off x="5236723" y="1018762"/>
+            <a:ext cx="5514758" cy="4865204"/>
           </a:xfrm>
         </p:spPr>
         <p:txBody>
@@ -17966,7 +17966,7 @@
           <a:lstStyle/>
           <a:p>
             <a:r>
-              <a:rPr lang="en-US">
+              <a:rPr lang="en-US" dirty="0">
                 <a:solidFill>
                   <a:schemeClr val="tx1">
                     <a:lumMod val="75000"/>
@@ -17974,8 +17974,94 @@
                   </a:schemeClr>
                 </a:solidFill>
               </a:rPr>
-              <a:t>Populate this with literature on the topic</a:t>
+              <a:t>An interactive robotic arm for assisting elderly throughout a home-like settings.</a:t>
             </a:r>
+          </a:p>
+          <a:p>
+            <a:pPr lvl="1"/>
+            <a:r>
+              <a:rPr lang="en-US" dirty="0">
+                <a:hlinkClick r:id="rId3"/>
+              </a:rPr>
+              <a:t>https://ieeexplore.ieee.org/stamp/stamp.jsp?tp=&amp;arnumber=6840112</a:t>
+            </a:r>
+            <a:endParaRPr lang="en-US" dirty="0"/>
+          </a:p>
+          <a:p>
+            <a:r>
+              <a:rPr lang="en-US" dirty="0">
+                <a:solidFill>
+                  <a:schemeClr val="tx1">
+                    <a:lumMod val="75000"/>
+                    <a:lumOff val="25000"/>
+                  </a:schemeClr>
+                </a:solidFill>
+              </a:rPr>
+              <a:t>How speech, speech + gesture + congruency, and speech + gesture + incongruency can affect human understanding.</a:t>
+            </a:r>
+          </a:p>
+          <a:p>
+            <a:pPr lvl="1"/>
+            <a:r>
+              <a:rPr lang="en-US" dirty="0">
+                <a:hlinkClick r:id="rId4"/>
+              </a:rPr>
+              <a:t>https://link.springer.com/content/pdf/10.1007%2Fs12369-013-0196-9.pdf</a:t>
+            </a:r>
+            <a:endParaRPr lang="en-US" dirty="0"/>
+          </a:p>
+          <a:p>
+            <a:r>
+              <a:rPr lang="en-US" dirty="0">
+                <a:solidFill>
+                  <a:schemeClr val="tx1">
+                    <a:lumMod val="75000"/>
+                    <a:lumOff val="25000"/>
+                  </a:schemeClr>
+                </a:solidFill>
+              </a:rPr>
+              <a:t>The effect of robotic presence on how requests and personal space are perceived.</a:t>
+            </a:r>
+          </a:p>
+          <a:p>
+            <a:pPr lvl="1"/>
+            <a:r>
+              <a:rPr lang="en-US" dirty="0">
+                <a:hlinkClick r:id="rId5"/>
+              </a:rPr>
+              <a:t>https://ieeexplore.ieee.org/stamp/stamp.jsp?tp=&amp;arnumber=4600749</a:t>
+            </a:r>
+            <a:endParaRPr lang="en-US" dirty="0"/>
+          </a:p>
+          <a:p>
+            <a:r>
+              <a:rPr lang="en-US" dirty="0">
+                <a:solidFill>
+                  <a:schemeClr val="tx1">
+                    <a:lumMod val="75000"/>
+                    <a:lumOff val="25000"/>
+                  </a:schemeClr>
+                </a:solidFill>
+              </a:rPr>
+              <a:t>Robotic visual recognition of human pointing gestures for human-robot interactions</a:t>
+            </a:r>
+          </a:p>
+          <a:p>
+            <a:pPr lvl="1"/>
+            <a:r>
+              <a:rPr lang="en-US" dirty="0">
+                <a:hlinkClick r:id="rId6"/>
+              </a:rPr>
+              <a:t>https://www.sciencedirect.com/science/article/pii/S0262885606002897</a:t>
+            </a:r>
+            <a:endParaRPr lang="en-US" dirty="0">
+              <a:solidFill>
+                <a:schemeClr val="tx1">
+                  <a:lumMod val="75000"/>
+                  <a:lumOff val="25000"/>
+                </a:schemeClr>
+              </a:solidFill>
+            </a:endParaRPr>
           </a:p>
         </p:txBody>
       </p:sp>
@@ -18089,7 +18175,7 @@
             <a:pPr lvl="1"/>
             <a:r>
               <a:rPr lang="en-US" sz="1800" dirty="0"/>
-              <a:t>With a laser (precision handicap) at a target vs. without a laser (natural pointing) at a target</a:t>
+              <a:t>Pointing with a laser (precision handicap) at a target vs. pointing without a laser (natural pointing) at a target</a:t>
             </a:r>
           </a:p>
           <a:p>

--- a/Docs/Final Presentation.pptx
+++ b/Docs/Final Presentation.pptx
@@ -10,11 +10,12 @@
     <p:sldId id="259" r:id="rId4"/>
     <p:sldId id="258" r:id="rId5"/>
     <p:sldId id="260" r:id="rId6"/>
-    <p:sldId id="265" r:id="rId7"/>
-    <p:sldId id="261" r:id="rId8"/>
-    <p:sldId id="263" r:id="rId9"/>
-    <p:sldId id="264" r:id="rId10"/>
-    <p:sldId id="262" r:id="rId11"/>
+    <p:sldId id="266" r:id="rId7"/>
+    <p:sldId id="267" r:id="rId8"/>
+    <p:sldId id="261" r:id="rId9"/>
+    <p:sldId id="263" r:id="rId10"/>
+    <p:sldId id="264" r:id="rId11"/>
+    <p:sldId id="262" r:id="rId12"/>
   </p:sldIdLst>
   <p:sldSz cx="12192000" cy="6858000"/>
   <p:notesSz cx="6858000" cy="9144000"/>
@@ -133,20 +134,6 @@
 </p:cmAuthorLst>
 </file>
 
-<file path=ppt/comments/comment1.xml><?xml version="1.0" encoding="utf-8"?>
-<p:cmLst xmlns:a="http://schemas.openxmlformats.org/drawingml/2006/main" xmlns:r="http://schemas.openxmlformats.org/officeDocument/2006/relationships" xmlns:p="http://schemas.openxmlformats.org/presentationml/2006/main">
-  <p:cm authorId="1" dt="2019-12-01T10:38:54.480" idx="1">
-    <p:pos x="861" y="1396"/>
-    <p:text/>
-    <p:extLst>
-      <p:ext uri="{C676402C-5697-4E1C-873F-D02D1690AC5C}">
-        <p15:threadingInfo xmlns:p15="http://schemas.microsoft.com/office/powerpoint/2012/main" timeZoneBias="360"/>
-      </p:ext>
-    </p:extLst>
-  </p:cm>
-</p:cmLst>
-</file>
-
 <file path=ppt/diagrams/colors1.xml><?xml version="1.0" encoding="utf-8"?>
 <dgm:colorsDef xmlns:dgm="http://schemas.openxmlformats.org/drawingml/2006/diagram" xmlns:a="http://schemas.openxmlformats.org/drawingml/2006/main" uniqueId="urn:microsoft.com/office/officeart/2018/5/colors/Iconchunking_neutralbg_colorful1">
   <dgm:title val=""/>
@@ -1990,927 +1977,6 @@
 </file>
 
 <file path=ppt/diagrams/colors3.xml><?xml version="1.0" encoding="utf-8"?>
-<dgm:colorsDef xmlns:dgm="http://schemas.openxmlformats.org/drawingml/2006/diagram" xmlns:a="http://schemas.openxmlformats.org/drawingml/2006/main" uniqueId="urn:microsoft.com/office/officeart/2018/5/colors/Iconchunking_neutralbg_colorful1">
-  <dgm:title val=""/>
-  <dgm:desc val=""/>
-  <dgm:catLst>
-    <dgm:cat type="colorful" pri="10100"/>
-  </dgm:catLst>
-  <dgm:styleLbl name="node0">
-    <dgm:fillClrLst meth="repeat">
-      <a:schemeClr val="accent1"/>
-    </dgm:fillClrLst>
-    <dgm:linClrLst meth="repeat">
-      <a:schemeClr val="lt1"/>
-    </dgm:linClrLst>
-    <dgm:effectClrLst/>
-    <dgm:txLinClrLst/>
-    <dgm:txFillClrLst/>
-    <dgm:txEffectClrLst/>
-  </dgm:styleLbl>
-  <dgm:styleLbl name="node1">
-    <dgm:fillClrLst meth="repeat">
-      <a:schemeClr val="accent2"/>
-      <a:schemeClr val="accent3"/>
-      <a:schemeClr val="accent4"/>
-      <a:schemeClr val="accent5"/>
-      <a:schemeClr val="accent6"/>
-    </dgm:fillClrLst>
-    <dgm:linClrLst meth="repeat">
-      <a:schemeClr val="lt1">
-        <a:alpha val="0"/>
-      </a:schemeClr>
-    </dgm:linClrLst>
-    <dgm:effectClrLst/>
-    <dgm:txLinClrLst/>
-    <dgm:txFillClrLst/>
-    <dgm:txEffectClrLst/>
-  </dgm:styleLbl>
-  <dgm:styleLbl name="alignNode1">
-    <dgm:fillClrLst meth="repeat">
-      <a:schemeClr val="accent2"/>
-      <a:schemeClr val="accent3"/>
-      <a:schemeClr val="accent4"/>
-      <a:schemeClr val="accent5"/>
-      <a:schemeClr val="accent6"/>
-    </dgm:fillClrLst>
-    <dgm:linClrLst meth="repeat">
-      <a:schemeClr val="accent2"/>
-      <a:schemeClr val="accent3"/>
-      <a:schemeClr val="accent4"/>
-      <a:schemeClr val="accent5"/>
-      <a:schemeClr val="accent6"/>
-    </dgm:linClrLst>
-    <dgm:effectClrLst/>
-    <dgm:txLinClrLst/>
-    <dgm:txFillClrLst/>
-    <dgm:txEffectClrLst/>
-  </dgm:styleLbl>
-  <dgm:styleLbl name="lnNode1">
-    <dgm:fillClrLst meth="repeat">
-      <a:schemeClr val="accent2"/>
-      <a:schemeClr val="accent3"/>
-      <a:schemeClr val="accent4"/>
-      <a:schemeClr val="accent5"/>
-      <a:schemeClr val="accent6"/>
-    </dgm:fillClrLst>
-    <dgm:linClrLst meth="repeat">
-      <a:schemeClr val="lt1"/>
-    </dgm:linClrLst>
-    <dgm:effectClrLst/>
-    <dgm:txLinClrLst/>
-    <dgm:txFillClrLst/>
-    <dgm:txEffectClrLst/>
-  </dgm:styleLbl>
-  <dgm:styleLbl name="vennNode1">
-    <dgm:fillClrLst meth="repeat">
-      <a:schemeClr val="accent2">
-        <a:alpha val="50000"/>
-      </a:schemeClr>
-      <a:schemeClr val="accent3">
-        <a:alpha val="50000"/>
-      </a:schemeClr>
-      <a:schemeClr val="accent4">
-        <a:alpha val="50000"/>
-      </a:schemeClr>
-      <a:schemeClr val="accent5">
-        <a:alpha val="50000"/>
-      </a:schemeClr>
-      <a:schemeClr val="accent6">
-        <a:alpha val="50000"/>
-      </a:schemeClr>
-    </dgm:fillClrLst>
-    <dgm:linClrLst meth="repeat">
-      <a:schemeClr val="lt1"/>
-    </dgm:linClrLst>
-    <dgm:effectClrLst/>
-    <dgm:txLinClrLst/>
-    <dgm:txFillClrLst/>
-    <dgm:txEffectClrLst/>
-  </dgm:styleLbl>
-  <dgm:styleLbl name="node2">
-    <dgm:fillClrLst>
-      <a:schemeClr val="accent2"/>
-    </dgm:fillClrLst>
-    <dgm:linClrLst meth="repeat">
-      <a:schemeClr val="lt1"/>
-    </dgm:linClrLst>
-    <dgm:effectClrLst/>
-    <dgm:txLinClrLst/>
-    <dgm:txFillClrLst/>
-    <dgm:txEffectClrLst/>
-  </dgm:styleLbl>
-  <dgm:styleLbl name="node3">
-    <dgm:fillClrLst>
-      <a:schemeClr val="accent3"/>
-    </dgm:fillClrLst>
-    <dgm:linClrLst meth="repeat">
-      <a:schemeClr val="lt1"/>
-    </dgm:linClrLst>
-    <dgm:effectClrLst/>
-    <dgm:txLinClrLst/>
-    <dgm:txFillClrLst/>
-    <dgm:txEffectClrLst/>
-  </dgm:styleLbl>
-  <dgm:styleLbl name="node4">
-    <dgm:fillClrLst>
-      <a:schemeClr val="accent4"/>
-    </dgm:fillClrLst>
-    <dgm:linClrLst meth="repeat">
-      <a:schemeClr val="lt1"/>
-    </dgm:linClrLst>
-    <dgm:effectClrLst/>
-    <dgm:txLinClrLst/>
-    <dgm:txFillClrLst/>
-    <dgm:txEffectClrLst/>
-  </dgm:styleLbl>
-  <dgm:styleLbl name="fgImgPlace1">
-    <dgm:fillClrLst meth="repeat">
-      <a:schemeClr val="accent2">
-        <a:tint val="50000"/>
-      </a:schemeClr>
-      <a:schemeClr val="accent3">
-        <a:tint val="50000"/>
-      </a:schemeClr>
-      <a:schemeClr val="accent4">
-        <a:tint val="50000"/>
-      </a:schemeClr>
-      <a:schemeClr val="accent5">
-        <a:tint val="50000"/>
-      </a:schemeClr>
-      <a:schemeClr val="accent6">
-        <a:tint val="50000"/>
-      </a:schemeClr>
-    </dgm:fillClrLst>
-    <dgm:linClrLst meth="repeat">
-      <a:schemeClr val="lt1"/>
-    </dgm:linClrLst>
-    <dgm:effectClrLst/>
-    <dgm:txLinClrLst/>
-    <dgm:txFillClrLst meth="repeat">
-      <a:schemeClr val="lt1"/>
-    </dgm:txFillClrLst>
-    <dgm:txEffectClrLst/>
-  </dgm:styleLbl>
-  <dgm:styleLbl name="alignImgPlace1">
-    <dgm:fillClrLst>
-      <a:schemeClr val="accent1">
-        <a:tint val="50000"/>
-      </a:schemeClr>
-      <a:schemeClr val="accent2">
-        <a:tint val="20000"/>
-      </a:schemeClr>
-    </dgm:fillClrLst>
-    <dgm:linClrLst meth="repeat">
-      <a:schemeClr val="lt1"/>
-    </dgm:linClrLst>
-    <dgm:effectClrLst/>
-    <dgm:txLinClrLst/>
-    <dgm:txFillClrLst meth="repeat">
-      <a:schemeClr val="lt1"/>
-    </dgm:txFillClrLst>
-    <dgm:txEffectClrLst/>
-  </dgm:styleLbl>
-  <dgm:styleLbl name="bgImgPlace1">
-    <dgm:fillClrLst>
-      <a:schemeClr val="accent1">
-        <a:tint val="50000"/>
-      </a:schemeClr>
-      <a:schemeClr val="accent2">
-        <a:tint val="20000"/>
-      </a:schemeClr>
-    </dgm:fillClrLst>
-    <dgm:linClrLst meth="repeat">
-      <a:schemeClr val="lt1"/>
-    </dgm:linClrLst>
-    <dgm:effectClrLst/>
-    <dgm:txLinClrLst/>
-    <dgm:txFillClrLst meth="repeat">
-      <a:schemeClr val="lt1"/>
-    </dgm:txFillClrLst>
-    <dgm:txEffectClrLst/>
-  </dgm:styleLbl>
-  <dgm:styleLbl name="sibTrans2D1">
-    <dgm:fillClrLst meth="repeat">
-      <a:schemeClr val="accent2"/>
-      <a:schemeClr val="accent3"/>
-      <a:schemeClr val="accent4"/>
-      <a:schemeClr val="accent5"/>
-      <a:schemeClr val="accent6"/>
-    </dgm:fillClrLst>
-    <dgm:linClrLst meth="cycle">
-      <a:schemeClr val="lt1"/>
-    </dgm:linClrLst>
-    <dgm:effectClrLst/>
-    <dgm:txLinClrLst/>
-    <dgm:txFillClrLst/>
-    <dgm:txEffectClrLst/>
-  </dgm:styleLbl>
-  <dgm:styleLbl name="fgSibTrans2D1">
-    <dgm:fillClrLst meth="repeat">
-      <a:schemeClr val="accent2"/>
-      <a:schemeClr val="accent3"/>
-      <a:schemeClr val="accent4"/>
-      <a:schemeClr val="accent5"/>
-      <a:schemeClr val="accent6"/>
-    </dgm:fillClrLst>
-    <dgm:linClrLst meth="cycle">
-      <a:schemeClr val="lt1"/>
-    </dgm:linClrLst>
-    <dgm:effectClrLst/>
-    <dgm:txLinClrLst/>
-    <dgm:txFillClrLst meth="repeat">
-      <a:schemeClr val="lt1"/>
-    </dgm:txFillClrLst>
-    <dgm:txEffectClrLst/>
-  </dgm:styleLbl>
-  <dgm:styleLbl name="bgSibTrans2D1">
-    <dgm:fillClrLst meth="repeat">
-      <a:schemeClr val="accent2"/>
-      <a:schemeClr val="accent3"/>
-      <a:schemeClr val="accent4"/>
-      <a:schemeClr val="accent5"/>
-      <a:schemeClr val="accent6"/>
-    </dgm:fillClrLst>
-    <dgm:linClrLst meth="cycle">
-      <a:schemeClr val="lt1"/>
-    </dgm:linClrLst>
-    <dgm:effectClrLst/>
-    <dgm:txLinClrLst/>
-    <dgm:txFillClrLst meth="repeat">
-      <a:schemeClr val="lt1"/>
-    </dgm:txFillClrLst>
-    <dgm:txEffectClrLst/>
-  </dgm:styleLbl>
-  <dgm:styleLbl name="sibTrans1D1">
-    <dgm:fillClrLst meth="repeat">
-      <a:schemeClr val="accent2"/>
-      <a:schemeClr val="accent3"/>
-      <a:schemeClr val="accent4"/>
-      <a:schemeClr val="accent5"/>
-      <a:schemeClr val="accent6"/>
-    </dgm:fillClrLst>
-    <dgm:linClrLst meth="repeat">
-      <a:schemeClr val="accent2"/>
-      <a:schemeClr val="accent3"/>
-      <a:schemeClr val="accent4"/>
-      <a:schemeClr val="accent5"/>
-      <a:schemeClr val="accent6"/>
-    </dgm:linClrLst>
-    <dgm:effectClrLst/>
-    <dgm:txLinClrLst/>
-    <dgm:txFillClrLst meth="repeat">
-      <a:schemeClr val="tx1"/>
-    </dgm:txFillClrLst>
-    <dgm:txEffectClrLst/>
-  </dgm:styleLbl>
-  <dgm:styleLbl name="callout">
-    <dgm:fillClrLst meth="repeat">
-      <a:schemeClr val="accent2"/>
-    </dgm:fillClrLst>
-    <dgm:linClrLst meth="repeat">
-      <a:schemeClr val="accent2">
-        <a:tint val="50000"/>
-      </a:schemeClr>
-    </dgm:linClrLst>
-    <dgm:effectClrLst/>
-    <dgm:txLinClrLst/>
-    <dgm:txFillClrLst meth="repeat">
-      <a:schemeClr val="tx1"/>
-    </dgm:txFillClrLst>
-    <dgm:txEffectClrLst/>
-  </dgm:styleLbl>
-  <dgm:styleLbl name="asst0">
-    <dgm:fillClrLst meth="repeat">
-      <a:schemeClr val="accent1"/>
-    </dgm:fillClrLst>
-    <dgm:linClrLst meth="repeat">
-      <a:schemeClr val="lt1"/>
-    </dgm:linClrLst>
-    <dgm:effectClrLst/>
-    <dgm:txLinClrLst/>
-    <dgm:txFillClrLst/>
-    <dgm:txEffectClrLst/>
-  </dgm:styleLbl>
-  <dgm:styleLbl name="asst1">
-    <dgm:fillClrLst meth="repeat">
-      <a:schemeClr val="accent2"/>
-    </dgm:fillClrLst>
-    <dgm:linClrLst meth="repeat">
-      <a:schemeClr val="lt1"/>
-    </dgm:linClrLst>
-    <dgm:effectClrLst/>
-    <dgm:txLinClrLst/>
-    <dgm:txFillClrLst/>
-    <dgm:txEffectClrLst/>
-  </dgm:styleLbl>
-  <dgm:styleLbl name="asst2">
-    <dgm:fillClrLst>
-      <a:schemeClr val="accent3"/>
-    </dgm:fillClrLst>
-    <dgm:linClrLst meth="repeat">
-      <a:schemeClr val="lt1"/>
-    </dgm:linClrLst>
-    <dgm:effectClrLst/>
-    <dgm:txLinClrLst/>
-    <dgm:txFillClrLst/>
-    <dgm:txEffectClrLst/>
-  </dgm:styleLbl>
-  <dgm:styleLbl name="asst3">
-    <dgm:fillClrLst>
-      <a:schemeClr val="accent4"/>
-    </dgm:fillClrLst>
-    <dgm:linClrLst meth="repeat">
-      <a:schemeClr val="lt1"/>
-    </dgm:linClrLst>
-    <dgm:effectClrLst/>
-    <dgm:txLinClrLst/>
-    <dgm:txFillClrLst/>
-    <dgm:txEffectClrLst/>
-  </dgm:styleLbl>
-  <dgm:styleLbl name="asst4">
-    <dgm:fillClrLst>
-      <a:schemeClr val="accent5"/>
-    </dgm:fillClrLst>
-    <dgm:linClrLst meth="repeat">
-      <a:schemeClr val="lt1"/>
-    </dgm:linClrLst>
-    <dgm:effectClrLst/>
-    <dgm:txLinClrLst/>
-    <dgm:txFillClrLst/>
-    <dgm:txEffectClrLst/>
-  </dgm:styleLbl>
-  <dgm:styleLbl name="parChTrans2D1">
-    <dgm:fillClrLst meth="repeat">
-      <a:schemeClr val="accent2"/>
-    </dgm:fillClrLst>
-    <dgm:linClrLst meth="repeat">
-      <a:schemeClr val="lt1"/>
-    </dgm:linClrLst>
-    <dgm:effectClrLst/>
-    <dgm:txLinClrLst/>
-    <dgm:txFillClrLst meth="repeat">
-      <a:schemeClr val="lt1"/>
-    </dgm:txFillClrLst>
-    <dgm:txEffectClrLst/>
-  </dgm:styleLbl>
-  <dgm:styleLbl name="parChTrans2D2">
-    <dgm:fillClrLst meth="repeat">
-      <a:schemeClr val="accent3"/>
-    </dgm:fillClrLst>
-    <dgm:linClrLst meth="repeat">
-      <a:schemeClr val="lt1"/>
-    </dgm:linClrLst>
-    <dgm:effectClrLst/>
-    <dgm:txLinClrLst/>
-    <dgm:txFillClrLst/>
-    <dgm:txEffectClrLst/>
-  </dgm:styleLbl>
-  <dgm:styleLbl name="parChTrans2D3">
-    <dgm:fillClrLst meth="repeat">
-      <a:schemeClr val="accent4"/>
-    </dgm:fillClrLst>
-    <dgm:linClrLst meth="repeat">
-      <a:schemeClr val="lt1"/>
-    </dgm:linClrLst>
-    <dgm:effectClrLst/>
-    <dgm:txLinClrLst/>
-    <dgm:txFillClrLst/>
-    <dgm:txEffectClrLst/>
-  </dgm:styleLbl>
-  <dgm:styleLbl name="parChTrans2D4">
-    <dgm:fillClrLst meth="repeat">
-      <a:schemeClr val="accent5"/>
-    </dgm:fillClrLst>
-    <dgm:linClrLst meth="repeat">
-      <a:schemeClr val="lt1"/>
-    </dgm:linClrLst>
-    <dgm:effectClrLst/>
-    <dgm:txLinClrLst/>
-    <dgm:txFillClrLst meth="repeat">
-      <a:schemeClr val="lt1"/>
-    </dgm:txFillClrLst>
-    <dgm:txEffectClrLst/>
-  </dgm:styleLbl>
-  <dgm:styleLbl name="parChTrans1D1">
-    <dgm:fillClrLst meth="repeat">
-      <a:schemeClr val="accent2"/>
-    </dgm:fillClrLst>
-    <dgm:linClrLst meth="repeat">
-      <a:schemeClr val="accent1"/>
-    </dgm:linClrLst>
-    <dgm:effectClrLst/>
-    <dgm:txLinClrLst/>
-    <dgm:txFillClrLst meth="repeat">
-      <a:schemeClr val="tx1"/>
-    </dgm:txFillClrLst>
-    <dgm:txEffectClrLst/>
-  </dgm:styleLbl>
-  <dgm:styleLbl name="parChTrans1D2">
-    <dgm:fillClrLst meth="repeat">
-      <a:schemeClr val="accent3">
-        <a:tint val="90000"/>
-      </a:schemeClr>
-    </dgm:fillClrLst>
-    <dgm:linClrLst meth="repeat">
-      <a:schemeClr val="accent2"/>
-    </dgm:linClrLst>
-    <dgm:effectClrLst/>
-    <dgm:txLinClrLst/>
-    <dgm:txFillClrLst meth="repeat">
-      <a:schemeClr val="tx1"/>
-    </dgm:txFillClrLst>
-    <dgm:txEffectClrLst/>
-  </dgm:styleLbl>
-  <dgm:styleLbl name="parChTrans1D3">
-    <dgm:fillClrLst meth="repeat">
-      <a:schemeClr val="accent4">
-        <a:tint val="70000"/>
-      </a:schemeClr>
-    </dgm:fillClrLst>
-    <dgm:linClrLst meth="repeat">
-      <a:schemeClr val="accent3"/>
-    </dgm:linClrLst>
-    <dgm:effectClrLst/>
-    <dgm:txLinClrLst/>
-    <dgm:txFillClrLst meth="repeat">
-      <a:schemeClr val="tx1"/>
-    </dgm:txFillClrLst>
-    <dgm:txEffectClrLst/>
-  </dgm:styleLbl>
-  <dgm:styleLbl name="parChTrans1D4">
-    <dgm:fillClrLst meth="repeat">
-      <a:schemeClr val="accent5">
-        <a:tint val="50000"/>
-      </a:schemeClr>
-    </dgm:fillClrLst>
-    <dgm:linClrLst meth="repeat">
-      <a:schemeClr val="accent4"/>
-    </dgm:linClrLst>
-    <dgm:effectClrLst/>
-    <dgm:txLinClrLst/>
-    <dgm:txFillClrLst meth="repeat">
-      <a:schemeClr val="tx1"/>
-    </dgm:txFillClrLst>
-    <dgm:txEffectClrLst/>
-  </dgm:styleLbl>
-  <dgm:styleLbl name="fgAcc1">
-    <dgm:fillClrLst meth="repeat">
-      <a:schemeClr val="lt1">
-        <a:alpha val="90000"/>
-      </a:schemeClr>
-    </dgm:fillClrLst>
-    <dgm:linClrLst meth="repeat">
-      <a:schemeClr val="accent2"/>
-      <a:schemeClr val="accent3"/>
-      <a:schemeClr val="accent4"/>
-      <a:schemeClr val="accent5"/>
-      <a:schemeClr val="accent6"/>
-    </dgm:linClrLst>
-    <dgm:effectClrLst/>
-    <dgm:txLinClrLst/>
-    <dgm:txFillClrLst meth="repeat">
-      <a:schemeClr val="dk1"/>
-    </dgm:txFillClrLst>
-    <dgm:txEffectClrLst/>
-  </dgm:styleLbl>
-  <dgm:styleLbl name="conFgAcc1">
-    <dgm:fillClrLst meth="repeat">
-      <a:schemeClr val="lt1">
-        <a:alpha val="90000"/>
-      </a:schemeClr>
-    </dgm:fillClrLst>
-    <dgm:linClrLst meth="repeat">
-      <a:schemeClr val="accent2"/>
-      <a:schemeClr val="accent3"/>
-      <a:schemeClr val="accent4"/>
-      <a:schemeClr val="accent5"/>
-      <a:schemeClr val="accent6"/>
-    </dgm:linClrLst>
-    <dgm:effectClrLst/>
-    <dgm:txLinClrLst/>
-    <dgm:txFillClrLst meth="repeat">
-      <a:schemeClr val="dk1"/>
-    </dgm:txFillClrLst>
-    <dgm:txEffectClrLst/>
-  </dgm:styleLbl>
-  <dgm:styleLbl name="alignAcc1">
-    <dgm:fillClrLst meth="repeat">
-      <a:schemeClr val="lt1">
-        <a:alpha val="90000"/>
-      </a:schemeClr>
-    </dgm:fillClrLst>
-    <dgm:linClrLst meth="repeat">
-      <a:schemeClr val="accent2"/>
-      <a:schemeClr val="accent3"/>
-      <a:schemeClr val="accent4"/>
-      <a:schemeClr val="accent5"/>
-      <a:schemeClr val="accent6"/>
-    </dgm:linClrLst>
-    <dgm:effectClrLst/>
-    <dgm:txLinClrLst/>
-    <dgm:txFillClrLst meth="repeat">
-      <a:schemeClr val="dk1"/>
-    </dgm:txFillClrLst>
-    <dgm:txEffectClrLst/>
-  </dgm:styleLbl>
-  <dgm:styleLbl name="trAlignAcc1">
-    <dgm:fillClrLst meth="repeat">
-      <a:schemeClr val="lt1">
-        <a:alpha val="40000"/>
-      </a:schemeClr>
-    </dgm:fillClrLst>
-    <dgm:linClrLst meth="repeat">
-      <a:schemeClr val="accent1"/>
-    </dgm:linClrLst>
-    <dgm:effectClrLst/>
-    <dgm:txLinClrLst/>
-    <dgm:txFillClrLst meth="repeat">
-      <a:schemeClr val="dk1"/>
-    </dgm:txFillClrLst>
-    <dgm:txEffectClrLst/>
-  </dgm:styleLbl>
-  <dgm:styleLbl name="bgAcc1">
-    <dgm:fillClrLst meth="repeat">
-      <a:schemeClr val="lt1">
-        <a:alpha val="90000"/>
-      </a:schemeClr>
-    </dgm:fillClrLst>
-    <dgm:linClrLst meth="repeat">
-      <a:schemeClr val="accent2"/>
-      <a:schemeClr val="accent3"/>
-      <a:schemeClr val="accent4"/>
-      <a:schemeClr val="accent5"/>
-      <a:schemeClr val="accent6"/>
-    </dgm:linClrLst>
-    <dgm:effectClrLst/>
-    <dgm:txLinClrLst/>
-    <dgm:txFillClrLst meth="repeat">
-      <a:schemeClr val="dk1"/>
-    </dgm:txFillClrLst>
-    <dgm:txEffectClrLst/>
-  </dgm:styleLbl>
-  <dgm:styleLbl name="solidFgAcc1">
-    <dgm:fillClrLst meth="repeat">
-      <a:schemeClr val="lt1"/>
-    </dgm:fillClrLst>
-    <dgm:linClrLst meth="repeat">
-      <a:schemeClr val="accent2"/>
-      <a:schemeClr val="accent3"/>
-      <a:schemeClr val="accent4"/>
-      <a:schemeClr val="accent5"/>
-      <a:schemeClr val="accent6"/>
-    </dgm:linClrLst>
-    <dgm:effectClrLst/>
-    <dgm:txLinClrLst/>
-    <dgm:txFillClrLst meth="repeat">
-      <a:schemeClr val="dk1"/>
-    </dgm:txFillClrLst>
-    <dgm:txEffectClrLst/>
-  </dgm:styleLbl>
-  <dgm:styleLbl name="solidAlignAcc1">
-    <dgm:fillClrLst meth="repeat">
-      <a:schemeClr val="lt1"/>
-    </dgm:fillClrLst>
-    <dgm:linClrLst meth="repeat">
-      <a:schemeClr val="accent2"/>
-      <a:schemeClr val="accent3"/>
-      <a:schemeClr val="accent4"/>
-      <a:schemeClr val="accent5"/>
-      <a:schemeClr val="accent6"/>
-    </dgm:linClrLst>
-    <dgm:effectClrLst/>
-    <dgm:txLinClrLst/>
-    <dgm:txFillClrLst meth="repeat">
-      <a:schemeClr val="dk1"/>
-    </dgm:txFillClrLst>
-    <dgm:txEffectClrLst/>
-  </dgm:styleLbl>
-  <dgm:styleLbl name="solidBgAcc1">
-    <dgm:fillClrLst meth="repeat">
-      <a:schemeClr val="lt1"/>
-    </dgm:fillClrLst>
-    <dgm:linClrLst meth="repeat">
-      <a:schemeClr val="accent2"/>
-      <a:schemeClr val="accent3"/>
-      <a:schemeClr val="accent4"/>
-      <a:schemeClr val="accent5"/>
-      <a:schemeClr val="accent6"/>
-    </dgm:linClrLst>
-    <dgm:effectClrLst/>
-    <dgm:txLinClrLst/>
-    <dgm:txFillClrLst meth="repeat">
-      <a:schemeClr val="dk1"/>
-    </dgm:txFillClrLst>
-    <dgm:txEffectClrLst/>
-  </dgm:styleLbl>
-  <dgm:styleLbl name="fgAccFollowNode1">
-    <dgm:fillClrLst meth="repeat">
-      <a:schemeClr val="accent2">
-        <a:tint val="40000"/>
-        <a:alpha val="90000"/>
-      </a:schemeClr>
-      <a:schemeClr val="accent3">
-        <a:tint val="40000"/>
-        <a:alpha val="90000"/>
-      </a:schemeClr>
-      <a:schemeClr val="accent4">
-        <a:tint val="40000"/>
-        <a:alpha val="90000"/>
-      </a:schemeClr>
-      <a:schemeClr val="accent5">
-        <a:tint val="40000"/>
-        <a:alpha val="90000"/>
-      </a:schemeClr>
-      <a:schemeClr val="accent6">
-        <a:tint val="40000"/>
-        <a:alpha val="90000"/>
-      </a:schemeClr>
-    </dgm:fillClrLst>
-    <dgm:linClrLst meth="repeat">
-      <a:schemeClr val="accent2">
-        <a:tint val="40000"/>
-        <a:alpha val="90000"/>
-      </a:schemeClr>
-      <a:schemeClr val="accent3">
-        <a:tint val="40000"/>
-        <a:alpha val="90000"/>
-      </a:schemeClr>
-      <a:schemeClr val="accent4">
-        <a:tint val="40000"/>
-        <a:alpha val="90000"/>
-      </a:schemeClr>
-      <a:schemeClr val="accent5">
-        <a:tint val="40000"/>
-        <a:alpha val="90000"/>
-      </a:schemeClr>
-      <a:schemeClr val="accent6">
-        <a:tint val="40000"/>
-        <a:alpha val="90000"/>
-      </a:schemeClr>
-    </dgm:linClrLst>
-    <dgm:effectClrLst/>
-    <dgm:txLinClrLst/>
-    <dgm:txFillClrLst meth="repeat">
-      <a:schemeClr val="dk1"/>
-    </dgm:txFillClrLst>
-    <dgm:txEffectClrLst/>
-  </dgm:styleLbl>
-  <dgm:styleLbl name="alignAccFollowNode1">
-    <dgm:fillClrLst meth="repeat">
-      <a:schemeClr val="accent2">
-        <a:tint val="40000"/>
-        <a:alpha val="90000"/>
-      </a:schemeClr>
-      <a:schemeClr val="accent3">
-        <a:tint val="40000"/>
-        <a:alpha val="90000"/>
-      </a:schemeClr>
-      <a:schemeClr val="accent4">
-        <a:tint val="40000"/>
-        <a:alpha val="90000"/>
-      </a:schemeClr>
-      <a:schemeClr val="accent5">
-        <a:tint val="40000"/>
-        <a:alpha val="90000"/>
-      </a:schemeClr>
-      <a:schemeClr val="accent6">
-        <a:tint val="40000"/>
-        <a:alpha val="90000"/>
-      </a:schemeClr>
-    </dgm:fillClrLst>
-    <dgm:linClrLst meth="repeat">
-      <a:schemeClr val="accent2">
-        <a:tint val="40000"/>
-        <a:alpha val="90000"/>
-      </a:schemeClr>
-      <a:schemeClr val="accent3">
-        <a:tint val="40000"/>
-        <a:alpha val="90000"/>
-      </a:schemeClr>
-      <a:schemeClr val="accent4">
-        <a:tint val="40000"/>
-        <a:alpha val="90000"/>
-      </a:schemeClr>
-      <a:schemeClr val="accent5">
-        <a:tint val="40000"/>
-        <a:alpha val="90000"/>
-      </a:schemeClr>
-      <a:schemeClr val="accent6">
-        <a:tint val="40000"/>
-        <a:alpha val="90000"/>
-      </a:schemeClr>
-    </dgm:linClrLst>
-    <dgm:effectClrLst/>
-    <dgm:txLinClrLst/>
-    <dgm:txFillClrLst meth="repeat">
-      <a:schemeClr val="dk1"/>
-    </dgm:txFillClrLst>
-    <dgm:txEffectClrLst/>
-  </dgm:styleLbl>
-  <dgm:styleLbl name="bgAccFollowNode1">
-    <dgm:fillClrLst meth="repeat">
-      <a:schemeClr val="accent2">
-        <a:tint val="40000"/>
-        <a:alpha val="90000"/>
-      </a:schemeClr>
-      <a:schemeClr val="accent3">
-        <a:tint val="40000"/>
-        <a:alpha val="90000"/>
-      </a:schemeClr>
-      <a:schemeClr val="accent4">
-        <a:tint val="40000"/>
-        <a:alpha val="90000"/>
-      </a:schemeClr>
-      <a:schemeClr val="accent5">
-        <a:tint val="40000"/>
-        <a:alpha val="90000"/>
-      </a:schemeClr>
-      <a:schemeClr val="accent6">
-        <a:tint val="40000"/>
-        <a:alpha val="90000"/>
-      </a:schemeClr>
-    </dgm:fillClrLst>
-    <dgm:linClrLst meth="repeat">
-      <a:schemeClr val="accent2">
-        <a:tint val="40000"/>
-        <a:alpha val="90000"/>
-      </a:schemeClr>
-      <a:schemeClr val="accent3">
-        <a:tint val="40000"/>
-        <a:alpha val="90000"/>
-      </a:schemeClr>
-      <a:schemeClr val="accent4">
-        <a:tint val="40000"/>
-        <a:alpha val="90000"/>
-      </a:schemeClr>
-      <a:schemeClr val="accent5">
-        <a:tint val="40000"/>
-        <a:alpha val="90000"/>
-      </a:schemeClr>
-      <a:schemeClr val="accent6">
-        <a:tint val="40000"/>
-        <a:alpha val="90000"/>
-      </a:schemeClr>
-    </dgm:linClrLst>
-    <dgm:effectClrLst/>
-    <dgm:txLinClrLst/>
-    <dgm:txFillClrLst meth="repeat">
-      <a:schemeClr val="dk1"/>
-    </dgm:txFillClrLst>
-    <dgm:txEffectClrLst/>
-  </dgm:styleLbl>
-  <dgm:styleLbl name="fgAcc0">
-    <dgm:fillClrLst meth="repeat">
-      <a:schemeClr val="lt1">
-        <a:alpha val="90000"/>
-      </a:schemeClr>
-    </dgm:fillClrLst>
-    <dgm:linClrLst>
-      <a:schemeClr val="accent1"/>
-    </dgm:linClrLst>
-    <dgm:effectClrLst/>
-    <dgm:txLinClrLst/>
-    <dgm:txFillClrLst meth="repeat">
-      <a:schemeClr val="dk1"/>
-    </dgm:txFillClrLst>
-    <dgm:txEffectClrLst/>
-  </dgm:styleLbl>
-  <dgm:styleLbl name="fgAcc2">
-    <dgm:fillClrLst meth="repeat">
-      <a:schemeClr val="lt1">
-        <a:alpha val="90000"/>
-      </a:schemeClr>
-    </dgm:fillClrLst>
-    <dgm:linClrLst>
-      <a:schemeClr val="accent2"/>
-    </dgm:linClrLst>
-    <dgm:effectClrLst/>
-    <dgm:txLinClrLst/>
-    <dgm:txFillClrLst meth="repeat">
-      <a:schemeClr val="dk1"/>
-    </dgm:txFillClrLst>
-    <dgm:txEffectClrLst/>
-  </dgm:styleLbl>
-  <dgm:styleLbl name="fgAcc3">
-    <dgm:fillClrLst meth="repeat">
-      <a:schemeClr val="lt1">
-        <a:alpha val="90000"/>
-      </a:schemeClr>
-    </dgm:fillClrLst>
-    <dgm:linClrLst>
-      <a:schemeClr val="accent3"/>
-    </dgm:linClrLst>
-    <dgm:effectClrLst/>
-    <dgm:txLinClrLst/>
-    <dgm:txFillClrLst meth="repeat">
-      <a:schemeClr val="dk1"/>
-    </dgm:txFillClrLst>
-    <dgm:txEffectClrLst/>
-  </dgm:styleLbl>
-  <dgm:styleLbl name="fgAcc4">
-    <dgm:fillClrLst meth="repeat">
-      <a:schemeClr val="lt1">
-        <a:alpha val="90000"/>
-      </a:schemeClr>
-    </dgm:fillClrLst>
-    <dgm:linClrLst>
-      <a:schemeClr val="accent4"/>
-    </dgm:linClrLst>
-    <dgm:effectClrLst/>
-    <dgm:txLinClrLst/>
-    <dgm:txFillClrLst meth="repeat">
-      <a:schemeClr val="dk1"/>
-    </dgm:txFillClrLst>
-    <dgm:txEffectClrLst/>
-  </dgm:styleLbl>
-  <dgm:styleLbl name="bgShp">
-    <dgm:fillClrLst meth="repeat">
-      <a:schemeClr val="bg1">
-        <a:lumMod val="95000"/>
-      </a:schemeClr>
-    </dgm:fillClrLst>
-    <dgm:linClrLst meth="repeat">
-      <a:schemeClr val="dk1"/>
-    </dgm:linClrLst>
-    <dgm:effectClrLst/>
-    <dgm:txLinClrLst/>
-    <dgm:txFillClrLst meth="repeat">
-      <a:schemeClr val="dk1"/>
-    </dgm:txFillClrLst>
-    <dgm:txEffectClrLst/>
-  </dgm:styleLbl>
-  <dgm:styleLbl name="dkBgShp">
-    <dgm:fillClrLst meth="repeat">
-      <a:schemeClr val="accent2">
-        <a:shade val="90000"/>
-      </a:schemeClr>
-    </dgm:fillClrLst>
-    <dgm:linClrLst meth="repeat">
-      <a:schemeClr val="dk1"/>
-    </dgm:linClrLst>
-    <dgm:effectClrLst/>
-    <dgm:txLinClrLst/>
-    <dgm:txFillClrLst meth="repeat">
-      <a:schemeClr val="lt1"/>
-    </dgm:txFillClrLst>
-    <dgm:txEffectClrLst/>
-  </dgm:styleLbl>
-  <dgm:styleLbl name="trBgShp">
-    <dgm:fillClrLst meth="repeat">
-      <a:schemeClr val="accent1">
-        <a:tint val="50000"/>
-        <a:alpha val="40000"/>
-      </a:schemeClr>
-    </dgm:fillClrLst>
-    <dgm:linClrLst meth="repeat">
-      <a:schemeClr val="accent2"/>
-    </dgm:linClrLst>
-    <dgm:effectClrLst/>
-    <dgm:txLinClrLst/>
-    <dgm:txFillClrLst meth="repeat">
-      <a:schemeClr val="lt1"/>
-    </dgm:txFillClrLst>
-    <dgm:txEffectClrLst/>
-  </dgm:styleLbl>
-  <dgm:styleLbl name="fgShp">
-    <dgm:fillClrLst meth="repeat">
-      <a:schemeClr val="accent2">
-        <a:tint val="40000"/>
-      </a:schemeClr>
-    </dgm:fillClrLst>
-    <dgm:linClrLst meth="repeat">
-      <a:schemeClr val="lt1"/>
-    </dgm:linClrLst>
-    <dgm:effectClrLst/>
-    <dgm:txLinClrLst/>
-    <dgm:txFillClrLst meth="repeat">
-      <a:schemeClr val="dk1"/>
-    </dgm:txFillClrLst>
-    <dgm:txEffectClrLst/>
-  </dgm:styleLbl>
-  <dgm:styleLbl name="revTx">
-    <dgm:fillClrLst meth="repeat">
-      <a:schemeClr val="lt1">
-        <a:alpha val="0"/>
-      </a:schemeClr>
-    </dgm:fillClrLst>
-    <dgm:linClrLst meth="repeat">
-      <a:schemeClr val="dk1">
-        <a:alpha val="0"/>
-      </a:schemeClr>
-    </dgm:linClrLst>
-    <dgm:effectClrLst/>
-    <dgm:txLinClrLst/>
-    <dgm:txFillClrLst meth="repeat">
-      <a:schemeClr val="tx1"/>
-    </dgm:txFillClrLst>
-    <dgm:txEffectClrLst/>
-  </dgm:styleLbl>
-</dgm:colorsDef>
-</file>
-
-<file path=ppt/diagrams/colors4.xml><?xml version="1.0" encoding="utf-8"?>
 <dgm:colorsDef xmlns:dgm="http://schemas.openxmlformats.org/drawingml/2006/diagram" xmlns:a="http://schemas.openxmlformats.org/drawingml/2006/main" uniqueId="urn:microsoft.com/office/officeart/2018/5/colors/Iconchunking_neutralicon_colorful1">
   <dgm:title val=""/>
   <dgm:desc val=""/>
@@ -4501,439 +3567,6 @@
 </file>
 
 <file path=ppt/diagrams/data3.xml><?xml version="1.0" encoding="utf-8"?>
-<dgm:dataModel xmlns:dgm="http://schemas.openxmlformats.org/drawingml/2006/diagram" xmlns:a="http://schemas.openxmlformats.org/drawingml/2006/main">
-  <dgm:ptLst>
-    <dgm:pt modelId="{202F00C0-5B37-4945-A875-502DBF486774}" type="doc">
-      <dgm:prSet loTypeId="urn:microsoft.com/office/officeart/2018/2/layout/IconLabelDescriptionList" loCatId="icon" qsTypeId="urn:microsoft.com/office/officeart/2005/8/quickstyle/simple1" qsCatId="simple" csTypeId="urn:microsoft.com/office/officeart/2018/5/colors/Iconchunking_neutralbg_colorful1" csCatId="colorful" phldr="1"/>
-      <dgm:spPr/>
-      <dgm:t>
-        <a:bodyPr/>
-        <a:lstStyle/>
-        <a:p>
-          <a:endParaRPr lang="en-US"/>
-        </a:p>
-      </dgm:t>
-    </dgm:pt>
-    <dgm:pt modelId="{4D2E3BE6-7227-4FEB-9EE9-5D54AC1460BA}">
-      <dgm:prSet/>
-      <dgm:spPr/>
-      <dgm:t>
-        <a:bodyPr/>
-        <a:lstStyle/>
-        <a:p>
-          <a:pPr>
-            <a:defRPr b="1"/>
-          </a:pPr>
-          <a:r>
-            <a:rPr lang="en-US" dirty="0"/>
-            <a:t>2 X 2 Design</a:t>
-          </a:r>
-        </a:p>
-      </dgm:t>
-    </dgm:pt>
-    <dgm:pt modelId="{A2ED9D88-A521-47B2-A3AB-97B9EDF9E748}" type="parTrans" cxnId="{176A4BD9-2BEE-451D-9687-AFD1DD16C558}">
-      <dgm:prSet/>
-      <dgm:spPr/>
-      <dgm:t>
-        <a:bodyPr/>
-        <a:lstStyle/>
-        <a:p>
-          <a:endParaRPr lang="en-US"/>
-        </a:p>
-      </dgm:t>
-    </dgm:pt>
-    <dgm:pt modelId="{3199F234-27BE-479F-9ED3-678FB35B83A0}" type="sibTrans" cxnId="{176A4BD9-2BEE-451D-9687-AFD1DD16C558}">
-      <dgm:prSet/>
-      <dgm:spPr/>
-      <dgm:t>
-        <a:bodyPr/>
-        <a:lstStyle/>
-        <a:p>
-          <a:endParaRPr lang="en-US"/>
-        </a:p>
-      </dgm:t>
-    </dgm:pt>
-    <dgm:pt modelId="{D30D765A-D94F-47EF-9401-A2BC51E418B2}">
-      <dgm:prSet custT="1"/>
-      <dgm:spPr/>
-      <dgm:t>
-        <a:bodyPr/>
-        <a:lstStyle/>
-        <a:p>
-          <a:r>
-            <a:rPr lang="en-US" sz="1600" dirty="0"/>
-            <a:t>IVs/Manipulated Variables: Deviation Distance, Presence of Laser</a:t>
-          </a:r>
-          <a:br>
-            <a:rPr lang="en-US" sz="1600" dirty="0"/>
-          </a:br>
-          <a:endParaRPr lang="en-US" sz="1600" dirty="0"/>
-        </a:p>
-      </dgm:t>
-    </dgm:pt>
-    <dgm:pt modelId="{F4A958BD-8B15-4212-867C-2DD69FC48C04}" type="parTrans" cxnId="{4AAD4646-CA50-4C99-934A-FDACFB9A855B}">
-      <dgm:prSet/>
-      <dgm:spPr/>
-      <dgm:t>
-        <a:bodyPr/>
-        <a:lstStyle/>
-        <a:p>
-          <a:endParaRPr lang="en-US"/>
-        </a:p>
-      </dgm:t>
-    </dgm:pt>
-    <dgm:pt modelId="{ACC137CB-85ED-4A7E-9BC1-48DF3113055A}" type="sibTrans" cxnId="{4AAD4646-CA50-4C99-934A-FDACFB9A855B}">
-      <dgm:prSet/>
-      <dgm:spPr/>
-      <dgm:t>
-        <a:bodyPr/>
-        <a:lstStyle/>
-        <a:p>
-          <a:endParaRPr lang="en-US"/>
-        </a:p>
-      </dgm:t>
-    </dgm:pt>
-    <dgm:pt modelId="{4C2D5D9A-17C6-4362-87F8-E86F001E696F}">
-      <dgm:prSet custT="1"/>
-      <dgm:spPr/>
-      <dgm:t>
-        <a:bodyPr/>
-        <a:lstStyle/>
-        <a:p>
-          <a:r>
-            <a:rPr lang="en-US" sz="1600" dirty="0"/>
-            <a:t>DVs/Measured Variables: Participant Perception and Confidence</a:t>
-          </a:r>
-        </a:p>
-      </dgm:t>
-    </dgm:pt>
-    <dgm:pt modelId="{20219C89-93A8-4EEE-AAAD-06C4CEEE1EAE}" type="parTrans" cxnId="{4086C4D0-4295-4B89-A7B3-46E435060B3D}">
-      <dgm:prSet/>
-      <dgm:spPr/>
-      <dgm:t>
-        <a:bodyPr/>
-        <a:lstStyle/>
-        <a:p>
-          <a:endParaRPr lang="en-US"/>
-        </a:p>
-      </dgm:t>
-    </dgm:pt>
-    <dgm:pt modelId="{C5372F89-5B04-4950-9A93-08A850FCE789}" type="sibTrans" cxnId="{4086C4D0-4295-4B89-A7B3-46E435060B3D}">
-      <dgm:prSet/>
-      <dgm:spPr/>
-      <dgm:t>
-        <a:bodyPr/>
-        <a:lstStyle/>
-        <a:p>
-          <a:endParaRPr lang="en-US"/>
-        </a:p>
-      </dgm:t>
-    </dgm:pt>
-    <dgm:pt modelId="{03CE08F5-696F-4210-ACF4-1A6AB3D60D3D}">
-      <dgm:prSet/>
-      <dgm:spPr/>
-      <dgm:t>
-        <a:bodyPr/>
-        <a:lstStyle/>
-        <a:p>
-          <a:pPr>
-            <a:defRPr b="1"/>
-          </a:pPr>
-          <a:r>
-            <a:rPr lang="en-US" dirty="0"/>
-            <a:t>3 Targets</a:t>
-          </a:r>
-        </a:p>
-      </dgm:t>
-    </dgm:pt>
-    <dgm:pt modelId="{DB83E6C4-1EF8-44C3-A0D4-62CA0790D4B9}" type="parTrans" cxnId="{BBC08B26-4508-49DF-BDFD-5EA9B1BEAD87}">
-      <dgm:prSet/>
-      <dgm:spPr/>
-      <dgm:t>
-        <a:bodyPr/>
-        <a:lstStyle/>
-        <a:p>
-          <a:endParaRPr lang="en-US"/>
-        </a:p>
-      </dgm:t>
-    </dgm:pt>
-    <dgm:pt modelId="{03F21D60-4309-4677-8621-03E37FBCACFC}" type="sibTrans" cxnId="{BBC08B26-4508-49DF-BDFD-5EA9B1BEAD87}">
-      <dgm:prSet/>
-      <dgm:spPr/>
-      <dgm:t>
-        <a:bodyPr/>
-        <a:lstStyle/>
-        <a:p>
-          <a:endParaRPr lang="en-US"/>
-        </a:p>
-      </dgm:t>
-    </dgm:pt>
-    <dgm:pt modelId="{1E9C1387-E092-4335-B2BE-5A36C94B5E6B}">
-      <dgm:prSet/>
-      <dgm:spPr/>
-      <dgm:t>
-        <a:bodyPr/>
-        <a:lstStyle/>
-        <a:p>
-          <a:pPr>
-            <a:defRPr b="1"/>
-          </a:pPr>
-          <a:r>
-            <a:rPr lang="en-US"/>
-            <a:t>5 Points around each target</a:t>
-          </a:r>
-        </a:p>
-      </dgm:t>
-    </dgm:pt>
-    <dgm:pt modelId="{D71F8BA1-4D51-4D27-ADE6-9010299C2B49}" type="parTrans" cxnId="{6301FB2A-6E7F-448C-A557-8989057B3A8D}">
-      <dgm:prSet/>
-      <dgm:spPr/>
-      <dgm:t>
-        <a:bodyPr/>
-        <a:lstStyle/>
-        <a:p>
-          <a:endParaRPr lang="en-US"/>
-        </a:p>
-      </dgm:t>
-    </dgm:pt>
-    <dgm:pt modelId="{BF922FB7-CB29-46DF-855B-F3097813B80D}" type="sibTrans" cxnId="{6301FB2A-6E7F-448C-A557-8989057B3A8D}">
-      <dgm:prSet/>
-      <dgm:spPr/>
-      <dgm:t>
-        <a:bodyPr/>
-        <a:lstStyle/>
-        <a:p>
-          <a:endParaRPr lang="en-US"/>
-        </a:p>
-      </dgm:t>
-    </dgm:pt>
-    <dgm:pt modelId="{2E7EF993-6CD6-40F9-AD66-C3970EFC2EA4}" type="pres">
-      <dgm:prSet presAssocID="{202F00C0-5B37-4945-A875-502DBF486774}" presName="root" presStyleCnt="0">
-        <dgm:presLayoutVars>
-          <dgm:dir/>
-          <dgm:resizeHandles val="exact"/>
-        </dgm:presLayoutVars>
-      </dgm:prSet>
-      <dgm:spPr/>
-    </dgm:pt>
-    <dgm:pt modelId="{8D358BC6-C213-49AD-9FFC-39B80152B3B1}" type="pres">
-      <dgm:prSet presAssocID="{4D2E3BE6-7227-4FEB-9EE9-5D54AC1460BA}" presName="compNode" presStyleCnt="0"/>
-      <dgm:spPr/>
-    </dgm:pt>
-    <dgm:pt modelId="{F8E67707-7EA1-4C92-A9DE-1B9843765E4F}" type="pres">
-      <dgm:prSet presAssocID="{4D2E3BE6-7227-4FEB-9EE9-5D54AC1460BA}" presName="iconRect" presStyleLbl="node1" presStyleIdx="0" presStyleCnt="3"/>
-      <dgm:spPr>
-        <a:blipFill>
-          <a:blip xmlns:r="http://schemas.openxmlformats.org/officeDocument/2006/relationships" r:embed="rId1">
-            <a:extLst>
-              <a:ext uri="{28A0092B-C50C-407E-A947-70E740481C1C}">
-                <a14:useLocalDpi xmlns:a14="http://schemas.microsoft.com/office/drawing/2010/main" val="0"/>
-              </a:ext>
-              <a:ext uri="{96DAC541-7B7A-43D3-8B79-37D633B846F1}">
-                <asvg:svgBlip xmlns:asvg="http://schemas.microsoft.com/office/drawing/2016/SVG/main" r:embed="rId2"/>
-              </a:ext>
-            </a:extLst>
-          </a:blip>
-          <a:stretch>
-            <a:fillRect/>
-          </a:stretch>
-        </a:blipFill>
-        <a:ln>
-          <a:noFill/>
-        </a:ln>
-      </dgm:spPr>
-      <dgm:extLst>
-        <a:ext uri="{E40237B7-FDA0-4F09-8148-C483321AD2D9}">
-          <dgm14:cNvPr xmlns:dgm14="http://schemas.microsoft.com/office/drawing/2010/diagram" id="0" name="" descr="Presentation with Checklist"/>
-        </a:ext>
-      </dgm:extLst>
-    </dgm:pt>
-    <dgm:pt modelId="{2B5AAD58-1961-4C66-AEED-57C0E691201D}" type="pres">
-      <dgm:prSet presAssocID="{4D2E3BE6-7227-4FEB-9EE9-5D54AC1460BA}" presName="iconSpace" presStyleCnt="0"/>
-      <dgm:spPr/>
-    </dgm:pt>
-    <dgm:pt modelId="{43640242-6A7D-4781-ACEC-F67573E980DF}" type="pres">
-      <dgm:prSet presAssocID="{4D2E3BE6-7227-4FEB-9EE9-5D54AC1460BA}" presName="parTx" presStyleLbl="revTx" presStyleIdx="0" presStyleCnt="6">
-        <dgm:presLayoutVars>
-          <dgm:chMax val="0"/>
-          <dgm:chPref val="0"/>
-        </dgm:presLayoutVars>
-      </dgm:prSet>
-      <dgm:spPr/>
-    </dgm:pt>
-    <dgm:pt modelId="{7E6D2ED6-AE48-45E9-BE2C-0D0D44CDC0C8}" type="pres">
-      <dgm:prSet presAssocID="{4D2E3BE6-7227-4FEB-9EE9-5D54AC1460BA}" presName="txSpace" presStyleCnt="0"/>
-      <dgm:spPr/>
-    </dgm:pt>
-    <dgm:pt modelId="{0997095E-9EEC-419B-A148-59168F074FC8}" type="pres">
-      <dgm:prSet presAssocID="{4D2E3BE6-7227-4FEB-9EE9-5D54AC1460BA}" presName="desTx" presStyleLbl="revTx" presStyleIdx="1" presStyleCnt="6">
-        <dgm:presLayoutVars/>
-      </dgm:prSet>
-      <dgm:spPr/>
-    </dgm:pt>
-    <dgm:pt modelId="{09A53A5C-E854-44A9-A123-956BFF5E09A6}" type="pres">
-      <dgm:prSet presAssocID="{3199F234-27BE-479F-9ED3-678FB35B83A0}" presName="sibTrans" presStyleCnt="0"/>
-      <dgm:spPr/>
-    </dgm:pt>
-    <dgm:pt modelId="{01BA5C95-9F5B-4EE5-BE5D-0BFE7A33AC65}" type="pres">
-      <dgm:prSet presAssocID="{03CE08F5-696F-4210-ACF4-1A6AB3D60D3D}" presName="compNode" presStyleCnt="0"/>
-      <dgm:spPr/>
-    </dgm:pt>
-    <dgm:pt modelId="{4A0DCEBF-54DA-41C8-8EBB-9FDD7687E419}" type="pres">
-      <dgm:prSet presAssocID="{03CE08F5-696F-4210-ACF4-1A6AB3D60D3D}" presName="iconRect" presStyleLbl="node1" presStyleIdx="1" presStyleCnt="3"/>
-      <dgm:spPr>
-        <a:blipFill>
-          <a:blip xmlns:r="http://schemas.openxmlformats.org/officeDocument/2006/relationships" r:embed="rId3">
-            <a:extLst>
-              <a:ext uri="{28A0092B-C50C-407E-A947-70E740481C1C}">
-                <a14:useLocalDpi xmlns:a14="http://schemas.microsoft.com/office/drawing/2010/main" val="0"/>
-              </a:ext>
-              <a:ext uri="{96DAC541-7B7A-43D3-8B79-37D633B846F1}">
-                <asvg:svgBlip xmlns:asvg="http://schemas.microsoft.com/office/drawing/2016/SVG/main" r:embed="rId4"/>
-              </a:ext>
-            </a:extLst>
-          </a:blip>
-          <a:stretch>
-            <a:fillRect/>
-          </a:stretch>
-        </a:blipFill>
-        <a:ln>
-          <a:noFill/>
-        </a:ln>
-      </dgm:spPr>
-      <dgm:extLst>
-        <a:ext uri="{E40237B7-FDA0-4F09-8148-C483321AD2D9}">
-          <dgm14:cNvPr xmlns:dgm14="http://schemas.microsoft.com/office/drawing/2010/diagram" id="0" name="" descr="Bullseye"/>
-        </a:ext>
-      </dgm:extLst>
-    </dgm:pt>
-    <dgm:pt modelId="{65682BA8-AC49-4BBF-9BF7-6B62D845E038}" type="pres">
-      <dgm:prSet presAssocID="{03CE08F5-696F-4210-ACF4-1A6AB3D60D3D}" presName="iconSpace" presStyleCnt="0"/>
-      <dgm:spPr/>
-    </dgm:pt>
-    <dgm:pt modelId="{E9F45FFB-80FD-4F1C-B4F5-5166683AB2EC}" type="pres">
-      <dgm:prSet presAssocID="{03CE08F5-696F-4210-ACF4-1A6AB3D60D3D}" presName="parTx" presStyleLbl="revTx" presStyleIdx="2" presStyleCnt="6">
-        <dgm:presLayoutVars>
-          <dgm:chMax val="0"/>
-          <dgm:chPref val="0"/>
-        </dgm:presLayoutVars>
-      </dgm:prSet>
-      <dgm:spPr/>
-    </dgm:pt>
-    <dgm:pt modelId="{CCF66A45-15ED-4B47-8050-A464EEE86543}" type="pres">
-      <dgm:prSet presAssocID="{03CE08F5-696F-4210-ACF4-1A6AB3D60D3D}" presName="txSpace" presStyleCnt="0"/>
-      <dgm:spPr/>
-    </dgm:pt>
-    <dgm:pt modelId="{87D14BC4-85D9-44E3-873A-32089E317A17}" type="pres">
-      <dgm:prSet presAssocID="{03CE08F5-696F-4210-ACF4-1A6AB3D60D3D}" presName="desTx" presStyleLbl="revTx" presStyleIdx="3" presStyleCnt="6">
-        <dgm:presLayoutVars/>
-      </dgm:prSet>
-      <dgm:spPr/>
-    </dgm:pt>
-    <dgm:pt modelId="{64C21427-59D6-4A6E-9668-F31162E2111B}" type="pres">
-      <dgm:prSet presAssocID="{03F21D60-4309-4677-8621-03E37FBCACFC}" presName="sibTrans" presStyleCnt="0"/>
-      <dgm:spPr/>
-    </dgm:pt>
-    <dgm:pt modelId="{E4293105-0CA1-4CC1-8647-45528C9689CA}" type="pres">
-      <dgm:prSet presAssocID="{1E9C1387-E092-4335-B2BE-5A36C94B5E6B}" presName="compNode" presStyleCnt="0"/>
-      <dgm:spPr/>
-    </dgm:pt>
-    <dgm:pt modelId="{4C9312AE-0EC4-4D6B-8CD7-C113B063F145}" type="pres">
-      <dgm:prSet presAssocID="{1E9C1387-E092-4335-B2BE-5A36C94B5E6B}" presName="iconRect" presStyleLbl="node1" presStyleIdx="2" presStyleCnt="3"/>
-      <dgm:spPr>
-        <a:blipFill>
-          <a:blip xmlns:r="http://schemas.openxmlformats.org/officeDocument/2006/relationships" r:embed="rId5">
-            <a:extLst>
-              <a:ext uri="{28A0092B-C50C-407E-A947-70E740481C1C}">
-                <a14:useLocalDpi xmlns:a14="http://schemas.microsoft.com/office/drawing/2010/main" val="0"/>
-              </a:ext>
-              <a:ext uri="{96DAC541-7B7A-43D3-8B79-37D633B846F1}">
-                <asvg:svgBlip xmlns:asvg="http://schemas.microsoft.com/office/drawing/2016/SVG/main" r:embed="rId6"/>
-              </a:ext>
-            </a:extLst>
-          </a:blip>
-          <a:stretch>
-            <a:fillRect/>
-          </a:stretch>
-        </a:blipFill>
-        <a:ln>
-          <a:noFill/>
-        </a:ln>
-      </dgm:spPr>
-      <dgm:extLst>
-        <a:ext uri="{E40237B7-FDA0-4F09-8148-C483321AD2D9}">
-          <dgm14:cNvPr xmlns:dgm14="http://schemas.microsoft.com/office/drawing/2010/diagram" id="0" name="" descr="Target"/>
-        </a:ext>
-      </dgm:extLst>
-    </dgm:pt>
-    <dgm:pt modelId="{6E066EC2-C6D9-45A1-918F-ABFBECF0B8FD}" type="pres">
-      <dgm:prSet presAssocID="{1E9C1387-E092-4335-B2BE-5A36C94B5E6B}" presName="iconSpace" presStyleCnt="0"/>
-      <dgm:spPr/>
-    </dgm:pt>
-    <dgm:pt modelId="{26409B8A-B44F-4705-915D-2F41F78D92EF}" type="pres">
-      <dgm:prSet presAssocID="{1E9C1387-E092-4335-B2BE-5A36C94B5E6B}" presName="parTx" presStyleLbl="revTx" presStyleIdx="4" presStyleCnt="6">
-        <dgm:presLayoutVars>
-          <dgm:chMax val="0"/>
-          <dgm:chPref val="0"/>
-        </dgm:presLayoutVars>
-      </dgm:prSet>
-      <dgm:spPr/>
-    </dgm:pt>
-    <dgm:pt modelId="{4EFD7442-0320-4685-9F4D-B16976563923}" type="pres">
-      <dgm:prSet presAssocID="{1E9C1387-E092-4335-B2BE-5A36C94B5E6B}" presName="txSpace" presStyleCnt="0"/>
-      <dgm:spPr/>
-    </dgm:pt>
-    <dgm:pt modelId="{C9335ACC-C53C-46C5-870C-B4E1A90A778B}" type="pres">
-      <dgm:prSet presAssocID="{1E9C1387-E092-4335-B2BE-5A36C94B5E6B}" presName="desTx" presStyleLbl="revTx" presStyleIdx="5" presStyleCnt="6">
-        <dgm:presLayoutVars/>
-      </dgm:prSet>
-      <dgm:spPr/>
-    </dgm:pt>
-  </dgm:ptLst>
-  <dgm:cxnLst>
-    <dgm:cxn modelId="{7FB8B523-7DBF-402B-AA28-A4968C265CFB}" type="presOf" srcId="{03CE08F5-696F-4210-ACF4-1A6AB3D60D3D}" destId="{E9F45FFB-80FD-4F1C-B4F5-5166683AB2EC}" srcOrd="0" destOrd="0" presId="urn:microsoft.com/office/officeart/2018/2/layout/IconLabelDescriptionList"/>
-    <dgm:cxn modelId="{BBC08B26-4508-49DF-BDFD-5EA9B1BEAD87}" srcId="{202F00C0-5B37-4945-A875-502DBF486774}" destId="{03CE08F5-696F-4210-ACF4-1A6AB3D60D3D}" srcOrd="1" destOrd="0" parTransId="{DB83E6C4-1EF8-44C3-A0D4-62CA0790D4B9}" sibTransId="{03F21D60-4309-4677-8621-03E37FBCACFC}"/>
-    <dgm:cxn modelId="{6301FB2A-6E7F-448C-A557-8989057B3A8D}" srcId="{202F00C0-5B37-4945-A875-502DBF486774}" destId="{1E9C1387-E092-4335-B2BE-5A36C94B5E6B}" srcOrd="2" destOrd="0" parTransId="{D71F8BA1-4D51-4D27-ADE6-9010299C2B49}" sibTransId="{BF922FB7-CB29-46DF-855B-F3097813B80D}"/>
-    <dgm:cxn modelId="{653D3436-299C-4A9D-AFBF-F5869E348AA6}" type="presOf" srcId="{4D2E3BE6-7227-4FEB-9EE9-5D54AC1460BA}" destId="{43640242-6A7D-4781-ACEC-F67573E980DF}" srcOrd="0" destOrd="0" presId="urn:microsoft.com/office/officeart/2018/2/layout/IconLabelDescriptionList"/>
-    <dgm:cxn modelId="{4AAD4646-CA50-4C99-934A-FDACFB9A855B}" srcId="{4D2E3BE6-7227-4FEB-9EE9-5D54AC1460BA}" destId="{D30D765A-D94F-47EF-9401-A2BC51E418B2}" srcOrd="0" destOrd="0" parTransId="{F4A958BD-8B15-4212-867C-2DD69FC48C04}" sibTransId="{ACC137CB-85ED-4A7E-9BC1-48DF3113055A}"/>
-    <dgm:cxn modelId="{CAB7396F-0BEC-42BD-9346-30438A9C3C1C}" type="presOf" srcId="{D30D765A-D94F-47EF-9401-A2BC51E418B2}" destId="{0997095E-9EEC-419B-A148-59168F074FC8}" srcOrd="0" destOrd="0" presId="urn:microsoft.com/office/officeart/2018/2/layout/IconLabelDescriptionList"/>
-    <dgm:cxn modelId="{9BB3B94F-4EB4-47F7-A802-308B4B74AA30}" type="presOf" srcId="{4C2D5D9A-17C6-4362-87F8-E86F001E696F}" destId="{0997095E-9EEC-419B-A148-59168F074FC8}" srcOrd="0" destOrd="1" presId="urn:microsoft.com/office/officeart/2018/2/layout/IconLabelDescriptionList"/>
-    <dgm:cxn modelId="{4086C4D0-4295-4B89-A7B3-46E435060B3D}" srcId="{4D2E3BE6-7227-4FEB-9EE9-5D54AC1460BA}" destId="{4C2D5D9A-17C6-4362-87F8-E86F001E696F}" srcOrd="1" destOrd="0" parTransId="{20219C89-93A8-4EEE-AAAD-06C4CEEE1EAE}" sibTransId="{C5372F89-5B04-4950-9A93-08A850FCE789}"/>
-    <dgm:cxn modelId="{176A4BD9-2BEE-451D-9687-AFD1DD16C558}" srcId="{202F00C0-5B37-4945-A875-502DBF486774}" destId="{4D2E3BE6-7227-4FEB-9EE9-5D54AC1460BA}" srcOrd="0" destOrd="0" parTransId="{A2ED9D88-A521-47B2-A3AB-97B9EDF9E748}" sibTransId="{3199F234-27BE-479F-9ED3-678FB35B83A0}"/>
-    <dgm:cxn modelId="{38C320EC-543B-4B70-8B2D-1461C51D9BCA}" type="presOf" srcId="{202F00C0-5B37-4945-A875-502DBF486774}" destId="{2E7EF993-6CD6-40F9-AD66-C3970EFC2EA4}" srcOrd="0" destOrd="0" presId="urn:microsoft.com/office/officeart/2018/2/layout/IconLabelDescriptionList"/>
-    <dgm:cxn modelId="{E5F94FF6-8B60-403D-879F-85E6DFE596D0}" type="presOf" srcId="{1E9C1387-E092-4335-B2BE-5A36C94B5E6B}" destId="{26409B8A-B44F-4705-915D-2F41F78D92EF}" srcOrd="0" destOrd="0" presId="urn:microsoft.com/office/officeart/2018/2/layout/IconLabelDescriptionList"/>
-    <dgm:cxn modelId="{93AEB5D3-A081-4173-9D75-1CD264679A57}" type="presParOf" srcId="{2E7EF993-6CD6-40F9-AD66-C3970EFC2EA4}" destId="{8D358BC6-C213-49AD-9FFC-39B80152B3B1}" srcOrd="0" destOrd="0" presId="urn:microsoft.com/office/officeart/2018/2/layout/IconLabelDescriptionList"/>
-    <dgm:cxn modelId="{9DA044D6-9D03-415B-9089-AE8FC0B67CBA}" type="presParOf" srcId="{8D358BC6-C213-49AD-9FFC-39B80152B3B1}" destId="{F8E67707-7EA1-4C92-A9DE-1B9843765E4F}" srcOrd="0" destOrd="0" presId="urn:microsoft.com/office/officeart/2018/2/layout/IconLabelDescriptionList"/>
-    <dgm:cxn modelId="{BAEC7E0D-D4AC-4356-BB7E-715F179A2965}" type="presParOf" srcId="{8D358BC6-C213-49AD-9FFC-39B80152B3B1}" destId="{2B5AAD58-1961-4C66-AEED-57C0E691201D}" srcOrd="1" destOrd="0" presId="urn:microsoft.com/office/officeart/2018/2/layout/IconLabelDescriptionList"/>
-    <dgm:cxn modelId="{7DFBFE7C-61EA-47DD-885A-5FEF986739FC}" type="presParOf" srcId="{8D358BC6-C213-49AD-9FFC-39B80152B3B1}" destId="{43640242-6A7D-4781-ACEC-F67573E980DF}" srcOrd="2" destOrd="0" presId="urn:microsoft.com/office/officeart/2018/2/layout/IconLabelDescriptionList"/>
-    <dgm:cxn modelId="{34ED9360-D20A-40F3-B6A7-E3B14DA1B0C5}" type="presParOf" srcId="{8D358BC6-C213-49AD-9FFC-39B80152B3B1}" destId="{7E6D2ED6-AE48-45E9-BE2C-0D0D44CDC0C8}" srcOrd="3" destOrd="0" presId="urn:microsoft.com/office/officeart/2018/2/layout/IconLabelDescriptionList"/>
-    <dgm:cxn modelId="{F84CFF4A-54D9-4D35-8678-55C69BBB5580}" type="presParOf" srcId="{8D358BC6-C213-49AD-9FFC-39B80152B3B1}" destId="{0997095E-9EEC-419B-A148-59168F074FC8}" srcOrd="4" destOrd="0" presId="urn:microsoft.com/office/officeart/2018/2/layout/IconLabelDescriptionList"/>
-    <dgm:cxn modelId="{5343A898-A6D8-4882-90EC-540B85F995B9}" type="presParOf" srcId="{2E7EF993-6CD6-40F9-AD66-C3970EFC2EA4}" destId="{09A53A5C-E854-44A9-A123-956BFF5E09A6}" srcOrd="1" destOrd="0" presId="urn:microsoft.com/office/officeart/2018/2/layout/IconLabelDescriptionList"/>
-    <dgm:cxn modelId="{64C5E56D-97A8-4888-8357-543DC801704F}" type="presParOf" srcId="{2E7EF993-6CD6-40F9-AD66-C3970EFC2EA4}" destId="{01BA5C95-9F5B-4EE5-BE5D-0BFE7A33AC65}" srcOrd="2" destOrd="0" presId="urn:microsoft.com/office/officeart/2018/2/layout/IconLabelDescriptionList"/>
-    <dgm:cxn modelId="{0C319220-E534-4860-98D0-616C376BEA4A}" type="presParOf" srcId="{01BA5C95-9F5B-4EE5-BE5D-0BFE7A33AC65}" destId="{4A0DCEBF-54DA-41C8-8EBB-9FDD7687E419}" srcOrd="0" destOrd="0" presId="urn:microsoft.com/office/officeart/2018/2/layout/IconLabelDescriptionList"/>
-    <dgm:cxn modelId="{DCBAC92F-4231-47B5-8251-9A69C4A978A4}" type="presParOf" srcId="{01BA5C95-9F5B-4EE5-BE5D-0BFE7A33AC65}" destId="{65682BA8-AC49-4BBF-9BF7-6B62D845E038}" srcOrd="1" destOrd="0" presId="urn:microsoft.com/office/officeart/2018/2/layout/IconLabelDescriptionList"/>
-    <dgm:cxn modelId="{715718A4-3A19-4D47-AE95-F54B8E282616}" type="presParOf" srcId="{01BA5C95-9F5B-4EE5-BE5D-0BFE7A33AC65}" destId="{E9F45FFB-80FD-4F1C-B4F5-5166683AB2EC}" srcOrd="2" destOrd="0" presId="urn:microsoft.com/office/officeart/2018/2/layout/IconLabelDescriptionList"/>
-    <dgm:cxn modelId="{B21607C6-FE3B-44D7-A63E-4C572C4228B8}" type="presParOf" srcId="{01BA5C95-9F5B-4EE5-BE5D-0BFE7A33AC65}" destId="{CCF66A45-15ED-4B47-8050-A464EEE86543}" srcOrd="3" destOrd="0" presId="urn:microsoft.com/office/officeart/2018/2/layout/IconLabelDescriptionList"/>
-    <dgm:cxn modelId="{AB83724B-476F-45B1-AF2C-F522CD8A763D}" type="presParOf" srcId="{01BA5C95-9F5B-4EE5-BE5D-0BFE7A33AC65}" destId="{87D14BC4-85D9-44E3-873A-32089E317A17}" srcOrd="4" destOrd="0" presId="urn:microsoft.com/office/officeart/2018/2/layout/IconLabelDescriptionList"/>
-    <dgm:cxn modelId="{78E3C502-E3D5-4B33-A9EC-97D9DED2BA39}" type="presParOf" srcId="{2E7EF993-6CD6-40F9-AD66-C3970EFC2EA4}" destId="{64C21427-59D6-4A6E-9668-F31162E2111B}" srcOrd="3" destOrd="0" presId="urn:microsoft.com/office/officeart/2018/2/layout/IconLabelDescriptionList"/>
-    <dgm:cxn modelId="{B4A792CB-3D26-45A2-85B9-893614A384FE}" type="presParOf" srcId="{2E7EF993-6CD6-40F9-AD66-C3970EFC2EA4}" destId="{E4293105-0CA1-4CC1-8647-45528C9689CA}" srcOrd="4" destOrd="0" presId="urn:microsoft.com/office/officeart/2018/2/layout/IconLabelDescriptionList"/>
-    <dgm:cxn modelId="{09FE5902-AF4E-406C-B87D-40F8310E6EFD}" type="presParOf" srcId="{E4293105-0CA1-4CC1-8647-45528C9689CA}" destId="{4C9312AE-0EC4-4D6B-8CD7-C113B063F145}" srcOrd="0" destOrd="0" presId="urn:microsoft.com/office/officeart/2018/2/layout/IconLabelDescriptionList"/>
-    <dgm:cxn modelId="{27C626B5-F4BE-4A22-BB36-135CE0C19A70}" type="presParOf" srcId="{E4293105-0CA1-4CC1-8647-45528C9689CA}" destId="{6E066EC2-C6D9-45A1-918F-ABFBECF0B8FD}" srcOrd="1" destOrd="0" presId="urn:microsoft.com/office/officeart/2018/2/layout/IconLabelDescriptionList"/>
-    <dgm:cxn modelId="{70715BBA-C3DB-4EF9-9C7B-379799E289EB}" type="presParOf" srcId="{E4293105-0CA1-4CC1-8647-45528C9689CA}" destId="{26409B8A-B44F-4705-915D-2F41F78D92EF}" srcOrd="2" destOrd="0" presId="urn:microsoft.com/office/officeart/2018/2/layout/IconLabelDescriptionList"/>
-    <dgm:cxn modelId="{2514954C-C4B4-481E-8286-14819581E56E}" type="presParOf" srcId="{E4293105-0CA1-4CC1-8647-45528C9689CA}" destId="{4EFD7442-0320-4685-9F4D-B16976563923}" srcOrd="3" destOrd="0" presId="urn:microsoft.com/office/officeart/2018/2/layout/IconLabelDescriptionList"/>
-    <dgm:cxn modelId="{DC6C0BC0-AE17-4835-97CE-167B9226D782}" type="presParOf" srcId="{E4293105-0CA1-4CC1-8647-45528C9689CA}" destId="{C9335ACC-C53C-46C5-870C-B4E1A90A778B}" srcOrd="4" destOrd="0" presId="urn:microsoft.com/office/officeart/2018/2/layout/IconLabelDescriptionList"/>
-  </dgm:cxnLst>
-  <dgm:bg/>
-  <dgm:whole/>
-  <dgm:extLst>
-    <a:ext uri="http://schemas.microsoft.com/office/drawing/2008/diagram">
-      <dsp:dataModelExt xmlns:dsp="http://schemas.microsoft.com/office/drawing/2008/diagram" relId="rId6" minVer="http://schemas.openxmlformats.org/drawingml/2006/diagram"/>
-    </a:ext>
-  </dgm:extLst>
-</dgm:dataModel>
-</file>
-
-<file path=ppt/diagrams/data4.xml><?xml version="1.0" encoding="utf-8"?>
 <dgm:dataModel xmlns:dgm="http://schemas.openxmlformats.org/drawingml/2006/diagram" xmlns:a="http://schemas.openxmlformats.org/drawingml/2006/main">
   <dgm:ptLst>
     <dgm:pt modelId="{D6AEDCC3-F0AB-45F8-8FD8-030FFD8BAD5B}" type="doc">
@@ -6226,494 +4859,6 @@
       <dsp:cNvGrpSpPr/>
     </dsp:nvGrpSpPr>
     <dsp:grpSpPr/>
-    <dsp:sp modelId="{F8E67707-7EA1-4C92-A9DE-1B9843765E4F}">
-      <dsp:nvSpPr>
-        <dsp:cNvPr id="0" name=""/>
-        <dsp:cNvSpPr/>
-      </dsp:nvSpPr>
-      <dsp:spPr>
-        <a:xfrm>
-          <a:off x="4985" y="533986"/>
-          <a:ext cx="1049835" cy="1049835"/>
-        </a:xfrm>
-        <a:prstGeom prst="rect">
-          <a:avLst/>
-        </a:prstGeom>
-        <a:blipFill>
-          <a:blip xmlns:r="http://schemas.openxmlformats.org/officeDocument/2006/relationships" r:embed="rId1">
-            <a:extLst>
-              <a:ext uri="{28A0092B-C50C-407E-A947-70E740481C1C}">
-                <a14:useLocalDpi xmlns:a14="http://schemas.microsoft.com/office/drawing/2010/main" val="0"/>
-              </a:ext>
-              <a:ext uri="{96DAC541-7B7A-43D3-8B79-37D633B846F1}">
-                <asvg:svgBlip xmlns:asvg="http://schemas.microsoft.com/office/drawing/2016/SVG/main" r:embed="rId2"/>
-              </a:ext>
-            </a:extLst>
-          </a:blip>
-          <a:stretch>
-            <a:fillRect/>
-          </a:stretch>
-        </a:blipFill>
-        <a:ln w="12700" cap="flat" cmpd="sng" algn="ctr">
-          <a:noFill/>
-          <a:prstDash val="solid"/>
-        </a:ln>
-        <a:effectLst/>
-      </dsp:spPr>
-      <dsp:style>
-        <a:lnRef idx="2">
-          <a:scrgbClr r="0" g="0" b="0"/>
-        </a:lnRef>
-        <a:fillRef idx="1">
-          <a:scrgbClr r="0" g="0" b="0"/>
-        </a:fillRef>
-        <a:effectRef idx="0">
-          <a:scrgbClr r="0" g="0" b="0"/>
-        </a:effectRef>
-        <a:fontRef idx="minor">
-          <a:schemeClr val="lt1"/>
-        </a:fontRef>
-      </dsp:style>
-    </dsp:sp>
-    <dsp:sp modelId="{43640242-6A7D-4781-ACEC-F67573E980DF}">
-      <dsp:nvSpPr>
-        <dsp:cNvPr id="0" name=""/>
-        <dsp:cNvSpPr/>
-      </dsp:nvSpPr>
-      <dsp:spPr>
-        <a:xfrm>
-          <a:off x="4985" y="1728053"/>
-          <a:ext cx="2999531" cy="449929"/>
-        </a:xfrm>
-        <a:prstGeom prst="rect">
-          <a:avLst/>
-        </a:prstGeom>
-        <a:noFill/>
-        <a:ln>
-          <a:noFill/>
-        </a:ln>
-        <a:effectLst/>
-      </dsp:spPr>
-      <dsp:style>
-        <a:lnRef idx="0">
-          <a:scrgbClr r="0" g="0" b="0"/>
-        </a:lnRef>
-        <a:fillRef idx="0">
-          <a:scrgbClr r="0" g="0" b="0"/>
-        </a:fillRef>
-        <a:effectRef idx="0">
-          <a:scrgbClr r="0" g="0" b="0"/>
-        </a:effectRef>
-        <a:fontRef idx="minor"/>
-      </dsp:style>
-      <dsp:txBody>
-        <a:bodyPr spcFirstLastPara="0" vert="horz" wrap="square" lIns="0" tIns="0" rIns="0" bIns="0" numCol="1" spcCol="1270" anchor="t" anchorCtr="0">
-          <a:noAutofit/>
-        </a:bodyPr>
-        <a:lstStyle/>
-        <a:p>
-          <a:pPr marL="0" lvl="0" indent="0" algn="l" defTabSz="755650">
-            <a:lnSpc>
-              <a:spcPct val="90000"/>
-            </a:lnSpc>
-            <a:spcBef>
-              <a:spcPct val="0"/>
-            </a:spcBef>
-            <a:spcAft>
-              <a:spcPct val="35000"/>
-            </a:spcAft>
-            <a:buNone/>
-            <a:defRPr b="1"/>
-          </a:pPr>
-          <a:r>
-            <a:rPr lang="en-US" sz="1700" kern="1200" dirty="0"/>
-            <a:t>2 X 2 Design</a:t>
-          </a:r>
-        </a:p>
-      </dsp:txBody>
-      <dsp:txXfrm>
-        <a:off x="4985" y="1728053"/>
-        <a:ext cx="2999531" cy="449929"/>
-      </dsp:txXfrm>
-    </dsp:sp>
-    <dsp:sp modelId="{0997095E-9EEC-419B-A148-59168F074FC8}">
-      <dsp:nvSpPr>
-        <dsp:cNvPr id="0" name=""/>
-        <dsp:cNvSpPr/>
-      </dsp:nvSpPr>
-      <dsp:spPr>
-        <a:xfrm>
-          <a:off x="4985" y="2245067"/>
-          <a:ext cx="2999531" cy="1643124"/>
-        </a:xfrm>
-        <a:prstGeom prst="rect">
-          <a:avLst/>
-        </a:prstGeom>
-        <a:noFill/>
-        <a:ln>
-          <a:noFill/>
-        </a:ln>
-        <a:effectLst/>
-      </dsp:spPr>
-      <dsp:style>
-        <a:lnRef idx="0">
-          <a:scrgbClr r="0" g="0" b="0"/>
-        </a:lnRef>
-        <a:fillRef idx="0">
-          <a:scrgbClr r="0" g="0" b="0"/>
-        </a:fillRef>
-        <a:effectRef idx="0">
-          <a:scrgbClr r="0" g="0" b="0"/>
-        </a:effectRef>
-        <a:fontRef idx="minor"/>
-      </dsp:style>
-      <dsp:txBody>
-        <a:bodyPr spcFirstLastPara="0" vert="horz" wrap="square" lIns="0" tIns="0" rIns="0" bIns="0" numCol="1" spcCol="1270" anchor="t" anchorCtr="0">
-          <a:noAutofit/>
-        </a:bodyPr>
-        <a:lstStyle/>
-        <a:p>
-          <a:pPr marL="0" lvl="0" indent="0" algn="l" defTabSz="711200">
-            <a:lnSpc>
-              <a:spcPct val="90000"/>
-            </a:lnSpc>
-            <a:spcBef>
-              <a:spcPct val="0"/>
-            </a:spcBef>
-            <a:spcAft>
-              <a:spcPct val="35000"/>
-            </a:spcAft>
-            <a:buNone/>
-          </a:pPr>
-          <a:r>
-            <a:rPr lang="en-US" sz="1600" kern="1200" dirty="0"/>
-            <a:t>IVs/Manipulated Variables: Deviation Distance, Presence of Laser</a:t>
-          </a:r>
-          <a:br>
-            <a:rPr lang="en-US" sz="1600" kern="1200" dirty="0"/>
-          </a:br>
-          <a:endParaRPr lang="en-US" sz="1600" kern="1200" dirty="0"/>
-        </a:p>
-        <a:p>
-          <a:pPr marL="0" lvl="0" indent="0" algn="l" defTabSz="711200">
-            <a:lnSpc>
-              <a:spcPct val="90000"/>
-            </a:lnSpc>
-            <a:spcBef>
-              <a:spcPct val="0"/>
-            </a:spcBef>
-            <a:spcAft>
-              <a:spcPct val="35000"/>
-            </a:spcAft>
-            <a:buNone/>
-          </a:pPr>
-          <a:r>
-            <a:rPr lang="en-US" sz="1600" kern="1200" dirty="0"/>
-            <a:t>DVs/Measured Variables: Participant Perception and Confidence</a:t>
-          </a:r>
-        </a:p>
-      </dsp:txBody>
-      <dsp:txXfrm>
-        <a:off x="4985" y="2245067"/>
-        <a:ext cx="2999531" cy="1643124"/>
-      </dsp:txXfrm>
-    </dsp:sp>
-    <dsp:sp modelId="{4A0DCEBF-54DA-41C8-8EBB-9FDD7687E419}">
-      <dsp:nvSpPr>
-        <dsp:cNvPr id="0" name=""/>
-        <dsp:cNvSpPr/>
-      </dsp:nvSpPr>
-      <dsp:spPr>
-        <a:xfrm>
-          <a:off x="3529434" y="533986"/>
-          <a:ext cx="1049835" cy="1049835"/>
-        </a:xfrm>
-        <a:prstGeom prst="rect">
-          <a:avLst/>
-        </a:prstGeom>
-        <a:blipFill>
-          <a:blip xmlns:r="http://schemas.openxmlformats.org/officeDocument/2006/relationships" r:embed="rId3">
-            <a:extLst>
-              <a:ext uri="{28A0092B-C50C-407E-A947-70E740481C1C}">
-                <a14:useLocalDpi xmlns:a14="http://schemas.microsoft.com/office/drawing/2010/main" val="0"/>
-              </a:ext>
-              <a:ext uri="{96DAC541-7B7A-43D3-8B79-37D633B846F1}">
-                <asvg:svgBlip xmlns:asvg="http://schemas.microsoft.com/office/drawing/2016/SVG/main" r:embed="rId4"/>
-              </a:ext>
-            </a:extLst>
-          </a:blip>
-          <a:stretch>
-            <a:fillRect/>
-          </a:stretch>
-        </a:blipFill>
-        <a:ln w="12700" cap="flat" cmpd="sng" algn="ctr">
-          <a:noFill/>
-          <a:prstDash val="solid"/>
-        </a:ln>
-        <a:effectLst/>
-      </dsp:spPr>
-      <dsp:style>
-        <a:lnRef idx="2">
-          <a:scrgbClr r="0" g="0" b="0"/>
-        </a:lnRef>
-        <a:fillRef idx="1">
-          <a:scrgbClr r="0" g="0" b="0"/>
-        </a:fillRef>
-        <a:effectRef idx="0">
-          <a:scrgbClr r="0" g="0" b="0"/>
-        </a:effectRef>
-        <a:fontRef idx="minor">
-          <a:schemeClr val="lt1"/>
-        </a:fontRef>
-      </dsp:style>
-    </dsp:sp>
-    <dsp:sp modelId="{E9F45FFB-80FD-4F1C-B4F5-5166683AB2EC}">
-      <dsp:nvSpPr>
-        <dsp:cNvPr id="0" name=""/>
-        <dsp:cNvSpPr/>
-      </dsp:nvSpPr>
-      <dsp:spPr>
-        <a:xfrm>
-          <a:off x="3529434" y="1728053"/>
-          <a:ext cx="2999531" cy="449929"/>
-        </a:xfrm>
-        <a:prstGeom prst="rect">
-          <a:avLst/>
-        </a:prstGeom>
-        <a:noFill/>
-        <a:ln>
-          <a:noFill/>
-        </a:ln>
-        <a:effectLst/>
-      </dsp:spPr>
-      <dsp:style>
-        <a:lnRef idx="0">
-          <a:scrgbClr r="0" g="0" b="0"/>
-        </a:lnRef>
-        <a:fillRef idx="0">
-          <a:scrgbClr r="0" g="0" b="0"/>
-        </a:fillRef>
-        <a:effectRef idx="0">
-          <a:scrgbClr r="0" g="0" b="0"/>
-        </a:effectRef>
-        <a:fontRef idx="minor"/>
-      </dsp:style>
-      <dsp:txBody>
-        <a:bodyPr spcFirstLastPara="0" vert="horz" wrap="square" lIns="0" tIns="0" rIns="0" bIns="0" numCol="1" spcCol="1270" anchor="t" anchorCtr="0">
-          <a:noAutofit/>
-        </a:bodyPr>
-        <a:lstStyle/>
-        <a:p>
-          <a:pPr marL="0" lvl="0" indent="0" algn="l" defTabSz="755650">
-            <a:lnSpc>
-              <a:spcPct val="90000"/>
-            </a:lnSpc>
-            <a:spcBef>
-              <a:spcPct val="0"/>
-            </a:spcBef>
-            <a:spcAft>
-              <a:spcPct val="35000"/>
-            </a:spcAft>
-            <a:buNone/>
-            <a:defRPr b="1"/>
-          </a:pPr>
-          <a:r>
-            <a:rPr lang="en-US" sz="1700" kern="1200" dirty="0"/>
-            <a:t>3 Targets</a:t>
-          </a:r>
-        </a:p>
-      </dsp:txBody>
-      <dsp:txXfrm>
-        <a:off x="3529434" y="1728053"/>
-        <a:ext cx="2999531" cy="449929"/>
-      </dsp:txXfrm>
-    </dsp:sp>
-    <dsp:sp modelId="{87D14BC4-85D9-44E3-873A-32089E317A17}">
-      <dsp:nvSpPr>
-        <dsp:cNvPr id="0" name=""/>
-        <dsp:cNvSpPr/>
-      </dsp:nvSpPr>
-      <dsp:spPr>
-        <a:xfrm>
-          <a:off x="3529434" y="2245067"/>
-          <a:ext cx="2999531" cy="1643124"/>
-        </a:xfrm>
-        <a:prstGeom prst="rect">
-          <a:avLst/>
-        </a:prstGeom>
-        <a:noFill/>
-        <a:ln>
-          <a:noFill/>
-        </a:ln>
-        <a:effectLst/>
-      </dsp:spPr>
-      <dsp:style>
-        <a:lnRef idx="0">
-          <a:scrgbClr r="0" g="0" b="0"/>
-        </a:lnRef>
-        <a:fillRef idx="0">
-          <a:scrgbClr r="0" g="0" b="0"/>
-        </a:fillRef>
-        <a:effectRef idx="0">
-          <a:scrgbClr r="0" g="0" b="0"/>
-        </a:effectRef>
-        <a:fontRef idx="minor"/>
-      </dsp:style>
-    </dsp:sp>
-    <dsp:sp modelId="{4C9312AE-0EC4-4D6B-8CD7-C113B063F145}">
-      <dsp:nvSpPr>
-        <dsp:cNvPr id="0" name=""/>
-        <dsp:cNvSpPr/>
-      </dsp:nvSpPr>
-      <dsp:spPr>
-        <a:xfrm>
-          <a:off x="7053883" y="533986"/>
-          <a:ext cx="1049835" cy="1049835"/>
-        </a:xfrm>
-        <a:prstGeom prst="rect">
-          <a:avLst/>
-        </a:prstGeom>
-        <a:blipFill>
-          <a:blip xmlns:r="http://schemas.openxmlformats.org/officeDocument/2006/relationships" r:embed="rId5">
-            <a:extLst>
-              <a:ext uri="{28A0092B-C50C-407E-A947-70E740481C1C}">
-                <a14:useLocalDpi xmlns:a14="http://schemas.microsoft.com/office/drawing/2010/main" val="0"/>
-              </a:ext>
-              <a:ext uri="{96DAC541-7B7A-43D3-8B79-37D633B846F1}">
-                <asvg:svgBlip xmlns:asvg="http://schemas.microsoft.com/office/drawing/2016/SVG/main" r:embed="rId6"/>
-              </a:ext>
-            </a:extLst>
-          </a:blip>
-          <a:stretch>
-            <a:fillRect/>
-          </a:stretch>
-        </a:blipFill>
-        <a:ln w="12700" cap="flat" cmpd="sng" algn="ctr">
-          <a:noFill/>
-          <a:prstDash val="solid"/>
-        </a:ln>
-        <a:effectLst/>
-      </dsp:spPr>
-      <dsp:style>
-        <a:lnRef idx="2">
-          <a:scrgbClr r="0" g="0" b="0"/>
-        </a:lnRef>
-        <a:fillRef idx="1">
-          <a:scrgbClr r="0" g="0" b="0"/>
-        </a:fillRef>
-        <a:effectRef idx="0">
-          <a:scrgbClr r="0" g="0" b="0"/>
-        </a:effectRef>
-        <a:fontRef idx="minor">
-          <a:schemeClr val="lt1"/>
-        </a:fontRef>
-      </dsp:style>
-    </dsp:sp>
-    <dsp:sp modelId="{26409B8A-B44F-4705-915D-2F41F78D92EF}">
-      <dsp:nvSpPr>
-        <dsp:cNvPr id="0" name=""/>
-        <dsp:cNvSpPr/>
-      </dsp:nvSpPr>
-      <dsp:spPr>
-        <a:xfrm>
-          <a:off x="7053883" y="1728053"/>
-          <a:ext cx="2999531" cy="449929"/>
-        </a:xfrm>
-        <a:prstGeom prst="rect">
-          <a:avLst/>
-        </a:prstGeom>
-        <a:noFill/>
-        <a:ln>
-          <a:noFill/>
-        </a:ln>
-        <a:effectLst/>
-      </dsp:spPr>
-      <dsp:style>
-        <a:lnRef idx="0">
-          <a:scrgbClr r="0" g="0" b="0"/>
-        </a:lnRef>
-        <a:fillRef idx="0">
-          <a:scrgbClr r="0" g="0" b="0"/>
-        </a:fillRef>
-        <a:effectRef idx="0">
-          <a:scrgbClr r="0" g="0" b="0"/>
-        </a:effectRef>
-        <a:fontRef idx="minor"/>
-      </dsp:style>
-      <dsp:txBody>
-        <a:bodyPr spcFirstLastPara="0" vert="horz" wrap="square" lIns="0" tIns="0" rIns="0" bIns="0" numCol="1" spcCol="1270" anchor="t" anchorCtr="0">
-          <a:noAutofit/>
-        </a:bodyPr>
-        <a:lstStyle/>
-        <a:p>
-          <a:pPr marL="0" lvl="0" indent="0" algn="l" defTabSz="755650">
-            <a:lnSpc>
-              <a:spcPct val="90000"/>
-            </a:lnSpc>
-            <a:spcBef>
-              <a:spcPct val="0"/>
-            </a:spcBef>
-            <a:spcAft>
-              <a:spcPct val="35000"/>
-            </a:spcAft>
-            <a:buNone/>
-            <a:defRPr b="1"/>
-          </a:pPr>
-          <a:r>
-            <a:rPr lang="en-US" sz="1700" kern="1200"/>
-            <a:t>5 Points around each target</a:t>
-          </a:r>
-        </a:p>
-      </dsp:txBody>
-      <dsp:txXfrm>
-        <a:off x="7053883" y="1728053"/>
-        <a:ext cx="2999531" cy="449929"/>
-      </dsp:txXfrm>
-    </dsp:sp>
-    <dsp:sp modelId="{C9335ACC-C53C-46C5-870C-B4E1A90A778B}">
-      <dsp:nvSpPr>
-        <dsp:cNvPr id="0" name=""/>
-        <dsp:cNvSpPr/>
-      </dsp:nvSpPr>
-      <dsp:spPr>
-        <a:xfrm>
-          <a:off x="7053883" y="2245067"/>
-          <a:ext cx="2999531" cy="1643124"/>
-        </a:xfrm>
-        <a:prstGeom prst="rect">
-          <a:avLst/>
-        </a:prstGeom>
-        <a:noFill/>
-        <a:ln>
-          <a:noFill/>
-        </a:ln>
-        <a:effectLst/>
-      </dsp:spPr>
-      <dsp:style>
-        <a:lnRef idx="0">
-          <a:scrgbClr r="0" g="0" b="0"/>
-        </a:lnRef>
-        <a:fillRef idx="0">
-          <a:scrgbClr r="0" g="0" b="0"/>
-        </a:fillRef>
-        <a:effectRef idx="0">
-          <a:scrgbClr r="0" g="0" b="0"/>
-        </a:effectRef>
-        <a:fontRef idx="minor"/>
-      </dsp:style>
-    </dsp:sp>
-  </dsp:spTree>
-</dsp:drawing>
-</file>
-
-<file path=ppt/diagrams/drawing4.xml><?xml version="1.0" encoding="utf-8"?>
-<dsp:drawing xmlns:dgm="http://schemas.openxmlformats.org/drawingml/2006/diagram" xmlns:dsp="http://schemas.microsoft.com/office/drawing/2008/diagram" xmlns:a="http://schemas.openxmlformats.org/drawingml/2006/main">
-  <dsp:spTree>
-    <dsp:nvGrpSpPr>
-      <dsp:cNvPr id="0" name=""/>
-      <dsp:cNvGrpSpPr/>
-    </dsp:nvGrpSpPr>
-    <dsp:grpSpPr/>
     <dsp:sp modelId="{70F37139-F768-4C2D-B4F5-3C30D43FAE82}">
       <dsp:nvSpPr>
         <dsp:cNvPr id="0" name=""/>
@@ -7754,215 +5899,6 @@
 </file>
 
 <file path=ppt/diagrams/layout3.xml><?xml version="1.0" encoding="utf-8"?>
-<dgm:layoutDef xmlns:dgm="http://schemas.openxmlformats.org/drawingml/2006/diagram" xmlns:a="http://schemas.openxmlformats.org/drawingml/2006/main" uniqueId="urn:microsoft.com/office/officeart/2018/2/layout/IconLabelDescriptionList">
-  <dgm:title val="Icon Label Description List"/>
-  <dgm:desc val="Use to show non-sequential or grouped chunks of information. The placeholder holds an icon or small picture, and corresponding text boxes show Level 1 and Level 2 text respectively. Works well for minimal Level 1 text accompanied by lengthier Level two text."/>
-  <dgm:catLst>
-    <dgm:cat type="icon" pri="500"/>
-  </dgm:catLst>
-  <dgm:sampData useDef="1">
-    <dgm:dataModel>
-      <dgm:ptLst/>
-      <dgm:bg/>
-      <dgm:whole/>
-    </dgm:dataModel>
-  </dgm:sampData>
-  <dgm:styleData useDef="1">
-    <dgm:dataModel>
-      <dgm:ptLst/>
-      <dgm:bg/>
-      <dgm:whole/>
-    </dgm:dataModel>
-  </dgm:styleData>
-  <dgm:clrData useDef="1">
-    <dgm:dataModel>
-      <dgm:ptLst/>
-      <dgm:bg/>
-      <dgm:whole/>
-    </dgm:dataModel>
-  </dgm:clrData>
-  <dgm:layoutNode name="root">
-    <dgm:varLst>
-      <dgm:dir/>
-      <dgm:resizeHandles val="exact"/>
-    </dgm:varLst>
-    <dgm:choose name="Name0">
-      <dgm:if name="Name1" axis="self" func="var" arg="dir" op="equ" val="norm">
-        <dgm:alg type="lin"/>
-      </dgm:if>
-      <dgm:else name="Name2">
-        <dgm:alg type="lin">
-          <dgm:param type="linDir" val="fromR"/>
-        </dgm:alg>
-      </dgm:else>
-    </dgm:choose>
-    <dgm:shape xmlns:r="http://schemas.openxmlformats.org/officeDocument/2006/relationships" r:blip="">
-      <dgm:adjLst/>
-    </dgm:shape>
-    <dgm:presOf/>
-    <dgm:constrLst>
-      <dgm:constr type="h" for="ch" forName="compNode" refType="h" fact="0.45"/>
-      <dgm:constr type="w" for="ch" forName="compNode" val="120"/>
-      <dgm:constr type="w" for="ch" forName="sibTrans" refType="w" refFor="ch" refForName="compNode" fact="0.175"/>
-      <dgm:constr type="primFontSz" for="des" forName="parTx" val="36"/>
-      <dgm:constr type="primFontSz" for="des" forName="desTx" refType="primFontSz" refFor="des" refForName="parTx" op="lte" fact="0.75"/>
-      <dgm:constr type="h" for="des" forName="compNode" op="equ"/>
-      <dgm:constr type="h" for="des" forName="iconRect" op="equ"/>
-      <dgm:constr type="w" for="des" forName="iconRect" op="equ"/>
-      <dgm:constr type="h" for="des" forName="iconSpace" op="equ"/>
-      <dgm:constr type="h" for="des" forName="parTx" op="equ"/>
-      <dgm:constr type="h" for="des" forName="txSpace" op="equ"/>
-      <dgm:constr type="h" for="des" forName="desTx" op="equ"/>
-    </dgm:constrLst>
-    <dgm:ruleLst>
-      <dgm:rule type="w" for="ch" forName="compNode" val="0" fact="NaN" max="NaN"/>
-    </dgm:ruleLst>
-    <dgm:forEach name="Name3" axis="ch" ptType="node">
-      <dgm:layoutNode name="compNode">
-        <dgm:alg type="composite"/>
-        <dgm:shape xmlns:r="http://schemas.openxmlformats.org/officeDocument/2006/relationships" r:blip="">
-          <dgm:adjLst/>
-        </dgm:shape>
-        <dgm:presOf axis="self"/>
-        <dgm:constrLst>
-          <dgm:constr type="w" for="ch" forName="iconRect" refType="w" fact="0.35"/>
-          <dgm:constr type="h" for="ch" forName="iconRect" refType="w" refFor="ch" refForName="iconRect"/>
-          <dgm:constr type="l" for="ch" forName="iconRect"/>
-          <dgm:constr type="t" for="ch" forName="iconRect"/>
-          <dgm:constr type="w" for="ch" forName="iconSpace" refType="w"/>
-          <dgm:constr type="h" for="ch" forName="iconSpace" refType="h" fact="0.043"/>
-          <dgm:constr type="l" for="ch" forName="iconSpace"/>
-          <dgm:constr type="t" for="ch" forName="iconSpace" refType="b" refFor="ch" refForName="iconRect"/>
-          <dgm:constr type="w" for="ch" forName="parTx" refType="w"/>
-          <dgm:constr type="h" for="ch" forName="parTx" refType="w" fact="0.15"/>
-          <dgm:constr type="l" for="ch" forName="parTx"/>
-          <dgm:constr type="t" for="ch" forName="parTx" refType="b" refFor="ch" refForName="iconSpace"/>
-          <dgm:constr type="h" for="ch" forName="txSpace" refType="h" fact="0.02"/>
-          <dgm:constr type="w" for="ch" forName="txSpace" refType="w"/>
-          <dgm:constr type="l" for="ch" forName="txSpace"/>
-          <dgm:constr type="t" for="ch" forName="txSpace" refType="b" refFor="ch" refForName="parTx"/>
-          <dgm:constr type="w" for="ch" forName="desTx" refType="w"/>
-          <dgm:constr type="l" for="ch" forName="desTx"/>
-          <dgm:constr type="t" for="ch" forName="desTx" refType="b" refFor="ch" refForName="txSpace"/>
-        </dgm:constrLst>
-        <dgm:ruleLst>
-          <dgm:rule type="h" val="INF" fact="NaN" max="NaN"/>
-        </dgm:ruleLst>
-        <dgm:layoutNode name="iconRect" styleLbl="node1">
-          <dgm:alg type="sp"/>
-          <dgm:shape xmlns:r="http://schemas.openxmlformats.org/officeDocument/2006/relationships" type="rect" r:blip="" blipPhldr="1">
-            <dgm:adjLst/>
-          </dgm:shape>
-          <dgm:presOf/>
-          <dgm:constrLst/>
-          <dgm:ruleLst/>
-        </dgm:layoutNode>
-        <dgm:layoutNode name="iconSpace">
-          <dgm:alg type="sp"/>
-          <dgm:shape xmlns:r="http://schemas.openxmlformats.org/officeDocument/2006/relationships" r:blip="">
-            <dgm:adjLst/>
-          </dgm:shape>
-          <dgm:presOf/>
-          <dgm:constrLst/>
-          <dgm:ruleLst/>
-        </dgm:layoutNode>
-        <dgm:layoutNode name="parTx" styleLbl="revTx">
-          <dgm:varLst>
-            <dgm:chMax val="0"/>
-            <dgm:chPref val="0"/>
-          </dgm:varLst>
-          <dgm:alg type="tx">
-            <dgm:param type="txAnchorVert" val="t"/>
-            <dgm:param type="parTxLTRAlign" val="l"/>
-            <dgm:param type="shpTxLTRAlignCh" val="l"/>
-            <dgm:param type="parTxRTLAlign" val="r"/>
-            <dgm:param type="shpTxRTLAlignCh" val="r"/>
-          </dgm:alg>
-          <dgm:shape xmlns:r="http://schemas.openxmlformats.org/officeDocument/2006/relationships" type="rect" r:blip="">
-            <dgm:adjLst/>
-          </dgm:shape>
-          <dgm:presOf axis="self" ptType="node"/>
-          <dgm:constrLst>
-            <dgm:constr type="lMarg"/>
-            <dgm:constr type="rMarg"/>
-            <dgm:constr type="tMarg"/>
-            <dgm:constr type="bMarg"/>
-          </dgm:constrLst>
-          <dgm:ruleLst>
-            <dgm:rule type="primFontSz" val="14" fact="NaN" max="NaN"/>
-            <dgm:rule type="h" val="INF" fact="NaN" max="NaN"/>
-          </dgm:ruleLst>
-        </dgm:layoutNode>
-        <dgm:layoutNode name="txSpace">
-          <dgm:alg type="sp"/>
-          <dgm:shape xmlns:r="http://schemas.openxmlformats.org/officeDocument/2006/relationships" r:blip="">
-            <dgm:adjLst/>
-          </dgm:shape>
-          <dgm:presOf/>
-          <dgm:constrLst/>
-          <dgm:ruleLst/>
-        </dgm:layoutNode>
-        <dgm:layoutNode name="desTx" styleLbl="revTx">
-          <dgm:varLst/>
-          <dgm:alg type="tx">
-            <dgm:param type="stBulletLvl" val="0"/>
-            <dgm:param type="txAnchorVert" val="t"/>
-            <dgm:param type="parTxLTRAlign" val="l"/>
-            <dgm:param type="shpTxLTRAlignCh" val="l"/>
-            <dgm:param type="parTxRTLAlign" val="r"/>
-            <dgm:param type="shpTxRTLAlignCh" val="r"/>
-          </dgm:alg>
-          <dgm:shape xmlns:r="http://schemas.openxmlformats.org/officeDocument/2006/relationships" type="rect" r:blip="">
-            <dgm:adjLst/>
-          </dgm:shape>
-          <dgm:presOf axis="des" ptType="node"/>
-          <dgm:constrLst>
-            <dgm:constr type="secFontSz" refType="primFontSz"/>
-            <dgm:constr type="lMarg"/>
-            <dgm:constr type="rMarg"/>
-            <dgm:constr type="tMarg"/>
-            <dgm:constr type="bMarg"/>
-          </dgm:constrLst>
-          <dgm:ruleLst>
-            <dgm:rule type="primFontSz" val="NaN" fact="NaN" max="17"/>
-            <dgm:rule type="h" val="INF" fact="NaN" max="NaN"/>
-          </dgm:ruleLst>
-        </dgm:layoutNode>
-      </dgm:layoutNode>
-      <dgm:forEach name="Name4" axis="followSib" ptType="sibTrans" cnt="1">
-        <dgm:layoutNode name="sibTrans">
-          <dgm:alg type="sp"/>
-          <dgm:shape xmlns:r="http://schemas.openxmlformats.org/officeDocument/2006/relationships" r:blip="">
-            <dgm:adjLst/>
-          </dgm:shape>
-          <dgm:presOf axis="self"/>
-          <dgm:constrLst/>
-          <dgm:ruleLst/>
-        </dgm:layoutNode>
-      </dgm:forEach>
-    </dgm:forEach>
-  </dgm:layoutNode>
-  <dgm:extLst>
-    <a:ext uri="{68A01E43-0DF5-4B5B-8FA6-DAF915123BFB}">
-      <dgm1612:lstStyle xmlns:dgm1612="http://schemas.microsoft.com/office/drawing/2016/12/diagram">
-        <a:lvl1pPr>
-          <a:lnSpc>
-            <a:spcPct val="100000"/>
-          </a:lnSpc>
-          <a:defRPr b="1"/>
-        </a:lvl1pPr>
-        <a:lvl2pPr>
-          <a:lnSpc>
-            <a:spcPct val="100000"/>
-          </a:lnSpc>
-        </a:lvl2pPr>
-      </dgm1612:lstStyle>
-    </a:ext>
-  </dgm:extLst>
-</dgm:layoutDef>
-</file>
-
-<file path=ppt/diagrams/layout4.xml><?xml version="1.0" encoding="utf-8"?>
 <dgm:layoutDef xmlns:dgm="http://schemas.openxmlformats.org/drawingml/2006/diagram" xmlns:a="http://schemas.openxmlformats.org/drawingml/2006/main" uniqueId="urn:microsoft.com/office/officeart/2018/5/layout/IconCircleLabelList">
   <dgm:title val="Icon Circle Label List"/>
   <dgm:desc val="Use to show non-sequential or grouped chunks of information accompanied by a related visuals. Works best with icons or small pictures with short text captions."/>
@@ -10246,1040 +8182,6 @@
 </file>
 
 <file path=ppt/diagrams/quickStyle3.xml><?xml version="1.0" encoding="utf-8"?>
-<dgm:styleDef xmlns:dgm="http://schemas.openxmlformats.org/drawingml/2006/diagram" xmlns:a="http://schemas.openxmlformats.org/drawingml/2006/main" uniqueId="urn:microsoft.com/office/officeart/2005/8/quickstyle/simple1">
-  <dgm:title val=""/>
-  <dgm:desc val=""/>
-  <dgm:catLst>
-    <dgm:cat type="simple" pri="10100"/>
-  </dgm:catLst>
-  <dgm:scene3d>
-    <a:camera prst="orthographicFront"/>
-    <a:lightRig rig="threePt" dir="t"/>
-  </dgm:scene3d>
-  <dgm:styleLbl name="node0">
-    <dgm:scene3d>
-      <a:camera prst="orthographicFront"/>
-      <a:lightRig rig="threePt" dir="t"/>
-    </dgm:scene3d>
-    <dgm:sp3d/>
-    <dgm:txPr/>
-    <dgm:style>
-      <a:lnRef idx="2">
-        <a:scrgbClr r="0" g="0" b="0"/>
-      </a:lnRef>
-      <a:fillRef idx="1">
-        <a:scrgbClr r="0" g="0" b="0"/>
-      </a:fillRef>
-      <a:effectRef idx="0">
-        <a:scrgbClr r="0" g="0" b="0"/>
-      </a:effectRef>
-      <a:fontRef idx="minor">
-        <a:schemeClr val="lt1"/>
-      </a:fontRef>
-    </dgm:style>
-  </dgm:styleLbl>
-  <dgm:styleLbl name="lnNode1">
-    <dgm:scene3d>
-      <a:camera prst="orthographicFront"/>
-      <a:lightRig rig="threePt" dir="t"/>
-    </dgm:scene3d>
-    <dgm:sp3d/>
-    <dgm:txPr/>
-    <dgm:style>
-      <a:lnRef idx="2">
-        <a:scrgbClr r="0" g="0" b="0"/>
-      </a:lnRef>
-      <a:fillRef idx="1">
-        <a:scrgbClr r="0" g="0" b="0"/>
-      </a:fillRef>
-      <a:effectRef idx="0">
-        <a:scrgbClr r="0" g="0" b="0"/>
-      </a:effectRef>
-      <a:fontRef idx="minor">
-        <a:schemeClr val="lt1"/>
-      </a:fontRef>
-    </dgm:style>
-  </dgm:styleLbl>
-  <dgm:styleLbl name="vennNode1">
-    <dgm:scene3d>
-      <a:camera prst="orthographicFront"/>
-      <a:lightRig rig="threePt" dir="t"/>
-    </dgm:scene3d>
-    <dgm:sp3d/>
-    <dgm:txPr/>
-    <dgm:style>
-      <a:lnRef idx="2">
-        <a:scrgbClr r="0" g="0" b="0"/>
-      </a:lnRef>
-      <a:fillRef idx="1">
-        <a:scrgbClr r="0" g="0" b="0"/>
-      </a:fillRef>
-      <a:effectRef idx="0">
-        <a:scrgbClr r="0" g="0" b="0"/>
-      </a:effectRef>
-      <a:fontRef idx="minor">
-        <a:schemeClr val="tx1"/>
-      </a:fontRef>
-    </dgm:style>
-  </dgm:styleLbl>
-  <dgm:styleLbl name="alignNode1">
-    <dgm:scene3d>
-      <a:camera prst="orthographicFront"/>
-      <a:lightRig rig="threePt" dir="t"/>
-    </dgm:scene3d>
-    <dgm:sp3d/>
-    <dgm:txPr/>
-    <dgm:style>
-      <a:lnRef idx="2">
-        <a:scrgbClr r="0" g="0" b="0"/>
-      </a:lnRef>
-      <a:fillRef idx="1">
-        <a:scrgbClr r="0" g="0" b="0"/>
-      </a:fillRef>
-      <a:effectRef idx="0">
-        <a:scrgbClr r="0" g="0" b="0"/>
-      </a:effectRef>
-      <a:fontRef idx="minor">
-        <a:schemeClr val="lt1"/>
-      </a:fontRef>
-    </dgm:style>
-  </dgm:styleLbl>
-  <dgm:styleLbl name="node1">
-    <dgm:scene3d>
-      <a:camera prst="orthographicFront"/>
-      <a:lightRig rig="threePt" dir="t"/>
-    </dgm:scene3d>
-    <dgm:sp3d/>
-    <dgm:txPr/>
-    <dgm:style>
-      <a:lnRef idx="2">
-        <a:scrgbClr r="0" g="0" b="0"/>
-      </a:lnRef>
-      <a:fillRef idx="1">
-        <a:scrgbClr r="0" g="0" b="0"/>
-      </a:fillRef>
-      <a:effectRef idx="0">
-        <a:scrgbClr r="0" g="0" b="0"/>
-      </a:effectRef>
-      <a:fontRef idx="minor">
-        <a:schemeClr val="lt1"/>
-      </a:fontRef>
-    </dgm:style>
-  </dgm:styleLbl>
-  <dgm:styleLbl name="node2">
-    <dgm:scene3d>
-      <a:camera prst="orthographicFront"/>
-      <a:lightRig rig="threePt" dir="t"/>
-    </dgm:scene3d>
-    <dgm:sp3d/>
-    <dgm:txPr/>
-    <dgm:style>
-      <a:lnRef idx="2">
-        <a:scrgbClr r="0" g="0" b="0"/>
-      </a:lnRef>
-      <a:fillRef idx="1">
-        <a:scrgbClr r="0" g="0" b="0"/>
-      </a:fillRef>
-      <a:effectRef idx="0">
-        <a:scrgbClr r="0" g="0" b="0"/>
-      </a:effectRef>
-      <a:fontRef idx="minor">
-        <a:schemeClr val="lt1"/>
-      </a:fontRef>
-    </dgm:style>
-  </dgm:styleLbl>
-  <dgm:styleLbl name="node3">
-    <dgm:scene3d>
-      <a:camera prst="orthographicFront"/>
-      <a:lightRig rig="threePt" dir="t"/>
-    </dgm:scene3d>
-    <dgm:sp3d/>
-    <dgm:txPr/>
-    <dgm:style>
-      <a:lnRef idx="2">
-        <a:scrgbClr r="0" g="0" b="0"/>
-      </a:lnRef>
-      <a:fillRef idx="1">
-        <a:scrgbClr r="0" g="0" b="0"/>
-      </a:fillRef>
-      <a:effectRef idx="0">
-        <a:scrgbClr r="0" g="0" b="0"/>
-      </a:effectRef>
-      <a:fontRef idx="minor">
-        <a:schemeClr val="lt1"/>
-      </a:fontRef>
-    </dgm:style>
-  </dgm:styleLbl>
-  <dgm:styleLbl name="node4">
-    <dgm:scene3d>
-      <a:camera prst="orthographicFront"/>
-      <a:lightRig rig="threePt" dir="t"/>
-    </dgm:scene3d>
-    <dgm:sp3d/>
-    <dgm:txPr/>
-    <dgm:style>
-      <a:lnRef idx="2">
-        <a:scrgbClr r="0" g="0" b="0"/>
-      </a:lnRef>
-      <a:fillRef idx="1">
-        <a:scrgbClr r="0" g="0" b="0"/>
-      </a:fillRef>
-      <a:effectRef idx="0">
-        <a:scrgbClr r="0" g="0" b="0"/>
-      </a:effectRef>
-      <a:fontRef idx="minor">
-        <a:schemeClr val="lt1"/>
-      </a:fontRef>
-    </dgm:style>
-  </dgm:styleLbl>
-  <dgm:styleLbl name="fgImgPlace1">
-    <dgm:scene3d>
-      <a:camera prst="orthographicFront"/>
-      <a:lightRig rig="threePt" dir="t"/>
-    </dgm:scene3d>
-    <dgm:sp3d/>
-    <dgm:txPr/>
-    <dgm:style>
-      <a:lnRef idx="2">
-        <a:scrgbClr r="0" g="0" b="0"/>
-      </a:lnRef>
-      <a:fillRef idx="1">
-        <a:scrgbClr r="0" g="0" b="0"/>
-      </a:fillRef>
-      <a:effectRef idx="0">
-        <a:scrgbClr r="0" g="0" b="0"/>
-      </a:effectRef>
-      <a:fontRef idx="minor"/>
-    </dgm:style>
-  </dgm:styleLbl>
-  <dgm:styleLbl name="alignImgPlace1">
-    <dgm:scene3d>
-      <a:camera prst="orthographicFront"/>
-      <a:lightRig rig="threePt" dir="t"/>
-    </dgm:scene3d>
-    <dgm:sp3d/>
-    <dgm:txPr/>
-    <dgm:style>
-      <a:lnRef idx="2">
-        <a:scrgbClr r="0" g="0" b="0"/>
-      </a:lnRef>
-      <a:fillRef idx="1">
-        <a:scrgbClr r="0" g="0" b="0"/>
-      </a:fillRef>
-      <a:effectRef idx="0">
-        <a:scrgbClr r="0" g="0" b="0"/>
-      </a:effectRef>
-      <a:fontRef idx="minor"/>
-    </dgm:style>
-  </dgm:styleLbl>
-  <dgm:styleLbl name="bgImgPlace1">
-    <dgm:scene3d>
-      <a:camera prst="orthographicFront"/>
-      <a:lightRig rig="threePt" dir="t"/>
-    </dgm:scene3d>
-    <dgm:sp3d/>
-    <dgm:txPr/>
-    <dgm:style>
-      <a:lnRef idx="2">
-        <a:scrgbClr r="0" g="0" b="0"/>
-      </a:lnRef>
-      <a:fillRef idx="1">
-        <a:scrgbClr r="0" g="0" b="0"/>
-      </a:fillRef>
-      <a:effectRef idx="0">
-        <a:scrgbClr r="0" g="0" b="0"/>
-      </a:effectRef>
-      <a:fontRef idx="minor"/>
-    </dgm:style>
-  </dgm:styleLbl>
-  <dgm:styleLbl name="sibTrans2D1">
-    <dgm:scene3d>
-      <a:camera prst="orthographicFront"/>
-      <a:lightRig rig="threePt" dir="t"/>
-    </dgm:scene3d>
-    <dgm:sp3d/>
-    <dgm:txPr/>
-    <dgm:style>
-      <a:lnRef idx="0">
-        <a:scrgbClr r="0" g="0" b="0"/>
-      </a:lnRef>
-      <a:fillRef idx="1">
-        <a:scrgbClr r="0" g="0" b="0"/>
-      </a:fillRef>
-      <a:effectRef idx="0">
-        <a:scrgbClr r="0" g="0" b="0"/>
-      </a:effectRef>
-      <a:fontRef idx="minor">
-        <a:schemeClr val="lt1"/>
-      </a:fontRef>
-    </dgm:style>
-  </dgm:styleLbl>
-  <dgm:styleLbl name="fgSibTrans2D1">
-    <dgm:scene3d>
-      <a:camera prst="orthographicFront"/>
-      <a:lightRig rig="threePt" dir="t"/>
-    </dgm:scene3d>
-    <dgm:sp3d/>
-    <dgm:txPr/>
-    <dgm:style>
-      <a:lnRef idx="0">
-        <a:scrgbClr r="0" g="0" b="0"/>
-      </a:lnRef>
-      <a:fillRef idx="1">
-        <a:scrgbClr r="0" g="0" b="0"/>
-      </a:fillRef>
-      <a:effectRef idx="0">
-        <a:scrgbClr r="0" g="0" b="0"/>
-      </a:effectRef>
-      <a:fontRef idx="minor">
-        <a:schemeClr val="lt1"/>
-      </a:fontRef>
-    </dgm:style>
-  </dgm:styleLbl>
-  <dgm:styleLbl name="bgSibTrans2D1">
-    <dgm:scene3d>
-      <a:camera prst="orthographicFront"/>
-      <a:lightRig rig="threePt" dir="t"/>
-    </dgm:scene3d>
-    <dgm:sp3d/>
-    <dgm:txPr/>
-    <dgm:style>
-      <a:lnRef idx="0">
-        <a:scrgbClr r="0" g="0" b="0"/>
-      </a:lnRef>
-      <a:fillRef idx="1">
-        <a:scrgbClr r="0" g="0" b="0"/>
-      </a:fillRef>
-      <a:effectRef idx="0">
-        <a:scrgbClr r="0" g="0" b="0"/>
-      </a:effectRef>
-      <a:fontRef idx="minor">
-        <a:schemeClr val="lt1"/>
-      </a:fontRef>
-    </dgm:style>
-  </dgm:styleLbl>
-  <dgm:styleLbl name="sibTrans1D1">
-    <dgm:scene3d>
-      <a:camera prst="orthographicFront"/>
-      <a:lightRig rig="threePt" dir="t"/>
-    </dgm:scene3d>
-    <dgm:sp3d/>
-    <dgm:txPr/>
-    <dgm:style>
-      <a:lnRef idx="1">
-        <a:scrgbClr r="0" g="0" b="0"/>
-      </a:lnRef>
-      <a:fillRef idx="0">
-        <a:scrgbClr r="0" g="0" b="0"/>
-      </a:fillRef>
-      <a:effectRef idx="0">
-        <a:scrgbClr r="0" g="0" b="0"/>
-      </a:effectRef>
-      <a:fontRef idx="minor"/>
-    </dgm:style>
-  </dgm:styleLbl>
-  <dgm:styleLbl name="callout">
-    <dgm:scene3d>
-      <a:camera prst="orthographicFront"/>
-      <a:lightRig rig="threePt" dir="t"/>
-    </dgm:scene3d>
-    <dgm:sp3d/>
-    <dgm:txPr/>
-    <dgm:style>
-      <a:lnRef idx="2">
-        <a:scrgbClr r="0" g="0" b="0"/>
-      </a:lnRef>
-      <a:fillRef idx="1">
-        <a:scrgbClr r="0" g="0" b="0"/>
-      </a:fillRef>
-      <a:effectRef idx="0">
-        <a:scrgbClr r="0" g="0" b="0"/>
-      </a:effectRef>
-      <a:fontRef idx="minor"/>
-    </dgm:style>
-  </dgm:styleLbl>
-  <dgm:styleLbl name="asst0">
-    <dgm:scene3d>
-      <a:camera prst="orthographicFront"/>
-      <a:lightRig rig="threePt" dir="t"/>
-    </dgm:scene3d>
-    <dgm:sp3d/>
-    <dgm:txPr/>
-    <dgm:style>
-      <a:lnRef idx="2">
-        <a:scrgbClr r="0" g="0" b="0"/>
-      </a:lnRef>
-      <a:fillRef idx="1">
-        <a:scrgbClr r="0" g="0" b="0"/>
-      </a:fillRef>
-      <a:effectRef idx="0">
-        <a:scrgbClr r="0" g="0" b="0"/>
-      </a:effectRef>
-      <a:fontRef idx="minor">
-        <a:schemeClr val="lt1"/>
-      </a:fontRef>
-    </dgm:style>
-  </dgm:styleLbl>
-  <dgm:styleLbl name="asst1">
-    <dgm:scene3d>
-      <a:camera prst="orthographicFront"/>
-      <a:lightRig rig="threePt" dir="t"/>
-    </dgm:scene3d>
-    <dgm:sp3d/>
-    <dgm:txPr/>
-    <dgm:style>
-      <a:lnRef idx="2">
-        <a:scrgbClr r="0" g="0" b="0"/>
-      </a:lnRef>
-      <a:fillRef idx="1">
-        <a:scrgbClr r="0" g="0" b="0"/>
-      </a:fillRef>
-      <a:effectRef idx="0">
-        <a:scrgbClr r="0" g="0" b="0"/>
-      </a:effectRef>
-      <a:fontRef idx="minor">
-        <a:schemeClr val="lt1"/>
-      </a:fontRef>
-    </dgm:style>
-  </dgm:styleLbl>
-  <dgm:styleLbl name="asst2">
-    <dgm:scene3d>
-      <a:camera prst="orthographicFront"/>
-      <a:lightRig rig="threePt" dir="t"/>
-    </dgm:scene3d>
-    <dgm:sp3d/>
-    <dgm:txPr/>
-    <dgm:style>
-      <a:lnRef idx="2">
-        <a:scrgbClr r="0" g="0" b="0"/>
-      </a:lnRef>
-      <a:fillRef idx="1">
-        <a:scrgbClr r="0" g="0" b="0"/>
-      </a:fillRef>
-      <a:effectRef idx="0">
-        <a:scrgbClr r="0" g="0" b="0"/>
-      </a:effectRef>
-      <a:fontRef idx="minor">
-        <a:schemeClr val="lt1"/>
-      </a:fontRef>
-    </dgm:style>
-  </dgm:styleLbl>
-  <dgm:styleLbl name="asst3">
-    <dgm:scene3d>
-      <a:camera prst="orthographicFront"/>
-      <a:lightRig rig="threePt" dir="t"/>
-    </dgm:scene3d>
-    <dgm:sp3d/>
-    <dgm:txPr/>
-    <dgm:style>
-      <a:lnRef idx="2">
-        <a:scrgbClr r="0" g="0" b="0"/>
-      </a:lnRef>
-      <a:fillRef idx="1">
-        <a:scrgbClr r="0" g="0" b="0"/>
-      </a:fillRef>
-      <a:effectRef idx="0">
-        <a:scrgbClr r="0" g="0" b="0"/>
-      </a:effectRef>
-      <a:fontRef idx="minor">
-        <a:schemeClr val="lt1"/>
-      </a:fontRef>
-    </dgm:style>
-  </dgm:styleLbl>
-  <dgm:styleLbl name="asst4">
-    <dgm:scene3d>
-      <a:camera prst="orthographicFront"/>
-      <a:lightRig rig="threePt" dir="t"/>
-    </dgm:scene3d>
-    <dgm:sp3d/>
-    <dgm:txPr/>
-    <dgm:style>
-      <a:lnRef idx="2">
-        <a:scrgbClr r="0" g="0" b="0"/>
-      </a:lnRef>
-      <a:fillRef idx="1">
-        <a:scrgbClr r="0" g="0" b="0"/>
-      </a:fillRef>
-      <a:effectRef idx="0">
-        <a:scrgbClr r="0" g="0" b="0"/>
-      </a:effectRef>
-      <a:fontRef idx="minor">
-        <a:schemeClr val="lt1"/>
-      </a:fontRef>
-    </dgm:style>
-  </dgm:styleLbl>
-  <dgm:styleLbl name="parChTrans2D1">
-    <dgm:scene3d>
-      <a:camera prst="orthographicFront"/>
-      <a:lightRig rig="threePt" dir="t"/>
-    </dgm:scene3d>
-    <dgm:sp3d/>
-    <dgm:txPr/>
-    <dgm:style>
-      <a:lnRef idx="2">
-        <a:scrgbClr r="0" g="0" b="0"/>
-      </a:lnRef>
-      <a:fillRef idx="1">
-        <a:scrgbClr r="0" g="0" b="0"/>
-      </a:fillRef>
-      <a:effectRef idx="0">
-        <a:scrgbClr r="0" g="0" b="0"/>
-      </a:effectRef>
-      <a:fontRef idx="minor">
-        <a:schemeClr val="lt1"/>
-      </a:fontRef>
-    </dgm:style>
-  </dgm:styleLbl>
-  <dgm:styleLbl name="parChTrans2D2">
-    <dgm:scene3d>
-      <a:camera prst="orthographicFront"/>
-      <a:lightRig rig="threePt" dir="t"/>
-    </dgm:scene3d>
-    <dgm:sp3d/>
-    <dgm:txPr/>
-    <dgm:style>
-      <a:lnRef idx="2">
-        <a:scrgbClr r="0" g="0" b="0"/>
-      </a:lnRef>
-      <a:fillRef idx="1">
-        <a:scrgbClr r="0" g="0" b="0"/>
-      </a:fillRef>
-      <a:effectRef idx="0">
-        <a:scrgbClr r="0" g="0" b="0"/>
-      </a:effectRef>
-      <a:fontRef idx="minor">
-        <a:schemeClr val="lt1"/>
-      </a:fontRef>
-    </dgm:style>
-  </dgm:styleLbl>
-  <dgm:styleLbl name="parChTrans2D3">
-    <dgm:scene3d>
-      <a:camera prst="orthographicFront"/>
-      <a:lightRig rig="threePt" dir="t"/>
-    </dgm:scene3d>
-    <dgm:sp3d/>
-    <dgm:txPr/>
-    <dgm:style>
-      <a:lnRef idx="2">
-        <a:scrgbClr r="0" g="0" b="0"/>
-      </a:lnRef>
-      <a:fillRef idx="1">
-        <a:scrgbClr r="0" g="0" b="0"/>
-      </a:fillRef>
-      <a:effectRef idx="0">
-        <a:scrgbClr r="0" g="0" b="0"/>
-      </a:effectRef>
-      <a:fontRef idx="minor">
-        <a:schemeClr val="lt1"/>
-      </a:fontRef>
-    </dgm:style>
-  </dgm:styleLbl>
-  <dgm:styleLbl name="parChTrans2D4">
-    <dgm:scene3d>
-      <a:camera prst="orthographicFront"/>
-      <a:lightRig rig="threePt" dir="t"/>
-    </dgm:scene3d>
-    <dgm:sp3d/>
-    <dgm:txPr/>
-    <dgm:style>
-      <a:lnRef idx="2">
-        <a:scrgbClr r="0" g="0" b="0"/>
-      </a:lnRef>
-      <a:fillRef idx="1">
-        <a:scrgbClr r="0" g="0" b="0"/>
-      </a:fillRef>
-      <a:effectRef idx="0">
-        <a:scrgbClr r="0" g="0" b="0"/>
-      </a:effectRef>
-      <a:fontRef idx="minor">
-        <a:schemeClr val="lt1"/>
-      </a:fontRef>
-    </dgm:style>
-  </dgm:styleLbl>
-  <dgm:styleLbl name="parChTrans1D1">
-    <dgm:scene3d>
-      <a:camera prst="orthographicFront"/>
-      <a:lightRig rig="threePt" dir="t"/>
-    </dgm:scene3d>
-    <dgm:sp3d/>
-    <dgm:txPr/>
-    <dgm:style>
-      <a:lnRef idx="2">
-        <a:scrgbClr r="0" g="0" b="0"/>
-      </a:lnRef>
-      <a:fillRef idx="0">
-        <a:scrgbClr r="0" g="0" b="0"/>
-      </a:fillRef>
-      <a:effectRef idx="0">
-        <a:scrgbClr r="0" g="0" b="0"/>
-      </a:effectRef>
-      <a:fontRef idx="minor"/>
-    </dgm:style>
-  </dgm:styleLbl>
-  <dgm:styleLbl name="parChTrans1D2">
-    <dgm:scene3d>
-      <a:camera prst="orthographicFront"/>
-      <a:lightRig rig="threePt" dir="t"/>
-    </dgm:scene3d>
-    <dgm:sp3d/>
-    <dgm:txPr/>
-    <dgm:style>
-      <a:lnRef idx="2">
-        <a:scrgbClr r="0" g="0" b="0"/>
-      </a:lnRef>
-      <a:fillRef idx="0">
-        <a:scrgbClr r="0" g="0" b="0"/>
-      </a:fillRef>
-      <a:effectRef idx="0">
-        <a:scrgbClr r="0" g="0" b="0"/>
-      </a:effectRef>
-      <a:fontRef idx="minor"/>
-    </dgm:style>
-  </dgm:styleLbl>
-  <dgm:styleLbl name="parChTrans1D3">
-    <dgm:scene3d>
-      <a:camera prst="orthographicFront"/>
-      <a:lightRig rig="threePt" dir="t"/>
-    </dgm:scene3d>
-    <dgm:sp3d/>
-    <dgm:txPr/>
-    <dgm:style>
-      <a:lnRef idx="2">
-        <a:scrgbClr r="0" g="0" b="0"/>
-      </a:lnRef>
-      <a:fillRef idx="0">
-        <a:scrgbClr r="0" g="0" b="0"/>
-      </a:fillRef>
-      <a:effectRef idx="0">
-        <a:scrgbClr r="0" g="0" b="0"/>
-      </a:effectRef>
-      <a:fontRef idx="minor"/>
-    </dgm:style>
-  </dgm:styleLbl>
-  <dgm:styleLbl name="parChTrans1D4">
-    <dgm:scene3d>
-      <a:camera prst="orthographicFront"/>
-      <a:lightRig rig="threePt" dir="t"/>
-    </dgm:scene3d>
-    <dgm:sp3d/>
-    <dgm:txPr/>
-    <dgm:style>
-      <a:lnRef idx="2">
-        <a:scrgbClr r="0" g="0" b="0"/>
-      </a:lnRef>
-      <a:fillRef idx="0">
-        <a:scrgbClr r="0" g="0" b="0"/>
-      </a:fillRef>
-      <a:effectRef idx="0">
-        <a:scrgbClr r="0" g="0" b="0"/>
-      </a:effectRef>
-      <a:fontRef idx="minor"/>
-    </dgm:style>
-  </dgm:styleLbl>
-  <dgm:styleLbl name="fgAcc1">
-    <dgm:scene3d>
-      <a:camera prst="orthographicFront"/>
-      <a:lightRig rig="threePt" dir="t"/>
-    </dgm:scene3d>
-    <dgm:sp3d/>
-    <dgm:txPr/>
-    <dgm:style>
-      <a:lnRef idx="2">
-        <a:scrgbClr r="0" g="0" b="0"/>
-      </a:lnRef>
-      <a:fillRef idx="1">
-        <a:scrgbClr r="0" g="0" b="0"/>
-      </a:fillRef>
-      <a:effectRef idx="0">
-        <a:scrgbClr r="0" g="0" b="0"/>
-      </a:effectRef>
-      <a:fontRef idx="minor"/>
-    </dgm:style>
-  </dgm:styleLbl>
-  <dgm:styleLbl name="conFgAcc1">
-    <dgm:scene3d>
-      <a:camera prst="orthographicFront"/>
-      <a:lightRig rig="threePt" dir="t"/>
-    </dgm:scene3d>
-    <dgm:sp3d/>
-    <dgm:txPr/>
-    <dgm:style>
-      <a:lnRef idx="2">
-        <a:scrgbClr r="0" g="0" b="0"/>
-      </a:lnRef>
-      <a:fillRef idx="1">
-        <a:scrgbClr r="0" g="0" b="0"/>
-      </a:fillRef>
-      <a:effectRef idx="0">
-        <a:scrgbClr r="0" g="0" b="0"/>
-      </a:effectRef>
-      <a:fontRef idx="minor"/>
-    </dgm:style>
-  </dgm:styleLbl>
-  <dgm:styleLbl name="alignAcc1">
-    <dgm:scene3d>
-      <a:camera prst="orthographicFront"/>
-      <a:lightRig rig="threePt" dir="t"/>
-    </dgm:scene3d>
-    <dgm:sp3d/>
-    <dgm:txPr/>
-    <dgm:style>
-      <a:lnRef idx="2">
-        <a:scrgbClr r="0" g="0" b="0"/>
-      </a:lnRef>
-      <a:fillRef idx="1">
-        <a:scrgbClr r="0" g="0" b="0"/>
-      </a:fillRef>
-      <a:effectRef idx="0">
-        <a:scrgbClr r="0" g="0" b="0"/>
-      </a:effectRef>
-      <a:fontRef idx="minor"/>
-    </dgm:style>
-  </dgm:styleLbl>
-  <dgm:styleLbl name="trAlignAcc1">
-    <dgm:scene3d>
-      <a:camera prst="orthographicFront"/>
-      <a:lightRig rig="threePt" dir="t"/>
-    </dgm:scene3d>
-    <dgm:sp3d/>
-    <dgm:txPr/>
-    <dgm:style>
-      <a:lnRef idx="1">
-        <a:scrgbClr r="0" g="0" b="0"/>
-      </a:lnRef>
-      <a:fillRef idx="1">
-        <a:scrgbClr r="0" g="0" b="0"/>
-      </a:fillRef>
-      <a:effectRef idx="0">
-        <a:scrgbClr r="0" g="0" b="0"/>
-      </a:effectRef>
-      <a:fontRef idx="minor"/>
-    </dgm:style>
-  </dgm:styleLbl>
-  <dgm:styleLbl name="bgAcc1">
-    <dgm:scene3d>
-      <a:camera prst="orthographicFront"/>
-      <a:lightRig rig="threePt" dir="t"/>
-    </dgm:scene3d>
-    <dgm:sp3d/>
-    <dgm:txPr/>
-    <dgm:style>
-      <a:lnRef idx="2">
-        <a:scrgbClr r="0" g="0" b="0"/>
-      </a:lnRef>
-      <a:fillRef idx="1">
-        <a:scrgbClr r="0" g="0" b="0"/>
-      </a:fillRef>
-      <a:effectRef idx="0">
-        <a:scrgbClr r="0" g="0" b="0"/>
-      </a:effectRef>
-      <a:fontRef idx="minor"/>
-    </dgm:style>
-  </dgm:styleLbl>
-  <dgm:styleLbl name="solidFgAcc1">
-    <dgm:scene3d>
-      <a:camera prst="orthographicFront"/>
-      <a:lightRig rig="threePt" dir="t"/>
-    </dgm:scene3d>
-    <dgm:sp3d/>
-    <dgm:txPr/>
-    <dgm:style>
-      <a:lnRef idx="2">
-        <a:scrgbClr r="0" g="0" b="0"/>
-      </a:lnRef>
-      <a:fillRef idx="1">
-        <a:scrgbClr r="0" g="0" b="0"/>
-      </a:fillRef>
-      <a:effectRef idx="0">
-        <a:scrgbClr r="0" g="0" b="0"/>
-      </a:effectRef>
-      <a:fontRef idx="minor"/>
-    </dgm:style>
-  </dgm:styleLbl>
-  <dgm:styleLbl name="solidAlignAcc1">
-    <dgm:scene3d>
-      <a:camera prst="orthographicFront"/>
-      <a:lightRig rig="threePt" dir="t"/>
-    </dgm:scene3d>
-    <dgm:sp3d/>
-    <dgm:txPr/>
-    <dgm:style>
-      <a:lnRef idx="2">
-        <a:scrgbClr r="0" g="0" b="0"/>
-      </a:lnRef>
-      <a:fillRef idx="1">
-        <a:scrgbClr r="0" g="0" b="0"/>
-      </a:fillRef>
-      <a:effectRef idx="0">
-        <a:scrgbClr r="0" g="0" b="0"/>
-      </a:effectRef>
-      <a:fontRef idx="minor"/>
-    </dgm:style>
-  </dgm:styleLbl>
-  <dgm:styleLbl name="solidBgAcc1">
-    <dgm:scene3d>
-      <a:camera prst="orthographicFront"/>
-      <a:lightRig rig="threePt" dir="t"/>
-    </dgm:scene3d>
-    <dgm:sp3d/>
-    <dgm:txPr/>
-    <dgm:style>
-      <a:lnRef idx="2">
-        <a:scrgbClr r="0" g="0" b="0"/>
-      </a:lnRef>
-      <a:fillRef idx="1">
-        <a:scrgbClr r="0" g="0" b="0"/>
-      </a:fillRef>
-      <a:effectRef idx="0">
-        <a:scrgbClr r="0" g="0" b="0"/>
-      </a:effectRef>
-      <a:fontRef idx="minor"/>
-    </dgm:style>
-  </dgm:styleLbl>
-  <dgm:styleLbl name="fgAccFollowNode1">
-    <dgm:scene3d>
-      <a:camera prst="orthographicFront"/>
-      <a:lightRig rig="threePt" dir="t"/>
-    </dgm:scene3d>
-    <dgm:sp3d/>
-    <dgm:txPr/>
-    <dgm:style>
-      <a:lnRef idx="2">
-        <a:scrgbClr r="0" g="0" b="0"/>
-      </a:lnRef>
-      <a:fillRef idx="1">
-        <a:scrgbClr r="0" g="0" b="0"/>
-      </a:fillRef>
-      <a:effectRef idx="0">
-        <a:scrgbClr r="0" g="0" b="0"/>
-      </a:effectRef>
-      <a:fontRef idx="minor"/>
-    </dgm:style>
-  </dgm:styleLbl>
-  <dgm:styleLbl name="alignAccFollowNode1">
-    <dgm:scene3d>
-      <a:camera prst="orthographicFront"/>
-      <a:lightRig rig="threePt" dir="t"/>
-    </dgm:scene3d>
-    <dgm:sp3d/>
-    <dgm:txPr/>
-    <dgm:style>
-      <a:lnRef idx="2">
-        <a:scrgbClr r="0" g="0" b="0"/>
-      </a:lnRef>
-      <a:fillRef idx="1">
-        <a:scrgbClr r="0" g="0" b="0"/>
-      </a:fillRef>
-      <a:effectRef idx="0">
-        <a:scrgbClr r="0" g="0" b="0"/>
-      </a:effectRef>
-      <a:fontRef idx="minor"/>
-    </dgm:style>
-  </dgm:styleLbl>
-  <dgm:styleLbl name="bgAccFollowNode1">
-    <dgm:scene3d>
-      <a:camera prst="orthographicFront"/>
-      <a:lightRig rig="threePt" dir="t"/>
-    </dgm:scene3d>
-    <dgm:sp3d/>
-    <dgm:txPr/>
-    <dgm:style>
-      <a:lnRef idx="2">
-        <a:scrgbClr r="0" g="0" b="0"/>
-      </a:lnRef>
-      <a:fillRef idx="1">
-        <a:scrgbClr r="0" g="0" b="0"/>
-      </a:fillRef>
-      <a:effectRef idx="0">
-        <a:scrgbClr r="0" g="0" b="0"/>
-      </a:effectRef>
-      <a:fontRef idx="minor"/>
-    </dgm:style>
-  </dgm:styleLbl>
-  <dgm:styleLbl name="fgAcc0">
-    <dgm:scene3d>
-      <a:camera prst="orthographicFront"/>
-      <a:lightRig rig="threePt" dir="t"/>
-    </dgm:scene3d>
-    <dgm:sp3d/>
-    <dgm:txPr/>
-    <dgm:style>
-      <a:lnRef idx="2">
-        <a:scrgbClr r="0" g="0" b="0"/>
-      </a:lnRef>
-      <a:fillRef idx="1">
-        <a:scrgbClr r="0" g="0" b="0"/>
-      </a:fillRef>
-      <a:effectRef idx="0">
-        <a:scrgbClr r="0" g="0" b="0"/>
-      </a:effectRef>
-      <a:fontRef idx="minor"/>
-    </dgm:style>
-  </dgm:styleLbl>
-  <dgm:styleLbl name="fgAcc2">
-    <dgm:scene3d>
-      <a:camera prst="orthographicFront"/>
-      <a:lightRig rig="threePt" dir="t"/>
-    </dgm:scene3d>
-    <dgm:sp3d/>
-    <dgm:txPr/>
-    <dgm:style>
-      <a:lnRef idx="2">
-        <a:scrgbClr r="0" g="0" b="0"/>
-      </a:lnRef>
-      <a:fillRef idx="1">
-        <a:scrgbClr r="0" g="0" b="0"/>
-      </a:fillRef>
-      <a:effectRef idx="0">
-        <a:scrgbClr r="0" g="0" b="0"/>
-      </a:effectRef>
-      <a:fontRef idx="minor"/>
-    </dgm:style>
-  </dgm:styleLbl>
-  <dgm:styleLbl name="fgAcc3">
-    <dgm:scene3d>
-      <a:camera prst="orthographicFront"/>
-      <a:lightRig rig="threePt" dir="t"/>
-    </dgm:scene3d>
-    <dgm:sp3d/>
-    <dgm:txPr/>
-    <dgm:style>
-      <a:lnRef idx="2">
-        <a:scrgbClr r="0" g="0" b="0"/>
-      </a:lnRef>
-      <a:fillRef idx="1">
-        <a:scrgbClr r="0" g="0" b="0"/>
-      </a:fillRef>
-      <a:effectRef idx="0">
-        <a:scrgbClr r="0" g="0" b="0"/>
-      </a:effectRef>
-      <a:fontRef idx="minor"/>
-    </dgm:style>
-  </dgm:styleLbl>
-  <dgm:styleLbl name="fgAcc4">
-    <dgm:scene3d>
-      <a:camera prst="orthographicFront"/>
-      <a:lightRig rig="threePt" dir="t"/>
-    </dgm:scene3d>
-    <dgm:sp3d/>
-    <dgm:txPr/>
-    <dgm:style>
-      <a:lnRef idx="2">
-        <a:scrgbClr r="0" g="0" b="0"/>
-      </a:lnRef>
-      <a:fillRef idx="1">
-        <a:scrgbClr r="0" g="0" b="0"/>
-      </a:fillRef>
-      <a:effectRef idx="0">
-        <a:scrgbClr r="0" g="0" b="0"/>
-      </a:effectRef>
-      <a:fontRef idx="minor"/>
-    </dgm:style>
-  </dgm:styleLbl>
-  <dgm:styleLbl name="bgShp">
-    <dgm:scene3d>
-      <a:camera prst="orthographicFront"/>
-      <a:lightRig rig="threePt" dir="t"/>
-    </dgm:scene3d>
-    <dgm:sp3d/>
-    <dgm:txPr/>
-    <dgm:style>
-      <a:lnRef idx="0">
-        <a:scrgbClr r="0" g="0" b="0"/>
-      </a:lnRef>
-      <a:fillRef idx="1">
-        <a:scrgbClr r="0" g="0" b="0"/>
-      </a:fillRef>
-      <a:effectRef idx="0">
-        <a:scrgbClr r="0" g="0" b="0"/>
-      </a:effectRef>
-      <a:fontRef idx="minor"/>
-    </dgm:style>
-  </dgm:styleLbl>
-  <dgm:styleLbl name="dkBgShp">
-    <dgm:scene3d>
-      <a:camera prst="orthographicFront"/>
-      <a:lightRig rig="threePt" dir="t"/>
-    </dgm:scene3d>
-    <dgm:sp3d/>
-    <dgm:txPr/>
-    <dgm:style>
-      <a:lnRef idx="0">
-        <a:scrgbClr r="0" g="0" b="0"/>
-      </a:lnRef>
-      <a:fillRef idx="1">
-        <a:scrgbClr r="0" g="0" b="0"/>
-      </a:fillRef>
-      <a:effectRef idx="0">
-        <a:scrgbClr r="0" g="0" b="0"/>
-      </a:effectRef>
-      <a:fontRef idx="minor"/>
-    </dgm:style>
-  </dgm:styleLbl>
-  <dgm:styleLbl name="trBgShp">
-    <dgm:scene3d>
-      <a:camera prst="orthographicFront"/>
-      <a:lightRig rig="threePt" dir="t"/>
-    </dgm:scene3d>
-    <dgm:sp3d/>
-    <dgm:txPr/>
-    <dgm:style>
-      <a:lnRef idx="0">
-        <a:scrgbClr r="0" g="0" b="0"/>
-      </a:lnRef>
-      <a:fillRef idx="1">
-        <a:scrgbClr r="0" g="0" b="0"/>
-      </a:fillRef>
-      <a:effectRef idx="0">
-        <a:scrgbClr r="0" g="0" b="0"/>
-      </a:effectRef>
-      <a:fontRef idx="minor"/>
-    </dgm:style>
-  </dgm:styleLbl>
-  <dgm:styleLbl name="fgShp">
-    <dgm:scene3d>
-      <a:camera prst="orthographicFront"/>
-      <a:lightRig rig="threePt" dir="t"/>
-    </dgm:scene3d>
-    <dgm:sp3d/>
-    <dgm:txPr/>
-    <dgm:style>
-      <a:lnRef idx="2">
-        <a:scrgbClr r="0" g="0" b="0"/>
-      </a:lnRef>
-      <a:fillRef idx="1">
-        <a:scrgbClr r="0" g="0" b="0"/>
-      </a:fillRef>
-      <a:effectRef idx="0">
-        <a:scrgbClr r="0" g="0" b="0"/>
-      </a:effectRef>
-      <a:fontRef idx="minor"/>
-    </dgm:style>
-  </dgm:styleLbl>
-  <dgm:styleLbl name="revTx">
-    <dgm:scene3d>
-      <a:camera prst="orthographicFront"/>
-      <a:lightRig rig="threePt" dir="t"/>
-    </dgm:scene3d>
-    <dgm:sp3d/>
-    <dgm:txPr/>
-    <dgm:style>
-      <a:lnRef idx="0">
-        <a:scrgbClr r="0" g="0" b="0"/>
-      </a:lnRef>
-      <a:fillRef idx="0">
-        <a:scrgbClr r="0" g="0" b="0"/>
-      </a:fillRef>
-      <a:effectRef idx="0">
-        <a:scrgbClr r="0" g="0" b="0"/>
-      </a:effectRef>
-      <a:fontRef idx="minor"/>
-    </dgm:style>
-  </dgm:styleLbl>
-</dgm:styleDef>
-</file>
-
-<file path=ppt/diagrams/quickStyle4.xml><?xml version="1.0" encoding="utf-8"?>
 <dgm:styleDef xmlns:dgm="http://schemas.openxmlformats.org/drawingml/2006/diagram" xmlns:a="http://schemas.openxmlformats.org/drawingml/2006/main" uniqueId="urn:microsoft.com/office/officeart/2005/8/quickstyle/simple1">
   <dgm:title val=""/>
   <dgm:desc val=""/>
@@ -12782,7 +9684,7 @@
           <a:p>
             <a:fld id="{EA0C0817-A112-4847-8014-A94B7D2A4EA3}" type="datetime1">
               <a:rPr lang="en-US" smtClean="0"/>
-              <a:t>12/2/2019</a:t>
+              <a:t>12/2/19</a:t>
             </a:fld>
             <a:endParaRPr lang="en-US" dirty="0"/>
           </a:p>
@@ -12984,7 +9886,7 @@
           <a:p>
             <a:fld id="{134F40B7-36AB-4376-BE14-EF7004D79BB9}" type="datetime1">
               <a:rPr lang="en-US" smtClean="0"/>
-              <a:t>12/2/2019</a:t>
+              <a:t>12/2/19</a:t>
             </a:fld>
             <a:endParaRPr lang="en-US"/>
           </a:p>
@@ -13164,7 +10066,7 @@
           <a:p>
             <a:fld id="{FF87CAB8-DCAE-46A5-AADA-B3FAD11A54E0}" type="datetime1">
               <a:rPr lang="en-US" smtClean="0"/>
-              <a:t>12/2/2019</a:t>
+              <a:t>12/2/19</a:t>
             </a:fld>
             <a:endParaRPr lang="en-US"/>
           </a:p>
@@ -13334,7 +10236,7 @@
           <a:p>
             <a:fld id="{7332B432-ACDA-4023-A761-2BAB76577B62}" type="datetime1">
               <a:rPr lang="en-US" smtClean="0"/>
-              <a:t>12/2/2019</a:t>
+              <a:t>12/2/19</a:t>
             </a:fld>
             <a:endParaRPr lang="en-US"/>
           </a:p>
@@ -13933,7 +10835,7 @@
           <a:p>
             <a:fld id="{D9C646AA-F36E-4540-911D-FFFC0A0EF24A}" type="datetime1">
               <a:rPr lang="en-US" smtClean="0"/>
-              <a:t>12/2/2019</a:t>
+              <a:t>12/2/19</a:t>
             </a:fld>
             <a:endParaRPr lang="en-US" dirty="0"/>
           </a:p>
@@ -14253,7 +11155,7 @@
           <a:p>
             <a:fld id="{69186D26-FA5F-4637-B602-B7C2DC34CFD4}" type="datetime1">
               <a:rPr lang="en-US" smtClean="0"/>
-              <a:t>12/2/2019</a:t>
+              <a:t>12/2/19</a:t>
             </a:fld>
             <a:endParaRPr lang="en-US"/>
           </a:p>
@@ -14688,7 +11590,7 @@
           <a:p>
             <a:fld id="{8A7F15D8-96D1-4781-BC50-CA8A088B2FE4}" type="datetime1">
               <a:rPr lang="en-US" smtClean="0"/>
-              <a:t>12/2/2019</a:t>
+              <a:t>12/2/19</a:t>
             </a:fld>
             <a:endParaRPr lang="en-US"/>
           </a:p>
@@ -14806,7 +11708,7 @@
           <a:p>
             <a:fld id="{F9A96C99-B8F8-4528-BD05-0E16E943DC09}" type="datetime1">
               <a:rPr lang="en-US" smtClean="0"/>
-              <a:t>12/2/2019</a:t>
+              <a:t>12/2/19</a:t>
             </a:fld>
             <a:endParaRPr lang="en-US"/>
           </a:p>
@@ -14901,7 +11803,7 @@
           <a:p>
             <a:fld id="{03636942-C211-4B28-8DBD-C953E00AF71B}" type="datetime1">
               <a:rPr lang="en-US" smtClean="0"/>
-              <a:t>12/2/2019</a:t>
+              <a:t>12/2/19</a:t>
             </a:fld>
             <a:endParaRPr lang="en-US"/>
           </a:p>
@@ -15318,7 +12220,7 @@
           <a:p>
             <a:fld id="{7E8D12A6-918A-48BD-8CB9-CA713993B0EA}" type="datetime1">
               <a:rPr lang="en-US" smtClean="0"/>
-              <a:t>12/2/2019</a:t>
+              <a:t>12/2/19</a:t>
             </a:fld>
             <a:endParaRPr lang="en-US"/>
           </a:p>
@@ -15580,7 +12482,7 @@
             <a:fld id="{E778CE86-875F-4587-BCF6-FA054AFC0D53}" type="datetime1">
               <a:rPr lang="en-US" smtClean="0"/>
               <a:pPr/>
-              <a:t>12/2/2019</a:t>
+              <a:t>12/2/19</a:t>
             </a:fld>
             <a:endParaRPr lang="en-US" dirty="0"/>
           </a:p>
@@ -16096,7 +12998,7 @@
           <a:p>
             <a:fld id="{F6FA2B21-3FCD-4721-B95C-427943F61125}" type="datetime1">
               <a:rPr lang="en-US" smtClean="0"/>
-              <a:t>12/2/2019</a:t>
+              <a:t>12/2/19</a:t>
             </a:fld>
             <a:endParaRPr lang="en-US"/>
           </a:p>
@@ -16865,6 +13767,145 @@
 <file path=ppt/slides/slide10.xml><?xml version="1.0" encoding="utf-8"?>
 <p:sld xmlns:a="http://schemas.openxmlformats.org/drawingml/2006/main" xmlns:r="http://schemas.openxmlformats.org/officeDocument/2006/relationships" xmlns:p="http://schemas.openxmlformats.org/presentationml/2006/main">
   <p:cSld>
+    <p:spTree>
+      <p:nvGrpSpPr>
+        <p:cNvPr id="1" name=""/>
+        <p:cNvGrpSpPr/>
+        <p:nvPr/>
+      </p:nvGrpSpPr>
+      <p:grpSpPr>
+        <a:xfrm>
+          <a:off x="0" y="0"/>
+          <a:ext cx="0" cy="0"/>
+          <a:chOff x="0" y="0"/>
+          <a:chExt cx="0" cy="0"/>
+        </a:xfrm>
+      </p:grpSpPr>
+      <p:sp>
+        <p:nvSpPr>
+          <p:cNvPr id="2" name="Title 1">
+            <a:extLst>
+              <a:ext uri="{FF2B5EF4-FFF2-40B4-BE49-F238E27FC236}">
+                <a16:creationId xmlns:a16="http://schemas.microsoft.com/office/drawing/2014/main" id="{911CAB4A-5F12-7D4F-B2E4-59E47AA2A522}"/>
+              </a:ext>
+            </a:extLst>
+          </p:cNvPr>
+          <p:cNvSpPr>
+            <a:spLocks noGrp="1"/>
+          </p:cNvSpPr>
+          <p:nvPr>
+            <p:ph type="title"/>
+          </p:nvPr>
+        </p:nvSpPr>
+        <p:spPr/>
+        <p:txBody>
+          <a:bodyPr/>
+          <a:lstStyle/>
+          <a:p>
+            <a:r>
+              <a:rPr lang="en-US" dirty="0"/>
+              <a:t>What We Learned</a:t>
+            </a:r>
+          </a:p>
+        </p:txBody>
+      </p:sp>
+      <p:sp>
+        <p:nvSpPr>
+          <p:cNvPr id="3" name="Content Placeholder 2">
+            <a:extLst>
+              <a:ext uri="{FF2B5EF4-FFF2-40B4-BE49-F238E27FC236}">
+                <a16:creationId xmlns:a16="http://schemas.microsoft.com/office/drawing/2014/main" id="{5F889957-674F-B747-B37B-1B18BA2ECA64}"/>
+              </a:ext>
+            </a:extLst>
+          </p:cNvPr>
+          <p:cNvSpPr>
+            <a:spLocks noGrp="1"/>
+          </p:cNvSpPr>
+          <p:nvPr>
+            <p:ph idx="1"/>
+          </p:nvPr>
+        </p:nvSpPr>
+        <p:spPr/>
+        <p:txBody>
+          <a:bodyPr/>
+          <a:lstStyle/>
+          <a:p>
+            <a:r>
+              <a:rPr lang="en-US" dirty="0"/>
+              <a:t>Git</a:t>
+            </a:r>
+          </a:p>
+          <a:p>
+            <a:pPr lvl="1"/>
+            <a:r>
+              <a:rPr lang="en-US" dirty="0"/>
+              <a:t>Integration into ROS</a:t>
+            </a:r>
+          </a:p>
+          <a:p>
+            <a:pPr lvl="1"/>
+            <a:r>
+              <a:rPr lang="en-US" dirty="0"/>
+              <a:t>VIM and how to publish</a:t>
+            </a:r>
+          </a:p>
+          <a:p>
+            <a:r>
+              <a:rPr lang="en-US" dirty="0"/>
+              <a:t>ROS</a:t>
+            </a:r>
+          </a:p>
+          <a:p>
+            <a:pPr lvl="1"/>
+            <a:r>
+              <a:rPr lang="en-US" dirty="0"/>
+              <a:t>How to send messages to the arm motors</a:t>
+            </a:r>
+          </a:p>
+          <a:p>
+            <a:pPr lvl="1"/>
+            <a:r>
+              <a:rPr lang="en-US" dirty="0"/>
+              <a:t>Simulation vs. actual arm testing</a:t>
+            </a:r>
+          </a:p>
+          <a:p>
+            <a:pPr lvl="1"/>
+            <a:r>
+              <a:rPr lang="en-US" dirty="0"/>
+              <a:t>Structure of messages</a:t>
+            </a:r>
+          </a:p>
+          <a:p>
+            <a:r>
+              <a:rPr lang="en-US" dirty="0"/>
+              <a:t>Hardware setup</a:t>
+            </a:r>
+          </a:p>
+          <a:p>
+            <a:r>
+              <a:rPr lang="en-US" dirty="0"/>
+              <a:t>The Beauty of Improvisation</a:t>
+            </a:r>
+          </a:p>
+        </p:txBody>
+      </p:sp>
+    </p:spTree>
+    <p:extLst>
+      <p:ext uri="{BB962C8B-B14F-4D97-AF65-F5344CB8AC3E}">
+        <p14:creationId xmlns:p14="http://schemas.microsoft.com/office/powerpoint/2010/main" val="3607730106"/>
+      </p:ext>
+    </p:extLst>
+  </p:cSld>
+  <p:clrMapOvr>
+    <a:masterClrMapping/>
+  </p:clrMapOvr>
+</p:sld>
+</file>
+
+<file path=ppt/slides/slide11.xml><?xml version="1.0" encoding="utf-8"?>
+<p:sld xmlns:a="http://schemas.openxmlformats.org/drawingml/2006/main" xmlns:r="http://schemas.openxmlformats.org/officeDocument/2006/relationships" xmlns:p="http://schemas.openxmlformats.org/presentationml/2006/main">
+  <p:cSld>
     <p:bg>
       <p:bgPr>
         <a:solidFill>
@@ -18147,36 +15188,65 @@
         </p:nvSpPr>
         <p:spPr/>
         <p:txBody>
-          <a:bodyPr/>
+          <a:bodyPr>
+            <a:normAutofit/>
+          </a:bodyPr>
           <a:lstStyle/>
           <a:p>
             <a:r>
               <a:rPr lang="en-US" sz="2400" dirty="0"/>
-              <a:t>When a robot points, how does precision affect human interpretation of where an object would be?</a:t>
+              <a:t>How precisely can humans determine where a robot is pointing? </a:t>
             </a:r>
           </a:p>
           <a:p>
-            <a:endParaRPr lang="en-US" dirty="0"/>
+            <a:endParaRPr lang="en-US" sz="2400" dirty="0"/>
           </a:p>
           <a:p>
             <a:r>
               <a:rPr lang="en-US" sz="2400" dirty="0"/>
-              <a:t>What we measure:</a:t>
+              <a:t>2 Studies</a:t>
             </a:r>
           </a:p>
           <a:p>
-            <a:pPr lvl="1"/>
+            <a:pPr marL="457200" indent="-457200">
+              <a:buFont typeface="+mj-lt"/>
+              <a:buAutoNum type="arabicPeriod"/>
+            </a:pPr>
             <a:r>
-              <a:rPr lang="en-US" sz="1800" dirty="0"/>
-              <a:t>Deviation vs. Human Confidence</a:t>
+              <a:rPr lang="en-US" sz="2400" dirty="0"/>
+              <a:t>Identifying a region being pointed at</a:t>
             </a:r>
           </a:p>
           <a:p>
-            <a:pPr lvl="1"/>
+            <a:pPr marL="457200" indent="-457200">
+              <a:buFont typeface="+mj-lt"/>
+              <a:buAutoNum type="arabicPeriod"/>
+            </a:pPr>
             <a:r>
-              <a:rPr lang="en-US" sz="1800" dirty="0"/>
-              <a:t>Pointing with a laser (precision handicap) at a target vs. pointing without a laser (natural pointing) at a target</a:t>
+              <a:rPr lang="en-US" sz="2400" dirty="0"/>
+              <a:t>Identifying a point being pointed at</a:t>
             </a:r>
+            <a:endParaRPr lang="en-US" sz="2000" dirty="0"/>
+          </a:p>
+          <a:p>
+            <a:endParaRPr lang="en-US" sz="2000" dirty="0"/>
+          </a:p>
+          <a:p>
+            <a:pPr marL="617220" lvl="1" indent="-342900">
+              <a:buFont typeface="+mj-lt"/>
+              <a:buAutoNum type="arabicPeriod"/>
+            </a:pPr>
+            <a:endParaRPr lang="en-US" sz="1800" dirty="0"/>
+          </a:p>
+          <a:p>
+            <a:pPr marL="617220" lvl="1" indent="-342900">
+              <a:buFont typeface="+mj-lt"/>
+              <a:buAutoNum type="arabicPeriod"/>
+            </a:pPr>
+            <a:endParaRPr lang="en-US" sz="1800" dirty="0"/>
+          </a:p>
+          <a:p>
+            <a:endParaRPr lang="en-US" sz="2000" dirty="0"/>
           </a:p>
           <a:p>
             <a:endParaRPr lang="en-US" dirty="0"/>
@@ -18199,14 +15269,6 @@
 <file path=ppt/slides/slide6.xml><?xml version="1.0" encoding="utf-8"?>
 <p:sld xmlns:a="http://schemas.openxmlformats.org/drawingml/2006/main" xmlns:r="http://schemas.openxmlformats.org/officeDocument/2006/relationships" xmlns:p="http://schemas.openxmlformats.org/presentationml/2006/main">
   <p:cSld>
-    <p:bg>
-      <p:bgPr>
-        <a:solidFill>
-          <a:schemeClr val="bg1"/>
-        </a:solidFill>
-        <a:effectLst/>
-      </p:bgPr>
-    </p:bg>
     <p:spTree>
       <p:nvGrpSpPr>
         <p:cNvPr id="1" name=""/>
@@ -18226,7 +15288,7 @@
           <p:cNvPr id="2" name="Title 1">
             <a:extLst>
               <a:ext uri="{FF2B5EF4-FFF2-40B4-BE49-F238E27FC236}">
-                <a16:creationId xmlns:a16="http://schemas.microsoft.com/office/drawing/2014/main" id="{2061DF96-8C7B-0B4B-BEFA-DCA1FE76D720}"/>
+                <a16:creationId xmlns:a16="http://schemas.microsoft.com/office/drawing/2014/main" id="{DBCD5C28-A1DB-D446-8DB7-77AF316CFC4E}"/>
               </a:ext>
             </a:extLst>
           </p:cNvPr>
@@ -18237,33 +15299,179 @@
             <p:ph type="title"/>
           </p:nvPr>
         </p:nvSpPr>
+        <p:spPr/>
+        <p:txBody>
+          <a:bodyPr/>
+          <a:lstStyle/>
+          <a:p>
+            <a:r>
+              <a:rPr lang="en-US" dirty="0"/>
+              <a:t>Study Procedure</a:t>
+            </a:r>
+          </a:p>
+        </p:txBody>
+      </p:sp>
+      <p:sp>
+        <p:nvSpPr>
+          <p:cNvPr id="3" name="Content Placeholder 2">
+            <a:extLst>
+              <a:ext uri="{FF2B5EF4-FFF2-40B4-BE49-F238E27FC236}">
+                <a16:creationId xmlns:a16="http://schemas.microsoft.com/office/drawing/2014/main" id="{79F26FF7-6685-C84D-99F1-6076E524FE29}"/>
+              </a:ext>
+            </a:extLst>
+          </p:cNvPr>
+          <p:cNvSpPr>
+            <a:spLocks noGrp="1"/>
+          </p:cNvSpPr>
+          <p:nvPr>
+            <p:ph idx="1"/>
+          </p:nvPr>
+        </p:nvSpPr>
         <p:spPr>
           <a:xfrm>
-            <a:off x="1066800" y="642594"/>
-            <a:ext cx="10058400" cy="1371600"/>
+            <a:off x="4071256" y="1687286"/>
+            <a:ext cx="7587344" cy="4702628"/>
           </a:xfrm>
         </p:spPr>
         <p:txBody>
           <a:bodyPr>
-            <a:normAutofit/>
+            <a:normAutofit fontScale="92500" lnSpcReduction="20000"/>
           </a:bodyPr>
           <a:lstStyle/>
           <a:p>
-            <a:pPr algn="ctr"/>
             <a:r>
-              <a:rPr lang="en-US" dirty="0"/>
-              <a:t>Study Design</a:t>
+              <a:rPr lang="en-US" sz="2400" dirty="0"/>
+              <a:t>Study 1: Region Identification</a:t>
             </a:r>
-            <a:endParaRPr lang="en-US"/>
+          </a:p>
+          <a:p>
+            <a:pPr lvl="1"/>
+            <a:r>
+              <a:rPr lang="en-US" sz="1800" dirty="0"/>
+              <a:t>Participant stands directly behind arm.</a:t>
+            </a:r>
+          </a:p>
+          <a:p>
+            <a:pPr marL="617220" lvl="1" indent="-342900">
+              <a:buFont typeface="+mj-lt"/>
+              <a:buAutoNum type="arabicPeriod"/>
+            </a:pPr>
+            <a:r>
+              <a:rPr lang="en-US" sz="1800" dirty="0"/>
+              <a:t>Robot naturally points to 1 of 9 regions on a whiteboard.</a:t>
+            </a:r>
+          </a:p>
+          <a:p>
+            <a:pPr marL="617220" lvl="1" indent="-342900">
+              <a:buFont typeface="+mj-lt"/>
+              <a:buAutoNum type="arabicPeriod"/>
+            </a:pPr>
+            <a:r>
+              <a:rPr lang="en-US" sz="1800" dirty="0"/>
+              <a:t>Participants decide what region the robot is pointing.</a:t>
+            </a:r>
+          </a:p>
+          <a:p>
+            <a:pPr marL="617220" lvl="1" indent="-342900">
+              <a:buFont typeface="+mj-lt"/>
+              <a:buAutoNum type="arabicPeriod"/>
+            </a:pPr>
+            <a:r>
+              <a:rPr lang="en-US" sz="1800" dirty="0"/>
+              <a:t>Participants are asked how confident they are in their response.</a:t>
+            </a:r>
+          </a:p>
+          <a:p>
+            <a:pPr marL="617220" lvl="1" indent="-342900">
+              <a:buFont typeface="+mj-lt"/>
+              <a:buAutoNum type="arabicPeriod"/>
+            </a:pPr>
+            <a:r>
+              <a:rPr lang="en-US" sz="1800" dirty="0"/>
+              <a:t>A laser attached to the arm reveals to the participant precisely what position the robot was pointing.</a:t>
+            </a:r>
+          </a:p>
+          <a:p>
+            <a:pPr marL="617220" lvl="1" indent="-342900">
+              <a:buFont typeface="+mj-lt"/>
+              <a:buAutoNum type="arabicPeriod"/>
+            </a:pPr>
+            <a:r>
+              <a:rPr lang="en-US" sz="1800" dirty="0"/>
+              <a:t>Participant's correctness is recorded.</a:t>
+            </a:r>
+          </a:p>
+          <a:p>
+            <a:pPr marL="617220" lvl="1" indent="-342900">
+              <a:buFont typeface="+mj-lt"/>
+              <a:buAutoNum type="arabicPeriod"/>
+            </a:pPr>
+            <a:endParaRPr lang="en-US" sz="1800" dirty="0"/>
+          </a:p>
+          <a:p>
+            <a:r>
+              <a:rPr lang="en-US" sz="2500" dirty="0"/>
+              <a:t>Study 2: Point Identification</a:t>
+            </a:r>
+          </a:p>
+          <a:p>
+            <a:pPr lvl="1"/>
+            <a:r>
+              <a:rPr lang="en-US" sz="1800" dirty="0"/>
+              <a:t>Participant stands directly behind arm.</a:t>
+            </a:r>
+          </a:p>
+          <a:p>
+            <a:pPr marL="617220" lvl="1" indent="-342900">
+              <a:buFont typeface="+mj-lt"/>
+              <a:buAutoNum type="arabicPeriod"/>
+            </a:pPr>
+            <a:r>
+              <a:rPr lang="en-US" sz="1800" dirty="0"/>
+              <a:t>Robot naturally points to 1 of 3 targets on a whiteboard.</a:t>
+            </a:r>
+          </a:p>
+          <a:p>
+            <a:pPr marL="617220" lvl="1" indent="-342900">
+              <a:buFont typeface="+mj-lt"/>
+              <a:buAutoNum type="arabicPeriod"/>
+            </a:pPr>
+            <a:r>
+              <a:rPr lang="en-US" sz="1800" dirty="0"/>
+              <a:t>A participant then makes a decision about where the robot is pointing and marks on whiteboard.</a:t>
+            </a:r>
+          </a:p>
+          <a:p>
+            <a:pPr marL="617220" lvl="1" indent="-342900">
+              <a:buFont typeface="+mj-lt"/>
+              <a:buAutoNum type="arabicPeriod"/>
+            </a:pPr>
+            <a:r>
+              <a:rPr lang="en-US" sz="1800" dirty="0"/>
+              <a:t>A laser attached to the arm reveals to the participant precisely what position the robot was pointing.</a:t>
+            </a:r>
+          </a:p>
+          <a:p>
+            <a:pPr marL="617220" lvl="1" indent="-342900">
+              <a:buFont typeface="+mj-lt"/>
+              <a:buAutoNum type="arabicPeriod"/>
+            </a:pPr>
+            <a:r>
+              <a:rPr lang="en-US" sz="1800" dirty="0"/>
+              <a:t>Deviation from participant’s point to robot’s point is calculated.</a:t>
+            </a:r>
+          </a:p>
+          <a:p>
+            <a:endParaRPr lang="en-US" dirty="0"/>
           </a:p>
         </p:txBody>
       </p:sp>
       <p:graphicFrame>
         <p:nvGraphicFramePr>
-          <p:cNvPr id="5" name="Content Placeholder 2">
+          <p:cNvPr id="7" name="Table 6">
             <a:extLst>
               <a:ext uri="{FF2B5EF4-FFF2-40B4-BE49-F238E27FC236}">
-                <a16:creationId xmlns:a16="http://schemas.microsoft.com/office/drawing/2014/main" id="{F4A22D32-67BF-430E-B9B3-B77E97391E4E}"/>
+                <a16:creationId xmlns:a16="http://schemas.microsoft.com/office/drawing/2014/main" id="{7A5DD5FB-5419-824F-960D-3C8508F7B345}"/>
               </a:ext>
             </a:extLst>
           </p:cNvPr>
@@ -18271,333 +15479,465 @@
             <a:graphicFrameLocks noGrp="1"/>
           </p:cNvGraphicFramePr>
           <p:nvPr>
-            <p:ph idx="1"/>
             <p:extLst>
               <p:ext uri="{D42A27DB-BD31-4B8C-83A1-F6EECF244321}">
-                <p14:modId xmlns:p14="http://schemas.microsoft.com/office/powerpoint/2010/main" val="69485478"/>
+                <p14:modId xmlns:p14="http://schemas.microsoft.com/office/powerpoint/2010/main" val="1584199208"/>
               </p:ext>
             </p:extLst>
           </p:nvPr>
         </p:nvGraphicFramePr>
         <p:xfrm>
-          <a:off x="1066800" y="1793228"/>
-          <a:ext cx="10058400" cy="4422178"/>
+          <a:off x="1719943" y="2014194"/>
+          <a:ext cx="1502229" cy="1371600"/>
         </p:xfrm>
         <a:graphic>
-          <a:graphicData uri="http://schemas.openxmlformats.org/drawingml/2006/diagram">
-            <dgm:relIds xmlns:dgm="http://schemas.openxmlformats.org/drawingml/2006/diagram" xmlns:r="http://schemas.openxmlformats.org/officeDocument/2006/relationships" r:dm="rId2" r:lo="rId3" r:qs="rId4" r:cs="rId5"/>
+          <a:graphicData uri="http://schemas.openxmlformats.org/drawingml/2006/table">
+            <a:tbl>
+              <a:tblPr firstRow="1" bandRow="1">
+                <a:tableStyleId>{5940675A-B579-460E-94D1-54222C63F5DA}</a:tableStyleId>
+              </a:tblPr>
+              <a:tblGrid>
+                <a:gridCol w="500743">
+                  <a:extLst>
+                    <a:ext uri="{9D8B030D-6E8A-4147-A177-3AD203B41FA5}">
+                      <a16:colId xmlns:a16="http://schemas.microsoft.com/office/drawing/2014/main" val="2405571611"/>
+                    </a:ext>
+                  </a:extLst>
+                </a:gridCol>
+                <a:gridCol w="500743">
+                  <a:extLst>
+                    <a:ext uri="{9D8B030D-6E8A-4147-A177-3AD203B41FA5}">
+                      <a16:colId xmlns:a16="http://schemas.microsoft.com/office/drawing/2014/main" val="128416024"/>
+                    </a:ext>
+                  </a:extLst>
+                </a:gridCol>
+                <a:gridCol w="500743">
+                  <a:extLst>
+                    <a:ext uri="{9D8B030D-6E8A-4147-A177-3AD203B41FA5}">
+                      <a16:colId xmlns:a16="http://schemas.microsoft.com/office/drawing/2014/main" val="3699851742"/>
+                    </a:ext>
+                  </a:extLst>
+                </a:gridCol>
+              </a:tblGrid>
+              <a:tr h="457200">
+                <a:tc>
+                  <a:txBody>
+                    <a:bodyPr/>
+                    <a:lstStyle/>
+                    <a:p>
+                      <a:endParaRPr lang="en-US" dirty="0"/>
+                    </a:p>
+                  </a:txBody>
+                  <a:tcPr/>
+                </a:tc>
+                <a:tc>
+                  <a:txBody>
+                    <a:bodyPr/>
+                    <a:lstStyle/>
+                    <a:p>
+                      <a:endParaRPr lang="en-US"/>
+                    </a:p>
+                  </a:txBody>
+                  <a:tcPr/>
+                </a:tc>
+                <a:tc>
+                  <a:txBody>
+                    <a:bodyPr/>
+                    <a:lstStyle/>
+                    <a:p>
+                      <a:endParaRPr lang="en-US"/>
+                    </a:p>
+                  </a:txBody>
+                  <a:tcPr/>
+                </a:tc>
+                <a:extLst>
+                  <a:ext uri="{0D108BD9-81ED-4DB2-BD59-A6C34878D82A}">
+                    <a16:rowId xmlns:a16="http://schemas.microsoft.com/office/drawing/2014/main" val="1173199570"/>
+                  </a:ext>
+                </a:extLst>
+              </a:tr>
+              <a:tr h="457200">
+                <a:tc>
+                  <a:txBody>
+                    <a:bodyPr/>
+                    <a:lstStyle/>
+                    <a:p>
+                      <a:endParaRPr lang="en-US" dirty="0"/>
+                    </a:p>
+                  </a:txBody>
+                  <a:tcPr>
+                    <a:solidFill>
+                      <a:srgbClr val="C00000"/>
+                    </a:solidFill>
+                  </a:tcPr>
+                </a:tc>
+                <a:tc>
+                  <a:txBody>
+                    <a:bodyPr/>
+                    <a:lstStyle/>
+                    <a:p>
+                      <a:endParaRPr lang="en-US"/>
+                    </a:p>
+                  </a:txBody>
+                  <a:tcPr/>
+                </a:tc>
+                <a:tc>
+                  <a:txBody>
+                    <a:bodyPr/>
+                    <a:lstStyle/>
+                    <a:p>
+                      <a:endParaRPr lang="en-US"/>
+                    </a:p>
+                  </a:txBody>
+                  <a:tcPr/>
+                </a:tc>
+                <a:extLst>
+                  <a:ext uri="{0D108BD9-81ED-4DB2-BD59-A6C34878D82A}">
+                    <a16:rowId xmlns:a16="http://schemas.microsoft.com/office/drawing/2014/main" val="1258597865"/>
+                  </a:ext>
+                </a:extLst>
+              </a:tr>
+              <a:tr h="457200">
+                <a:tc>
+                  <a:txBody>
+                    <a:bodyPr/>
+                    <a:lstStyle/>
+                    <a:p>
+                      <a:endParaRPr lang="en-US"/>
+                    </a:p>
+                  </a:txBody>
+                  <a:tcPr/>
+                </a:tc>
+                <a:tc>
+                  <a:txBody>
+                    <a:bodyPr/>
+                    <a:lstStyle/>
+                    <a:p>
+                      <a:endParaRPr lang="en-US"/>
+                    </a:p>
+                  </a:txBody>
+                  <a:tcPr/>
+                </a:tc>
+                <a:tc>
+                  <a:txBody>
+                    <a:bodyPr/>
+                    <a:lstStyle/>
+                    <a:p>
+                      <a:endParaRPr lang="en-US" dirty="0"/>
+                    </a:p>
+                  </a:txBody>
+                  <a:tcPr/>
+                </a:tc>
+                <a:extLst>
+                  <a:ext uri="{0D108BD9-81ED-4DB2-BD59-A6C34878D82A}">
+                    <a16:rowId xmlns:a16="http://schemas.microsoft.com/office/drawing/2014/main" val="3241722126"/>
+                  </a:ext>
+                </a:extLst>
+              </a:tr>
+            </a:tbl>
           </a:graphicData>
         </a:graphic>
       </p:graphicFrame>
-      <p:grpSp>
-        <p:nvGrpSpPr>
-          <p:cNvPr id="4" name="Group 3">
+      <p:sp>
+        <p:nvSpPr>
+          <p:cNvPr id="8" name="Oval 7">
             <a:extLst>
               <a:ext uri="{FF2B5EF4-FFF2-40B4-BE49-F238E27FC236}">
-                <a16:creationId xmlns:a16="http://schemas.microsoft.com/office/drawing/2014/main" id="{8FA972A1-2C26-4FA9-97E8-BEB6A835C97D}"/>
+                <a16:creationId xmlns:a16="http://schemas.microsoft.com/office/drawing/2014/main" id="{C39B8774-EAB3-A348-A3E6-4982B62615C5}"/>
               </a:ext>
             </a:extLst>
           </p:cNvPr>
-          <p:cNvGrpSpPr/>
+          <p:cNvSpPr/>
           <p:nvPr/>
-        </p:nvGrpSpPr>
-        <p:grpSpPr>
+        </p:nvSpPr>
+        <p:spPr>
           <a:xfrm>
-            <a:off x="4596234" y="4022245"/>
-            <a:ext cx="2999531" cy="1643124"/>
-            <a:chOff x="4985" y="2245067"/>
-            <a:chExt cx="2999531" cy="1643124"/>
+            <a:off x="1513115" y="5289785"/>
+            <a:ext cx="413657" cy="413657"/>
           </a:xfrm>
-        </p:grpSpPr>
-        <p:sp>
-          <p:nvSpPr>
-            <p:cNvPr id="6" name="Rectangle 5">
-              <a:extLst>
-                <a:ext uri="{FF2B5EF4-FFF2-40B4-BE49-F238E27FC236}">
-                  <a16:creationId xmlns:a16="http://schemas.microsoft.com/office/drawing/2014/main" id="{F6FA15DA-DC15-4562-823F-C63AEAEB513A}"/>
-                </a:ext>
-              </a:extLst>
-            </p:cNvPr>
-            <p:cNvSpPr/>
-            <p:nvPr/>
-          </p:nvSpPr>
-          <p:spPr>
-            <a:xfrm>
-              <a:off x="4985" y="2245067"/>
-              <a:ext cx="2999531" cy="1643124"/>
-            </a:xfrm>
-            <a:prstGeom prst="rect">
-              <a:avLst/>
-            </a:prstGeom>
-          </p:spPr>
-          <p:style>
-            <a:lnRef idx="0">
-              <a:schemeClr val="dk1">
-                <a:alpha val="0"/>
-                <a:hueOff val="0"/>
-                <a:satOff val="0"/>
-                <a:lumOff val="0"/>
-                <a:alphaOff val="0"/>
-              </a:schemeClr>
-            </a:lnRef>
-            <a:fillRef idx="0">
-              <a:schemeClr val="lt1">
-                <a:alpha val="0"/>
-                <a:hueOff val="0"/>
-                <a:satOff val="0"/>
-                <a:lumOff val="0"/>
-                <a:alphaOff val="0"/>
-              </a:schemeClr>
-            </a:fillRef>
-            <a:effectRef idx="0">
-              <a:schemeClr val="lt1">
-                <a:alpha val="0"/>
-                <a:hueOff val="0"/>
-                <a:satOff val="0"/>
-                <a:lumOff val="0"/>
-                <a:alphaOff val="0"/>
-              </a:schemeClr>
-            </a:effectRef>
-            <a:fontRef idx="minor">
-              <a:schemeClr val="tx1">
-                <a:hueOff val="0"/>
-                <a:satOff val="0"/>
-                <a:lumOff val="0"/>
-                <a:alphaOff val="0"/>
-              </a:schemeClr>
-            </a:fontRef>
-          </p:style>
-        </p:sp>
-        <p:sp>
-          <p:nvSpPr>
-            <p:cNvPr id="7" name="TextBox 6">
-              <a:extLst>
-                <a:ext uri="{FF2B5EF4-FFF2-40B4-BE49-F238E27FC236}">
-                  <a16:creationId xmlns:a16="http://schemas.microsoft.com/office/drawing/2014/main" id="{649D4B2E-0BA2-4471-B24D-40A279803CB7}"/>
-                </a:ext>
-              </a:extLst>
-            </p:cNvPr>
-            <p:cNvSpPr txBox="1"/>
-            <p:nvPr/>
-          </p:nvSpPr>
-          <p:spPr>
-            <a:xfrm>
-              <a:off x="4985" y="2245067"/>
-              <a:ext cx="2999531" cy="1643124"/>
-            </a:xfrm>
-            <a:prstGeom prst="rect">
-              <a:avLst/>
-            </a:prstGeom>
-          </p:spPr>
-          <p:style>
-            <a:lnRef idx="0">
-              <a:scrgbClr r="0" g="0" b="0"/>
-            </a:lnRef>
-            <a:fillRef idx="0">
-              <a:scrgbClr r="0" g="0" b="0"/>
-            </a:fillRef>
-            <a:effectRef idx="0">
-              <a:scrgbClr r="0" g="0" b="0"/>
-            </a:effectRef>
-            <a:fontRef idx="minor">
-              <a:schemeClr val="tx1">
-                <a:hueOff val="0"/>
-                <a:satOff val="0"/>
-                <a:lumOff val="0"/>
-                <a:alphaOff val="0"/>
-              </a:schemeClr>
-            </a:fontRef>
-          </p:style>
-          <p:txBody>
-            <a:bodyPr spcFirstLastPara="0" vert="horz" wrap="square" lIns="0" tIns="0" rIns="0" bIns="0" numCol="1" spcCol="1270" anchor="t" anchorCtr="0">
-              <a:noAutofit/>
-            </a:bodyPr>
-            <a:lstStyle/>
-            <a:p>
-              <a:pPr marL="0" lvl="0" indent="0" algn="l" defTabSz="711200">
-                <a:lnSpc>
-                  <a:spcPct val="90000"/>
-                </a:lnSpc>
-                <a:spcBef>
-                  <a:spcPct val="0"/>
-                </a:spcBef>
-                <a:spcAft>
-                  <a:spcPct val="35000"/>
-                </a:spcAft>
-                <a:buNone/>
-              </a:pPr>
-              <a:r>
-                <a:rPr lang="en-US" sz="1600" dirty="0"/>
-                <a:t>Setup:</a:t>
-              </a:r>
-              <a:br>
-                <a:rPr lang="en-US" sz="1600" dirty="0"/>
-              </a:br>
-              <a:r>
-                <a:rPr lang="en-US" sz="1600" dirty="0"/>
-                <a:t>Each target is attached to a whiteboard, in a diagonal pattern, for the arm to point at.</a:t>
-              </a:r>
-            </a:p>
-          </p:txBody>
-        </p:sp>
-      </p:grpSp>
-      <p:grpSp>
-        <p:nvGrpSpPr>
-          <p:cNvPr id="8" name="Group 7">
+          <a:prstGeom prst="ellipse">
+            <a:avLst/>
+          </a:prstGeom>
+        </p:spPr>
+        <p:style>
+          <a:lnRef idx="2">
+            <a:schemeClr val="dk1">
+              <a:shade val="50000"/>
+            </a:schemeClr>
+          </a:lnRef>
+          <a:fillRef idx="1">
+            <a:schemeClr val="dk1"/>
+          </a:fillRef>
+          <a:effectRef idx="0">
+            <a:schemeClr val="dk1"/>
+          </a:effectRef>
+          <a:fontRef idx="minor">
+            <a:schemeClr val="lt1"/>
+          </a:fontRef>
+        </p:style>
+        <p:txBody>
+          <a:bodyPr rtlCol="0" anchor="ctr"/>
+          <a:lstStyle/>
+          <a:p>
+            <a:pPr algn="ctr"/>
+            <a:endParaRPr lang="en-US"/>
+          </a:p>
+        </p:txBody>
+      </p:sp>
+      <p:sp>
+        <p:nvSpPr>
+          <p:cNvPr id="9" name="Oval 8">
             <a:extLst>
               <a:ext uri="{FF2B5EF4-FFF2-40B4-BE49-F238E27FC236}">
-                <a16:creationId xmlns:a16="http://schemas.microsoft.com/office/drawing/2014/main" id="{DBF8E28B-96FC-46B1-B30F-3C8051EE5079}"/>
+                <a16:creationId xmlns:a16="http://schemas.microsoft.com/office/drawing/2014/main" id="{DD867FF6-6B89-A349-B46A-9FD5E0DADA30}"/>
               </a:ext>
             </a:extLst>
           </p:cNvPr>
-          <p:cNvGrpSpPr/>
+          <p:cNvSpPr/>
           <p:nvPr/>
-        </p:nvGrpSpPr>
-        <p:grpSpPr>
+        </p:nvSpPr>
+        <p:spPr>
           <a:xfrm>
-            <a:off x="8125668" y="4022245"/>
-            <a:ext cx="2999531" cy="1643124"/>
-            <a:chOff x="4985" y="2245067"/>
-            <a:chExt cx="2999531" cy="1643124"/>
+            <a:off x="3015343" y="4636978"/>
+            <a:ext cx="413657" cy="413657"/>
           </a:xfrm>
-        </p:grpSpPr>
-        <p:sp>
-          <p:nvSpPr>
-            <p:cNvPr id="9" name="Rectangle 8">
-              <a:extLst>
-                <a:ext uri="{FF2B5EF4-FFF2-40B4-BE49-F238E27FC236}">
-                  <a16:creationId xmlns:a16="http://schemas.microsoft.com/office/drawing/2014/main" id="{C76A6BB3-CE82-4681-884B-EAF345100A1E}"/>
-                </a:ext>
-              </a:extLst>
-            </p:cNvPr>
-            <p:cNvSpPr/>
-            <p:nvPr/>
-          </p:nvSpPr>
-          <p:spPr>
-            <a:xfrm>
-              <a:off x="4985" y="2245067"/>
-              <a:ext cx="2999531" cy="1643124"/>
-            </a:xfrm>
-            <a:prstGeom prst="rect">
-              <a:avLst/>
-            </a:prstGeom>
-          </p:spPr>
-          <p:style>
-            <a:lnRef idx="0">
-              <a:schemeClr val="dk1">
-                <a:alpha val="0"/>
-                <a:hueOff val="0"/>
-                <a:satOff val="0"/>
-                <a:lumOff val="0"/>
-                <a:alphaOff val="0"/>
-              </a:schemeClr>
-            </a:lnRef>
-            <a:fillRef idx="0">
-              <a:schemeClr val="lt1">
-                <a:alpha val="0"/>
-                <a:hueOff val="0"/>
-                <a:satOff val="0"/>
-                <a:lumOff val="0"/>
-                <a:alphaOff val="0"/>
-              </a:schemeClr>
-            </a:fillRef>
-            <a:effectRef idx="0">
-              <a:schemeClr val="lt1">
-                <a:alpha val="0"/>
-                <a:hueOff val="0"/>
-                <a:satOff val="0"/>
-                <a:lumOff val="0"/>
-                <a:alphaOff val="0"/>
-              </a:schemeClr>
-            </a:effectRef>
-            <a:fontRef idx="minor">
-              <a:schemeClr val="tx1">
-                <a:hueOff val="0"/>
-                <a:satOff val="0"/>
-                <a:lumOff val="0"/>
-                <a:alphaOff val="0"/>
-              </a:schemeClr>
-            </a:fontRef>
-          </p:style>
-        </p:sp>
-        <p:sp>
-          <p:nvSpPr>
-            <p:cNvPr id="10" name="TextBox 9">
-              <a:extLst>
-                <a:ext uri="{FF2B5EF4-FFF2-40B4-BE49-F238E27FC236}">
-                  <a16:creationId xmlns:a16="http://schemas.microsoft.com/office/drawing/2014/main" id="{CC7C7824-55A0-456F-8F68-883F376C01D3}"/>
-                </a:ext>
-              </a:extLst>
-            </p:cNvPr>
-            <p:cNvSpPr txBox="1"/>
-            <p:nvPr/>
-          </p:nvSpPr>
-          <p:spPr>
-            <a:xfrm>
-              <a:off x="4985" y="2245067"/>
-              <a:ext cx="2999531" cy="1643124"/>
-            </a:xfrm>
-            <a:prstGeom prst="rect">
-              <a:avLst/>
-            </a:prstGeom>
-          </p:spPr>
-          <p:style>
-            <a:lnRef idx="0">
-              <a:scrgbClr r="0" g="0" b="0"/>
-            </a:lnRef>
-            <a:fillRef idx="0">
-              <a:scrgbClr r="0" g="0" b="0"/>
-            </a:fillRef>
-            <a:effectRef idx="0">
-              <a:scrgbClr r="0" g="0" b="0"/>
-            </a:effectRef>
-            <a:fontRef idx="minor">
-              <a:schemeClr val="tx1">
-                <a:hueOff val="0"/>
-                <a:satOff val="0"/>
-                <a:lumOff val="0"/>
-                <a:alphaOff val="0"/>
-              </a:schemeClr>
-            </a:fontRef>
-          </p:style>
-          <p:txBody>
-            <a:bodyPr spcFirstLastPara="0" vert="horz" wrap="square" lIns="0" tIns="0" rIns="0" bIns="0" numCol="1" spcCol="1270" anchor="t" anchorCtr="0">
-              <a:noAutofit/>
-            </a:bodyPr>
-            <a:lstStyle/>
-            <a:p>
-              <a:pPr marL="0" lvl="0" indent="0" algn="l" defTabSz="711200">
-                <a:lnSpc>
-                  <a:spcPct val="90000"/>
-                </a:lnSpc>
-                <a:spcBef>
-                  <a:spcPct val="0"/>
-                </a:spcBef>
-                <a:spcAft>
-                  <a:spcPct val="35000"/>
-                </a:spcAft>
-                <a:buNone/>
-              </a:pPr>
-              <a:r>
-                <a:rPr lang="en-US" sz="1600" dirty="0"/>
-                <a:t>Points:</a:t>
-              </a:r>
-              <a:br>
-                <a:rPr lang="en-US" sz="1600" dirty="0"/>
-              </a:br>
-              <a:r>
-                <a:rPr lang="en-US" sz="1600" dirty="0"/>
-                <a:t>The target would be surrounded by a 5x5 grid of points for the arm to randomly select.</a:t>
-              </a:r>
-              <a:endParaRPr lang="en-US" sz="1600" kern="1200" dirty="0"/>
-            </a:p>
-          </p:txBody>
-        </p:sp>
-      </p:grpSp>
+          <a:prstGeom prst="ellipse">
+            <a:avLst/>
+          </a:prstGeom>
+          <a:solidFill>
+            <a:srgbClr val="C00000"/>
+          </a:solidFill>
+          <a:ln>
+            <a:solidFill>
+              <a:schemeClr val="tx1"/>
+            </a:solidFill>
+          </a:ln>
+        </p:spPr>
+        <p:style>
+          <a:lnRef idx="2">
+            <a:schemeClr val="accent4">
+              <a:shade val="50000"/>
+            </a:schemeClr>
+          </a:lnRef>
+          <a:fillRef idx="1">
+            <a:schemeClr val="accent4"/>
+          </a:fillRef>
+          <a:effectRef idx="0">
+            <a:schemeClr val="accent4"/>
+          </a:effectRef>
+          <a:fontRef idx="minor">
+            <a:schemeClr val="lt1"/>
+          </a:fontRef>
+        </p:style>
+        <p:txBody>
+          <a:bodyPr rtlCol="0" anchor="ctr"/>
+          <a:lstStyle/>
+          <a:p>
+            <a:pPr algn="ctr"/>
+            <a:endParaRPr lang="en-US"/>
+          </a:p>
+        </p:txBody>
+      </p:sp>
+      <p:pic>
+        <p:nvPicPr>
+          <p:cNvPr id="12" name="Graphic 11" descr="Right pointing backhand index">
+            <a:extLst>
+              <a:ext uri="{FF2B5EF4-FFF2-40B4-BE49-F238E27FC236}">
+                <a16:creationId xmlns:a16="http://schemas.microsoft.com/office/drawing/2014/main" id="{3F0F7828-2E82-7C44-AC53-A6CB39847D35}"/>
+              </a:ext>
+            </a:extLst>
+          </p:cNvPr>
+          <p:cNvPicPr>
+            <a:picLocks noChangeAspect="1"/>
+          </p:cNvPicPr>
+          <p:nvPr/>
+        </p:nvPicPr>
+        <p:blipFill>
+          <a:blip r:embed="rId2">
+            <a:extLst>
+              <a:ext uri="{96DAC541-7B7A-43D3-8B79-37D633B846F1}">
+                <asvg:svgBlip xmlns:asvg="http://schemas.microsoft.com/office/drawing/2016/SVG/main" r:embed="rId3"/>
+              </a:ext>
+            </a:extLst>
+          </a:blip>
+          <a:stretch>
+            <a:fillRect/>
+          </a:stretch>
+        </p:blipFill>
+        <p:spPr>
+          <a:xfrm rot="16200000">
+            <a:off x="1875745" y="3472207"/>
+            <a:ext cx="592591" cy="592591"/>
+          </a:xfrm>
+          <a:prstGeom prst="rect">
+            <a:avLst/>
+          </a:prstGeom>
+        </p:spPr>
+      </p:pic>
+      <p:pic>
+        <p:nvPicPr>
+          <p:cNvPr id="14" name="Graphic 13" descr="Pencil">
+            <a:extLst>
+              <a:ext uri="{FF2B5EF4-FFF2-40B4-BE49-F238E27FC236}">
+                <a16:creationId xmlns:a16="http://schemas.microsoft.com/office/drawing/2014/main" id="{54950C3A-B4D9-254C-AF97-F44EABD15887}"/>
+              </a:ext>
+            </a:extLst>
+          </p:cNvPr>
+          <p:cNvPicPr>
+            <a:picLocks noChangeAspect="1"/>
+          </p:cNvPicPr>
+          <p:nvPr/>
+        </p:nvPicPr>
+        <p:blipFill>
+          <a:blip r:embed="rId4">
+            <a:extLst>
+              <a:ext uri="{96DAC541-7B7A-43D3-8B79-37D633B846F1}">
+                <asvg:svgBlip xmlns:asvg="http://schemas.microsoft.com/office/drawing/2016/SVG/main" r:embed="rId5"/>
+              </a:ext>
+            </a:extLst>
+          </a:blip>
+          <a:stretch>
+            <a:fillRect/>
+          </a:stretch>
+        </p:blipFill>
+        <p:spPr>
+          <a:xfrm rot="10633562">
+            <a:off x="941652" y="5587603"/>
+            <a:ext cx="742265" cy="742265"/>
+          </a:xfrm>
+          <a:prstGeom prst="rect">
+            <a:avLst/>
+          </a:prstGeom>
+        </p:spPr>
+      </p:pic>
+      <p:cxnSp>
+        <p:nvCxnSpPr>
+          <p:cNvPr id="16" name="Straight Connector 15">
+            <a:extLst>
+              <a:ext uri="{FF2B5EF4-FFF2-40B4-BE49-F238E27FC236}">
+                <a16:creationId xmlns:a16="http://schemas.microsoft.com/office/drawing/2014/main" id="{71ACD931-F033-DC4B-9D87-A3496430664C}"/>
+              </a:ext>
+            </a:extLst>
+          </p:cNvPr>
+          <p:cNvCxnSpPr>
+            <a:cxnSpLocks/>
+          </p:cNvCxnSpPr>
+          <p:nvPr/>
+        </p:nvCxnSpPr>
+        <p:spPr>
+          <a:xfrm flipV="1">
+            <a:off x="1946828" y="4929534"/>
+            <a:ext cx="1048457" cy="506558"/>
+          </a:xfrm>
+          <a:prstGeom prst="line">
+            <a:avLst/>
+          </a:prstGeom>
+          <a:ln w="38100">
+            <a:solidFill>
+              <a:schemeClr val="tx1"/>
+            </a:solidFill>
+            <a:prstDash val="sysDash"/>
+          </a:ln>
+        </p:spPr>
+        <p:style>
+          <a:lnRef idx="1">
+            <a:schemeClr val="accent1"/>
+          </a:lnRef>
+          <a:fillRef idx="0">
+            <a:schemeClr val="accent1"/>
+          </a:fillRef>
+          <a:effectRef idx="0">
+            <a:schemeClr val="accent1"/>
+          </a:effectRef>
+          <a:fontRef idx="minor">
+            <a:schemeClr val="tx1"/>
+          </a:fontRef>
+        </p:style>
+      </p:cxnSp>
+      <p:pic>
+        <p:nvPicPr>
+          <p:cNvPr id="18" name="Graphic 17" descr="Ruler">
+            <a:extLst>
+              <a:ext uri="{FF2B5EF4-FFF2-40B4-BE49-F238E27FC236}">
+                <a16:creationId xmlns:a16="http://schemas.microsoft.com/office/drawing/2014/main" id="{B9499F17-E276-0C41-96FE-851D95E75574}"/>
+              </a:ext>
+            </a:extLst>
+          </p:cNvPr>
+          <p:cNvPicPr>
+            <a:picLocks noChangeAspect="1"/>
+          </p:cNvPicPr>
+          <p:nvPr/>
+        </p:nvPicPr>
+        <p:blipFill>
+          <a:blip r:embed="rId6">
+            <a:extLst>
+              <a:ext uri="{96DAC541-7B7A-43D3-8B79-37D633B846F1}">
+                <asvg:svgBlip xmlns:asvg="http://schemas.microsoft.com/office/drawing/2016/SVG/main" r:embed="rId7"/>
+              </a:ext>
+            </a:extLst>
+          </a:blip>
+          <a:stretch>
+            <a:fillRect/>
+          </a:stretch>
+        </p:blipFill>
+        <p:spPr>
+          <a:xfrm rot="1107058">
+            <a:off x="1925411" y="4534479"/>
+            <a:ext cx="914400" cy="914400"/>
+          </a:xfrm>
+          <a:prstGeom prst="rect">
+            <a:avLst/>
+          </a:prstGeom>
+        </p:spPr>
+      </p:pic>
+      <p:cxnSp>
+        <p:nvCxnSpPr>
+          <p:cNvPr id="19" name="Straight Connector 18">
+            <a:extLst>
+              <a:ext uri="{FF2B5EF4-FFF2-40B4-BE49-F238E27FC236}">
+                <a16:creationId xmlns:a16="http://schemas.microsoft.com/office/drawing/2014/main" id="{53D847B3-34D1-CC4D-A327-480822C91A01}"/>
+              </a:ext>
+            </a:extLst>
+          </p:cNvPr>
+          <p:cNvCxnSpPr>
+            <a:cxnSpLocks/>
+          </p:cNvCxnSpPr>
+          <p:nvPr/>
+        </p:nvCxnSpPr>
+        <p:spPr>
+          <a:xfrm flipV="1">
+            <a:off x="2118281" y="2900364"/>
+            <a:ext cx="0" cy="557555"/>
+          </a:xfrm>
+          <a:prstGeom prst="line">
+            <a:avLst/>
+          </a:prstGeom>
+          <a:ln w="38100">
+            <a:solidFill>
+              <a:schemeClr val="tx1"/>
+            </a:solidFill>
+            <a:prstDash val="sysDash"/>
+          </a:ln>
+        </p:spPr>
+        <p:style>
+          <a:lnRef idx="1">
+            <a:schemeClr val="accent1"/>
+          </a:lnRef>
+          <a:fillRef idx="0">
+            <a:schemeClr val="accent1"/>
+          </a:fillRef>
+          <a:effectRef idx="0">
+            <a:schemeClr val="accent1"/>
+          </a:effectRef>
+          <a:fontRef idx="minor">
+            <a:schemeClr val="tx1"/>
+          </a:fontRef>
+        </p:style>
+      </p:cxnSp>
     </p:spTree>
     <p:extLst>
       <p:ext uri="{BB962C8B-B14F-4D97-AF65-F5344CB8AC3E}">
-        <p14:creationId xmlns:p14="http://schemas.microsoft.com/office/powerpoint/2010/main" val="1544804390"/>
+        <p14:creationId xmlns:p14="http://schemas.microsoft.com/office/powerpoint/2010/main" val="2565618207"/>
       </p:ext>
     </p:extLst>
   </p:cSld>
@@ -18608,6 +15948,123 @@
 </file>
 
 <file path=ppt/slides/slide7.xml><?xml version="1.0" encoding="utf-8"?>
+<p:sld xmlns:a="http://schemas.openxmlformats.org/drawingml/2006/main" xmlns:r="http://schemas.openxmlformats.org/officeDocument/2006/relationships" xmlns:p="http://schemas.openxmlformats.org/presentationml/2006/main">
+  <p:cSld>
+    <p:spTree>
+      <p:nvGrpSpPr>
+        <p:cNvPr id="1" name=""/>
+        <p:cNvGrpSpPr/>
+        <p:nvPr/>
+      </p:nvGrpSpPr>
+      <p:grpSpPr>
+        <a:xfrm>
+          <a:off x="0" y="0"/>
+          <a:ext cx="0" cy="0"/>
+          <a:chOff x="0" y="0"/>
+          <a:chExt cx="0" cy="0"/>
+        </a:xfrm>
+      </p:grpSpPr>
+      <p:sp>
+        <p:nvSpPr>
+          <p:cNvPr id="2" name="Title 1">
+            <a:extLst>
+              <a:ext uri="{FF2B5EF4-FFF2-40B4-BE49-F238E27FC236}">
+                <a16:creationId xmlns:a16="http://schemas.microsoft.com/office/drawing/2014/main" id="{94F094DC-4881-9144-8FC8-9886EA7503C8}"/>
+              </a:ext>
+            </a:extLst>
+          </p:cNvPr>
+          <p:cNvSpPr>
+            <a:spLocks noGrp="1"/>
+          </p:cNvSpPr>
+          <p:nvPr>
+            <p:ph type="title"/>
+          </p:nvPr>
+        </p:nvSpPr>
+        <p:spPr/>
+        <p:txBody>
+          <a:bodyPr/>
+          <a:lstStyle/>
+          <a:p>
+            <a:r>
+              <a:rPr lang="en-US" dirty="0"/>
+              <a:t>Measurements</a:t>
+            </a:r>
+          </a:p>
+        </p:txBody>
+      </p:sp>
+      <p:sp>
+        <p:nvSpPr>
+          <p:cNvPr id="3" name="Content Placeholder 2">
+            <a:extLst>
+              <a:ext uri="{FF2B5EF4-FFF2-40B4-BE49-F238E27FC236}">
+                <a16:creationId xmlns:a16="http://schemas.microsoft.com/office/drawing/2014/main" id="{9F935AFE-7FA1-E941-B021-9B0C319C425C}"/>
+              </a:ext>
+            </a:extLst>
+          </p:cNvPr>
+          <p:cNvSpPr>
+            <a:spLocks noGrp="1"/>
+          </p:cNvSpPr>
+          <p:nvPr>
+            <p:ph idx="1"/>
+          </p:nvPr>
+        </p:nvSpPr>
+        <p:spPr/>
+        <p:txBody>
+          <a:bodyPr/>
+          <a:lstStyle/>
+          <a:p>
+            <a:r>
+              <a:rPr lang="en-US" sz="2400" dirty="0"/>
+              <a:t>What we would have measured:</a:t>
+            </a:r>
+          </a:p>
+          <a:p>
+            <a:pPr lvl="1"/>
+            <a:r>
+              <a:rPr lang="en-US" sz="1800" dirty="0"/>
+              <a:t>Participant’s Correctness</a:t>
+            </a:r>
+          </a:p>
+          <a:p>
+            <a:pPr lvl="2"/>
+            <a:r>
+              <a:rPr lang="en-US" sz="1600" dirty="0"/>
+              <a:t>Interpreting where the robot is pointing</a:t>
+            </a:r>
+          </a:p>
+          <a:p>
+            <a:pPr lvl="1"/>
+            <a:r>
+              <a:rPr lang="en-US" sz="1800" dirty="0"/>
+              <a:t>Participant Confidence in their selection</a:t>
+            </a:r>
+          </a:p>
+          <a:p>
+            <a:pPr lvl="1"/>
+            <a:r>
+              <a:rPr lang="en-US" sz="1800" dirty="0"/>
+              <a:t>Deviation between robot’s actual pointing location and participant’s interpretation of the location.</a:t>
+            </a:r>
+          </a:p>
+          <a:p>
+            <a:endParaRPr lang="en-US" dirty="0"/>
+          </a:p>
+        </p:txBody>
+      </p:sp>
+    </p:spTree>
+    <p:extLst>
+      <p:ext uri="{BB962C8B-B14F-4D97-AF65-F5344CB8AC3E}">
+        <p14:creationId xmlns:p14="http://schemas.microsoft.com/office/powerpoint/2010/main" val="3244142601"/>
+      </p:ext>
+    </p:extLst>
+  </p:cSld>
+  <p:clrMapOvr>
+    <a:masterClrMapping/>
+  </p:clrMapOvr>
+</p:sld>
+</file>
+
+<file path=ppt/slides/slide8.xml><?xml version="1.0" encoding="utf-8"?>
 <p:sld xmlns:a="http://schemas.openxmlformats.org/drawingml/2006/main" xmlns:r="http://schemas.openxmlformats.org/officeDocument/2006/relationships" xmlns:p="http://schemas.openxmlformats.org/presentationml/2006/main">
   <p:cSld>
     <p:spTree>
@@ -18738,7 +16195,7 @@
 </p:sld>
 </file>
 
-<file path=ppt/slides/slide8.xml><?xml version="1.0" encoding="utf-8"?>
+<file path=ppt/slides/slide9.xml><?xml version="1.0" encoding="utf-8"?>
 <p:sld xmlns:a="http://schemas.openxmlformats.org/drawingml/2006/main" xmlns:r="http://schemas.openxmlformats.org/officeDocument/2006/relationships" xmlns:p="http://schemas.openxmlformats.org/presentationml/2006/main">
   <p:cSld>
     <p:spTree>
@@ -18992,145 +16449,6 @@
     <p:extLst>
       <p:ext uri="{BB962C8B-B14F-4D97-AF65-F5344CB8AC3E}">
         <p14:creationId xmlns:p14="http://schemas.microsoft.com/office/powerpoint/2010/main" val="3853216191"/>
-      </p:ext>
-    </p:extLst>
-  </p:cSld>
-  <p:clrMapOvr>
-    <a:masterClrMapping/>
-  </p:clrMapOvr>
-</p:sld>
-</file>
-
-<file path=ppt/slides/slide9.xml><?xml version="1.0" encoding="utf-8"?>
-<p:sld xmlns:a="http://schemas.openxmlformats.org/drawingml/2006/main" xmlns:r="http://schemas.openxmlformats.org/officeDocument/2006/relationships" xmlns:p="http://schemas.openxmlformats.org/presentationml/2006/main">
-  <p:cSld>
-    <p:spTree>
-      <p:nvGrpSpPr>
-        <p:cNvPr id="1" name=""/>
-        <p:cNvGrpSpPr/>
-        <p:nvPr/>
-      </p:nvGrpSpPr>
-      <p:grpSpPr>
-        <a:xfrm>
-          <a:off x="0" y="0"/>
-          <a:ext cx="0" cy="0"/>
-          <a:chOff x="0" y="0"/>
-          <a:chExt cx="0" cy="0"/>
-        </a:xfrm>
-      </p:grpSpPr>
-      <p:sp>
-        <p:nvSpPr>
-          <p:cNvPr id="2" name="Title 1">
-            <a:extLst>
-              <a:ext uri="{FF2B5EF4-FFF2-40B4-BE49-F238E27FC236}">
-                <a16:creationId xmlns:a16="http://schemas.microsoft.com/office/drawing/2014/main" id="{911CAB4A-5F12-7D4F-B2E4-59E47AA2A522}"/>
-              </a:ext>
-            </a:extLst>
-          </p:cNvPr>
-          <p:cNvSpPr>
-            <a:spLocks noGrp="1"/>
-          </p:cNvSpPr>
-          <p:nvPr>
-            <p:ph type="title"/>
-          </p:nvPr>
-        </p:nvSpPr>
-        <p:spPr/>
-        <p:txBody>
-          <a:bodyPr/>
-          <a:lstStyle/>
-          <a:p>
-            <a:r>
-              <a:rPr lang="en-US" dirty="0"/>
-              <a:t>What We Learned</a:t>
-            </a:r>
-          </a:p>
-        </p:txBody>
-      </p:sp>
-      <p:sp>
-        <p:nvSpPr>
-          <p:cNvPr id="3" name="Content Placeholder 2">
-            <a:extLst>
-              <a:ext uri="{FF2B5EF4-FFF2-40B4-BE49-F238E27FC236}">
-                <a16:creationId xmlns:a16="http://schemas.microsoft.com/office/drawing/2014/main" id="{5F889957-674F-B747-B37B-1B18BA2ECA64}"/>
-              </a:ext>
-            </a:extLst>
-          </p:cNvPr>
-          <p:cNvSpPr>
-            <a:spLocks noGrp="1"/>
-          </p:cNvSpPr>
-          <p:nvPr>
-            <p:ph idx="1"/>
-          </p:nvPr>
-        </p:nvSpPr>
-        <p:spPr/>
-        <p:txBody>
-          <a:bodyPr/>
-          <a:lstStyle/>
-          <a:p>
-            <a:r>
-              <a:rPr lang="en-US" dirty="0"/>
-              <a:t>Git</a:t>
-            </a:r>
-          </a:p>
-          <a:p>
-            <a:pPr lvl="1"/>
-            <a:r>
-              <a:rPr lang="en-US" dirty="0"/>
-              <a:t>Integration into ROS</a:t>
-            </a:r>
-          </a:p>
-          <a:p>
-            <a:pPr lvl="1"/>
-            <a:r>
-              <a:rPr lang="en-US" dirty="0"/>
-              <a:t>VIM and how to publish</a:t>
-            </a:r>
-          </a:p>
-          <a:p>
-            <a:r>
-              <a:rPr lang="en-US" dirty="0"/>
-              <a:t>ROS</a:t>
-            </a:r>
-          </a:p>
-          <a:p>
-            <a:pPr lvl="1"/>
-            <a:r>
-              <a:rPr lang="en-US" dirty="0"/>
-              <a:t>How to send messages to the arm motors</a:t>
-            </a:r>
-          </a:p>
-          <a:p>
-            <a:pPr lvl="1"/>
-            <a:r>
-              <a:rPr lang="en-US" dirty="0"/>
-              <a:t>Simulation vs. actual arm testing</a:t>
-            </a:r>
-          </a:p>
-          <a:p>
-            <a:pPr lvl="1"/>
-            <a:r>
-              <a:rPr lang="en-US" dirty="0"/>
-              <a:t>Structure of messages</a:t>
-            </a:r>
-          </a:p>
-          <a:p>
-            <a:r>
-              <a:rPr lang="en-US" dirty="0"/>
-              <a:t>Hardware setup</a:t>
-            </a:r>
-          </a:p>
-          <a:p>
-            <a:r>
-              <a:rPr lang="en-US" dirty="0"/>
-              <a:t>The Beauty of Improvisation</a:t>
-            </a:r>
-          </a:p>
-        </p:txBody>
-      </p:sp>
-    </p:spTree>
-    <p:extLst>
-      <p:ext uri="{BB962C8B-B14F-4D97-AF65-F5344CB8AC3E}">
-        <p14:creationId xmlns:p14="http://schemas.microsoft.com/office/powerpoint/2010/main" val="3607730106"/>
       </p:ext>
     </p:extLst>
   </p:cSld>

--- a/Docs/Final Presentation.pptx
+++ b/Docs/Final Presentation.pptx
@@ -12,10 +12,15 @@
     <p:sldId id="260" r:id="rId6"/>
     <p:sldId id="266" r:id="rId7"/>
     <p:sldId id="267" r:id="rId8"/>
-    <p:sldId id="261" r:id="rId9"/>
-    <p:sldId id="263" r:id="rId10"/>
-    <p:sldId id="264" r:id="rId11"/>
-    <p:sldId id="262" r:id="rId12"/>
+    <p:sldId id="272" r:id="rId9"/>
+    <p:sldId id="269" r:id="rId10"/>
+    <p:sldId id="270" r:id="rId11"/>
+    <p:sldId id="271" r:id="rId12"/>
+    <p:sldId id="261" r:id="rId13"/>
+    <p:sldId id="263" r:id="rId14"/>
+    <p:sldId id="273" r:id="rId15"/>
+    <p:sldId id="264" r:id="rId16"/>
+    <p:sldId id="268" r:id="rId17"/>
   </p:sldIdLst>
   <p:sldSz cx="12192000" cy="6858000"/>
   <p:notesSz cx="6858000" cy="9144000"/>
@@ -1904,927 +1909,6 @@
     <dgm:txFillClrLst meth="repeat">
       <a:schemeClr val="dk1"/>
     </dgm:txFillClrLst>
-    <dgm:txEffectClrLst/>
-  </dgm:styleLbl>
-  <dgm:styleLbl name="dkBgShp">
-    <dgm:fillClrLst meth="repeat">
-      <a:schemeClr val="accent2">
-        <a:shade val="90000"/>
-      </a:schemeClr>
-    </dgm:fillClrLst>
-    <dgm:linClrLst meth="repeat">
-      <a:schemeClr val="dk1"/>
-    </dgm:linClrLst>
-    <dgm:effectClrLst/>
-    <dgm:txLinClrLst/>
-    <dgm:txFillClrLst meth="repeat">
-      <a:schemeClr val="lt1"/>
-    </dgm:txFillClrLst>
-    <dgm:txEffectClrLst/>
-  </dgm:styleLbl>
-  <dgm:styleLbl name="trBgShp">
-    <dgm:fillClrLst meth="repeat">
-      <a:schemeClr val="accent1">
-        <a:tint val="50000"/>
-        <a:alpha val="40000"/>
-      </a:schemeClr>
-    </dgm:fillClrLst>
-    <dgm:linClrLst meth="repeat">
-      <a:schemeClr val="accent2"/>
-    </dgm:linClrLst>
-    <dgm:effectClrLst/>
-    <dgm:txLinClrLst/>
-    <dgm:txFillClrLst meth="repeat">
-      <a:schemeClr val="lt1"/>
-    </dgm:txFillClrLst>
-    <dgm:txEffectClrLst/>
-  </dgm:styleLbl>
-  <dgm:styleLbl name="fgShp">
-    <dgm:fillClrLst meth="repeat">
-      <a:schemeClr val="accent2">
-        <a:tint val="40000"/>
-      </a:schemeClr>
-    </dgm:fillClrLst>
-    <dgm:linClrLst meth="repeat">
-      <a:schemeClr val="lt1"/>
-    </dgm:linClrLst>
-    <dgm:effectClrLst/>
-    <dgm:txLinClrLst/>
-    <dgm:txFillClrLst meth="repeat">
-      <a:schemeClr val="dk1"/>
-    </dgm:txFillClrLst>
-    <dgm:txEffectClrLst/>
-  </dgm:styleLbl>
-  <dgm:styleLbl name="revTx">
-    <dgm:fillClrLst meth="repeat">
-      <a:schemeClr val="lt1">
-        <a:alpha val="0"/>
-      </a:schemeClr>
-    </dgm:fillClrLst>
-    <dgm:linClrLst meth="repeat">
-      <a:schemeClr val="dk1">
-        <a:alpha val="0"/>
-      </a:schemeClr>
-    </dgm:linClrLst>
-    <dgm:effectClrLst/>
-    <dgm:txLinClrLst/>
-    <dgm:txFillClrLst meth="repeat">
-      <a:schemeClr val="tx1"/>
-    </dgm:txFillClrLst>
-    <dgm:txEffectClrLst/>
-  </dgm:styleLbl>
-</dgm:colorsDef>
-</file>
-
-<file path=ppt/diagrams/colors3.xml><?xml version="1.0" encoding="utf-8"?>
-<dgm:colorsDef xmlns:dgm="http://schemas.openxmlformats.org/drawingml/2006/diagram" xmlns:a="http://schemas.openxmlformats.org/drawingml/2006/main" uniqueId="urn:microsoft.com/office/officeart/2018/5/colors/Iconchunking_neutralicon_colorful1">
-  <dgm:title val=""/>
-  <dgm:desc val=""/>
-  <dgm:catLst>
-    <dgm:cat type="colorful" pri="10100"/>
-  </dgm:catLst>
-  <dgm:styleLbl name="node0">
-    <dgm:fillClrLst meth="repeat">
-      <a:schemeClr val="accent1"/>
-    </dgm:fillClrLst>
-    <dgm:linClrLst meth="repeat">
-      <a:schemeClr val="lt1"/>
-    </dgm:linClrLst>
-    <dgm:effectClrLst/>
-    <dgm:txLinClrLst/>
-    <dgm:txFillClrLst/>
-    <dgm:txEffectClrLst/>
-  </dgm:styleLbl>
-  <dgm:styleLbl name="node1">
-    <dgm:fillClrLst meth="repeat">
-      <a:schemeClr val="bg1"/>
-    </dgm:fillClrLst>
-    <dgm:linClrLst meth="repeat">
-      <a:schemeClr val="lt1">
-        <a:alpha val="0"/>
-      </a:schemeClr>
-    </dgm:linClrLst>
-    <dgm:effectClrLst/>
-    <dgm:txLinClrLst/>
-    <dgm:txFillClrLst meth="repeat">
-      <a:schemeClr val="dk1"/>
-    </dgm:txFillClrLst>
-    <dgm:txEffectClrLst/>
-  </dgm:styleLbl>
-  <dgm:styleLbl name="alignNode1">
-    <dgm:fillClrLst meth="repeat">
-      <a:schemeClr val="accent2"/>
-      <a:schemeClr val="accent3"/>
-      <a:schemeClr val="accent4"/>
-      <a:schemeClr val="accent5"/>
-      <a:schemeClr val="accent6"/>
-    </dgm:fillClrLst>
-    <dgm:linClrLst meth="repeat">
-      <a:schemeClr val="accent2"/>
-      <a:schemeClr val="accent3"/>
-      <a:schemeClr val="accent4"/>
-      <a:schemeClr val="accent5"/>
-      <a:schemeClr val="accent6"/>
-    </dgm:linClrLst>
-    <dgm:effectClrLst/>
-    <dgm:txLinClrLst/>
-    <dgm:txFillClrLst/>
-    <dgm:txEffectClrLst/>
-  </dgm:styleLbl>
-  <dgm:styleLbl name="lnNode1">
-    <dgm:fillClrLst meth="repeat">
-      <a:schemeClr val="accent2"/>
-      <a:schemeClr val="accent3"/>
-      <a:schemeClr val="accent4"/>
-      <a:schemeClr val="accent5"/>
-      <a:schemeClr val="accent6"/>
-    </dgm:fillClrLst>
-    <dgm:linClrLst meth="repeat">
-      <a:schemeClr val="lt1"/>
-    </dgm:linClrLst>
-    <dgm:effectClrLst/>
-    <dgm:txLinClrLst/>
-    <dgm:txFillClrLst/>
-    <dgm:txEffectClrLst/>
-  </dgm:styleLbl>
-  <dgm:styleLbl name="vennNode1">
-    <dgm:fillClrLst meth="repeat">
-      <a:schemeClr val="accent2">
-        <a:alpha val="50000"/>
-      </a:schemeClr>
-      <a:schemeClr val="accent3">
-        <a:alpha val="50000"/>
-      </a:schemeClr>
-      <a:schemeClr val="accent4">
-        <a:alpha val="50000"/>
-      </a:schemeClr>
-      <a:schemeClr val="accent5">
-        <a:alpha val="50000"/>
-      </a:schemeClr>
-      <a:schemeClr val="accent6">
-        <a:alpha val="50000"/>
-      </a:schemeClr>
-    </dgm:fillClrLst>
-    <dgm:linClrLst meth="repeat">
-      <a:schemeClr val="lt1"/>
-    </dgm:linClrLst>
-    <dgm:effectClrLst/>
-    <dgm:txLinClrLst/>
-    <dgm:txFillClrLst/>
-    <dgm:txEffectClrLst/>
-  </dgm:styleLbl>
-  <dgm:styleLbl name="node2">
-    <dgm:fillClrLst>
-      <a:schemeClr val="accent2"/>
-    </dgm:fillClrLst>
-    <dgm:linClrLst meth="repeat">
-      <a:schemeClr val="lt1"/>
-    </dgm:linClrLst>
-    <dgm:effectClrLst/>
-    <dgm:txLinClrLst/>
-    <dgm:txFillClrLst/>
-    <dgm:txEffectClrLst/>
-  </dgm:styleLbl>
-  <dgm:styleLbl name="node3">
-    <dgm:fillClrLst>
-      <a:schemeClr val="accent3"/>
-    </dgm:fillClrLst>
-    <dgm:linClrLst meth="repeat">
-      <a:schemeClr val="lt1"/>
-    </dgm:linClrLst>
-    <dgm:effectClrLst/>
-    <dgm:txLinClrLst/>
-    <dgm:txFillClrLst/>
-    <dgm:txEffectClrLst/>
-  </dgm:styleLbl>
-  <dgm:styleLbl name="node4">
-    <dgm:fillClrLst>
-      <a:schemeClr val="accent4"/>
-    </dgm:fillClrLst>
-    <dgm:linClrLst meth="repeat">
-      <a:schemeClr val="lt1"/>
-    </dgm:linClrLst>
-    <dgm:effectClrLst/>
-    <dgm:txLinClrLst/>
-    <dgm:txFillClrLst/>
-    <dgm:txEffectClrLst/>
-  </dgm:styleLbl>
-  <dgm:styleLbl name="fgImgPlace1">
-    <dgm:fillClrLst meth="repeat">
-      <a:schemeClr val="accent2">
-        <a:tint val="50000"/>
-      </a:schemeClr>
-      <a:schemeClr val="accent3">
-        <a:tint val="50000"/>
-      </a:schemeClr>
-      <a:schemeClr val="accent4">
-        <a:tint val="50000"/>
-      </a:schemeClr>
-      <a:schemeClr val="accent5">
-        <a:tint val="50000"/>
-      </a:schemeClr>
-      <a:schemeClr val="accent6">
-        <a:tint val="50000"/>
-      </a:schemeClr>
-    </dgm:fillClrLst>
-    <dgm:linClrLst meth="repeat">
-      <a:schemeClr val="lt1"/>
-    </dgm:linClrLst>
-    <dgm:effectClrLst/>
-    <dgm:txLinClrLst/>
-    <dgm:txFillClrLst meth="repeat">
-      <a:schemeClr val="lt1"/>
-    </dgm:txFillClrLst>
-    <dgm:txEffectClrLst/>
-  </dgm:styleLbl>
-  <dgm:styleLbl name="alignImgPlace1">
-    <dgm:fillClrLst>
-      <a:schemeClr val="accent1">
-        <a:tint val="50000"/>
-      </a:schemeClr>
-      <a:schemeClr val="accent2">
-        <a:tint val="20000"/>
-      </a:schemeClr>
-    </dgm:fillClrLst>
-    <dgm:linClrLst meth="repeat">
-      <a:schemeClr val="lt1"/>
-    </dgm:linClrLst>
-    <dgm:effectClrLst/>
-    <dgm:txLinClrLst/>
-    <dgm:txFillClrLst meth="repeat">
-      <a:schemeClr val="lt1"/>
-    </dgm:txFillClrLst>
-    <dgm:txEffectClrLst/>
-  </dgm:styleLbl>
-  <dgm:styleLbl name="bgImgPlace1">
-    <dgm:fillClrLst>
-      <a:schemeClr val="accent1">
-        <a:tint val="50000"/>
-      </a:schemeClr>
-      <a:schemeClr val="accent2">
-        <a:tint val="20000"/>
-      </a:schemeClr>
-    </dgm:fillClrLst>
-    <dgm:linClrLst meth="repeat">
-      <a:schemeClr val="lt1"/>
-    </dgm:linClrLst>
-    <dgm:effectClrLst/>
-    <dgm:txLinClrLst/>
-    <dgm:txFillClrLst meth="repeat">
-      <a:schemeClr val="lt1"/>
-    </dgm:txFillClrLst>
-    <dgm:txEffectClrLst/>
-  </dgm:styleLbl>
-  <dgm:styleLbl name="sibTrans2D1">
-    <dgm:fillClrLst meth="repeat">
-      <a:schemeClr val="accent2"/>
-      <a:schemeClr val="accent3"/>
-      <a:schemeClr val="accent4"/>
-      <a:schemeClr val="accent5"/>
-      <a:schemeClr val="accent6"/>
-    </dgm:fillClrLst>
-    <dgm:linClrLst meth="cycle">
-      <a:schemeClr val="lt1"/>
-    </dgm:linClrLst>
-    <dgm:effectClrLst/>
-    <dgm:txLinClrLst/>
-    <dgm:txFillClrLst/>
-    <dgm:txEffectClrLst/>
-  </dgm:styleLbl>
-  <dgm:styleLbl name="fgSibTrans2D1">
-    <dgm:fillClrLst meth="repeat">
-      <a:schemeClr val="accent2"/>
-      <a:schemeClr val="accent3"/>
-      <a:schemeClr val="accent4"/>
-      <a:schemeClr val="accent5"/>
-      <a:schemeClr val="accent6"/>
-    </dgm:fillClrLst>
-    <dgm:linClrLst meth="cycle">
-      <a:schemeClr val="lt1"/>
-    </dgm:linClrLst>
-    <dgm:effectClrLst/>
-    <dgm:txLinClrLst/>
-    <dgm:txFillClrLst meth="repeat">
-      <a:schemeClr val="lt1"/>
-    </dgm:txFillClrLst>
-    <dgm:txEffectClrLst/>
-  </dgm:styleLbl>
-  <dgm:styleLbl name="bgSibTrans2D1">
-    <dgm:fillClrLst meth="repeat">
-      <a:schemeClr val="accent2"/>
-      <a:schemeClr val="accent3"/>
-      <a:schemeClr val="accent4"/>
-      <a:schemeClr val="accent5"/>
-      <a:schemeClr val="accent6"/>
-    </dgm:fillClrLst>
-    <dgm:linClrLst meth="cycle">
-      <a:schemeClr val="lt1"/>
-    </dgm:linClrLst>
-    <dgm:effectClrLst/>
-    <dgm:txLinClrLst/>
-    <dgm:txFillClrLst meth="repeat">
-      <a:schemeClr val="lt1"/>
-    </dgm:txFillClrLst>
-    <dgm:txEffectClrLst/>
-  </dgm:styleLbl>
-  <dgm:styleLbl name="sibTrans1D1">
-    <dgm:fillClrLst meth="repeat">
-      <a:schemeClr val="accent2"/>
-      <a:schemeClr val="accent3"/>
-      <a:schemeClr val="accent4"/>
-      <a:schemeClr val="accent5"/>
-      <a:schemeClr val="accent6"/>
-    </dgm:fillClrLst>
-    <dgm:linClrLst meth="repeat">
-      <a:schemeClr val="accent2"/>
-      <a:schemeClr val="accent3"/>
-      <a:schemeClr val="accent4"/>
-      <a:schemeClr val="accent5"/>
-      <a:schemeClr val="accent6"/>
-    </dgm:linClrLst>
-    <dgm:effectClrLst/>
-    <dgm:txLinClrLst/>
-    <dgm:txFillClrLst meth="repeat">
-      <a:schemeClr val="tx1"/>
-    </dgm:txFillClrLst>
-    <dgm:txEffectClrLst/>
-  </dgm:styleLbl>
-  <dgm:styleLbl name="callout">
-    <dgm:fillClrLst meth="repeat">
-      <a:schemeClr val="accent2"/>
-    </dgm:fillClrLst>
-    <dgm:linClrLst meth="repeat">
-      <a:schemeClr val="accent2">
-        <a:tint val="50000"/>
-      </a:schemeClr>
-    </dgm:linClrLst>
-    <dgm:effectClrLst/>
-    <dgm:txLinClrLst/>
-    <dgm:txFillClrLst meth="repeat">
-      <a:schemeClr val="tx1"/>
-    </dgm:txFillClrLst>
-    <dgm:txEffectClrLst/>
-  </dgm:styleLbl>
-  <dgm:styleLbl name="asst0">
-    <dgm:fillClrLst meth="repeat">
-      <a:schemeClr val="accent1"/>
-    </dgm:fillClrLst>
-    <dgm:linClrLst meth="repeat">
-      <a:schemeClr val="lt1"/>
-    </dgm:linClrLst>
-    <dgm:effectClrLst/>
-    <dgm:txLinClrLst/>
-    <dgm:txFillClrLst/>
-    <dgm:txEffectClrLst/>
-  </dgm:styleLbl>
-  <dgm:styleLbl name="asst1">
-    <dgm:fillClrLst meth="repeat">
-      <a:schemeClr val="accent2"/>
-    </dgm:fillClrLst>
-    <dgm:linClrLst meth="repeat">
-      <a:schemeClr val="lt1"/>
-    </dgm:linClrLst>
-    <dgm:effectClrLst/>
-    <dgm:txLinClrLst/>
-    <dgm:txFillClrLst/>
-    <dgm:txEffectClrLst/>
-  </dgm:styleLbl>
-  <dgm:styleLbl name="asst2">
-    <dgm:fillClrLst>
-      <a:schemeClr val="accent3"/>
-    </dgm:fillClrLst>
-    <dgm:linClrLst meth="repeat">
-      <a:schemeClr val="lt1"/>
-    </dgm:linClrLst>
-    <dgm:effectClrLst/>
-    <dgm:txLinClrLst/>
-    <dgm:txFillClrLst/>
-    <dgm:txEffectClrLst/>
-  </dgm:styleLbl>
-  <dgm:styleLbl name="asst3">
-    <dgm:fillClrLst>
-      <a:schemeClr val="accent4"/>
-    </dgm:fillClrLst>
-    <dgm:linClrLst meth="repeat">
-      <a:schemeClr val="lt1"/>
-    </dgm:linClrLst>
-    <dgm:effectClrLst/>
-    <dgm:txLinClrLst/>
-    <dgm:txFillClrLst/>
-    <dgm:txEffectClrLst/>
-  </dgm:styleLbl>
-  <dgm:styleLbl name="asst4">
-    <dgm:fillClrLst>
-      <a:schemeClr val="accent5"/>
-    </dgm:fillClrLst>
-    <dgm:linClrLst meth="repeat">
-      <a:schemeClr val="lt1"/>
-    </dgm:linClrLst>
-    <dgm:effectClrLst/>
-    <dgm:txLinClrLst/>
-    <dgm:txFillClrLst/>
-    <dgm:txEffectClrLst/>
-  </dgm:styleLbl>
-  <dgm:styleLbl name="parChTrans2D1">
-    <dgm:fillClrLst meth="repeat">
-      <a:schemeClr val="accent2"/>
-    </dgm:fillClrLst>
-    <dgm:linClrLst meth="repeat">
-      <a:schemeClr val="lt1"/>
-    </dgm:linClrLst>
-    <dgm:effectClrLst/>
-    <dgm:txLinClrLst/>
-    <dgm:txFillClrLst meth="repeat">
-      <a:schemeClr val="lt1"/>
-    </dgm:txFillClrLst>
-    <dgm:txEffectClrLst/>
-  </dgm:styleLbl>
-  <dgm:styleLbl name="parChTrans2D2">
-    <dgm:fillClrLst meth="repeat">
-      <a:schemeClr val="accent3"/>
-    </dgm:fillClrLst>
-    <dgm:linClrLst meth="repeat">
-      <a:schemeClr val="lt1"/>
-    </dgm:linClrLst>
-    <dgm:effectClrLst/>
-    <dgm:txLinClrLst/>
-    <dgm:txFillClrLst/>
-    <dgm:txEffectClrLst/>
-  </dgm:styleLbl>
-  <dgm:styleLbl name="parChTrans2D3">
-    <dgm:fillClrLst meth="repeat">
-      <a:schemeClr val="accent4"/>
-    </dgm:fillClrLst>
-    <dgm:linClrLst meth="repeat">
-      <a:schemeClr val="lt1"/>
-    </dgm:linClrLst>
-    <dgm:effectClrLst/>
-    <dgm:txLinClrLst/>
-    <dgm:txFillClrLst/>
-    <dgm:txEffectClrLst/>
-  </dgm:styleLbl>
-  <dgm:styleLbl name="parChTrans2D4">
-    <dgm:fillClrLst meth="repeat">
-      <a:schemeClr val="accent5"/>
-    </dgm:fillClrLst>
-    <dgm:linClrLst meth="repeat">
-      <a:schemeClr val="lt1"/>
-    </dgm:linClrLst>
-    <dgm:effectClrLst/>
-    <dgm:txLinClrLst/>
-    <dgm:txFillClrLst meth="repeat">
-      <a:schemeClr val="lt1"/>
-    </dgm:txFillClrLst>
-    <dgm:txEffectClrLst/>
-  </dgm:styleLbl>
-  <dgm:styleLbl name="parChTrans1D1">
-    <dgm:fillClrLst meth="repeat">
-      <a:schemeClr val="accent2"/>
-    </dgm:fillClrLst>
-    <dgm:linClrLst meth="repeat">
-      <a:schemeClr val="accent1"/>
-    </dgm:linClrLst>
-    <dgm:effectClrLst/>
-    <dgm:txLinClrLst/>
-    <dgm:txFillClrLst meth="repeat">
-      <a:schemeClr val="tx1"/>
-    </dgm:txFillClrLst>
-    <dgm:txEffectClrLst/>
-  </dgm:styleLbl>
-  <dgm:styleLbl name="parChTrans1D2">
-    <dgm:fillClrLst meth="repeat">
-      <a:schemeClr val="accent3">
-        <a:tint val="90000"/>
-      </a:schemeClr>
-    </dgm:fillClrLst>
-    <dgm:linClrLst meth="repeat">
-      <a:schemeClr val="accent2"/>
-    </dgm:linClrLst>
-    <dgm:effectClrLst/>
-    <dgm:txLinClrLst/>
-    <dgm:txFillClrLst meth="repeat">
-      <a:schemeClr val="tx1"/>
-    </dgm:txFillClrLst>
-    <dgm:txEffectClrLst/>
-  </dgm:styleLbl>
-  <dgm:styleLbl name="parChTrans1D3">
-    <dgm:fillClrLst meth="repeat">
-      <a:schemeClr val="accent4">
-        <a:tint val="70000"/>
-      </a:schemeClr>
-    </dgm:fillClrLst>
-    <dgm:linClrLst meth="repeat">
-      <a:schemeClr val="accent3"/>
-    </dgm:linClrLst>
-    <dgm:effectClrLst/>
-    <dgm:txLinClrLst/>
-    <dgm:txFillClrLst meth="repeat">
-      <a:schemeClr val="tx1"/>
-    </dgm:txFillClrLst>
-    <dgm:txEffectClrLst/>
-  </dgm:styleLbl>
-  <dgm:styleLbl name="parChTrans1D4">
-    <dgm:fillClrLst meth="repeat">
-      <a:schemeClr val="accent5">
-        <a:tint val="50000"/>
-      </a:schemeClr>
-    </dgm:fillClrLst>
-    <dgm:linClrLst meth="repeat">
-      <a:schemeClr val="accent4"/>
-    </dgm:linClrLst>
-    <dgm:effectClrLst/>
-    <dgm:txLinClrLst/>
-    <dgm:txFillClrLst meth="repeat">
-      <a:schemeClr val="tx1"/>
-    </dgm:txFillClrLst>
-    <dgm:txEffectClrLst/>
-  </dgm:styleLbl>
-  <dgm:styleLbl name="fgAcc1">
-    <dgm:fillClrLst meth="repeat">
-      <a:schemeClr val="lt1">
-        <a:alpha val="90000"/>
-      </a:schemeClr>
-    </dgm:fillClrLst>
-    <dgm:linClrLst meth="repeat">
-      <a:schemeClr val="accent2"/>
-      <a:schemeClr val="accent3"/>
-      <a:schemeClr val="accent4"/>
-      <a:schemeClr val="accent5"/>
-      <a:schemeClr val="accent6"/>
-    </dgm:linClrLst>
-    <dgm:effectClrLst/>
-    <dgm:txLinClrLst/>
-    <dgm:txFillClrLst meth="repeat">
-      <a:schemeClr val="dk1"/>
-    </dgm:txFillClrLst>
-    <dgm:txEffectClrLst/>
-  </dgm:styleLbl>
-  <dgm:styleLbl name="conFgAcc1">
-    <dgm:fillClrLst meth="repeat">
-      <a:schemeClr val="lt1">
-        <a:alpha val="90000"/>
-      </a:schemeClr>
-    </dgm:fillClrLst>
-    <dgm:linClrLst meth="repeat">
-      <a:schemeClr val="accent2"/>
-      <a:schemeClr val="accent3"/>
-      <a:schemeClr val="accent4"/>
-      <a:schemeClr val="accent5"/>
-      <a:schemeClr val="accent6"/>
-    </dgm:linClrLst>
-    <dgm:effectClrLst/>
-    <dgm:txLinClrLst/>
-    <dgm:txFillClrLst meth="repeat">
-      <a:schemeClr val="dk1"/>
-    </dgm:txFillClrLst>
-    <dgm:txEffectClrLst/>
-  </dgm:styleLbl>
-  <dgm:styleLbl name="alignAcc1">
-    <dgm:fillClrLst meth="repeat">
-      <a:schemeClr val="lt1">
-        <a:alpha val="90000"/>
-      </a:schemeClr>
-    </dgm:fillClrLst>
-    <dgm:linClrLst meth="repeat">
-      <a:schemeClr val="accent2"/>
-      <a:schemeClr val="accent3"/>
-      <a:schemeClr val="accent4"/>
-      <a:schemeClr val="accent5"/>
-      <a:schemeClr val="accent6"/>
-    </dgm:linClrLst>
-    <dgm:effectClrLst/>
-    <dgm:txLinClrLst/>
-    <dgm:txFillClrLst meth="repeat">
-      <a:schemeClr val="dk1"/>
-    </dgm:txFillClrLst>
-    <dgm:txEffectClrLst/>
-  </dgm:styleLbl>
-  <dgm:styleLbl name="trAlignAcc1">
-    <dgm:fillClrLst meth="repeat">
-      <a:schemeClr val="lt1">
-        <a:alpha val="40000"/>
-      </a:schemeClr>
-    </dgm:fillClrLst>
-    <dgm:linClrLst meth="repeat">
-      <a:schemeClr val="accent1"/>
-    </dgm:linClrLst>
-    <dgm:effectClrLst/>
-    <dgm:txLinClrLst/>
-    <dgm:txFillClrLst meth="repeat">
-      <a:schemeClr val="dk1"/>
-    </dgm:txFillClrLst>
-    <dgm:txEffectClrLst/>
-  </dgm:styleLbl>
-  <dgm:styleLbl name="bgAcc1">
-    <dgm:fillClrLst meth="repeat">
-      <a:schemeClr val="lt1">
-        <a:alpha val="90000"/>
-      </a:schemeClr>
-    </dgm:fillClrLst>
-    <dgm:linClrLst meth="repeat">
-      <a:schemeClr val="accent2"/>
-      <a:schemeClr val="accent3"/>
-      <a:schemeClr val="accent4"/>
-      <a:schemeClr val="accent5"/>
-      <a:schemeClr val="accent6"/>
-    </dgm:linClrLst>
-    <dgm:effectClrLst/>
-    <dgm:txLinClrLst/>
-    <dgm:txFillClrLst meth="repeat">
-      <a:schemeClr val="dk1"/>
-    </dgm:txFillClrLst>
-    <dgm:txEffectClrLst/>
-  </dgm:styleLbl>
-  <dgm:styleLbl name="solidFgAcc1">
-    <dgm:fillClrLst meth="repeat">
-      <a:schemeClr val="lt1"/>
-    </dgm:fillClrLst>
-    <dgm:linClrLst meth="repeat">
-      <a:schemeClr val="accent2"/>
-      <a:schemeClr val="accent3"/>
-      <a:schemeClr val="accent4"/>
-      <a:schemeClr val="accent5"/>
-      <a:schemeClr val="accent6"/>
-    </dgm:linClrLst>
-    <dgm:effectClrLst/>
-    <dgm:txLinClrLst/>
-    <dgm:txFillClrLst meth="repeat">
-      <a:schemeClr val="dk1"/>
-    </dgm:txFillClrLst>
-    <dgm:txEffectClrLst/>
-  </dgm:styleLbl>
-  <dgm:styleLbl name="solidAlignAcc1">
-    <dgm:fillClrLst meth="repeat">
-      <a:schemeClr val="lt1"/>
-    </dgm:fillClrLst>
-    <dgm:linClrLst meth="repeat">
-      <a:schemeClr val="accent2"/>
-      <a:schemeClr val="accent3"/>
-      <a:schemeClr val="accent4"/>
-      <a:schemeClr val="accent5"/>
-      <a:schemeClr val="accent6"/>
-    </dgm:linClrLst>
-    <dgm:effectClrLst/>
-    <dgm:txLinClrLst/>
-    <dgm:txFillClrLst meth="repeat">
-      <a:schemeClr val="dk1"/>
-    </dgm:txFillClrLst>
-    <dgm:txEffectClrLst/>
-  </dgm:styleLbl>
-  <dgm:styleLbl name="solidBgAcc1">
-    <dgm:fillClrLst meth="repeat">
-      <a:schemeClr val="lt1"/>
-    </dgm:fillClrLst>
-    <dgm:linClrLst meth="repeat">
-      <a:schemeClr val="accent2"/>
-      <a:schemeClr val="accent3"/>
-      <a:schemeClr val="accent4"/>
-      <a:schemeClr val="accent5"/>
-      <a:schemeClr val="accent6"/>
-    </dgm:linClrLst>
-    <dgm:effectClrLst/>
-    <dgm:txLinClrLst/>
-    <dgm:txFillClrLst meth="repeat">
-      <a:schemeClr val="dk1"/>
-    </dgm:txFillClrLst>
-    <dgm:txEffectClrLst/>
-  </dgm:styleLbl>
-  <dgm:styleLbl name="fgAccFollowNode1">
-    <dgm:fillClrLst meth="repeat">
-      <a:schemeClr val="accent2">
-        <a:tint val="40000"/>
-        <a:alpha val="90000"/>
-      </a:schemeClr>
-      <a:schemeClr val="accent3">
-        <a:tint val="40000"/>
-        <a:alpha val="90000"/>
-      </a:schemeClr>
-      <a:schemeClr val="accent4">
-        <a:tint val="40000"/>
-        <a:alpha val="90000"/>
-      </a:schemeClr>
-      <a:schemeClr val="accent5">
-        <a:tint val="40000"/>
-        <a:alpha val="90000"/>
-      </a:schemeClr>
-      <a:schemeClr val="accent6">
-        <a:tint val="40000"/>
-        <a:alpha val="90000"/>
-      </a:schemeClr>
-    </dgm:fillClrLst>
-    <dgm:linClrLst meth="repeat">
-      <a:schemeClr val="accent2">
-        <a:tint val="40000"/>
-        <a:alpha val="90000"/>
-      </a:schemeClr>
-      <a:schemeClr val="accent3">
-        <a:tint val="40000"/>
-        <a:alpha val="90000"/>
-      </a:schemeClr>
-      <a:schemeClr val="accent4">
-        <a:tint val="40000"/>
-        <a:alpha val="90000"/>
-      </a:schemeClr>
-      <a:schemeClr val="accent5">
-        <a:tint val="40000"/>
-        <a:alpha val="90000"/>
-      </a:schemeClr>
-      <a:schemeClr val="accent6">
-        <a:tint val="40000"/>
-        <a:alpha val="90000"/>
-      </a:schemeClr>
-    </dgm:linClrLst>
-    <dgm:effectClrLst/>
-    <dgm:txLinClrLst/>
-    <dgm:txFillClrLst meth="repeat">
-      <a:schemeClr val="dk1"/>
-    </dgm:txFillClrLst>
-    <dgm:txEffectClrLst/>
-  </dgm:styleLbl>
-  <dgm:styleLbl name="alignAccFollowNode1">
-    <dgm:fillClrLst meth="repeat">
-      <a:schemeClr val="accent2">
-        <a:tint val="40000"/>
-        <a:alpha val="90000"/>
-      </a:schemeClr>
-      <a:schemeClr val="accent3">
-        <a:tint val="40000"/>
-        <a:alpha val="90000"/>
-      </a:schemeClr>
-      <a:schemeClr val="accent4">
-        <a:tint val="40000"/>
-        <a:alpha val="90000"/>
-      </a:schemeClr>
-      <a:schemeClr val="accent5">
-        <a:tint val="40000"/>
-        <a:alpha val="90000"/>
-      </a:schemeClr>
-      <a:schemeClr val="accent6">
-        <a:tint val="40000"/>
-        <a:alpha val="90000"/>
-      </a:schemeClr>
-    </dgm:fillClrLst>
-    <dgm:linClrLst meth="repeat">
-      <a:schemeClr val="accent2">
-        <a:tint val="40000"/>
-        <a:alpha val="90000"/>
-      </a:schemeClr>
-      <a:schemeClr val="accent3">
-        <a:tint val="40000"/>
-        <a:alpha val="90000"/>
-      </a:schemeClr>
-      <a:schemeClr val="accent4">
-        <a:tint val="40000"/>
-        <a:alpha val="90000"/>
-      </a:schemeClr>
-      <a:schemeClr val="accent5">
-        <a:tint val="40000"/>
-        <a:alpha val="90000"/>
-      </a:schemeClr>
-      <a:schemeClr val="accent6">
-        <a:tint val="40000"/>
-        <a:alpha val="90000"/>
-      </a:schemeClr>
-    </dgm:linClrLst>
-    <dgm:effectClrLst/>
-    <dgm:txLinClrLst/>
-    <dgm:txFillClrLst meth="repeat">
-      <a:schemeClr val="dk1"/>
-    </dgm:txFillClrLst>
-    <dgm:txEffectClrLst/>
-  </dgm:styleLbl>
-  <dgm:styleLbl name="bgAccFollowNode1">
-    <dgm:fillClrLst meth="repeat">
-      <a:schemeClr val="accent2">
-        <a:tint val="40000"/>
-        <a:alpha val="90000"/>
-      </a:schemeClr>
-      <a:schemeClr val="accent3">
-        <a:tint val="40000"/>
-        <a:alpha val="90000"/>
-      </a:schemeClr>
-      <a:schemeClr val="accent4">
-        <a:tint val="40000"/>
-        <a:alpha val="90000"/>
-      </a:schemeClr>
-      <a:schemeClr val="accent5">
-        <a:tint val="40000"/>
-        <a:alpha val="90000"/>
-      </a:schemeClr>
-      <a:schemeClr val="accent6">
-        <a:tint val="40000"/>
-        <a:alpha val="90000"/>
-      </a:schemeClr>
-    </dgm:fillClrLst>
-    <dgm:linClrLst meth="repeat">
-      <a:schemeClr val="accent2">
-        <a:tint val="40000"/>
-        <a:alpha val="90000"/>
-      </a:schemeClr>
-      <a:schemeClr val="accent3">
-        <a:tint val="40000"/>
-        <a:alpha val="90000"/>
-      </a:schemeClr>
-      <a:schemeClr val="accent4">
-        <a:tint val="40000"/>
-        <a:alpha val="90000"/>
-      </a:schemeClr>
-      <a:schemeClr val="accent5">
-        <a:tint val="40000"/>
-        <a:alpha val="90000"/>
-      </a:schemeClr>
-      <a:schemeClr val="accent6">
-        <a:tint val="40000"/>
-        <a:alpha val="90000"/>
-      </a:schemeClr>
-    </dgm:linClrLst>
-    <dgm:effectClrLst/>
-    <dgm:txLinClrLst/>
-    <dgm:txFillClrLst meth="repeat">
-      <a:schemeClr val="dk1"/>
-    </dgm:txFillClrLst>
-    <dgm:txEffectClrLst/>
-  </dgm:styleLbl>
-  <dgm:styleLbl name="fgAcc0">
-    <dgm:fillClrLst meth="repeat">
-      <a:schemeClr val="lt1">
-        <a:alpha val="90000"/>
-      </a:schemeClr>
-    </dgm:fillClrLst>
-    <dgm:linClrLst>
-      <a:schemeClr val="accent1"/>
-    </dgm:linClrLst>
-    <dgm:effectClrLst/>
-    <dgm:txLinClrLst/>
-    <dgm:txFillClrLst meth="repeat">
-      <a:schemeClr val="dk1"/>
-    </dgm:txFillClrLst>
-    <dgm:txEffectClrLst/>
-  </dgm:styleLbl>
-  <dgm:styleLbl name="fgAcc2">
-    <dgm:fillClrLst meth="repeat">
-      <a:schemeClr val="lt1">
-        <a:alpha val="90000"/>
-      </a:schemeClr>
-    </dgm:fillClrLst>
-    <dgm:linClrLst>
-      <a:schemeClr val="accent2"/>
-    </dgm:linClrLst>
-    <dgm:effectClrLst/>
-    <dgm:txLinClrLst/>
-    <dgm:txFillClrLst meth="repeat">
-      <a:schemeClr val="dk1"/>
-    </dgm:txFillClrLst>
-    <dgm:txEffectClrLst/>
-  </dgm:styleLbl>
-  <dgm:styleLbl name="fgAcc3">
-    <dgm:fillClrLst meth="repeat">
-      <a:schemeClr val="lt1">
-        <a:alpha val="90000"/>
-      </a:schemeClr>
-    </dgm:fillClrLst>
-    <dgm:linClrLst>
-      <a:schemeClr val="accent3"/>
-    </dgm:linClrLst>
-    <dgm:effectClrLst/>
-    <dgm:txLinClrLst/>
-    <dgm:txFillClrLst meth="repeat">
-      <a:schemeClr val="dk1"/>
-    </dgm:txFillClrLst>
-    <dgm:txEffectClrLst/>
-  </dgm:styleLbl>
-  <dgm:styleLbl name="fgAcc4">
-    <dgm:fillClrLst meth="repeat">
-      <a:schemeClr val="lt1">
-        <a:alpha val="90000"/>
-      </a:schemeClr>
-    </dgm:fillClrLst>
-    <dgm:linClrLst>
-      <a:schemeClr val="accent4"/>
-    </dgm:linClrLst>
-    <dgm:effectClrLst/>
-    <dgm:txLinClrLst/>
-    <dgm:txFillClrLst meth="repeat">
-      <a:schemeClr val="dk1"/>
-    </dgm:txFillClrLst>
-    <dgm:txEffectClrLst/>
-  </dgm:styleLbl>
-  <dgm:styleLbl name="bgShp">
-    <dgm:fillClrLst meth="repeat">
-      <a:schemeClr val="accent2"/>
-      <a:schemeClr val="accent3"/>
-      <a:schemeClr val="accent4"/>
-      <a:schemeClr val="accent5"/>
-      <a:schemeClr val="accent6"/>
-    </dgm:fillClrLst>
-    <dgm:linClrLst meth="repeat">
-      <a:schemeClr val="lt1">
-        <a:alpha val="0"/>
-      </a:schemeClr>
-    </dgm:linClrLst>
-    <dgm:effectClrLst/>
-    <dgm:txLinClrLst/>
-    <dgm:txFillClrLst/>
     <dgm:txEffectClrLst/>
   </dgm:styleLbl>
   <dgm:styleLbl name="dkBgShp">
@@ -3363,8 +2447,8 @@
         <a:lstStyle/>
         <a:p>
           <a:r>
-            <a:rPr lang="en-US"/>
-            <a:t>Deixis</a:t>
+            <a:rPr lang="en-US" dirty="0"/>
+            <a:t>Deixis – Pointing Cues</a:t>
           </a:r>
         </a:p>
       </dgm:t>
@@ -3399,8 +2483,8 @@
         <a:lstStyle/>
         <a:p>
           <a:r>
-            <a:rPr lang="en-US"/>
-            <a:t>Kinesics</a:t>
+            <a:rPr lang="en-US" dirty="0"/>
+            <a:t>Kinesics – Spatial Movement</a:t>
           </a:r>
         </a:p>
       </dgm:t>
@@ -3555,338 +2639,6 @@
     <dgm:cxn modelId="{43326959-174A-4A69-B3E2-E71E844AF5E0}" type="presParOf" srcId="{DC2CFCFB-2F44-487A-AAD8-EC25F51EB3D2}" destId="{45509055-B375-4C70-BCFA-AB08BC26E759}" srcOrd="1" destOrd="0" presId="urn:microsoft.com/office/officeart/2018/2/layout/IconVerticalSolidList"/>
     <dgm:cxn modelId="{E4A02731-33A1-4BBF-9855-40B261154236}" type="presParOf" srcId="{DC2CFCFB-2F44-487A-AAD8-EC25F51EB3D2}" destId="{FF005078-DED5-4A28-847B-EB5C5F18B180}" srcOrd="2" destOrd="0" presId="urn:microsoft.com/office/officeart/2018/2/layout/IconVerticalSolidList"/>
     <dgm:cxn modelId="{83DCC5EE-08BC-4321-AEBC-920F869BBBE2}" type="presParOf" srcId="{DC2CFCFB-2F44-487A-AAD8-EC25F51EB3D2}" destId="{B9E9F58F-A9C4-43CB-AB07-8AC06E8B2713}" srcOrd="3" destOrd="0" presId="urn:microsoft.com/office/officeart/2018/2/layout/IconVerticalSolidList"/>
-  </dgm:cxnLst>
-  <dgm:bg/>
-  <dgm:whole/>
-  <dgm:extLst>
-    <a:ext uri="http://schemas.microsoft.com/office/drawing/2008/diagram">
-      <dsp:dataModelExt xmlns:dsp="http://schemas.microsoft.com/office/drawing/2008/diagram" relId="rId6" minVer="http://schemas.openxmlformats.org/drawingml/2006/diagram"/>
-    </a:ext>
-  </dgm:extLst>
-</dgm:dataModel>
-</file>
-
-<file path=ppt/diagrams/data3.xml><?xml version="1.0" encoding="utf-8"?>
-<dgm:dataModel xmlns:dgm="http://schemas.openxmlformats.org/drawingml/2006/diagram" xmlns:a="http://schemas.openxmlformats.org/drawingml/2006/main">
-  <dgm:ptLst>
-    <dgm:pt modelId="{D6AEDCC3-F0AB-45F8-8FD8-030FFD8BAD5B}" type="doc">
-      <dgm:prSet loTypeId="urn:microsoft.com/office/officeart/2018/5/layout/IconCircleLabelList" loCatId="icon" qsTypeId="urn:microsoft.com/office/officeart/2005/8/quickstyle/simple1" qsCatId="simple" csTypeId="urn:microsoft.com/office/officeart/2018/5/colors/Iconchunking_neutralicon_colorful1" csCatId="colorful" phldr="1"/>
-      <dgm:spPr/>
-      <dgm:t>
-        <a:bodyPr/>
-        <a:lstStyle/>
-        <a:p>
-          <a:endParaRPr lang="en-US"/>
-        </a:p>
-      </dgm:t>
-    </dgm:pt>
-    <dgm:pt modelId="{28237C29-5514-4BBF-9D08-AD84F7837CE1}">
-      <dgm:prSet/>
-      <dgm:spPr/>
-      <dgm:t>
-        <a:bodyPr/>
-        <a:lstStyle/>
-        <a:p>
-          <a:pPr>
-            <a:defRPr cap="all"/>
-          </a:pPr>
-          <a:r>
-            <a:rPr lang="en-US" dirty="0"/>
-            <a:t>My dog will chase a laser to the end of the earth</a:t>
-          </a:r>
-        </a:p>
-      </dgm:t>
-    </dgm:pt>
-    <dgm:pt modelId="{CFC68254-EB09-4FD4-9206-B5A847DE77B7}" type="parTrans" cxnId="{E8275D82-C1CC-4896-8683-07D5FE288AD6}">
-      <dgm:prSet/>
-      <dgm:spPr/>
-      <dgm:t>
-        <a:bodyPr/>
-        <a:lstStyle/>
-        <a:p>
-          <a:endParaRPr lang="en-US"/>
-        </a:p>
-      </dgm:t>
-    </dgm:pt>
-    <dgm:pt modelId="{EB7FD46F-93A5-4D43-ABA2-124C9AE91AD7}" type="sibTrans" cxnId="{E8275D82-C1CC-4896-8683-07D5FE288AD6}">
-      <dgm:prSet/>
-      <dgm:spPr/>
-      <dgm:t>
-        <a:bodyPr/>
-        <a:lstStyle/>
-        <a:p>
-          <a:endParaRPr lang="en-US"/>
-        </a:p>
-      </dgm:t>
-    </dgm:pt>
-    <dgm:pt modelId="{4A3AEE7B-BB34-4E57-B41A-36254B3D2167}">
-      <dgm:prSet/>
-      <dgm:spPr/>
-      <dgm:t>
-        <a:bodyPr/>
-        <a:lstStyle/>
-        <a:p>
-          <a:pPr>
-            <a:defRPr cap="all"/>
-          </a:pPr>
-          <a:r>
-            <a:rPr lang="en-US"/>
-            <a:t>Demographics: The CHROME lab, mostly.</a:t>
-          </a:r>
-        </a:p>
-      </dgm:t>
-    </dgm:pt>
-    <dgm:pt modelId="{D3FC324F-76C5-44DA-BACE-1BB9FA393AA1}" type="parTrans" cxnId="{CB6FE818-3248-4FB8-99A3-136816263D3D}">
-      <dgm:prSet/>
-      <dgm:spPr/>
-      <dgm:t>
-        <a:bodyPr/>
-        <a:lstStyle/>
-        <a:p>
-          <a:endParaRPr lang="en-US"/>
-        </a:p>
-      </dgm:t>
-    </dgm:pt>
-    <dgm:pt modelId="{6B9328A2-930A-4188-9259-57EC2E6F2B88}" type="sibTrans" cxnId="{CB6FE818-3248-4FB8-99A3-136816263D3D}">
-      <dgm:prSet/>
-      <dgm:spPr/>
-      <dgm:t>
-        <a:bodyPr/>
-        <a:lstStyle/>
-        <a:p>
-          <a:endParaRPr lang="en-US"/>
-        </a:p>
-      </dgm:t>
-    </dgm:pt>
-    <dgm:pt modelId="{92C0C654-CDDD-4654-AA51-E302D0D06F0A}">
-      <dgm:prSet/>
-      <dgm:spPr/>
-      <dgm:t>
-        <a:bodyPr/>
-        <a:lstStyle/>
-        <a:p>
-          <a:pPr>
-            <a:defRPr cap="all"/>
-          </a:pPr>
-          <a:r>
-            <a:rPr lang="en-US"/>
-            <a:t>Statistics: Coming soon</a:t>
-          </a:r>
-        </a:p>
-      </dgm:t>
-    </dgm:pt>
-    <dgm:pt modelId="{6FAFFCF5-177E-4F82-884A-A2A417FAD7C3}" type="parTrans" cxnId="{49421115-B866-4F72-A358-7EB360F581C9}">
-      <dgm:prSet/>
-      <dgm:spPr/>
-      <dgm:t>
-        <a:bodyPr/>
-        <a:lstStyle/>
-        <a:p>
-          <a:endParaRPr lang="en-US"/>
-        </a:p>
-      </dgm:t>
-    </dgm:pt>
-    <dgm:pt modelId="{617B2802-52B0-45F4-8F47-0531AA3478C2}" type="sibTrans" cxnId="{49421115-B866-4F72-A358-7EB360F581C9}">
-      <dgm:prSet/>
-      <dgm:spPr/>
-      <dgm:t>
-        <a:bodyPr/>
-        <a:lstStyle/>
-        <a:p>
-          <a:endParaRPr lang="en-US"/>
-        </a:p>
-      </dgm:t>
-    </dgm:pt>
-    <dgm:pt modelId="{799769D0-52E6-4CD8-864C-299617D30380}" type="pres">
-      <dgm:prSet presAssocID="{D6AEDCC3-F0AB-45F8-8FD8-030FFD8BAD5B}" presName="root" presStyleCnt="0">
-        <dgm:presLayoutVars>
-          <dgm:dir/>
-          <dgm:resizeHandles val="exact"/>
-        </dgm:presLayoutVars>
-      </dgm:prSet>
-      <dgm:spPr/>
-    </dgm:pt>
-    <dgm:pt modelId="{58D51A3A-5CCE-42D6-A55A-8E21F85FA635}" type="pres">
-      <dgm:prSet presAssocID="{28237C29-5514-4BBF-9D08-AD84F7837CE1}" presName="compNode" presStyleCnt="0"/>
-      <dgm:spPr/>
-    </dgm:pt>
-    <dgm:pt modelId="{70F37139-F768-4C2D-B4F5-3C30D43FAE82}" type="pres">
-      <dgm:prSet presAssocID="{28237C29-5514-4BBF-9D08-AD84F7837CE1}" presName="iconBgRect" presStyleLbl="bgShp" presStyleIdx="0" presStyleCnt="3"/>
-      <dgm:spPr/>
-    </dgm:pt>
-    <dgm:pt modelId="{9C6C1C3A-5179-43CC-820E-FA4D1A011AD2}" type="pres">
-      <dgm:prSet presAssocID="{28237C29-5514-4BBF-9D08-AD84F7837CE1}" presName="iconRect" presStyleLbl="node1" presStyleIdx="0" presStyleCnt="3"/>
-      <dgm:spPr>
-        <a:blipFill>
-          <a:blip xmlns:r="http://schemas.openxmlformats.org/officeDocument/2006/relationships" r:embed="rId1">
-            <a:extLst>
-              <a:ext uri="{28A0092B-C50C-407E-A947-70E740481C1C}">
-                <a14:useLocalDpi xmlns:a14="http://schemas.microsoft.com/office/drawing/2010/main" val="0"/>
-              </a:ext>
-              <a:ext uri="{96DAC541-7B7A-43D3-8B79-37D633B846F1}">
-                <asvg:svgBlip xmlns:asvg="http://schemas.microsoft.com/office/drawing/2016/SVG/main" r:embed="rId2"/>
-              </a:ext>
-            </a:extLst>
-          </a:blip>
-          <a:stretch>
-            <a:fillRect/>
-          </a:stretch>
-        </a:blipFill>
-        <a:ln>
-          <a:noFill/>
-        </a:ln>
-      </dgm:spPr>
-      <dgm:extLst>
-        <a:ext uri="{E40237B7-FDA0-4F09-8148-C483321AD2D9}">
-          <dgm14:cNvPr xmlns:dgm14="http://schemas.microsoft.com/office/drawing/2010/diagram" id="0" name="" descr="Dog"/>
-        </a:ext>
-      </dgm:extLst>
-    </dgm:pt>
-    <dgm:pt modelId="{561C9B7D-FB56-4015-B2F7-4BC7506805D7}" type="pres">
-      <dgm:prSet presAssocID="{28237C29-5514-4BBF-9D08-AD84F7837CE1}" presName="spaceRect" presStyleCnt="0"/>
-      <dgm:spPr/>
-    </dgm:pt>
-    <dgm:pt modelId="{34E6DE59-F8F3-4149-B7FD-DF65669D7717}" type="pres">
-      <dgm:prSet presAssocID="{28237C29-5514-4BBF-9D08-AD84F7837CE1}" presName="textRect" presStyleLbl="revTx" presStyleIdx="0" presStyleCnt="3">
-        <dgm:presLayoutVars>
-          <dgm:chMax val="1"/>
-          <dgm:chPref val="1"/>
-        </dgm:presLayoutVars>
-      </dgm:prSet>
-      <dgm:spPr/>
-    </dgm:pt>
-    <dgm:pt modelId="{C85BC45C-BB31-4BD3-8850-2B6059713A3D}" type="pres">
-      <dgm:prSet presAssocID="{EB7FD46F-93A5-4D43-ABA2-124C9AE91AD7}" presName="sibTrans" presStyleCnt="0"/>
-      <dgm:spPr/>
-    </dgm:pt>
-    <dgm:pt modelId="{08237525-EDF8-4069-A004-B18C5CE31491}" type="pres">
-      <dgm:prSet presAssocID="{4A3AEE7B-BB34-4E57-B41A-36254B3D2167}" presName="compNode" presStyleCnt="0"/>
-      <dgm:spPr/>
-    </dgm:pt>
-    <dgm:pt modelId="{89F35AB8-75C3-4247-A4E5-E066818CB01B}" type="pres">
-      <dgm:prSet presAssocID="{4A3AEE7B-BB34-4E57-B41A-36254B3D2167}" presName="iconBgRect" presStyleLbl="bgShp" presStyleIdx="1" presStyleCnt="3"/>
-      <dgm:spPr/>
-    </dgm:pt>
-    <dgm:pt modelId="{53352DEF-79CB-423A-9EAC-3A9B02740E66}" type="pres">
-      <dgm:prSet presAssocID="{4A3AEE7B-BB34-4E57-B41A-36254B3D2167}" presName="iconRect" presStyleLbl="node1" presStyleIdx="1" presStyleCnt="3"/>
-      <dgm:spPr>
-        <a:blipFill>
-          <a:blip xmlns:r="http://schemas.openxmlformats.org/officeDocument/2006/relationships" r:embed="rId3">
-            <a:extLst>
-              <a:ext uri="{28A0092B-C50C-407E-A947-70E740481C1C}">
-                <a14:useLocalDpi xmlns:a14="http://schemas.microsoft.com/office/drawing/2010/main" val="0"/>
-              </a:ext>
-              <a:ext uri="{96DAC541-7B7A-43D3-8B79-37D633B846F1}">
-                <asvg:svgBlip xmlns:asvg="http://schemas.microsoft.com/office/drawing/2016/SVG/main" r:embed="rId4"/>
-              </a:ext>
-            </a:extLst>
-          </a:blip>
-          <a:stretch>
-            <a:fillRect/>
-          </a:stretch>
-        </a:blipFill>
-        <a:ln>
-          <a:noFill/>
-        </a:ln>
-      </dgm:spPr>
-      <dgm:extLst>
-        <a:ext uri="{E40237B7-FDA0-4F09-8148-C483321AD2D9}">
-          <dgm14:cNvPr xmlns:dgm14="http://schemas.microsoft.com/office/drawing/2010/diagram" id="0" name="" descr="Scientist"/>
-        </a:ext>
-      </dgm:extLst>
-    </dgm:pt>
-    <dgm:pt modelId="{CBC57BCF-F361-4DBE-A115-81DE7345443B}" type="pres">
-      <dgm:prSet presAssocID="{4A3AEE7B-BB34-4E57-B41A-36254B3D2167}" presName="spaceRect" presStyleCnt="0"/>
-      <dgm:spPr/>
-    </dgm:pt>
-    <dgm:pt modelId="{594DA204-92BC-487E-8C6B-032D266B4C3C}" type="pres">
-      <dgm:prSet presAssocID="{4A3AEE7B-BB34-4E57-B41A-36254B3D2167}" presName="textRect" presStyleLbl="revTx" presStyleIdx="1" presStyleCnt="3">
-        <dgm:presLayoutVars>
-          <dgm:chMax val="1"/>
-          <dgm:chPref val="1"/>
-        </dgm:presLayoutVars>
-      </dgm:prSet>
-      <dgm:spPr/>
-    </dgm:pt>
-    <dgm:pt modelId="{231FE17B-3F94-41DF-A390-0CCB31874EA8}" type="pres">
-      <dgm:prSet presAssocID="{6B9328A2-930A-4188-9259-57EC2E6F2B88}" presName="sibTrans" presStyleCnt="0"/>
-      <dgm:spPr/>
-    </dgm:pt>
-    <dgm:pt modelId="{FFD4FB1C-9EBF-4B99-9ADE-D42498425C53}" type="pres">
-      <dgm:prSet presAssocID="{92C0C654-CDDD-4654-AA51-E302D0D06F0A}" presName="compNode" presStyleCnt="0"/>
-      <dgm:spPr/>
-    </dgm:pt>
-    <dgm:pt modelId="{E0A09A2F-76AA-4DF9-97CE-5A99E2074E33}" type="pres">
-      <dgm:prSet presAssocID="{92C0C654-CDDD-4654-AA51-E302D0D06F0A}" presName="iconBgRect" presStyleLbl="bgShp" presStyleIdx="2" presStyleCnt="3"/>
-      <dgm:spPr/>
-    </dgm:pt>
-    <dgm:pt modelId="{273E2EF6-6183-4DE4-B528-2B978969DCD8}" type="pres">
-      <dgm:prSet presAssocID="{92C0C654-CDDD-4654-AA51-E302D0D06F0A}" presName="iconRect" presStyleLbl="node1" presStyleIdx="2" presStyleCnt="3"/>
-      <dgm:spPr>
-        <a:blipFill>
-          <a:blip xmlns:r="http://schemas.openxmlformats.org/officeDocument/2006/relationships" r:embed="rId5">
-            <a:extLst>
-              <a:ext uri="{28A0092B-C50C-407E-A947-70E740481C1C}">
-                <a14:useLocalDpi xmlns:a14="http://schemas.microsoft.com/office/drawing/2010/main" val="0"/>
-              </a:ext>
-              <a:ext uri="{96DAC541-7B7A-43D3-8B79-37D633B846F1}">
-                <asvg:svgBlip xmlns:asvg="http://schemas.microsoft.com/office/drawing/2016/SVG/main" r:embed="rId6"/>
-              </a:ext>
-            </a:extLst>
-          </a:blip>
-          <a:stretch>
-            <a:fillRect/>
-          </a:stretch>
-        </a:blipFill>
-        <a:ln>
-          <a:noFill/>
-        </a:ln>
-      </dgm:spPr>
-      <dgm:extLst>
-        <a:ext uri="{E40237B7-FDA0-4F09-8148-C483321AD2D9}">
-          <dgm14:cNvPr xmlns:dgm14="http://schemas.microsoft.com/office/drawing/2010/diagram" id="0" name="" descr="Bar chart"/>
-        </a:ext>
-      </dgm:extLst>
-    </dgm:pt>
-    <dgm:pt modelId="{7359E767-AFA0-4EF4-BBE8-61AC6C8B56F7}" type="pres">
-      <dgm:prSet presAssocID="{92C0C654-CDDD-4654-AA51-E302D0D06F0A}" presName="spaceRect" presStyleCnt="0"/>
-      <dgm:spPr/>
-    </dgm:pt>
-    <dgm:pt modelId="{2225B378-2964-4CB1-A109-E40AF77B8F30}" type="pres">
-      <dgm:prSet presAssocID="{92C0C654-CDDD-4654-AA51-E302D0D06F0A}" presName="textRect" presStyleLbl="revTx" presStyleIdx="2" presStyleCnt="3">
-        <dgm:presLayoutVars>
-          <dgm:chMax val="1"/>
-          <dgm:chPref val="1"/>
-        </dgm:presLayoutVars>
-      </dgm:prSet>
-      <dgm:spPr/>
-    </dgm:pt>
-  </dgm:ptLst>
-  <dgm:cxnLst>
-    <dgm:cxn modelId="{05817E09-4461-4598-8DCD-CD6C710642FA}" type="presOf" srcId="{92C0C654-CDDD-4654-AA51-E302D0D06F0A}" destId="{2225B378-2964-4CB1-A109-E40AF77B8F30}" srcOrd="0" destOrd="0" presId="urn:microsoft.com/office/officeart/2018/5/layout/IconCircleLabelList"/>
-    <dgm:cxn modelId="{1E04FD14-549F-48DF-87C3-F35F3979B96C}" type="presOf" srcId="{D6AEDCC3-F0AB-45F8-8FD8-030FFD8BAD5B}" destId="{799769D0-52E6-4CD8-864C-299617D30380}" srcOrd="0" destOrd="0" presId="urn:microsoft.com/office/officeart/2018/5/layout/IconCircleLabelList"/>
-    <dgm:cxn modelId="{49421115-B866-4F72-A358-7EB360F581C9}" srcId="{D6AEDCC3-F0AB-45F8-8FD8-030FFD8BAD5B}" destId="{92C0C654-CDDD-4654-AA51-E302D0D06F0A}" srcOrd="2" destOrd="0" parTransId="{6FAFFCF5-177E-4F82-884A-A2A417FAD7C3}" sibTransId="{617B2802-52B0-45F4-8F47-0531AA3478C2}"/>
-    <dgm:cxn modelId="{CB6FE818-3248-4FB8-99A3-136816263D3D}" srcId="{D6AEDCC3-F0AB-45F8-8FD8-030FFD8BAD5B}" destId="{4A3AEE7B-BB34-4E57-B41A-36254B3D2167}" srcOrd="1" destOrd="0" parTransId="{D3FC324F-76C5-44DA-BACE-1BB9FA393AA1}" sibTransId="{6B9328A2-930A-4188-9259-57EC2E6F2B88}"/>
-    <dgm:cxn modelId="{C8101550-A618-4C12-A767-642DF62DCBE0}" type="presOf" srcId="{4A3AEE7B-BB34-4E57-B41A-36254B3D2167}" destId="{594DA204-92BC-487E-8C6B-032D266B4C3C}" srcOrd="0" destOrd="0" presId="urn:microsoft.com/office/officeart/2018/5/layout/IconCircleLabelList"/>
-    <dgm:cxn modelId="{E8275D82-C1CC-4896-8683-07D5FE288AD6}" srcId="{D6AEDCC3-F0AB-45F8-8FD8-030FFD8BAD5B}" destId="{28237C29-5514-4BBF-9D08-AD84F7837CE1}" srcOrd="0" destOrd="0" parTransId="{CFC68254-EB09-4FD4-9206-B5A847DE77B7}" sibTransId="{EB7FD46F-93A5-4D43-ABA2-124C9AE91AD7}"/>
-    <dgm:cxn modelId="{6F315E97-E4BB-4F1B-B639-0EA8D4E481D8}" type="presOf" srcId="{28237C29-5514-4BBF-9D08-AD84F7837CE1}" destId="{34E6DE59-F8F3-4149-B7FD-DF65669D7717}" srcOrd="0" destOrd="0" presId="urn:microsoft.com/office/officeart/2018/5/layout/IconCircleLabelList"/>
-    <dgm:cxn modelId="{320E855D-6063-4711-9BF3-E6E76D97CA71}" type="presParOf" srcId="{799769D0-52E6-4CD8-864C-299617D30380}" destId="{58D51A3A-5CCE-42D6-A55A-8E21F85FA635}" srcOrd="0" destOrd="0" presId="urn:microsoft.com/office/officeart/2018/5/layout/IconCircleLabelList"/>
-    <dgm:cxn modelId="{5F6666C2-7D29-4640-8A7C-694E89D26385}" type="presParOf" srcId="{58D51A3A-5CCE-42D6-A55A-8E21F85FA635}" destId="{70F37139-F768-4C2D-B4F5-3C30D43FAE82}" srcOrd="0" destOrd="0" presId="urn:microsoft.com/office/officeart/2018/5/layout/IconCircleLabelList"/>
-    <dgm:cxn modelId="{1681917E-5107-4242-A220-437203351ACA}" type="presParOf" srcId="{58D51A3A-5CCE-42D6-A55A-8E21F85FA635}" destId="{9C6C1C3A-5179-43CC-820E-FA4D1A011AD2}" srcOrd="1" destOrd="0" presId="urn:microsoft.com/office/officeart/2018/5/layout/IconCircleLabelList"/>
-    <dgm:cxn modelId="{E02ACA27-AAB4-4B0C-B933-3758D6D26066}" type="presParOf" srcId="{58D51A3A-5CCE-42D6-A55A-8E21F85FA635}" destId="{561C9B7D-FB56-4015-B2F7-4BC7506805D7}" srcOrd="2" destOrd="0" presId="urn:microsoft.com/office/officeart/2018/5/layout/IconCircleLabelList"/>
-    <dgm:cxn modelId="{0EA237BC-4B53-4709-AE5F-6DD7BD18A712}" type="presParOf" srcId="{58D51A3A-5CCE-42D6-A55A-8E21F85FA635}" destId="{34E6DE59-F8F3-4149-B7FD-DF65669D7717}" srcOrd="3" destOrd="0" presId="urn:microsoft.com/office/officeart/2018/5/layout/IconCircleLabelList"/>
-    <dgm:cxn modelId="{6763B3CE-E0DA-4165-8D10-6FB9CC43CA41}" type="presParOf" srcId="{799769D0-52E6-4CD8-864C-299617D30380}" destId="{C85BC45C-BB31-4BD3-8850-2B6059713A3D}" srcOrd="1" destOrd="0" presId="urn:microsoft.com/office/officeart/2018/5/layout/IconCircleLabelList"/>
-    <dgm:cxn modelId="{74102E86-306A-4DE4-B199-012A52931A5E}" type="presParOf" srcId="{799769D0-52E6-4CD8-864C-299617D30380}" destId="{08237525-EDF8-4069-A004-B18C5CE31491}" srcOrd="2" destOrd="0" presId="urn:microsoft.com/office/officeart/2018/5/layout/IconCircleLabelList"/>
-    <dgm:cxn modelId="{49FBEFE5-7139-4FC2-8B26-D65043938CCE}" type="presParOf" srcId="{08237525-EDF8-4069-A004-B18C5CE31491}" destId="{89F35AB8-75C3-4247-A4E5-E066818CB01B}" srcOrd="0" destOrd="0" presId="urn:microsoft.com/office/officeart/2018/5/layout/IconCircleLabelList"/>
-    <dgm:cxn modelId="{36A32D7C-D787-4C0B-B64B-9D946A1B068D}" type="presParOf" srcId="{08237525-EDF8-4069-A004-B18C5CE31491}" destId="{53352DEF-79CB-423A-9EAC-3A9B02740E66}" srcOrd="1" destOrd="0" presId="urn:microsoft.com/office/officeart/2018/5/layout/IconCircleLabelList"/>
-    <dgm:cxn modelId="{0DC8FBF4-4658-4EE7-960E-4EFD9E8A7CFA}" type="presParOf" srcId="{08237525-EDF8-4069-A004-B18C5CE31491}" destId="{CBC57BCF-F361-4DBE-A115-81DE7345443B}" srcOrd="2" destOrd="0" presId="urn:microsoft.com/office/officeart/2018/5/layout/IconCircleLabelList"/>
-    <dgm:cxn modelId="{D87549D7-C31B-4BF2-AB08-4BC16B3A72A9}" type="presParOf" srcId="{08237525-EDF8-4069-A004-B18C5CE31491}" destId="{594DA204-92BC-487E-8C6B-032D266B4C3C}" srcOrd="3" destOrd="0" presId="urn:microsoft.com/office/officeart/2018/5/layout/IconCircleLabelList"/>
-    <dgm:cxn modelId="{595F3392-C65D-4800-A9DC-9C1D5473AD91}" type="presParOf" srcId="{799769D0-52E6-4CD8-864C-299617D30380}" destId="{231FE17B-3F94-41DF-A390-0CCB31874EA8}" srcOrd="3" destOrd="0" presId="urn:microsoft.com/office/officeart/2018/5/layout/IconCircleLabelList"/>
-    <dgm:cxn modelId="{1994330A-ECE0-43E6-A3FE-F754C1865065}" type="presParOf" srcId="{799769D0-52E6-4CD8-864C-299617D30380}" destId="{FFD4FB1C-9EBF-4B99-9ADE-D42498425C53}" srcOrd="4" destOrd="0" presId="urn:microsoft.com/office/officeart/2018/5/layout/IconCircleLabelList"/>
-    <dgm:cxn modelId="{6E37687E-674F-4EA0-A428-E42CF4B4F9E3}" type="presParOf" srcId="{FFD4FB1C-9EBF-4B99-9ADE-D42498425C53}" destId="{E0A09A2F-76AA-4DF9-97CE-5A99E2074E33}" srcOrd="0" destOrd="0" presId="urn:microsoft.com/office/officeart/2018/5/layout/IconCircleLabelList"/>
-    <dgm:cxn modelId="{F84A169B-8C80-49AF-A8E0-3D900A60C978}" type="presParOf" srcId="{FFD4FB1C-9EBF-4B99-9ADE-D42498425C53}" destId="{273E2EF6-6183-4DE4-B528-2B978969DCD8}" srcOrd="1" destOrd="0" presId="urn:microsoft.com/office/officeart/2018/5/layout/IconCircleLabelList"/>
-    <dgm:cxn modelId="{323272F5-6D0B-4A0C-89AA-A17B0571CBA2}" type="presParOf" srcId="{FFD4FB1C-9EBF-4B99-9ADE-D42498425C53}" destId="{7359E767-AFA0-4EF4-BBE8-61AC6C8B56F7}" srcOrd="2" destOrd="0" presId="urn:microsoft.com/office/officeart/2018/5/layout/IconCircleLabelList"/>
-    <dgm:cxn modelId="{C8D62107-C2A8-4D0E-B28A-07B18CA57DBD}" type="presParOf" srcId="{FFD4FB1C-9EBF-4B99-9ADE-D42498425C53}" destId="{2225B378-2964-4CB1-A109-E40AF77B8F30}" srcOrd="3" destOrd="0" presId="urn:microsoft.com/office/officeart/2018/5/layout/IconCircleLabelList"/>
   </dgm:cxnLst>
   <dgm:bg/>
   <dgm:whole/>
@@ -4554,7 +3306,7 @@
       <dsp:spPr>
         <a:xfrm>
           <a:off x="0" y="696172"/>
-          <a:ext cx="5668310" cy="1285240"/>
+          <a:ext cx="5963981" cy="1285240"/>
         </a:xfrm>
         <a:prstGeom prst="roundRect">
           <a:avLst>
@@ -4643,7 +3395,7 @@
       <dsp:spPr>
         <a:xfrm>
           <a:off x="1484453" y="696172"/>
-          <a:ext cx="4183856" cy="1285240"/>
+          <a:ext cx="4479527" cy="1285240"/>
         </a:xfrm>
         <a:prstGeom prst="rect">
           <a:avLst/>
@@ -4685,14 +3437,14 @@
             <a:buNone/>
           </a:pPr>
           <a:r>
-            <a:rPr lang="en-US" sz="2500" kern="1200"/>
-            <a:t>Deixis</a:t>
+            <a:rPr lang="en-US" sz="2500" kern="1200" dirty="0"/>
+            <a:t>Deixis – Pointing Cues</a:t>
           </a:r>
         </a:p>
       </dsp:txBody>
       <dsp:txXfrm>
         <a:off x="1484453" y="696172"/>
-        <a:ext cx="4183856" cy="1285240"/>
+        <a:ext cx="4479527" cy="1285240"/>
       </dsp:txXfrm>
     </dsp:sp>
     <dsp:sp modelId="{F90E207B-D75C-450D-9842-318FE7729282}">
@@ -4703,7 +3455,7 @@
       <dsp:spPr>
         <a:xfrm>
           <a:off x="0" y="2302723"/>
-          <a:ext cx="5668310" cy="1285240"/>
+          <a:ext cx="5963981" cy="1285240"/>
         </a:xfrm>
         <a:prstGeom prst="roundRect">
           <a:avLst>
@@ -4795,7 +3547,7 @@
       <dsp:spPr>
         <a:xfrm>
           <a:off x="1484453" y="2302723"/>
-          <a:ext cx="4183856" cy="1285240"/>
+          <a:ext cx="4479527" cy="1285240"/>
         </a:xfrm>
         <a:prstGeom prst="rect">
           <a:avLst/>
@@ -4837,473 +3589,14 @@
             <a:buNone/>
           </a:pPr>
           <a:r>
-            <a:rPr lang="en-US" sz="2500" kern="1200"/>
-            <a:t>Kinesics</a:t>
+            <a:rPr lang="en-US" sz="2500" kern="1200" dirty="0"/>
+            <a:t>Kinesics – Spatial Movement</a:t>
           </a:r>
         </a:p>
       </dsp:txBody>
       <dsp:txXfrm>
         <a:off x="1484453" y="2302723"/>
-        <a:ext cx="4183856" cy="1285240"/>
-      </dsp:txXfrm>
-    </dsp:sp>
-  </dsp:spTree>
-</dsp:drawing>
-</file>
-
-<file path=ppt/diagrams/drawing3.xml><?xml version="1.0" encoding="utf-8"?>
-<dsp:drawing xmlns:dgm="http://schemas.openxmlformats.org/drawingml/2006/diagram" xmlns:dsp="http://schemas.microsoft.com/office/drawing/2008/diagram" xmlns:a="http://schemas.openxmlformats.org/drawingml/2006/main">
-  <dsp:spTree>
-    <dsp:nvGrpSpPr>
-      <dsp:cNvPr id="0" name=""/>
-      <dsp:cNvGrpSpPr/>
-    </dsp:nvGrpSpPr>
-    <dsp:grpSpPr/>
-    <dsp:sp modelId="{70F37139-F768-4C2D-B4F5-3C30D43FAE82}">
-      <dsp:nvSpPr>
-        <dsp:cNvPr id="0" name=""/>
-        <dsp:cNvSpPr/>
-      </dsp:nvSpPr>
-      <dsp:spPr>
-        <a:xfrm>
-          <a:off x="616949" y="310305"/>
-          <a:ext cx="1818562" cy="1818562"/>
-        </a:xfrm>
-        <a:prstGeom prst="ellipse">
-          <a:avLst/>
-        </a:prstGeom>
-        <a:solidFill>
-          <a:schemeClr val="accent2">
-            <a:hueOff val="0"/>
-            <a:satOff val="0"/>
-            <a:lumOff val="0"/>
-            <a:alphaOff val="0"/>
-          </a:schemeClr>
-        </a:solidFill>
-        <a:ln>
-          <a:noFill/>
-        </a:ln>
-        <a:effectLst/>
-      </dsp:spPr>
-      <dsp:style>
-        <a:lnRef idx="0">
-          <a:scrgbClr r="0" g="0" b="0"/>
-        </a:lnRef>
-        <a:fillRef idx="1">
-          <a:scrgbClr r="0" g="0" b="0"/>
-        </a:fillRef>
-        <a:effectRef idx="0">
-          <a:scrgbClr r="0" g="0" b="0"/>
-        </a:effectRef>
-        <a:fontRef idx="minor"/>
-      </dsp:style>
-    </dsp:sp>
-    <dsp:sp modelId="{9C6C1C3A-5179-43CC-820E-FA4D1A011AD2}">
-      <dsp:nvSpPr>
-        <dsp:cNvPr id="0" name=""/>
-        <dsp:cNvSpPr/>
-      </dsp:nvSpPr>
-      <dsp:spPr>
-        <a:xfrm>
-          <a:off x="1004512" y="697868"/>
-          <a:ext cx="1043437" cy="1043437"/>
-        </a:xfrm>
-        <a:prstGeom prst="rect">
-          <a:avLst/>
-        </a:prstGeom>
-        <a:blipFill>
-          <a:blip xmlns:r="http://schemas.openxmlformats.org/officeDocument/2006/relationships" r:embed="rId1">
-            <a:extLst>
-              <a:ext uri="{28A0092B-C50C-407E-A947-70E740481C1C}">
-                <a14:useLocalDpi xmlns:a14="http://schemas.microsoft.com/office/drawing/2010/main" val="0"/>
-              </a:ext>
-              <a:ext uri="{96DAC541-7B7A-43D3-8B79-37D633B846F1}">
-                <asvg:svgBlip xmlns:asvg="http://schemas.microsoft.com/office/drawing/2016/SVG/main" r:embed="rId2"/>
-              </a:ext>
-            </a:extLst>
-          </a:blip>
-          <a:stretch>
-            <a:fillRect/>
-          </a:stretch>
-        </a:blipFill>
-        <a:ln w="12700" cap="flat" cmpd="sng" algn="ctr">
-          <a:noFill/>
-          <a:prstDash val="solid"/>
-        </a:ln>
-        <a:effectLst/>
-      </dsp:spPr>
-      <dsp:style>
-        <a:lnRef idx="2">
-          <a:scrgbClr r="0" g="0" b="0"/>
-        </a:lnRef>
-        <a:fillRef idx="1">
-          <a:scrgbClr r="0" g="0" b="0"/>
-        </a:fillRef>
-        <a:effectRef idx="0">
-          <a:scrgbClr r="0" g="0" b="0"/>
-        </a:effectRef>
-        <a:fontRef idx="minor">
-          <a:schemeClr val="lt1"/>
-        </a:fontRef>
-      </dsp:style>
-    </dsp:sp>
-    <dsp:sp modelId="{34E6DE59-F8F3-4149-B7FD-DF65669D7717}">
-      <dsp:nvSpPr>
-        <dsp:cNvPr id="0" name=""/>
-        <dsp:cNvSpPr/>
-      </dsp:nvSpPr>
-      <dsp:spPr>
-        <a:xfrm>
-          <a:off x="35606" y="2695306"/>
-          <a:ext cx="2981250" cy="720000"/>
-        </a:xfrm>
-        <a:prstGeom prst="rect">
-          <a:avLst/>
-        </a:prstGeom>
-        <a:noFill/>
-        <a:ln>
-          <a:noFill/>
-        </a:ln>
-        <a:effectLst/>
-      </dsp:spPr>
-      <dsp:style>
-        <a:lnRef idx="0">
-          <a:scrgbClr r="0" g="0" b="0"/>
-        </a:lnRef>
-        <a:fillRef idx="0">
-          <a:scrgbClr r="0" g="0" b="0"/>
-        </a:fillRef>
-        <a:effectRef idx="0">
-          <a:scrgbClr r="0" g="0" b="0"/>
-        </a:effectRef>
-        <a:fontRef idx="minor"/>
-      </dsp:style>
-      <dsp:txBody>
-        <a:bodyPr spcFirstLastPara="0" vert="horz" wrap="square" lIns="0" tIns="0" rIns="0" bIns="0" numCol="1" spcCol="1270" anchor="t" anchorCtr="0">
-          <a:noAutofit/>
-        </a:bodyPr>
-        <a:lstStyle/>
-        <a:p>
-          <a:pPr marL="0" lvl="0" indent="0" algn="ctr" defTabSz="755650">
-            <a:lnSpc>
-              <a:spcPct val="90000"/>
-            </a:lnSpc>
-            <a:spcBef>
-              <a:spcPct val="0"/>
-            </a:spcBef>
-            <a:spcAft>
-              <a:spcPct val="35000"/>
-            </a:spcAft>
-            <a:buNone/>
-            <a:defRPr cap="all"/>
-          </a:pPr>
-          <a:r>
-            <a:rPr lang="en-US" sz="1700" kern="1200" dirty="0"/>
-            <a:t>My dog will chase a laser to the end of the earth</a:t>
-          </a:r>
-        </a:p>
-      </dsp:txBody>
-      <dsp:txXfrm>
-        <a:off x="35606" y="2695306"/>
-        <a:ext cx="2981250" cy="720000"/>
-      </dsp:txXfrm>
-    </dsp:sp>
-    <dsp:sp modelId="{89F35AB8-75C3-4247-A4E5-E066818CB01B}">
-      <dsp:nvSpPr>
-        <dsp:cNvPr id="0" name=""/>
-        <dsp:cNvSpPr/>
-      </dsp:nvSpPr>
-      <dsp:spPr>
-        <a:xfrm>
-          <a:off x="4119918" y="310305"/>
-          <a:ext cx="1818562" cy="1818562"/>
-        </a:xfrm>
-        <a:prstGeom prst="ellipse">
-          <a:avLst/>
-        </a:prstGeom>
-        <a:solidFill>
-          <a:schemeClr val="accent3">
-            <a:hueOff val="0"/>
-            <a:satOff val="0"/>
-            <a:lumOff val="0"/>
-            <a:alphaOff val="0"/>
-          </a:schemeClr>
-        </a:solidFill>
-        <a:ln>
-          <a:noFill/>
-        </a:ln>
-        <a:effectLst/>
-      </dsp:spPr>
-      <dsp:style>
-        <a:lnRef idx="0">
-          <a:scrgbClr r="0" g="0" b="0"/>
-        </a:lnRef>
-        <a:fillRef idx="1">
-          <a:scrgbClr r="0" g="0" b="0"/>
-        </a:fillRef>
-        <a:effectRef idx="0">
-          <a:scrgbClr r="0" g="0" b="0"/>
-        </a:effectRef>
-        <a:fontRef idx="minor"/>
-      </dsp:style>
-    </dsp:sp>
-    <dsp:sp modelId="{53352DEF-79CB-423A-9EAC-3A9B02740E66}">
-      <dsp:nvSpPr>
-        <dsp:cNvPr id="0" name=""/>
-        <dsp:cNvSpPr/>
-      </dsp:nvSpPr>
-      <dsp:spPr>
-        <a:xfrm>
-          <a:off x="4507481" y="697868"/>
-          <a:ext cx="1043437" cy="1043437"/>
-        </a:xfrm>
-        <a:prstGeom prst="rect">
-          <a:avLst/>
-        </a:prstGeom>
-        <a:blipFill>
-          <a:blip xmlns:r="http://schemas.openxmlformats.org/officeDocument/2006/relationships" r:embed="rId3">
-            <a:extLst>
-              <a:ext uri="{28A0092B-C50C-407E-A947-70E740481C1C}">
-                <a14:useLocalDpi xmlns:a14="http://schemas.microsoft.com/office/drawing/2010/main" val="0"/>
-              </a:ext>
-              <a:ext uri="{96DAC541-7B7A-43D3-8B79-37D633B846F1}">
-                <asvg:svgBlip xmlns:asvg="http://schemas.microsoft.com/office/drawing/2016/SVG/main" r:embed="rId4"/>
-              </a:ext>
-            </a:extLst>
-          </a:blip>
-          <a:stretch>
-            <a:fillRect/>
-          </a:stretch>
-        </a:blipFill>
-        <a:ln w="12700" cap="flat" cmpd="sng" algn="ctr">
-          <a:noFill/>
-          <a:prstDash val="solid"/>
-        </a:ln>
-        <a:effectLst/>
-      </dsp:spPr>
-      <dsp:style>
-        <a:lnRef idx="2">
-          <a:scrgbClr r="0" g="0" b="0"/>
-        </a:lnRef>
-        <a:fillRef idx="1">
-          <a:scrgbClr r="0" g="0" b="0"/>
-        </a:fillRef>
-        <a:effectRef idx="0">
-          <a:scrgbClr r="0" g="0" b="0"/>
-        </a:effectRef>
-        <a:fontRef idx="minor">
-          <a:schemeClr val="lt1"/>
-        </a:fontRef>
-      </dsp:style>
-    </dsp:sp>
-    <dsp:sp modelId="{594DA204-92BC-487E-8C6B-032D266B4C3C}">
-      <dsp:nvSpPr>
-        <dsp:cNvPr id="0" name=""/>
-        <dsp:cNvSpPr/>
-      </dsp:nvSpPr>
-      <dsp:spPr>
-        <a:xfrm>
-          <a:off x="3538574" y="2695306"/>
-          <a:ext cx="2981250" cy="720000"/>
-        </a:xfrm>
-        <a:prstGeom prst="rect">
-          <a:avLst/>
-        </a:prstGeom>
-        <a:noFill/>
-        <a:ln>
-          <a:noFill/>
-        </a:ln>
-        <a:effectLst/>
-      </dsp:spPr>
-      <dsp:style>
-        <a:lnRef idx="0">
-          <a:scrgbClr r="0" g="0" b="0"/>
-        </a:lnRef>
-        <a:fillRef idx="0">
-          <a:scrgbClr r="0" g="0" b="0"/>
-        </a:fillRef>
-        <a:effectRef idx="0">
-          <a:scrgbClr r="0" g="0" b="0"/>
-        </a:effectRef>
-        <a:fontRef idx="minor"/>
-      </dsp:style>
-      <dsp:txBody>
-        <a:bodyPr spcFirstLastPara="0" vert="horz" wrap="square" lIns="0" tIns="0" rIns="0" bIns="0" numCol="1" spcCol="1270" anchor="t" anchorCtr="0">
-          <a:noAutofit/>
-        </a:bodyPr>
-        <a:lstStyle/>
-        <a:p>
-          <a:pPr marL="0" lvl="0" indent="0" algn="ctr" defTabSz="755650">
-            <a:lnSpc>
-              <a:spcPct val="90000"/>
-            </a:lnSpc>
-            <a:spcBef>
-              <a:spcPct val="0"/>
-            </a:spcBef>
-            <a:spcAft>
-              <a:spcPct val="35000"/>
-            </a:spcAft>
-            <a:buNone/>
-            <a:defRPr cap="all"/>
-          </a:pPr>
-          <a:r>
-            <a:rPr lang="en-US" sz="1700" kern="1200"/>
-            <a:t>Demographics: The CHROME lab, mostly.</a:t>
-          </a:r>
-        </a:p>
-      </dsp:txBody>
-      <dsp:txXfrm>
-        <a:off x="3538574" y="2695306"/>
-        <a:ext cx="2981250" cy="720000"/>
-      </dsp:txXfrm>
-    </dsp:sp>
-    <dsp:sp modelId="{E0A09A2F-76AA-4DF9-97CE-5A99E2074E33}">
-      <dsp:nvSpPr>
-        <dsp:cNvPr id="0" name=""/>
-        <dsp:cNvSpPr/>
-      </dsp:nvSpPr>
-      <dsp:spPr>
-        <a:xfrm>
-          <a:off x="7622887" y="310305"/>
-          <a:ext cx="1818562" cy="1818562"/>
-        </a:xfrm>
-        <a:prstGeom prst="ellipse">
-          <a:avLst/>
-        </a:prstGeom>
-        <a:solidFill>
-          <a:schemeClr val="accent4">
-            <a:hueOff val="0"/>
-            <a:satOff val="0"/>
-            <a:lumOff val="0"/>
-            <a:alphaOff val="0"/>
-          </a:schemeClr>
-        </a:solidFill>
-        <a:ln>
-          <a:noFill/>
-        </a:ln>
-        <a:effectLst/>
-      </dsp:spPr>
-      <dsp:style>
-        <a:lnRef idx="0">
-          <a:scrgbClr r="0" g="0" b="0"/>
-        </a:lnRef>
-        <a:fillRef idx="1">
-          <a:scrgbClr r="0" g="0" b="0"/>
-        </a:fillRef>
-        <a:effectRef idx="0">
-          <a:scrgbClr r="0" g="0" b="0"/>
-        </a:effectRef>
-        <a:fontRef idx="minor"/>
-      </dsp:style>
-    </dsp:sp>
-    <dsp:sp modelId="{273E2EF6-6183-4DE4-B528-2B978969DCD8}">
-      <dsp:nvSpPr>
-        <dsp:cNvPr id="0" name=""/>
-        <dsp:cNvSpPr/>
-      </dsp:nvSpPr>
-      <dsp:spPr>
-        <a:xfrm>
-          <a:off x="8010450" y="697868"/>
-          <a:ext cx="1043437" cy="1043437"/>
-        </a:xfrm>
-        <a:prstGeom prst="rect">
-          <a:avLst/>
-        </a:prstGeom>
-        <a:blipFill>
-          <a:blip xmlns:r="http://schemas.openxmlformats.org/officeDocument/2006/relationships" r:embed="rId5">
-            <a:extLst>
-              <a:ext uri="{28A0092B-C50C-407E-A947-70E740481C1C}">
-                <a14:useLocalDpi xmlns:a14="http://schemas.microsoft.com/office/drawing/2010/main" val="0"/>
-              </a:ext>
-              <a:ext uri="{96DAC541-7B7A-43D3-8B79-37D633B846F1}">
-                <asvg:svgBlip xmlns:asvg="http://schemas.microsoft.com/office/drawing/2016/SVG/main" r:embed="rId6"/>
-              </a:ext>
-            </a:extLst>
-          </a:blip>
-          <a:stretch>
-            <a:fillRect/>
-          </a:stretch>
-        </a:blipFill>
-        <a:ln w="12700" cap="flat" cmpd="sng" algn="ctr">
-          <a:noFill/>
-          <a:prstDash val="solid"/>
-        </a:ln>
-        <a:effectLst/>
-      </dsp:spPr>
-      <dsp:style>
-        <a:lnRef idx="2">
-          <a:scrgbClr r="0" g="0" b="0"/>
-        </a:lnRef>
-        <a:fillRef idx="1">
-          <a:scrgbClr r="0" g="0" b="0"/>
-        </a:fillRef>
-        <a:effectRef idx="0">
-          <a:scrgbClr r="0" g="0" b="0"/>
-        </a:effectRef>
-        <a:fontRef idx="minor">
-          <a:schemeClr val="lt1"/>
-        </a:fontRef>
-      </dsp:style>
-    </dsp:sp>
-    <dsp:sp modelId="{2225B378-2964-4CB1-A109-E40AF77B8F30}">
-      <dsp:nvSpPr>
-        <dsp:cNvPr id="0" name=""/>
-        <dsp:cNvSpPr/>
-      </dsp:nvSpPr>
-      <dsp:spPr>
-        <a:xfrm>
-          <a:off x="7041543" y="2695306"/>
-          <a:ext cx="2981250" cy="720000"/>
-        </a:xfrm>
-        <a:prstGeom prst="rect">
-          <a:avLst/>
-        </a:prstGeom>
-        <a:noFill/>
-        <a:ln>
-          <a:noFill/>
-        </a:ln>
-        <a:effectLst/>
-      </dsp:spPr>
-      <dsp:style>
-        <a:lnRef idx="0">
-          <a:scrgbClr r="0" g="0" b="0"/>
-        </a:lnRef>
-        <a:fillRef idx="0">
-          <a:scrgbClr r="0" g="0" b="0"/>
-        </a:fillRef>
-        <a:effectRef idx="0">
-          <a:scrgbClr r="0" g="0" b="0"/>
-        </a:effectRef>
-        <a:fontRef idx="minor"/>
-      </dsp:style>
-      <dsp:txBody>
-        <a:bodyPr spcFirstLastPara="0" vert="horz" wrap="square" lIns="0" tIns="0" rIns="0" bIns="0" numCol="1" spcCol="1270" anchor="t" anchorCtr="0">
-          <a:noAutofit/>
-        </a:bodyPr>
-        <a:lstStyle/>
-        <a:p>
-          <a:pPr marL="0" lvl="0" indent="0" algn="ctr" defTabSz="755650">
-            <a:lnSpc>
-              <a:spcPct val="90000"/>
-            </a:lnSpc>
-            <a:spcBef>
-              <a:spcPct val="0"/>
-            </a:spcBef>
-            <a:spcAft>
-              <a:spcPct val="35000"/>
-            </a:spcAft>
-            <a:buNone/>
-            <a:defRPr cap="all"/>
-          </a:pPr>
-          <a:r>
-            <a:rPr lang="en-US" sz="1700" kern="1200"/>
-            <a:t>Statistics: Coming soon</a:t>
-          </a:r>
-        </a:p>
-      </dsp:txBody>
-      <dsp:txXfrm>
-        <a:off x="7041543" y="2695306"/>
-        <a:ext cx="2981250" cy="720000"/>
+        <a:ext cx="4479527" cy="1285240"/>
       </dsp:txXfrm>
     </dsp:sp>
   </dsp:spTree>
@@ -5898,221 +4191,6 @@
 </dgm:layoutDef>
 </file>
 
-<file path=ppt/diagrams/layout3.xml><?xml version="1.0" encoding="utf-8"?>
-<dgm:layoutDef xmlns:dgm="http://schemas.openxmlformats.org/drawingml/2006/diagram" xmlns:a="http://schemas.openxmlformats.org/drawingml/2006/main" uniqueId="urn:microsoft.com/office/officeart/2018/5/layout/IconCircleLabelList">
-  <dgm:title val="Icon Circle Label List"/>
-  <dgm:desc val="Use to show non-sequential or grouped chunks of information accompanied by a related visuals. Works best with icons or small pictures with short text captions."/>
-  <dgm:catLst>
-    <dgm:cat type="icon" pri="500"/>
-  </dgm:catLst>
-  <dgm:sampData useDef="1">
-    <dgm:dataModel>
-      <dgm:ptLst/>
-      <dgm:bg/>
-      <dgm:whole/>
-    </dgm:dataModel>
-  </dgm:sampData>
-  <dgm:styleData useDef="1">
-    <dgm:dataModel>
-      <dgm:ptLst/>
-      <dgm:bg/>
-      <dgm:whole/>
-    </dgm:dataModel>
-  </dgm:styleData>
-  <dgm:clrData useDef="1">
-    <dgm:dataModel>
-      <dgm:ptLst/>
-      <dgm:bg/>
-      <dgm:whole/>
-    </dgm:dataModel>
-  </dgm:clrData>
-  <dgm:layoutNode name="root">
-    <dgm:varLst>
-      <dgm:dir/>
-      <dgm:resizeHandles val="exact"/>
-    </dgm:varLst>
-    <dgm:choose name="Name0">
-      <dgm:if name="Name1" axis="self" func="var" arg="dir" op="equ" val="norm">
-        <dgm:alg type="snake">
-          <dgm:param type="grDir" val="tL"/>
-          <dgm:param type="flowDir" val="row"/>
-          <dgm:param type="contDir" val="sameDir"/>
-          <dgm:param type="off" val="ctr"/>
-          <dgm:param type="vertAlign" val="mid"/>
-          <dgm:param type="horzAlign" val="ctr"/>
-        </dgm:alg>
-      </dgm:if>
-      <dgm:else name="Name2">
-        <dgm:alg type="snake">
-          <dgm:param type="grDir" val="tR"/>
-          <dgm:param type="flowDir" val="row"/>
-          <dgm:param type="contDir" val="sameDir"/>
-          <dgm:param type="off" val="ctr"/>
-          <dgm:param type="vertAlign" val="mid"/>
-          <dgm:param type="horzAlign" val="ctr"/>
-        </dgm:alg>
-      </dgm:else>
-    </dgm:choose>
-    <dgm:shape xmlns:r="http://schemas.openxmlformats.org/officeDocument/2006/relationships" r:blip="">
-      <dgm:adjLst/>
-    </dgm:shape>
-    <dgm:presOf/>
-    <dgm:choose name="Name3">
-      <dgm:if name="Name4" axis="ch" ptType="node" func="cnt" op="lte" val="2">
-        <dgm:constrLst>
-          <dgm:constr type="h" for="ch" forName="compNode" refType="h" fact="0.4"/>
-          <dgm:constr type="w" for="ch" forName="compNode" val="100"/>
-          <dgm:constr type="w" for="ch" forName="sibTrans" refType="w" refFor="ch" refForName="compNode" fact="0.175"/>
-          <dgm:constr type="sp" refType="w" refFor="ch" refForName="compNode" op="equ" fact="0.25"/>
-          <dgm:constr type="primFontSz" for="des" ptType="node" op="equ" val="44"/>
-          <dgm:constr type="h" for="des" forName="compNode" op="equ"/>
-          <dgm:constr type="h" for="des" forName="textRect" op="equ"/>
-        </dgm:constrLst>
-      </dgm:if>
-      <dgm:if name="Name5" axis="ch" ptType="node" func="cnt" op="lte" val="3">
-        <dgm:constrLst>
-          <dgm:constr type="h" for="ch" forName="compNode" refType="h" fact="0.4"/>
-          <dgm:constr type="w" for="ch" forName="compNode" val="100"/>
-          <dgm:constr type="w" for="ch" forName="sibTrans" refType="w" refFor="ch" refForName="compNode" fact="0.175"/>
-          <dgm:constr type="sp" refType="w" refFor="ch" refForName="compNode" op="equ" fact="0.25"/>
-          <dgm:constr type="primFontSz" for="des" ptType="node" op="equ" val="40"/>
-          <dgm:constr type="h" for="des" forName="compNode" op="equ"/>
-          <dgm:constr type="h" for="des" forName="textRect" op="equ"/>
-        </dgm:constrLst>
-      </dgm:if>
-      <dgm:if name="Name6" axis="ch" ptType="node" func="cnt" op="lte" val="4">
-        <dgm:constrLst>
-          <dgm:constr type="h" for="ch" forName="compNode" refType="h" fact="0.4"/>
-          <dgm:constr type="w" for="ch" forName="compNode" refType="w"/>
-          <dgm:constr type="w" for="ch" forName="sibTrans" refType="w" refFor="ch" refForName="compNode" fact="0.175"/>
-          <dgm:constr type="sp" refType="w" refFor="ch" refForName="compNode" op="equ" fact="0.25"/>
-          <dgm:constr type="primFontSz" for="des" ptType="node" op="equ" val="32"/>
-          <dgm:constr type="h" for="des" forName="compNode" op="equ"/>
-          <dgm:constr type="h" for="des" forName="textRect" op="equ"/>
-        </dgm:constrLst>
-      </dgm:if>
-      <dgm:else name="Name7">
-        <dgm:constrLst>
-          <dgm:constr type="h" for="ch" forName="compNode" refType="h" fact="0.4"/>
-          <dgm:constr type="w" for="ch" forName="compNode" refType="w"/>
-          <dgm:constr type="w" for="ch" forName="sibTrans" refType="w" refFor="ch" refForName="compNode" fact="0.175"/>
-          <dgm:constr type="sp" refType="w" refFor="ch" refForName="compNode" op="equ" fact="0.25"/>
-          <dgm:constr type="primFontSz" for="des" ptType="node" op="equ" val="24"/>
-          <dgm:constr type="h" for="des" forName="compNode" op="equ"/>
-          <dgm:constr type="h" for="des" forName="textRect" op="equ"/>
-        </dgm:constrLst>
-      </dgm:else>
-    </dgm:choose>
-    <dgm:ruleLst>
-      <dgm:rule type="w" for="ch" forName="compNode" val="50" fact="NaN" max="NaN"/>
-    </dgm:ruleLst>
-    <dgm:forEach name="Name8" axis="ch" ptType="node">
-      <dgm:layoutNode name="compNode">
-        <dgm:alg type="composite"/>
-        <dgm:shape xmlns:r="http://schemas.openxmlformats.org/officeDocument/2006/relationships" r:blip="">
-          <dgm:adjLst/>
-        </dgm:shape>
-        <dgm:presOf axis="self"/>
-        <dgm:constrLst>
-          <dgm:constr type="w" for="ch" forName="iconBgRect" refType="w" fact="0.61"/>
-          <dgm:constr type="h" for="ch" forName="iconBgRect" refType="w" refFor="ch" refForName="iconBgRect"/>
-          <dgm:constr type="t" for="ch" forName="iconBgRect"/>
-          <dgm:constr type="ctrX" for="ch" forName="iconBgRect" refType="w" fact="0.5"/>
-          <dgm:constr type="w" for="ch" forName="iconRect" refType="w" fact="0.35"/>
-          <dgm:constr type="h" for="ch" forName="iconRect" refType="w" refFor="ch" refForName="iconRect"/>
-          <dgm:constr type="ctrX" for="ch" forName="iconRect" refType="ctrX" refFor="ch" refForName="iconBgRect"/>
-          <dgm:constr type="ctrY" for="ch" forName="iconRect" refType="ctrY" refFor="ch" refForName="iconBgRect"/>
-          <dgm:constr type="h" for="ch" forName="spaceRect" refType="w" fact="0.19"/>
-          <dgm:constr type="w" for="ch" forName="spaceRect" refType="w"/>
-          <dgm:constr type="l" for="ch" forName="spaceRect"/>
-          <dgm:constr type="t" for="ch" forName="spaceRect" refType="b" refFor="ch" refForName="iconBgRect"/>
-          <dgm:constr type="h" for="ch" forName="textRect" val="20"/>
-          <dgm:constr type="w" for="ch" forName="textRect" refType="w"/>
-          <dgm:constr type="l" for="ch" forName="textRect"/>
-          <dgm:constr type="t" for="ch" forName="textRect" refType="b" refFor="ch" refForName="spaceRect"/>
-        </dgm:constrLst>
-        <dgm:ruleLst>
-          <dgm:rule type="h" val="INF" fact="NaN" max="NaN"/>
-        </dgm:ruleLst>
-        <dgm:layoutNode name="iconBgRect" styleLbl="bgShp">
-          <dgm:alg type="sp"/>
-          <dgm:shape xmlns:r="http://schemas.openxmlformats.org/officeDocument/2006/relationships" type="ellipse" r:blip="">
-            <dgm:adjLst/>
-          </dgm:shape>
-          <dgm:presOf/>
-          <dgm:constrLst/>
-          <dgm:ruleLst/>
-        </dgm:layoutNode>
-        <dgm:layoutNode name="iconRect" styleLbl="node1">
-          <dgm:alg type="sp"/>
-          <dgm:shape xmlns:r="http://schemas.openxmlformats.org/officeDocument/2006/relationships" type="rect" r:blip="" blipPhldr="1">
-            <dgm:adjLst/>
-          </dgm:shape>
-          <dgm:presOf/>
-          <dgm:constrLst/>
-          <dgm:ruleLst/>
-        </dgm:layoutNode>
-        <dgm:layoutNode name="spaceRect">
-          <dgm:alg type="sp"/>
-          <dgm:shape xmlns:r="http://schemas.openxmlformats.org/officeDocument/2006/relationships" r:blip="">
-            <dgm:adjLst/>
-          </dgm:shape>
-          <dgm:presOf/>
-          <dgm:constrLst/>
-          <dgm:ruleLst/>
-        </dgm:layoutNode>
-        <dgm:layoutNode name="textRect" styleLbl="revTx">
-          <dgm:varLst>
-            <dgm:chMax val="1"/>
-            <dgm:chPref val="1"/>
-          </dgm:varLst>
-          <dgm:alg type="tx">
-            <dgm:param type="txAnchorVert" val="t"/>
-          </dgm:alg>
-          <dgm:shape xmlns:r="http://schemas.openxmlformats.org/officeDocument/2006/relationships" type="rect" r:blip="">
-            <dgm:adjLst/>
-          </dgm:shape>
-          <dgm:presOf axis="self" ptType="node"/>
-          <dgm:constrLst>
-            <dgm:constr type="lMarg"/>
-            <dgm:constr type="rMarg"/>
-            <dgm:constr type="tMarg"/>
-            <dgm:constr type="bMarg"/>
-          </dgm:constrLst>
-          <dgm:ruleLst>
-            <dgm:rule type="primFontSz" val="11" fact="NaN" max="NaN"/>
-            <dgm:rule type="h" val="INF" fact="NaN" max="NaN"/>
-          </dgm:ruleLst>
-        </dgm:layoutNode>
-      </dgm:layoutNode>
-      <dgm:forEach name="Name9" axis="followSib" ptType="sibTrans" cnt="1">
-        <dgm:layoutNode name="sibTrans">
-          <dgm:alg type="sp"/>
-          <dgm:shape xmlns:r="http://schemas.openxmlformats.org/officeDocument/2006/relationships" r:blip="">
-            <dgm:adjLst/>
-          </dgm:shape>
-          <dgm:presOf axis="self"/>
-          <dgm:constrLst/>
-          <dgm:ruleLst/>
-        </dgm:layoutNode>
-      </dgm:forEach>
-    </dgm:forEach>
-  </dgm:layoutNode>
-  <dgm:extLst>
-    <a:ext uri="{68A01E43-0DF5-4B5B-8FA6-DAF915123BFB}">
-      <dgm1612:lstStyle xmlns:dgm1612="http://schemas.microsoft.com/office/drawing/2016/12/diagram">
-        <a:lvl1pPr>
-          <a:lnSpc>
-            <a:spcPct val="100000"/>
-          </a:lnSpc>
-          <a:defRPr cap="all"/>
-        </a:lvl1pPr>
-      </dgm1612:lstStyle>
-    </a:ext>
-  </dgm:extLst>
-</dgm:layoutDef>
-</file>
-
 <file path=ppt/diagrams/quickStyle1.xml><?xml version="1.0" encoding="utf-8"?>
 <dgm:styleDef xmlns:dgm="http://schemas.openxmlformats.org/drawingml/2006/diagram" xmlns:a="http://schemas.openxmlformats.org/drawingml/2006/main" uniqueId="urn:microsoft.com/office/officeart/2005/8/quickstyle/simple1">
   <dgm:title val=""/>
@@ -7148,1040 +5226,6 @@
 </file>
 
 <file path=ppt/diagrams/quickStyle2.xml><?xml version="1.0" encoding="utf-8"?>
-<dgm:styleDef xmlns:dgm="http://schemas.openxmlformats.org/drawingml/2006/diagram" xmlns:a="http://schemas.openxmlformats.org/drawingml/2006/main" uniqueId="urn:microsoft.com/office/officeart/2005/8/quickstyle/simple1">
-  <dgm:title val=""/>
-  <dgm:desc val=""/>
-  <dgm:catLst>
-    <dgm:cat type="simple" pri="10100"/>
-  </dgm:catLst>
-  <dgm:scene3d>
-    <a:camera prst="orthographicFront"/>
-    <a:lightRig rig="threePt" dir="t"/>
-  </dgm:scene3d>
-  <dgm:styleLbl name="node0">
-    <dgm:scene3d>
-      <a:camera prst="orthographicFront"/>
-      <a:lightRig rig="threePt" dir="t"/>
-    </dgm:scene3d>
-    <dgm:sp3d/>
-    <dgm:txPr/>
-    <dgm:style>
-      <a:lnRef idx="2">
-        <a:scrgbClr r="0" g="0" b="0"/>
-      </a:lnRef>
-      <a:fillRef idx="1">
-        <a:scrgbClr r="0" g="0" b="0"/>
-      </a:fillRef>
-      <a:effectRef idx="0">
-        <a:scrgbClr r="0" g="0" b="0"/>
-      </a:effectRef>
-      <a:fontRef idx="minor">
-        <a:schemeClr val="lt1"/>
-      </a:fontRef>
-    </dgm:style>
-  </dgm:styleLbl>
-  <dgm:styleLbl name="lnNode1">
-    <dgm:scene3d>
-      <a:camera prst="orthographicFront"/>
-      <a:lightRig rig="threePt" dir="t"/>
-    </dgm:scene3d>
-    <dgm:sp3d/>
-    <dgm:txPr/>
-    <dgm:style>
-      <a:lnRef idx="2">
-        <a:scrgbClr r="0" g="0" b="0"/>
-      </a:lnRef>
-      <a:fillRef idx="1">
-        <a:scrgbClr r="0" g="0" b="0"/>
-      </a:fillRef>
-      <a:effectRef idx="0">
-        <a:scrgbClr r="0" g="0" b="0"/>
-      </a:effectRef>
-      <a:fontRef idx="minor">
-        <a:schemeClr val="lt1"/>
-      </a:fontRef>
-    </dgm:style>
-  </dgm:styleLbl>
-  <dgm:styleLbl name="vennNode1">
-    <dgm:scene3d>
-      <a:camera prst="orthographicFront"/>
-      <a:lightRig rig="threePt" dir="t"/>
-    </dgm:scene3d>
-    <dgm:sp3d/>
-    <dgm:txPr/>
-    <dgm:style>
-      <a:lnRef idx="2">
-        <a:scrgbClr r="0" g="0" b="0"/>
-      </a:lnRef>
-      <a:fillRef idx="1">
-        <a:scrgbClr r="0" g="0" b="0"/>
-      </a:fillRef>
-      <a:effectRef idx="0">
-        <a:scrgbClr r="0" g="0" b="0"/>
-      </a:effectRef>
-      <a:fontRef idx="minor">
-        <a:schemeClr val="tx1"/>
-      </a:fontRef>
-    </dgm:style>
-  </dgm:styleLbl>
-  <dgm:styleLbl name="alignNode1">
-    <dgm:scene3d>
-      <a:camera prst="orthographicFront"/>
-      <a:lightRig rig="threePt" dir="t"/>
-    </dgm:scene3d>
-    <dgm:sp3d/>
-    <dgm:txPr/>
-    <dgm:style>
-      <a:lnRef idx="2">
-        <a:scrgbClr r="0" g="0" b="0"/>
-      </a:lnRef>
-      <a:fillRef idx="1">
-        <a:scrgbClr r="0" g="0" b="0"/>
-      </a:fillRef>
-      <a:effectRef idx="0">
-        <a:scrgbClr r="0" g="0" b="0"/>
-      </a:effectRef>
-      <a:fontRef idx="minor">
-        <a:schemeClr val="lt1"/>
-      </a:fontRef>
-    </dgm:style>
-  </dgm:styleLbl>
-  <dgm:styleLbl name="node1">
-    <dgm:scene3d>
-      <a:camera prst="orthographicFront"/>
-      <a:lightRig rig="threePt" dir="t"/>
-    </dgm:scene3d>
-    <dgm:sp3d/>
-    <dgm:txPr/>
-    <dgm:style>
-      <a:lnRef idx="2">
-        <a:scrgbClr r="0" g="0" b="0"/>
-      </a:lnRef>
-      <a:fillRef idx="1">
-        <a:scrgbClr r="0" g="0" b="0"/>
-      </a:fillRef>
-      <a:effectRef idx="0">
-        <a:scrgbClr r="0" g="0" b="0"/>
-      </a:effectRef>
-      <a:fontRef idx="minor">
-        <a:schemeClr val="lt1"/>
-      </a:fontRef>
-    </dgm:style>
-  </dgm:styleLbl>
-  <dgm:styleLbl name="node2">
-    <dgm:scene3d>
-      <a:camera prst="orthographicFront"/>
-      <a:lightRig rig="threePt" dir="t"/>
-    </dgm:scene3d>
-    <dgm:sp3d/>
-    <dgm:txPr/>
-    <dgm:style>
-      <a:lnRef idx="2">
-        <a:scrgbClr r="0" g="0" b="0"/>
-      </a:lnRef>
-      <a:fillRef idx="1">
-        <a:scrgbClr r="0" g="0" b="0"/>
-      </a:fillRef>
-      <a:effectRef idx="0">
-        <a:scrgbClr r="0" g="0" b="0"/>
-      </a:effectRef>
-      <a:fontRef idx="minor">
-        <a:schemeClr val="lt1"/>
-      </a:fontRef>
-    </dgm:style>
-  </dgm:styleLbl>
-  <dgm:styleLbl name="node3">
-    <dgm:scene3d>
-      <a:camera prst="orthographicFront"/>
-      <a:lightRig rig="threePt" dir="t"/>
-    </dgm:scene3d>
-    <dgm:sp3d/>
-    <dgm:txPr/>
-    <dgm:style>
-      <a:lnRef idx="2">
-        <a:scrgbClr r="0" g="0" b="0"/>
-      </a:lnRef>
-      <a:fillRef idx="1">
-        <a:scrgbClr r="0" g="0" b="0"/>
-      </a:fillRef>
-      <a:effectRef idx="0">
-        <a:scrgbClr r="0" g="0" b="0"/>
-      </a:effectRef>
-      <a:fontRef idx="minor">
-        <a:schemeClr val="lt1"/>
-      </a:fontRef>
-    </dgm:style>
-  </dgm:styleLbl>
-  <dgm:styleLbl name="node4">
-    <dgm:scene3d>
-      <a:camera prst="orthographicFront"/>
-      <a:lightRig rig="threePt" dir="t"/>
-    </dgm:scene3d>
-    <dgm:sp3d/>
-    <dgm:txPr/>
-    <dgm:style>
-      <a:lnRef idx="2">
-        <a:scrgbClr r="0" g="0" b="0"/>
-      </a:lnRef>
-      <a:fillRef idx="1">
-        <a:scrgbClr r="0" g="0" b="0"/>
-      </a:fillRef>
-      <a:effectRef idx="0">
-        <a:scrgbClr r="0" g="0" b="0"/>
-      </a:effectRef>
-      <a:fontRef idx="minor">
-        <a:schemeClr val="lt1"/>
-      </a:fontRef>
-    </dgm:style>
-  </dgm:styleLbl>
-  <dgm:styleLbl name="fgImgPlace1">
-    <dgm:scene3d>
-      <a:camera prst="orthographicFront"/>
-      <a:lightRig rig="threePt" dir="t"/>
-    </dgm:scene3d>
-    <dgm:sp3d/>
-    <dgm:txPr/>
-    <dgm:style>
-      <a:lnRef idx="2">
-        <a:scrgbClr r="0" g="0" b="0"/>
-      </a:lnRef>
-      <a:fillRef idx="1">
-        <a:scrgbClr r="0" g="0" b="0"/>
-      </a:fillRef>
-      <a:effectRef idx="0">
-        <a:scrgbClr r="0" g="0" b="0"/>
-      </a:effectRef>
-      <a:fontRef idx="minor"/>
-    </dgm:style>
-  </dgm:styleLbl>
-  <dgm:styleLbl name="alignImgPlace1">
-    <dgm:scene3d>
-      <a:camera prst="orthographicFront"/>
-      <a:lightRig rig="threePt" dir="t"/>
-    </dgm:scene3d>
-    <dgm:sp3d/>
-    <dgm:txPr/>
-    <dgm:style>
-      <a:lnRef idx="2">
-        <a:scrgbClr r="0" g="0" b="0"/>
-      </a:lnRef>
-      <a:fillRef idx="1">
-        <a:scrgbClr r="0" g="0" b="0"/>
-      </a:fillRef>
-      <a:effectRef idx="0">
-        <a:scrgbClr r="0" g="0" b="0"/>
-      </a:effectRef>
-      <a:fontRef idx="minor"/>
-    </dgm:style>
-  </dgm:styleLbl>
-  <dgm:styleLbl name="bgImgPlace1">
-    <dgm:scene3d>
-      <a:camera prst="orthographicFront"/>
-      <a:lightRig rig="threePt" dir="t"/>
-    </dgm:scene3d>
-    <dgm:sp3d/>
-    <dgm:txPr/>
-    <dgm:style>
-      <a:lnRef idx="2">
-        <a:scrgbClr r="0" g="0" b="0"/>
-      </a:lnRef>
-      <a:fillRef idx="1">
-        <a:scrgbClr r="0" g="0" b="0"/>
-      </a:fillRef>
-      <a:effectRef idx="0">
-        <a:scrgbClr r="0" g="0" b="0"/>
-      </a:effectRef>
-      <a:fontRef idx="minor"/>
-    </dgm:style>
-  </dgm:styleLbl>
-  <dgm:styleLbl name="sibTrans2D1">
-    <dgm:scene3d>
-      <a:camera prst="orthographicFront"/>
-      <a:lightRig rig="threePt" dir="t"/>
-    </dgm:scene3d>
-    <dgm:sp3d/>
-    <dgm:txPr/>
-    <dgm:style>
-      <a:lnRef idx="0">
-        <a:scrgbClr r="0" g="0" b="0"/>
-      </a:lnRef>
-      <a:fillRef idx="1">
-        <a:scrgbClr r="0" g="0" b="0"/>
-      </a:fillRef>
-      <a:effectRef idx="0">
-        <a:scrgbClr r="0" g="0" b="0"/>
-      </a:effectRef>
-      <a:fontRef idx="minor">
-        <a:schemeClr val="lt1"/>
-      </a:fontRef>
-    </dgm:style>
-  </dgm:styleLbl>
-  <dgm:styleLbl name="fgSibTrans2D1">
-    <dgm:scene3d>
-      <a:camera prst="orthographicFront"/>
-      <a:lightRig rig="threePt" dir="t"/>
-    </dgm:scene3d>
-    <dgm:sp3d/>
-    <dgm:txPr/>
-    <dgm:style>
-      <a:lnRef idx="0">
-        <a:scrgbClr r="0" g="0" b="0"/>
-      </a:lnRef>
-      <a:fillRef idx="1">
-        <a:scrgbClr r="0" g="0" b="0"/>
-      </a:fillRef>
-      <a:effectRef idx="0">
-        <a:scrgbClr r="0" g="0" b="0"/>
-      </a:effectRef>
-      <a:fontRef idx="minor">
-        <a:schemeClr val="lt1"/>
-      </a:fontRef>
-    </dgm:style>
-  </dgm:styleLbl>
-  <dgm:styleLbl name="bgSibTrans2D1">
-    <dgm:scene3d>
-      <a:camera prst="orthographicFront"/>
-      <a:lightRig rig="threePt" dir="t"/>
-    </dgm:scene3d>
-    <dgm:sp3d/>
-    <dgm:txPr/>
-    <dgm:style>
-      <a:lnRef idx="0">
-        <a:scrgbClr r="0" g="0" b="0"/>
-      </a:lnRef>
-      <a:fillRef idx="1">
-        <a:scrgbClr r="0" g="0" b="0"/>
-      </a:fillRef>
-      <a:effectRef idx="0">
-        <a:scrgbClr r="0" g="0" b="0"/>
-      </a:effectRef>
-      <a:fontRef idx="minor">
-        <a:schemeClr val="lt1"/>
-      </a:fontRef>
-    </dgm:style>
-  </dgm:styleLbl>
-  <dgm:styleLbl name="sibTrans1D1">
-    <dgm:scene3d>
-      <a:camera prst="orthographicFront"/>
-      <a:lightRig rig="threePt" dir="t"/>
-    </dgm:scene3d>
-    <dgm:sp3d/>
-    <dgm:txPr/>
-    <dgm:style>
-      <a:lnRef idx="1">
-        <a:scrgbClr r="0" g="0" b="0"/>
-      </a:lnRef>
-      <a:fillRef idx="0">
-        <a:scrgbClr r="0" g="0" b="0"/>
-      </a:fillRef>
-      <a:effectRef idx="0">
-        <a:scrgbClr r="0" g="0" b="0"/>
-      </a:effectRef>
-      <a:fontRef idx="minor"/>
-    </dgm:style>
-  </dgm:styleLbl>
-  <dgm:styleLbl name="callout">
-    <dgm:scene3d>
-      <a:camera prst="orthographicFront"/>
-      <a:lightRig rig="threePt" dir="t"/>
-    </dgm:scene3d>
-    <dgm:sp3d/>
-    <dgm:txPr/>
-    <dgm:style>
-      <a:lnRef idx="2">
-        <a:scrgbClr r="0" g="0" b="0"/>
-      </a:lnRef>
-      <a:fillRef idx="1">
-        <a:scrgbClr r="0" g="0" b="0"/>
-      </a:fillRef>
-      <a:effectRef idx="0">
-        <a:scrgbClr r="0" g="0" b="0"/>
-      </a:effectRef>
-      <a:fontRef idx="minor"/>
-    </dgm:style>
-  </dgm:styleLbl>
-  <dgm:styleLbl name="asst0">
-    <dgm:scene3d>
-      <a:camera prst="orthographicFront"/>
-      <a:lightRig rig="threePt" dir="t"/>
-    </dgm:scene3d>
-    <dgm:sp3d/>
-    <dgm:txPr/>
-    <dgm:style>
-      <a:lnRef idx="2">
-        <a:scrgbClr r="0" g="0" b="0"/>
-      </a:lnRef>
-      <a:fillRef idx="1">
-        <a:scrgbClr r="0" g="0" b="0"/>
-      </a:fillRef>
-      <a:effectRef idx="0">
-        <a:scrgbClr r="0" g="0" b="0"/>
-      </a:effectRef>
-      <a:fontRef idx="minor">
-        <a:schemeClr val="lt1"/>
-      </a:fontRef>
-    </dgm:style>
-  </dgm:styleLbl>
-  <dgm:styleLbl name="asst1">
-    <dgm:scene3d>
-      <a:camera prst="orthographicFront"/>
-      <a:lightRig rig="threePt" dir="t"/>
-    </dgm:scene3d>
-    <dgm:sp3d/>
-    <dgm:txPr/>
-    <dgm:style>
-      <a:lnRef idx="2">
-        <a:scrgbClr r="0" g="0" b="0"/>
-      </a:lnRef>
-      <a:fillRef idx="1">
-        <a:scrgbClr r="0" g="0" b="0"/>
-      </a:fillRef>
-      <a:effectRef idx="0">
-        <a:scrgbClr r="0" g="0" b="0"/>
-      </a:effectRef>
-      <a:fontRef idx="minor">
-        <a:schemeClr val="lt1"/>
-      </a:fontRef>
-    </dgm:style>
-  </dgm:styleLbl>
-  <dgm:styleLbl name="asst2">
-    <dgm:scene3d>
-      <a:camera prst="orthographicFront"/>
-      <a:lightRig rig="threePt" dir="t"/>
-    </dgm:scene3d>
-    <dgm:sp3d/>
-    <dgm:txPr/>
-    <dgm:style>
-      <a:lnRef idx="2">
-        <a:scrgbClr r="0" g="0" b="0"/>
-      </a:lnRef>
-      <a:fillRef idx="1">
-        <a:scrgbClr r="0" g="0" b="0"/>
-      </a:fillRef>
-      <a:effectRef idx="0">
-        <a:scrgbClr r="0" g="0" b="0"/>
-      </a:effectRef>
-      <a:fontRef idx="minor">
-        <a:schemeClr val="lt1"/>
-      </a:fontRef>
-    </dgm:style>
-  </dgm:styleLbl>
-  <dgm:styleLbl name="asst3">
-    <dgm:scene3d>
-      <a:camera prst="orthographicFront"/>
-      <a:lightRig rig="threePt" dir="t"/>
-    </dgm:scene3d>
-    <dgm:sp3d/>
-    <dgm:txPr/>
-    <dgm:style>
-      <a:lnRef idx="2">
-        <a:scrgbClr r="0" g="0" b="0"/>
-      </a:lnRef>
-      <a:fillRef idx="1">
-        <a:scrgbClr r="0" g="0" b="0"/>
-      </a:fillRef>
-      <a:effectRef idx="0">
-        <a:scrgbClr r="0" g="0" b="0"/>
-      </a:effectRef>
-      <a:fontRef idx="minor">
-        <a:schemeClr val="lt1"/>
-      </a:fontRef>
-    </dgm:style>
-  </dgm:styleLbl>
-  <dgm:styleLbl name="asst4">
-    <dgm:scene3d>
-      <a:camera prst="orthographicFront"/>
-      <a:lightRig rig="threePt" dir="t"/>
-    </dgm:scene3d>
-    <dgm:sp3d/>
-    <dgm:txPr/>
-    <dgm:style>
-      <a:lnRef idx="2">
-        <a:scrgbClr r="0" g="0" b="0"/>
-      </a:lnRef>
-      <a:fillRef idx="1">
-        <a:scrgbClr r="0" g="0" b="0"/>
-      </a:fillRef>
-      <a:effectRef idx="0">
-        <a:scrgbClr r="0" g="0" b="0"/>
-      </a:effectRef>
-      <a:fontRef idx="minor">
-        <a:schemeClr val="lt1"/>
-      </a:fontRef>
-    </dgm:style>
-  </dgm:styleLbl>
-  <dgm:styleLbl name="parChTrans2D1">
-    <dgm:scene3d>
-      <a:camera prst="orthographicFront"/>
-      <a:lightRig rig="threePt" dir="t"/>
-    </dgm:scene3d>
-    <dgm:sp3d/>
-    <dgm:txPr/>
-    <dgm:style>
-      <a:lnRef idx="2">
-        <a:scrgbClr r="0" g="0" b="0"/>
-      </a:lnRef>
-      <a:fillRef idx="1">
-        <a:scrgbClr r="0" g="0" b="0"/>
-      </a:fillRef>
-      <a:effectRef idx="0">
-        <a:scrgbClr r="0" g="0" b="0"/>
-      </a:effectRef>
-      <a:fontRef idx="minor">
-        <a:schemeClr val="lt1"/>
-      </a:fontRef>
-    </dgm:style>
-  </dgm:styleLbl>
-  <dgm:styleLbl name="parChTrans2D2">
-    <dgm:scene3d>
-      <a:camera prst="orthographicFront"/>
-      <a:lightRig rig="threePt" dir="t"/>
-    </dgm:scene3d>
-    <dgm:sp3d/>
-    <dgm:txPr/>
-    <dgm:style>
-      <a:lnRef idx="2">
-        <a:scrgbClr r="0" g="0" b="0"/>
-      </a:lnRef>
-      <a:fillRef idx="1">
-        <a:scrgbClr r="0" g="0" b="0"/>
-      </a:fillRef>
-      <a:effectRef idx="0">
-        <a:scrgbClr r="0" g="0" b="0"/>
-      </a:effectRef>
-      <a:fontRef idx="minor">
-        <a:schemeClr val="lt1"/>
-      </a:fontRef>
-    </dgm:style>
-  </dgm:styleLbl>
-  <dgm:styleLbl name="parChTrans2D3">
-    <dgm:scene3d>
-      <a:camera prst="orthographicFront"/>
-      <a:lightRig rig="threePt" dir="t"/>
-    </dgm:scene3d>
-    <dgm:sp3d/>
-    <dgm:txPr/>
-    <dgm:style>
-      <a:lnRef idx="2">
-        <a:scrgbClr r="0" g="0" b="0"/>
-      </a:lnRef>
-      <a:fillRef idx="1">
-        <a:scrgbClr r="0" g="0" b="0"/>
-      </a:fillRef>
-      <a:effectRef idx="0">
-        <a:scrgbClr r="0" g="0" b="0"/>
-      </a:effectRef>
-      <a:fontRef idx="minor">
-        <a:schemeClr val="lt1"/>
-      </a:fontRef>
-    </dgm:style>
-  </dgm:styleLbl>
-  <dgm:styleLbl name="parChTrans2D4">
-    <dgm:scene3d>
-      <a:camera prst="orthographicFront"/>
-      <a:lightRig rig="threePt" dir="t"/>
-    </dgm:scene3d>
-    <dgm:sp3d/>
-    <dgm:txPr/>
-    <dgm:style>
-      <a:lnRef idx="2">
-        <a:scrgbClr r="0" g="0" b="0"/>
-      </a:lnRef>
-      <a:fillRef idx="1">
-        <a:scrgbClr r="0" g="0" b="0"/>
-      </a:fillRef>
-      <a:effectRef idx="0">
-        <a:scrgbClr r="0" g="0" b="0"/>
-      </a:effectRef>
-      <a:fontRef idx="minor">
-        <a:schemeClr val="lt1"/>
-      </a:fontRef>
-    </dgm:style>
-  </dgm:styleLbl>
-  <dgm:styleLbl name="parChTrans1D1">
-    <dgm:scene3d>
-      <a:camera prst="orthographicFront"/>
-      <a:lightRig rig="threePt" dir="t"/>
-    </dgm:scene3d>
-    <dgm:sp3d/>
-    <dgm:txPr/>
-    <dgm:style>
-      <a:lnRef idx="2">
-        <a:scrgbClr r="0" g="0" b="0"/>
-      </a:lnRef>
-      <a:fillRef idx="0">
-        <a:scrgbClr r="0" g="0" b="0"/>
-      </a:fillRef>
-      <a:effectRef idx="0">
-        <a:scrgbClr r="0" g="0" b="0"/>
-      </a:effectRef>
-      <a:fontRef idx="minor"/>
-    </dgm:style>
-  </dgm:styleLbl>
-  <dgm:styleLbl name="parChTrans1D2">
-    <dgm:scene3d>
-      <a:camera prst="orthographicFront"/>
-      <a:lightRig rig="threePt" dir="t"/>
-    </dgm:scene3d>
-    <dgm:sp3d/>
-    <dgm:txPr/>
-    <dgm:style>
-      <a:lnRef idx="2">
-        <a:scrgbClr r="0" g="0" b="0"/>
-      </a:lnRef>
-      <a:fillRef idx="0">
-        <a:scrgbClr r="0" g="0" b="0"/>
-      </a:fillRef>
-      <a:effectRef idx="0">
-        <a:scrgbClr r="0" g="0" b="0"/>
-      </a:effectRef>
-      <a:fontRef idx="minor"/>
-    </dgm:style>
-  </dgm:styleLbl>
-  <dgm:styleLbl name="parChTrans1D3">
-    <dgm:scene3d>
-      <a:camera prst="orthographicFront"/>
-      <a:lightRig rig="threePt" dir="t"/>
-    </dgm:scene3d>
-    <dgm:sp3d/>
-    <dgm:txPr/>
-    <dgm:style>
-      <a:lnRef idx="2">
-        <a:scrgbClr r="0" g="0" b="0"/>
-      </a:lnRef>
-      <a:fillRef idx="0">
-        <a:scrgbClr r="0" g="0" b="0"/>
-      </a:fillRef>
-      <a:effectRef idx="0">
-        <a:scrgbClr r="0" g="0" b="0"/>
-      </a:effectRef>
-      <a:fontRef idx="minor"/>
-    </dgm:style>
-  </dgm:styleLbl>
-  <dgm:styleLbl name="parChTrans1D4">
-    <dgm:scene3d>
-      <a:camera prst="orthographicFront"/>
-      <a:lightRig rig="threePt" dir="t"/>
-    </dgm:scene3d>
-    <dgm:sp3d/>
-    <dgm:txPr/>
-    <dgm:style>
-      <a:lnRef idx="2">
-        <a:scrgbClr r="0" g="0" b="0"/>
-      </a:lnRef>
-      <a:fillRef idx="0">
-        <a:scrgbClr r="0" g="0" b="0"/>
-      </a:fillRef>
-      <a:effectRef idx="0">
-        <a:scrgbClr r="0" g="0" b="0"/>
-      </a:effectRef>
-      <a:fontRef idx="minor"/>
-    </dgm:style>
-  </dgm:styleLbl>
-  <dgm:styleLbl name="fgAcc1">
-    <dgm:scene3d>
-      <a:camera prst="orthographicFront"/>
-      <a:lightRig rig="threePt" dir="t"/>
-    </dgm:scene3d>
-    <dgm:sp3d/>
-    <dgm:txPr/>
-    <dgm:style>
-      <a:lnRef idx="2">
-        <a:scrgbClr r="0" g="0" b="0"/>
-      </a:lnRef>
-      <a:fillRef idx="1">
-        <a:scrgbClr r="0" g="0" b="0"/>
-      </a:fillRef>
-      <a:effectRef idx="0">
-        <a:scrgbClr r="0" g="0" b="0"/>
-      </a:effectRef>
-      <a:fontRef idx="minor"/>
-    </dgm:style>
-  </dgm:styleLbl>
-  <dgm:styleLbl name="conFgAcc1">
-    <dgm:scene3d>
-      <a:camera prst="orthographicFront"/>
-      <a:lightRig rig="threePt" dir="t"/>
-    </dgm:scene3d>
-    <dgm:sp3d/>
-    <dgm:txPr/>
-    <dgm:style>
-      <a:lnRef idx="2">
-        <a:scrgbClr r="0" g="0" b="0"/>
-      </a:lnRef>
-      <a:fillRef idx="1">
-        <a:scrgbClr r="0" g="0" b="0"/>
-      </a:fillRef>
-      <a:effectRef idx="0">
-        <a:scrgbClr r="0" g="0" b="0"/>
-      </a:effectRef>
-      <a:fontRef idx="minor"/>
-    </dgm:style>
-  </dgm:styleLbl>
-  <dgm:styleLbl name="alignAcc1">
-    <dgm:scene3d>
-      <a:camera prst="orthographicFront"/>
-      <a:lightRig rig="threePt" dir="t"/>
-    </dgm:scene3d>
-    <dgm:sp3d/>
-    <dgm:txPr/>
-    <dgm:style>
-      <a:lnRef idx="2">
-        <a:scrgbClr r="0" g="0" b="0"/>
-      </a:lnRef>
-      <a:fillRef idx="1">
-        <a:scrgbClr r="0" g="0" b="0"/>
-      </a:fillRef>
-      <a:effectRef idx="0">
-        <a:scrgbClr r="0" g="0" b="0"/>
-      </a:effectRef>
-      <a:fontRef idx="minor"/>
-    </dgm:style>
-  </dgm:styleLbl>
-  <dgm:styleLbl name="trAlignAcc1">
-    <dgm:scene3d>
-      <a:camera prst="orthographicFront"/>
-      <a:lightRig rig="threePt" dir="t"/>
-    </dgm:scene3d>
-    <dgm:sp3d/>
-    <dgm:txPr/>
-    <dgm:style>
-      <a:lnRef idx="1">
-        <a:scrgbClr r="0" g="0" b="0"/>
-      </a:lnRef>
-      <a:fillRef idx="1">
-        <a:scrgbClr r="0" g="0" b="0"/>
-      </a:fillRef>
-      <a:effectRef idx="0">
-        <a:scrgbClr r="0" g="0" b="0"/>
-      </a:effectRef>
-      <a:fontRef idx="minor"/>
-    </dgm:style>
-  </dgm:styleLbl>
-  <dgm:styleLbl name="bgAcc1">
-    <dgm:scene3d>
-      <a:camera prst="orthographicFront"/>
-      <a:lightRig rig="threePt" dir="t"/>
-    </dgm:scene3d>
-    <dgm:sp3d/>
-    <dgm:txPr/>
-    <dgm:style>
-      <a:lnRef idx="2">
-        <a:scrgbClr r="0" g="0" b="0"/>
-      </a:lnRef>
-      <a:fillRef idx="1">
-        <a:scrgbClr r="0" g="0" b="0"/>
-      </a:fillRef>
-      <a:effectRef idx="0">
-        <a:scrgbClr r="0" g="0" b="0"/>
-      </a:effectRef>
-      <a:fontRef idx="minor"/>
-    </dgm:style>
-  </dgm:styleLbl>
-  <dgm:styleLbl name="solidFgAcc1">
-    <dgm:scene3d>
-      <a:camera prst="orthographicFront"/>
-      <a:lightRig rig="threePt" dir="t"/>
-    </dgm:scene3d>
-    <dgm:sp3d/>
-    <dgm:txPr/>
-    <dgm:style>
-      <a:lnRef idx="2">
-        <a:scrgbClr r="0" g="0" b="0"/>
-      </a:lnRef>
-      <a:fillRef idx="1">
-        <a:scrgbClr r="0" g="0" b="0"/>
-      </a:fillRef>
-      <a:effectRef idx="0">
-        <a:scrgbClr r="0" g="0" b="0"/>
-      </a:effectRef>
-      <a:fontRef idx="minor"/>
-    </dgm:style>
-  </dgm:styleLbl>
-  <dgm:styleLbl name="solidAlignAcc1">
-    <dgm:scene3d>
-      <a:camera prst="orthographicFront"/>
-      <a:lightRig rig="threePt" dir="t"/>
-    </dgm:scene3d>
-    <dgm:sp3d/>
-    <dgm:txPr/>
-    <dgm:style>
-      <a:lnRef idx="2">
-        <a:scrgbClr r="0" g="0" b="0"/>
-      </a:lnRef>
-      <a:fillRef idx="1">
-        <a:scrgbClr r="0" g="0" b="0"/>
-      </a:fillRef>
-      <a:effectRef idx="0">
-        <a:scrgbClr r="0" g="0" b="0"/>
-      </a:effectRef>
-      <a:fontRef idx="minor"/>
-    </dgm:style>
-  </dgm:styleLbl>
-  <dgm:styleLbl name="solidBgAcc1">
-    <dgm:scene3d>
-      <a:camera prst="orthographicFront"/>
-      <a:lightRig rig="threePt" dir="t"/>
-    </dgm:scene3d>
-    <dgm:sp3d/>
-    <dgm:txPr/>
-    <dgm:style>
-      <a:lnRef idx="2">
-        <a:scrgbClr r="0" g="0" b="0"/>
-      </a:lnRef>
-      <a:fillRef idx="1">
-        <a:scrgbClr r="0" g="0" b="0"/>
-      </a:fillRef>
-      <a:effectRef idx="0">
-        <a:scrgbClr r="0" g="0" b="0"/>
-      </a:effectRef>
-      <a:fontRef idx="minor"/>
-    </dgm:style>
-  </dgm:styleLbl>
-  <dgm:styleLbl name="fgAccFollowNode1">
-    <dgm:scene3d>
-      <a:camera prst="orthographicFront"/>
-      <a:lightRig rig="threePt" dir="t"/>
-    </dgm:scene3d>
-    <dgm:sp3d/>
-    <dgm:txPr/>
-    <dgm:style>
-      <a:lnRef idx="2">
-        <a:scrgbClr r="0" g="0" b="0"/>
-      </a:lnRef>
-      <a:fillRef idx="1">
-        <a:scrgbClr r="0" g="0" b="0"/>
-      </a:fillRef>
-      <a:effectRef idx="0">
-        <a:scrgbClr r="0" g="0" b="0"/>
-      </a:effectRef>
-      <a:fontRef idx="minor"/>
-    </dgm:style>
-  </dgm:styleLbl>
-  <dgm:styleLbl name="alignAccFollowNode1">
-    <dgm:scene3d>
-      <a:camera prst="orthographicFront"/>
-      <a:lightRig rig="threePt" dir="t"/>
-    </dgm:scene3d>
-    <dgm:sp3d/>
-    <dgm:txPr/>
-    <dgm:style>
-      <a:lnRef idx="2">
-        <a:scrgbClr r="0" g="0" b="0"/>
-      </a:lnRef>
-      <a:fillRef idx="1">
-        <a:scrgbClr r="0" g="0" b="0"/>
-      </a:fillRef>
-      <a:effectRef idx="0">
-        <a:scrgbClr r="0" g="0" b="0"/>
-      </a:effectRef>
-      <a:fontRef idx="minor"/>
-    </dgm:style>
-  </dgm:styleLbl>
-  <dgm:styleLbl name="bgAccFollowNode1">
-    <dgm:scene3d>
-      <a:camera prst="orthographicFront"/>
-      <a:lightRig rig="threePt" dir="t"/>
-    </dgm:scene3d>
-    <dgm:sp3d/>
-    <dgm:txPr/>
-    <dgm:style>
-      <a:lnRef idx="2">
-        <a:scrgbClr r="0" g="0" b="0"/>
-      </a:lnRef>
-      <a:fillRef idx="1">
-        <a:scrgbClr r="0" g="0" b="0"/>
-      </a:fillRef>
-      <a:effectRef idx="0">
-        <a:scrgbClr r="0" g="0" b="0"/>
-      </a:effectRef>
-      <a:fontRef idx="minor"/>
-    </dgm:style>
-  </dgm:styleLbl>
-  <dgm:styleLbl name="fgAcc0">
-    <dgm:scene3d>
-      <a:camera prst="orthographicFront"/>
-      <a:lightRig rig="threePt" dir="t"/>
-    </dgm:scene3d>
-    <dgm:sp3d/>
-    <dgm:txPr/>
-    <dgm:style>
-      <a:lnRef idx="2">
-        <a:scrgbClr r="0" g="0" b="0"/>
-      </a:lnRef>
-      <a:fillRef idx="1">
-        <a:scrgbClr r="0" g="0" b="0"/>
-      </a:fillRef>
-      <a:effectRef idx="0">
-        <a:scrgbClr r="0" g="0" b="0"/>
-      </a:effectRef>
-      <a:fontRef idx="minor"/>
-    </dgm:style>
-  </dgm:styleLbl>
-  <dgm:styleLbl name="fgAcc2">
-    <dgm:scene3d>
-      <a:camera prst="orthographicFront"/>
-      <a:lightRig rig="threePt" dir="t"/>
-    </dgm:scene3d>
-    <dgm:sp3d/>
-    <dgm:txPr/>
-    <dgm:style>
-      <a:lnRef idx="2">
-        <a:scrgbClr r="0" g="0" b="0"/>
-      </a:lnRef>
-      <a:fillRef idx="1">
-        <a:scrgbClr r="0" g="0" b="0"/>
-      </a:fillRef>
-      <a:effectRef idx="0">
-        <a:scrgbClr r="0" g="0" b="0"/>
-      </a:effectRef>
-      <a:fontRef idx="minor"/>
-    </dgm:style>
-  </dgm:styleLbl>
-  <dgm:styleLbl name="fgAcc3">
-    <dgm:scene3d>
-      <a:camera prst="orthographicFront"/>
-      <a:lightRig rig="threePt" dir="t"/>
-    </dgm:scene3d>
-    <dgm:sp3d/>
-    <dgm:txPr/>
-    <dgm:style>
-      <a:lnRef idx="2">
-        <a:scrgbClr r="0" g="0" b="0"/>
-      </a:lnRef>
-      <a:fillRef idx="1">
-        <a:scrgbClr r="0" g="0" b="0"/>
-      </a:fillRef>
-      <a:effectRef idx="0">
-        <a:scrgbClr r="0" g="0" b="0"/>
-      </a:effectRef>
-      <a:fontRef idx="minor"/>
-    </dgm:style>
-  </dgm:styleLbl>
-  <dgm:styleLbl name="fgAcc4">
-    <dgm:scene3d>
-      <a:camera prst="orthographicFront"/>
-      <a:lightRig rig="threePt" dir="t"/>
-    </dgm:scene3d>
-    <dgm:sp3d/>
-    <dgm:txPr/>
-    <dgm:style>
-      <a:lnRef idx="2">
-        <a:scrgbClr r="0" g="0" b="0"/>
-      </a:lnRef>
-      <a:fillRef idx="1">
-        <a:scrgbClr r="0" g="0" b="0"/>
-      </a:fillRef>
-      <a:effectRef idx="0">
-        <a:scrgbClr r="0" g="0" b="0"/>
-      </a:effectRef>
-      <a:fontRef idx="minor"/>
-    </dgm:style>
-  </dgm:styleLbl>
-  <dgm:styleLbl name="bgShp">
-    <dgm:scene3d>
-      <a:camera prst="orthographicFront"/>
-      <a:lightRig rig="threePt" dir="t"/>
-    </dgm:scene3d>
-    <dgm:sp3d/>
-    <dgm:txPr/>
-    <dgm:style>
-      <a:lnRef idx="0">
-        <a:scrgbClr r="0" g="0" b="0"/>
-      </a:lnRef>
-      <a:fillRef idx="1">
-        <a:scrgbClr r="0" g="0" b="0"/>
-      </a:fillRef>
-      <a:effectRef idx="0">
-        <a:scrgbClr r="0" g="0" b="0"/>
-      </a:effectRef>
-      <a:fontRef idx="minor"/>
-    </dgm:style>
-  </dgm:styleLbl>
-  <dgm:styleLbl name="dkBgShp">
-    <dgm:scene3d>
-      <a:camera prst="orthographicFront"/>
-      <a:lightRig rig="threePt" dir="t"/>
-    </dgm:scene3d>
-    <dgm:sp3d/>
-    <dgm:txPr/>
-    <dgm:style>
-      <a:lnRef idx="0">
-        <a:scrgbClr r="0" g="0" b="0"/>
-      </a:lnRef>
-      <a:fillRef idx="1">
-        <a:scrgbClr r="0" g="0" b="0"/>
-      </a:fillRef>
-      <a:effectRef idx="0">
-        <a:scrgbClr r="0" g="0" b="0"/>
-      </a:effectRef>
-      <a:fontRef idx="minor"/>
-    </dgm:style>
-  </dgm:styleLbl>
-  <dgm:styleLbl name="trBgShp">
-    <dgm:scene3d>
-      <a:camera prst="orthographicFront"/>
-      <a:lightRig rig="threePt" dir="t"/>
-    </dgm:scene3d>
-    <dgm:sp3d/>
-    <dgm:txPr/>
-    <dgm:style>
-      <a:lnRef idx="0">
-        <a:scrgbClr r="0" g="0" b="0"/>
-      </a:lnRef>
-      <a:fillRef idx="1">
-        <a:scrgbClr r="0" g="0" b="0"/>
-      </a:fillRef>
-      <a:effectRef idx="0">
-        <a:scrgbClr r="0" g="0" b="0"/>
-      </a:effectRef>
-      <a:fontRef idx="minor"/>
-    </dgm:style>
-  </dgm:styleLbl>
-  <dgm:styleLbl name="fgShp">
-    <dgm:scene3d>
-      <a:camera prst="orthographicFront"/>
-      <a:lightRig rig="threePt" dir="t"/>
-    </dgm:scene3d>
-    <dgm:sp3d/>
-    <dgm:txPr/>
-    <dgm:style>
-      <a:lnRef idx="2">
-        <a:scrgbClr r="0" g="0" b="0"/>
-      </a:lnRef>
-      <a:fillRef idx="1">
-        <a:scrgbClr r="0" g="0" b="0"/>
-      </a:fillRef>
-      <a:effectRef idx="0">
-        <a:scrgbClr r="0" g="0" b="0"/>
-      </a:effectRef>
-      <a:fontRef idx="minor"/>
-    </dgm:style>
-  </dgm:styleLbl>
-  <dgm:styleLbl name="revTx">
-    <dgm:scene3d>
-      <a:camera prst="orthographicFront"/>
-      <a:lightRig rig="threePt" dir="t"/>
-    </dgm:scene3d>
-    <dgm:sp3d/>
-    <dgm:txPr/>
-    <dgm:style>
-      <a:lnRef idx="0">
-        <a:scrgbClr r="0" g="0" b="0"/>
-      </a:lnRef>
-      <a:fillRef idx="0">
-        <a:scrgbClr r="0" g="0" b="0"/>
-      </a:fillRef>
-      <a:effectRef idx="0">
-        <a:scrgbClr r="0" g="0" b="0"/>
-      </a:effectRef>
-      <a:fontRef idx="minor"/>
-    </dgm:style>
-  </dgm:styleLbl>
-</dgm:styleDef>
-</file>
-
-<file path=ppt/diagrams/quickStyle3.xml><?xml version="1.0" encoding="utf-8"?>
 <dgm:styleDef xmlns:dgm="http://schemas.openxmlformats.org/drawingml/2006/diagram" xmlns:a="http://schemas.openxmlformats.org/drawingml/2006/main" uniqueId="urn:microsoft.com/office/officeart/2005/8/quickstyle/simple1">
   <dgm:title val=""/>
   <dgm:desc val=""/>
@@ -9684,7 +6728,7 @@
           <a:p>
             <a:fld id="{EA0C0817-A112-4847-8014-A94B7D2A4EA3}" type="datetime1">
               <a:rPr lang="en-US" smtClean="0"/>
-              <a:t>12/2/19</a:t>
+              <a:t>12/2/2019</a:t>
             </a:fld>
             <a:endParaRPr lang="en-US" dirty="0"/>
           </a:p>
@@ -9886,7 +6930,7 @@
           <a:p>
             <a:fld id="{134F40B7-36AB-4376-BE14-EF7004D79BB9}" type="datetime1">
               <a:rPr lang="en-US" smtClean="0"/>
-              <a:t>12/2/19</a:t>
+              <a:t>12/2/2019</a:t>
             </a:fld>
             <a:endParaRPr lang="en-US"/>
           </a:p>
@@ -10066,7 +7110,7 @@
           <a:p>
             <a:fld id="{FF87CAB8-DCAE-46A5-AADA-B3FAD11A54E0}" type="datetime1">
               <a:rPr lang="en-US" smtClean="0"/>
-              <a:t>12/2/19</a:t>
+              <a:t>12/2/2019</a:t>
             </a:fld>
             <a:endParaRPr lang="en-US"/>
           </a:p>
@@ -10236,7 +7280,7 @@
           <a:p>
             <a:fld id="{7332B432-ACDA-4023-A761-2BAB76577B62}" type="datetime1">
               <a:rPr lang="en-US" smtClean="0"/>
-              <a:t>12/2/19</a:t>
+              <a:t>12/2/2019</a:t>
             </a:fld>
             <a:endParaRPr lang="en-US"/>
           </a:p>
@@ -10835,7 +7879,7 @@
           <a:p>
             <a:fld id="{D9C646AA-F36E-4540-911D-FFFC0A0EF24A}" type="datetime1">
               <a:rPr lang="en-US" smtClean="0"/>
-              <a:t>12/2/19</a:t>
+              <a:t>12/2/2019</a:t>
             </a:fld>
             <a:endParaRPr lang="en-US" dirty="0"/>
           </a:p>
@@ -11155,7 +8199,7 @@
           <a:p>
             <a:fld id="{69186D26-FA5F-4637-B602-B7C2DC34CFD4}" type="datetime1">
               <a:rPr lang="en-US" smtClean="0"/>
-              <a:t>12/2/19</a:t>
+              <a:t>12/2/2019</a:t>
             </a:fld>
             <a:endParaRPr lang="en-US"/>
           </a:p>
@@ -11590,7 +8634,7 @@
           <a:p>
             <a:fld id="{8A7F15D8-96D1-4781-BC50-CA8A088B2FE4}" type="datetime1">
               <a:rPr lang="en-US" smtClean="0"/>
-              <a:t>12/2/19</a:t>
+              <a:t>12/2/2019</a:t>
             </a:fld>
             <a:endParaRPr lang="en-US"/>
           </a:p>
@@ -11708,7 +8752,7 @@
           <a:p>
             <a:fld id="{F9A96C99-B8F8-4528-BD05-0E16E943DC09}" type="datetime1">
               <a:rPr lang="en-US" smtClean="0"/>
-              <a:t>12/2/19</a:t>
+              <a:t>12/2/2019</a:t>
             </a:fld>
             <a:endParaRPr lang="en-US"/>
           </a:p>
@@ -11803,7 +8847,7 @@
           <a:p>
             <a:fld id="{03636942-C211-4B28-8DBD-C953E00AF71B}" type="datetime1">
               <a:rPr lang="en-US" smtClean="0"/>
-              <a:t>12/2/19</a:t>
+              <a:t>12/2/2019</a:t>
             </a:fld>
             <a:endParaRPr lang="en-US"/>
           </a:p>
@@ -12220,7 +9264,7 @@
           <a:p>
             <a:fld id="{7E8D12A6-918A-48BD-8CB9-CA713993B0EA}" type="datetime1">
               <a:rPr lang="en-US" smtClean="0"/>
-              <a:t>12/2/19</a:t>
+              <a:t>12/2/2019</a:t>
             </a:fld>
             <a:endParaRPr lang="en-US"/>
           </a:p>
@@ -12482,7 +9526,7 @@
             <a:fld id="{E778CE86-875F-4587-BCF6-FA054AFC0D53}" type="datetime1">
               <a:rPr lang="en-US" smtClean="0"/>
               <a:pPr/>
-              <a:t>12/2/19</a:t>
+              <a:t>12/2/2019</a:t>
             </a:fld>
             <a:endParaRPr lang="en-US" dirty="0"/>
           </a:p>
@@ -12998,7 +10042,7 @@
           <a:p>
             <a:fld id="{F6FA2B21-3FCD-4721-B95C-427943F61125}" type="datetime1">
               <a:rPr lang="en-US" smtClean="0"/>
-              <a:t>12/2/19</a:t>
+              <a:t>12/2/2019</a:t>
             </a:fld>
             <a:endParaRPr lang="en-US"/>
           </a:p>
@@ -13781,6 +10825,1022 @@
           <a:chExt cx="0" cy="0"/>
         </a:xfrm>
       </p:grpSpPr>
+      <p:pic>
+        <p:nvPicPr>
+          <p:cNvPr id="7" name="Picture 6">
+            <a:extLst>
+              <a:ext uri="{FF2B5EF4-FFF2-40B4-BE49-F238E27FC236}">
+                <a16:creationId xmlns:a16="http://schemas.microsoft.com/office/drawing/2014/main" id="{D4061D13-870C-184C-8652-20E722370DE4}"/>
+              </a:ext>
+            </a:extLst>
+          </p:cNvPr>
+          <p:cNvPicPr>
+            <a:picLocks noChangeAspect="1"/>
+          </p:cNvPicPr>
+          <p:nvPr/>
+        </p:nvPicPr>
+        <p:blipFill>
+          <a:blip r:embed="rId2"/>
+          <a:stretch>
+            <a:fillRect/>
+          </a:stretch>
+        </p:blipFill>
+        <p:spPr>
+          <a:xfrm>
+            <a:off x="4514852" y="647700"/>
+            <a:ext cx="7467600" cy="5562600"/>
+          </a:xfrm>
+          <a:prstGeom prst="rect">
+            <a:avLst/>
+          </a:prstGeom>
+        </p:spPr>
+      </p:pic>
+      <p:sp>
+        <p:nvSpPr>
+          <p:cNvPr id="10" name="TextBox 9">
+            <a:extLst>
+              <a:ext uri="{FF2B5EF4-FFF2-40B4-BE49-F238E27FC236}">
+                <a16:creationId xmlns:a16="http://schemas.microsoft.com/office/drawing/2014/main" id="{CF1FFED6-6B67-9E47-8BB1-65AE5B22806C}"/>
+              </a:ext>
+            </a:extLst>
+          </p:cNvPr>
+          <p:cNvSpPr txBox="1"/>
+          <p:nvPr/>
+        </p:nvSpPr>
+        <p:spPr>
+          <a:xfrm>
+            <a:off x="357187" y="647700"/>
+            <a:ext cx="4029075" cy="4062651"/>
+          </a:xfrm>
+          <a:prstGeom prst="rect">
+            <a:avLst/>
+          </a:prstGeom>
+          <a:noFill/>
+        </p:spPr>
+        <p:txBody>
+          <a:bodyPr wrap="square" rtlCol="0">
+            <a:spAutoFit/>
+          </a:bodyPr>
+          <a:lstStyle/>
+          <a:p>
+            <a:pPr algn="ctr"/>
+            <a:r>
+              <a:rPr lang="en-US" sz="2400" b="1" dirty="0"/>
+              <a:t>Functionality of Main Loop:</a:t>
+            </a:r>
+          </a:p>
+          <a:p>
+            <a:endParaRPr lang="en-US" dirty="0"/>
+          </a:p>
+          <a:p>
+            <a:pPr marL="285750" indent="-285750">
+              <a:buFont typeface="Arial" panose="020B0604020202020204" pitchFamily="34" charset="0"/>
+              <a:buChar char="•"/>
+            </a:pPr>
+            <a:r>
+              <a:rPr lang="en-US" dirty="0"/>
+              <a:t>Points A-D are predetermined in the file.</a:t>
+            </a:r>
+          </a:p>
+          <a:p>
+            <a:pPr marL="285750" indent="-285750">
+              <a:buFont typeface="Arial" panose="020B0604020202020204" pitchFamily="34" charset="0"/>
+              <a:buChar char="•"/>
+            </a:pPr>
+            <a:endParaRPr lang="en-US" dirty="0"/>
+          </a:p>
+          <a:p>
+            <a:pPr marL="285750" indent="-285750">
+              <a:buFont typeface="Arial" panose="020B0604020202020204" pitchFamily="34" charset="0"/>
+              <a:buChar char="•"/>
+            </a:pPr>
+            <a:r>
+              <a:rPr lang="en-US" dirty="0"/>
+              <a:t>A command is published to </a:t>
+            </a:r>
+            <a:r>
+              <a:rPr lang="en-US" sz="1600" dirty="0">
+                <a:latin typeface="Courier New" panose="02070309020205020404" pitchFamily="49" charset="0"/>
+                <a:cs typeface="Courier New" panose="02070309020205020404" pitchFamily="49" charset="0"/>
+              </a:rPr>
+              <a:t>/</a:t>
+            </a:r>
+            <a:r>
+              <a:rPr lang="en-US" sz="1600" dirty="0" err="1">
+                <a:latin typeface="Courier New" panose="02070309020205020404" pitchFamily="49" charset="0"/>
+                <a:cs typeface="Courier New" panose="02070309020205020404" pitchFamily="49" charset="0"/>
+              </a:rPr>
+              <a:t>arm_gestures</a:t>
+            </a:r>
+            <a:r>
+              <a:rPr lang="en-US" sz="1600" dirty="0">
+                <a:latin typeface="Courier New" panose="02070309020205020404" pitchFamily="49" charset="0"/>
+                <a:cs typeface="Courier New" panose="02070309020205020404" pitchFamily="49" charset="0"/>
+              </a:rPr>
+              <a:t> </a:t>
+            </a:r>
+            <a:r>
+              <a:rPr lang="en-US" dirty="0"/>
+              <a:t>channel and is saved to </a:t>
+            </a:r>
+            <a:r>
+              <a:rPr lang="en-US" sz="1600" dirty="0" err="1">
+                <a:latin typeface="Courier New" panose="02070309020205020404" pitchFamily="49" charset="0"/>
+                <a:cs typeface="Courier New" panose="02070309020205020404" pitchFamily="49" charset="0"/>
+              </a:rPr>
+              <a:t>position.data</a:t>
+            </a:r>
+            <a:r>
+              <a:rPr lang="en-US" dirty="0"/>
+              <a:t>.</a:t>
+            </a:r>
+          </a:p>
+          <a:p>
+            <a:pPr marL="285750" indent="-285750">
+              <a:buFont typeface="Arial" panose="020B0604020202020204" pitchFamily="34" charset="0"/>
+              <a:buChar char="•"/>
+            </a:pPr>
+            <a:endParaRPr lang="en-US" dirty="0"/>
+          </a:p>
+          <a:p>
+            <a:pPr marL="285750" indent="-285750">
+              <a:buFont typeface="Arial" panose="020B0604020202020204" pitchFamily="34" charset="0"/>
+              <a:buChar char="•"/>
+            </a:pPr>
+            <a:r>
+              <a:rPr lang="en-US" dirty="0"/>
+              <a:t>The </a:t>
+            </a:r>
+            <a:r>
+              <a:rPr lang="en-US" sz="1600" dirty="0">
+                <a:latin typeface="Courier New" panose="02070309020205020404" pitchFamily="49" charset="0"/>
+                <a:cs typeface="Courier New" panose="02070309020205020404" pitchFamily="49" charset="0"/>
+              </a:rPr>
+              <a:t>position</a:t>
+            </a:r>
+            <a:r>
+              <a:rPr lang="en-US" dirty="0"/>
+              <a:t> message is evaluated in the main loop.</a:t>
+            </a:r>
+          </a:p>
+          <a:p>
+            <a:pPr marL="285750" indent="-285750">
+              <a:buFont typeface="Arial" panose="020B0604020202020204" pitchFamily="34" charset="0"/>
+              <a:buChar char="•"/>
+            </a:pPr>
+            <a:endParaRPr lang="en-US" dirty="0"/>
+          </a:p>
+          <a:p>
+            <a:pPr marL="285750" indent="-285750">
+              <a:buFont typeface="Arial" panose="020B0604020202020204" pitchFamily="34" charset="0"/>
+              <a:buChar char="•"/>
+            </a:pPr>
+            <a:r>
+              <a:rPr lang="en-US" sz="1600" dirty="0" err="1">
+                <a:latin typeface="Courier New" panose="02070309020205020404" pitchFamily="49" charset="0"/>
+                <a:cs typeface="Courier New" panose="02070309020205020404" pitchFamily="49" charset="0"/>
+              </a:rPr>
+              <a:t>arm_gesture</a:t>
+            </a:r>
+            <a:r>
+              <a:rPr lang="en-US" sz="1600" dirty="0">
+                <a:latin typeface="Courier New" panose="02070309020205020404" pitchFamily="49" charset="0"/>
+                <a:cs typeface="Courier New" panose="02070309020205020404" pitchFamily="49" charset="0"/>
+              </a:rPr>
+              <a:t> </a:t>
+            </a:r>
+            <a:r>
+              <a:rPr lang="en-US" dirty="0"/>
+              <a:t>points are set according to the message received.</a:t>
+            </a:r>
+          </a:p>
+        </p:txBody>
+      </p:sp>
+    </p:spTree>
+    <p:extLst>
+      <p:ext uri="{BB962C8B-B14F-4D97-AF65-F5344CB8AC3E}">
+        <p14:creationId xmlns:p14="http://schemas.microsoft.com/office/powerpoint/2010/main" val="4192810952"/>
+      </p:ext>
+    </p:extLst>
+  </p:cSld>
+  <p:clrMapOvr>
+    <a:masterClrMapping/>
+  </p:clrMapOvr>
+</p:sld>
+</file>
+
+<file path=ppt/slides/slide11.xml><?xml version="1.0" encoding="utf-8"?>
+<p:sld xmlns:a="http://schemas.openxmlformats.org/drawingml/2006/main" xmlns:r="http://schemas.openxmlformats.org/officeDocument/2006/relationships" xmlns:p="http://schemas.openxmlformats.org/presentationml/2006/main">
+  <p:cSld>
+    <p:spTree>
+      <p:nvGrpSpPr>
+        <p:cNvPr id="1" name=""/>
+        <p:cNvGrpSpPr/>
+        <p:nvPr/>
+      </p:nvGrpSpPr>
+      <p:grpSpPr>
+        <a:xfrm>
+          <a:off x="0" y="0"/>
+          <a:ext cx="0" cy="0"/>
+          <a:chOff x="0" y="0"/>
+          <a:chExt cx="0" cy="0"/>
+        </a:xfrm>
+      </p:grpSpPr>
+      <p:sp>
+        <p:nvSpPr>
+          <p:cNvPr id="10" name="TextBox 9">
+            <a:extLst>
+              <a:ext uri="{FF2B5EF4-FFF2-40B4-BE49-F238E27FC236}">
+                <a16:creationId xmlns:a16="http://schemas.microsoft.com/office/drawing/2014/main" id="{CF1FFED6-6B67-9E47-8BB1-65AE5B22806C}"/>
+              </a:ext>
+            </a:extLst>
+          </p:cNvPr>
+          <p:cNvSpPr txBox="1"/>
+          <p:nvPr/>
+        </p:nvSpPr>
+        <p:spPr>
+          <a:xfrm>
+            <a:off x="357187" y="647700"/>
+            <a:ext cx="4029075" cy="2954655"/>
+          </a:xfrm>
+          <a:prstGeom prst="rect">
+            <a:avLst/>
+          </a:prstGeom>
+          <a:noFill/>
+        </p:spPr>
+        <p:txBody>
+          <a:bodyPr wrap="square" rtlCol="0">
+            <a:spAutoFit/>
+          </a:bodyPr>
+          <a:lstStyle/>
+          <a:p>
+            <a:pPr algn="ctr"/>
+            <a:r>
+              <a:rPr lang="en-US" sz="2400" b="1" dirty="0"/>
+              <a:t>Variable Definitions:</a:t>
+            </a:r>
+          </a:p>
+          <a:p>
+            <a:endParaRPr lang="en-US" dirty="0"/>
+          </a:p>
+          <a:p>
+            <a:pPr marL="285750" indent="-285750">
+              <a:buFont typeface="Arial" panose="020B0604020202020204" pitchFamily="34" charset="0"/>
+              <a:buChar char="•"/>
+            </a:pPr>
+            <a:r>
+              <a:rPr lang="en-US" dirty="0"/>
+              <a:t>One </a:t>
+            </a:r>
+            <a:r>
+              <a:rPr lang="en-US" dirty="0" err="1"/>
+              <a:t>JointTrajectory</a:t>
+            </a:r>
+            <a:r>
+              <a:rPr lang="en-US" dirty="0"/>
+              <a:t> variable (</a:t>
+            </a:r>
+            <a:r>
+              <a:rPr lang="en-US" sz="1600" dirty="0" err="1">
+                <a:latin typeface="Courier New" panose="02070309020205020404" pitchFamily="49" charset="0"/>
+                <a:cs typeface="Courier New" panose="02070309020205020404" pitchFamily="49" charset="0"/>
+              </a:rPr>
+              <a:t>arm_gesture</a:t>
+            </a:r>
+            <a:r>
+              <a:rPr lang="en-US" dirty="0"/>
+              <a:t>) is used to move all points.</a:t>
+            </a:r>
+          </a:p>
+          <a:p>
+            <a:pPr marL="285750" indent="-285750">
+              <a:buFont typeface="Arial" panose="020B0604020202020204" pitchFamily="34" charset="0"/>
+              <a:buChar char="•"/>
+            </a:pPr>
+            <a:endParaRPr lang="en-US" dirty="0"/>
+          </a:p>
+          <a:p>
+            <a:pPr marL="285750" indent="-285750">
+              <a:buFont typeface="Arial" panose="020B0604020202020204" pitchFamily="34" charset="0"/>
+              <a:buChar char="•"/>
+            </a:pPr>
+            <a:r>
+              <a:rPr lang="en-US" sz="1600" dirty="0" err="1">
+                <a:latin typeface="Courier New" panose="02070309020205020404" pitchFamily="49" charset="0"/>
+                <a:cs typeface="Courier New" panose="02070309020205020404" pitchFamily="49" charset="0"/>
+              </a:rPr>
+              <a:t>Arm_gesture_points.positions</a:t>
+            </a:r>
+            <a:r>
+              <a:rPr lang="en-US" sz="1600" dirty="0">
+                <a:latin typeface="Courier New" panose="02070309020205020404" pitchFamily="49" charset="0"/>
+                <a:cs typeface="Courier New" panose="02070309020205020404" pitchFamily="49" charset="0"/>
+              </a:rPr>
+              <a:t> </a:t>
+            </a:r>
+            <a:r>
+              <a:rPr lang="en-US" dirty="0"/>
+              <a:t>is overwritten by each point location and depends on the message received from /</a:t>
+            </a:r>
+            <a:r>
+              <a:rPr lang="en-US" dirty="0" err="1"/>
+              <a:t>arm_gestures</a:t>
+            </a:r>
+            <a:r>
+              <a:rPr lang="en-US" dirty="0"/>
+              <a:t> channel.</a:t>
+            </a:r>
+          </a:p>
+        </p:txBody>
+      </p:sp>
+      <p:pic>
+        <p:nvPicPr>
+          <p:cNvPr id="3" name="Picture 2" descr="A screenshot of a cell phone&#10;&#10;Description automatically generated">
+            <a:extLst>
+              <a:ext uri="{FF2B5EF4-FFF2-40B4-BE49-F238E27FC236}">
+                <a16:creationId xmlns:a16="http://schemas.microsoft.com/office/drawing/2014/main" id="{2D212A2F-8DE0-9A40-A78D-9A58D2C26DD8}"/>
+              </a:ext>
+            </a:extLst>
+          </p:cNvPr>
+          <p:cNvPicPr>
+            <a:picLocks noChangeAspect="1"/>
+          </p:cNvPicPr>
+          <p:nvPr/>
+        </p:nvPicPr>
+        <p:blipFill>
+          <a:blip r:embed="rId2"/>
+          <a:stretch>
+            <a:fillRect/>
+          </a:stretch>
+        </p:blipFill>
+        <p:spPr>
+          <a:xfrm>
+            <a:off x="4586287" y="107950"/>
+            <a:ext cx="7391400" cy="6642100"/>
+          </a:xfrm>
+          <a:prstGeom prst="rect">
+            <a:avLst/>
+          </a:prstGeom>
+        </p:spPr>
+      </p:pic>
+      <p:sp>
+        <p:nvSpPr>
+          <p:cNvPr id="4" name="Oval 3">
+            <a:extLst>
+              <a:ext uri="{FF2B5EF4-FFF2-40B4-BE49-F238E27FC236}">
+                <a16:creationId xmlns:a16="http://schemas.microsoft.com/office/drawing/2014/main" id="{2649E8B2-98F2-B148-99F3-57E3286EEC51}"/>
+              </a:ext>
+            </a:extLst>
+          </p:cNvPr>
+          <p:cNvSpPr/>
+          <p:nvPr/>
+        </p:nvSpPr>
+        <p:spPr>
+          <a:xfrm>
+            <a:off x="4481509" y="3714750"/>
+            <a:ext cx="3576637" cy="314325"/>
+          </a:xfrm>
+          <a:prstGeom prst="ellipse">
+            <a:avLst/>
+          </a:prstGeom>
+          <a:noFill/>
+          <a:ln w="38100">
+            <a:solidFill>
+              <a:srgbClr val="FF0000"/>
+            </a:solidFill>
+          </a:ln>
+        </p:spPr>
+        <p:style>
+          <a:lnRef idx="2">
+            <a:schemeClr val="accent1">
+              <a:shade val="50000"/>
+            </a:schemeClr>
+          </a:lnRef>
+          <a:fillRef idx="1">
+            <a:schemeClr val="accent1"/>
+          </a:fillRef>
+          <a:effectRef idx="0">
+            <a:schemeClr val="accent1"/>
+          </a:effectRef>
+          <a:fontRef idx="minor">
+            <a:schemeClr val="lt1"/>
+          </a:fontRef>
+        </p:style>
+        <p:txBody>
+          <a:bodyPr rtlCol="0" anchor="ctr"/>
+          <a:lstStyle/>
+          <a:p>
+            <a:pPr algn="ctr"/>
+            <a:endParaRPr lang="en-US"/>
+          </a:p>
+        </p:txBody>
+      </p:sp>
+      <p:sp>
+        <p:nvSpPr>
+          <p:cNvPr id="17" name="Freeform 16">
+            <a:extLst>
+              <a:ext uri="{FF2B5EF4-FFF2-40B4-BE49-F238E27FC236}">
+                <a16:creationId xmlns:a16="http://schemas.microsoft.com/office/drawing/2014/main" id="{53896725-728C-4946-B6DE-543998933ABF}"/>
+              </a:ext>
+            </a:extLst>
+          </p:cNvPr>
+          <p:cNvSpPr/>
+          <p:nvPr/>
+        </p:nvSpPr>
+        <p:spPr>
+          <a:xfrm>
+            <a:off x="3900384" y="3871913"/>
+            <a:ext cx="585891" cy="2100262"/>
+          </a:xfrm>
+          <a:custGeom>
+            <a:avLst/>
+            <a:gdLst>
+              <a:gd name="connsiteX0" fmla="*/ 986442 w 986442"/>
+              <a:gd name="connsiteY0" fmla="*/ 0 h 2228850"/>
+              <a:gd name="connsiteX1" fmla="*/ 605 w 986442"/>
+              <a:gd name="connsiteY1" fmla="*/ 1214437 h 2228850"/>
+              <a:gd name="connsiteX2" fmla="*/ 843567 w 986442"/>
+              <a:gd name="connsiteY2" fmla="*/ 2228850 h 2228850"/>
+              <a:gd name="connsiteX0" fmla="*/ 601412 w 601412"/>
+              <a:gd name="connsiteY0" fmla="*/ 0 h 2228850"/>
+              <a:gd name="connsiteX1" fmla="*/ 1337 w 601412"/>
+              <a:gd name="connsiteY1" fmla="*/ 1114425 h 2228850"/>
+              <a:gd name="connsiteX2" fmla="*/ 458537 w 601412"/>
+              <a:gd name="connsiteY2" fmla="*/ 2228850 h 2228850"/>
+              <a:gd name="connsiteX0" fmla="*/ 600174 w 600174"/>
+              <a:gd name="connsiteY0" fmla="*/ 0 h 2100262"/>
+              <a:gd name="connsiteX1" fmla="*/ 99 w 600174"/>
+              <a:gd name="connsiteY1" fmla="*/ 1114425 h 2100262"/>
+              <a:gd name="connsiteX2" fmla="*/ 557312 w 600174"/>
+              <a:gd name="connsiteY2" fmla="*/ 2100262 h 2100262"/>
+              <a:gd name="connsiteX0" fmla="*/ 585891 w 585891"/>
+              <a:gd name="connsiteY0" fmla="*/ 0 h 2100262"/>
+              <a:gd name="connsiteX1" fmla="*/ 103 w 585891"/>
+              <a:gd name="connsiteY1" fmla="*/ 1042988 h 2100262"/>
+              <a:gd name="connsiteX2" fmla="*/ 543029 w 585891"/>
+              <a:gd name="connsiteY2" fmla="*/ 2100262 h 2100262"/>
+            </a:gdLst>
+            <a:ahLst/>
+            <a:cxnLst>
+              <a:cxn ang="0">
+                <a:pos x="connsiteX0" y="connsiteY0"/>
+              </a:cxn>
+              <a:cxn ang="0">
+                <a:pos x="connsiteX1" y="connsiteY1"/>
+              </a:cxn>
+              <a:cxn ang="0">
+                <a:pos x="connsiteX2" y="connsiteY2"/>
+              </a:cxn>
+            </a:cxnLst>
+            <a:rect l="l" t="t" r="r" b="b"/>
+            <a:pathLst>
+              <a:path w="585891" h="2100262">
+                <a:moveTo>
+                  <a:pt x="585891" y="0"/>
+                </a:moveTo>
+                <a:cubicBezTo>
+                  <a:pt x="104878" y="421481"/>
+                  <a:pt x="7247" y="692944"/>
+                  <a:pt x="103" y="1042988"/>
+                </a:cubicBezTo>
+                <a:cubicBezTo>
+                  <a:pt x="-7041" y="1393032"/>
+                  <a:pt x="362054" y="1926431"/>
+                  <a:pt x="543029" y="2100262"/>
+                </a:cubicBezTo>
+              </a:path>
+            </a:pathLst>
+          </a:custGeom>
+          <a:noFill/>
+          <a:ln w="38100">
+            <a:solidFill>
+              <a:srgbClr val="FF0000"/>
+            </a:solidFill>
+            <a:headEnd type="none"/>
+            <a:tailEnd type="triangle"/>
+          </a:ln>
+        </p:spPr>
+        <p:style>
+          <a:lnRef idx="2">
+            <a:schemeClr val="accent1">
+              <a:shade val="50000"/>
+            </a:schemeClr>
+          </a:lnRef>
+          <a:fillRef idx="1">
+            <a:schemeClr val="accent1"/>
+          </a:fillRef>
+          <a:effectRef idx="0">
+            <a:schemeClr val="accent1"/>
+          </a:effectRef>
+          <a:fontRef idx="minor">
+            <a:schemeClr val="lt1"/>
+          </a:fontRef>
+        </p:style>
+        <p:txBody>
+          <a:bodyPr rtlCol="0" anchor="ctr"/>
+          <a:lstStyle/>
+          <a:p>
+            <a:pPr algn="ctr"/>
+            <a:endParaRPr lang="en-US"/>
+          </a:p>
+        </p:txBody>
+      </p:sp>
+      <p:sp>
+        <p:nvSpPr>
+          <p:cNvPr id="21" name="Rectangle 20">
+            <a:extLst>
+              <a:ext uri="{FF2B5EF4-FFF2-40B4-BE49-F238E27FC236}">
+                <a16:creationId xmlns:a16="http://schemas.microsoft.com/office/drawing/2014/main" id="{B23371C4-74D8-1F4B-AF38-ECE9CF84A268}"/>
+              </a:ext>
+            </a:extLst>
+          </p:cNvPr>
+          <p:cNvSpPr/>
+          <p:nvPr/>
+        </p:nvSpPr>
+        <p:spPr>
+          <a:xfrm>
+            <a:off x="4471983" y="5272088"/>
+            <a:ext cx="2328863" cy="1477961"/>
+          </a:xfrm>
+          <a:prstGeom prst="rect">
+            <a:avLst/>
+          </a:prstGeom>
+          <a:noFill/>
+          <a:ln w="38100">
+            <a:solidFill>
+              <a:srgbClr val="FF0000"/>
+            </a:solidFill>
+          </a:ln>
+        </p:spPr>
+        <p:style>
+          <a:lnRef idx="2">
+            <a:schemeClr val="accent1">
+              <a:shade val="50000"/>
+            </a:schemeClr>
+          </a:lnRef>
+          <a:fillRef idx="1">
+            <a:schemeClr val="accent1"/>
+          </a:fillRef>
+          <a:effectRef idx="0">
+            <a:schemeClr val="accent1"/>
+          </a:effectRef>
+          <a:fontRef idx="minor">
+            <a:schemeClr val="lt1"/>
+          </a:fontRef>
+        </p:style>
+        <p:txBody>
+          <a:bodyPr rtlCol="0" anchor="ctr"/>
+          <a:lstStyle/>
+          <a:p>
+            <a:pPr algn="ctr"/>
+            <a:endParaRPr lang="en-US"/>
+          </a:p>
+        </p:txBody>
+      </p:sp>
+    </p:spTree>
+    <p:extLst>
+      <p:ext uri="{BB962C8B-B14F-4D97-AF65-F5344CB8AC3E}">
+        <p14:creationId xmlns:p14="http://schemas.microsoft.com/office/powerpoint/2010/main" val="2419367812"/>
+      </p:ext>
+    </p:extLst>
+  </p:cSld>
+  <p:clrMapOvr>
+    <a:masterClrMapping/>
+  </p:clrMapOvr>
+</p:sld>
+</file>
+
+<file path=ppt/slides/slide12.xml><?xml version="1.0" encoding="utf-8"?>
+<p:sld xmlns:a="http://schemas.openxmlformats.org/drawingml/2006/main" xmlns:r="http://schemas.openxmlformats.org/officeDocument/2006/relationships" xmlns:p="http://schemas.openxmlformats.org/presentationml/2006/main">
+  <p:cSld>
+    <p:spTree>
+      <p:nvGrpSpPr>
+        <p:cNvPr id="1" name=""/>
+        <p:cNvGrpSpPr/>
+        <p:nvPr/>
+      </p:nvGrpSpPr>
+      <p:grpSpPr>
+        <a:xfrm>
+          <a:off x="0" y="0"/>
+          <a:ext cx="0" cy="0"/>
+          <a:chOff x="0" y="0"/>
+          <a:chExt cx="0" cy="0"/>
+        </a:xfrm>
+      </p:grpSpPr>
+      <p:sp>
+        <p:nvSpPr>
+          <p:cNvPr id="2" name="Title 1">
+            <a:extLst>
+              <a:ext uri="{FF2B5EF4-FFF2-40B4-BE49-F238E27FC236}">
+                <a16:creationId xmlns:a16="http://schemas.microsoft.com/office/drawing/2014/main" id="{4FC55BF4-E044-E946-808F-AAE2946F1DC6}"/>
+              </a:ext>
+            </a:extLst>
+          </p:cNvPr>
+          <p:cNvSpPr>
+            <a:spLocks noGrp="1"/>
+          </p:cNvSpPr>
+          <p:nvPr>
+            <p:ph type="title"/>
+          </p:nvPr>
+        </p:nvSpPr>
+        <p:spPr/>
+        <p:txBody>
+          <a:bodyPr/>
+          <a:lstStyle/>
+          <a:p>
+            <a:r>
+              <a:rPr lang="en-US" dirty="0"/>
+              <a:t>Challenges with Implementation</a:t>
+            </a:r>
+          </a:p>
+        </p:txBody>
+      </p:sp>
+      <p:sp>
+        <p:nvSpPr>
+          <p:cNvPr id="3" name="Content Placeholder 2">
+            <a:extLst>
+              <a:ext uri="{FF2B5EF4-FFF2-40B4-BE49-F238E27FC236}">
+                <a16:creationId xmlns:a16="http://schemas.microsoft.com/office/drawing/2014/main" id="{F04C5D2F-6431-2740-A7FD-94E9A60D45BD}"/>
+              </a:ext>
+            </a:extLst>
+          </p:cNvPr>
+          <p:cNvSpPr>
+            <a:spLocks noGrp="1"/>
+          </p:cNvSpPr>
+          <p:nvPr>
+            <p:ph idx="1"/>
+          </p:nvPr>
+        </p:nvSpPr>
+        <p:spPr/>
+        <p:txBody>
+          <a:bodyPr>
+            <a:normAutofit/>
+          </a:bodyPr>
+          <a:lstStyle/>
+          <a:p>
+            <a:r>
+              <a:rPr lang="en-US" sz="2400" dirty="0"/>
+              <a:t>ROS issues</a:t>
+            </a:r>
+          </a:p>
+          <a:p>
+            <a:r>
+              <a:rPr lang="en-US" sz="2400" dirty="0" err="1"/>
+              <a:t>Cutecom</a:t>
+            </a:r>
+            <a:r>
+              <a:rPr lang="en-US" sz="2400" dirty="0"/>
+              <a:t> is just how the name sounds</a:t>
+            </a:r>
+          </a:p>
+          <a:p>
+            <a:r>
+              <a:rPr lang="en-US" sz="2400" dirty="0"/>
+              <a:t>TGFAS (Thank God For Arm Sliders)</a:t>
+            </a:r>
+          </a:p>
+          <a:p>
+            <a:pPr lvl="1"/>
+            <a:r>
+              <a:rPr lang="en-US" sz="2200" dirty="0"/>
+              <a:t>But also, not</a:t>
+            </a:r>
+          </a:p>
+          <a:p>
+            <a:r>
+              <a:rPr lang="en-US" sz="2400" dirty="0"/>
+              <a:t>Why so many errors?</a:t>
+            </a:r>
+          </a:p>
+          <a:p>
+            <a:r>
+              <a:rPr lang="en-US" sz="2400" dirty="0"/>
+              <a:t>Did you </a:t>
+            </a:r>
+            <a:r>
+              <a:rPr lang="en-US" sz="2400" dirty="0" err="1"/>
+              <a:t>chmod</a:t>
+            </a:r>
+            <a:r>
+              <a:rPr lang="en-US" sz="2400" dirty="0"/>
+              <a:t> 777?</a:t>
+            </a:r>
+          </a:p>
+        </p:txBody>
+      </p:sp>
+    </p:spTree>
+    <p:extLst>
+      <p:ext uri="{BB962C8B-B14F-4D97-AF65-F5344CB8AC3E}">
+        <p14:creationId xmlns:p14="http://schemas.microsoft.com/office/powerpoint/2010/main" val="1310768622"/>
+      </p:ext>
+    </p:extLst>
+  </p:cSld>
+  <p:clrMapOvr>
+    <a:masterClrMapping/>
+  </p:clrMapOvr>
+</p:sld>
+</file>
+
+<file path=ppt/slides/slide13.xml><?xml version="1.0" encoding="utf-8"?>
+<p:sld xmlns:a="http://schemas.openxmlformats.org/drawingml/2006/main" xmlns:r="http://schemas.openxmlformats.org/officeDocument/2006/relationships" xmlns:p="http://schemas.openxmlformats.org/presentationml/2006/main">
+  <p:cSld>
+    <p:spTree>
+      <p:nvGrpSpPr>
+        <p:cNvPr id="1" name=""/>
+        <p:cNvGrpSpPr/>
+        <p:nvPr/>
+      </p:nvGrpSpPr>
+      <p:grpSpPr>
+        <a:xfrm>
+          <a:off x="0" y="0"/>
+          <a:ext cx="0" cy="0"/>
+          <a:chOff x="0" y="0"/>
+          <a:chExt cx="0" cy="0"/>
+        </a:xfrm>
+      </p:grpSpPr>
+      <p:sp>
+        <p:nvSpPr>
+          <p:cNvPr id="2" name="Title 1">
+            <a:extLst>
+              <a:ext uri="{FF2B5EF4-FFF2-40B4-BE49-F238E27FC236}">
+                <a16:creationId xmlns:a16="http://schemas.microsoft.com/office/drawing/2014/main" id="{6B7EFD50-B4A5-B844-890D-D0C85687797C}"/>
+              </a:ext>
+            </a:extLst>
+          </p:cNvPr>
+          <p:cNvSpPr>
+            <a:spLocks noGrp="1"/>
+          </p:cNvSpPr>
+          <p:nvPr>
+            <p:ph type="title"/>
+          </p:nvPr>
+        </p:nvSpPr>
+        <p:spPr/>
+        <p:txBody>
+          <a:bodyPr/>
+          <a:lstStyle/>
+          <a:p>
+            <a:r>
+              <a:rPr lang="en-US" dirty="0"/>
+              <a:t>Hardware Challenges</a:t>
+            </a:r>
+          </a:p>
+        </p:txBody>
+      </p:sp>
+      <p:sp>
+        <p:nvSpPr>
+          <p:cNvPr id="3" name="Content Placeholder 2">
+            <a:extLst>
+              <a:ext uri="{FF2B5EF4-FFF2-40B4-BE49-F238E27FC236}">
+                <a16:creationId xmlns:a16="http://schemas.microsoft.com/office/drawing/2014/main" id="{C7B3FC05-D0E1-4845-AD31-AA88CAE78CA9}"/>
+              </a:ext>
+            </a:extLst>
+          </p:cNvPr>
+          <p:cNvSpPr>
+            <a:spLocks noGrp="1"/>
+          </p:cNvSpPr>
+          <p:nvPr>
+            <p:ph idx="1"/>
+          </p:nvPr>
+        </p:nvSpPr>
+        <p:spPr/>
+        <p:txBody>
+          <a:bodyPr>
+            <a:normAutofit/>
+          </a:bodyPr>
+          <a:lstStyle/>
+          <a:p>
+            <a:r>
+              <a:rPr lang="en-US" sz="2400" dirty="0"/>
+              <a:t>Arm:</a:t>
+            </a:r>
+          </a:p>
+          <a:p>
+            <a:pPr lvl="1"/>
+            <a:r>
+              <a:rPr lang="en-US" sz="2000" dirty="0"/>
+              <a:t>Initial arm set up with correct wiring and </a:t>
+            </a:r>
+            <a:r>
+              <a:rPr lang="en-US" sz="2000" dirty="0" err="1"/>
+              <a:t>usb</a:t>
+            </a:r>
+            <a:r>
+              <a:rPr lang="en-US" sz="2000" dirty="0"/>
+              <a:t> plug in</a:t>
+            </a:r>
+          </a:p>
+          <a:p>
+            <a:pPr lvl="1"/>
+            <a:r>
+              <a:rPr lang="en-US" sz="2000" dirty="0"/>
+              <a:t>Interfacing between ROS and motors</a:t>
+            </a:r>
+          </a:p>
+        </p:txBody>
+      </p:sp>
+    </p:spTree>
+    <p:extLst>
+      <p:ext uri="{BB962C8B-B14F-4D97-AF65-F5344CB8AC3E}">
+        <p14:creationId xmlns:p14="http://schemas.microsoft.com/office/powerpoint/2010/main" val="3853216191"/>
+      </p:ext>
+    </p:extLst>
+  </p:cSld>
+  <p:clrMapOvr>
+    <a:masterClrMapping/>
+  </p:clrMapOvr>
+</p:sld>
+</file>
+
+<file path=ppt/slides/slide14.xml><?xml version="1.0" encoding="utf-8"?>
+<p:sld xmlns:a="http://schemas.openxmlformats.org/drawingml/2006/main" xmlns:r="http://schemas.openxmlformats.org/officeDocument/2006/relationships" xmlns:p="http://schemas.openxmlformats.org/presentationml/2006/main">
+  <p:cSld>
+    <p:spTree>
+      <p:nvGrpSpPr>
+        <p:cNvPr id="1" name=""/>
+        <p:cNvGrpSpPr/>
+        <p:nvPr/>
+      </p:nvGrpSpPr>
+      <p:grpSpPr>
+        <a:xfrm>
+          <a:off x="0" y="0"/>
+          <a:ext cx="0" cy="0"/>
+          <a:chOff x="0" y="0"/>
+          <a:chExt cx="0" cy="0"/>
+        </a:xfrm>
+      </p:grpSpPr>
+      <p:sp>
+        <p:nvSpPr>
+          <p:cNvPr id="2" name="Title 1">
+            <a:extLst>
+              <a:ext uri="{FF2B5EF4-FFF2-40B4-BE49-F238E27FC236}">
+                <a16:creationId xmlns:a16="http://schemas.microsoft.com/office/drawing/2014/main" id="{997FEBF0-08C4-441C-9F3C-DB2BAF7FB098}"/>
+              </a:ext>
+            </a:extLst>
+          </p:cNvPr>
+          <p:cNvSpPr>
+            <a:spLocks noGrp="1"/>
+          </p:cNvSpPr>
+          <p:nvPr>
+            <p:ph type="title"/>
+          </p:nvPr>
+        </p:nvSpPr>
+        <p:spPr/>
+        <p:txBody>
+          <a:bodyPr/>
+          <a:lstStyle/>
+          <a:p>
+            <a:r>
+              <a:rPr lang="en-US" dirty="0"/>
+              <a:t>Software Challenges</a:t>
+            </a:r>
+          </a:p>
+        </p:txBody>
+      </p:sp>
+      <p:sp>
+        <p:nvSpPr>
+          <p:cNvPr id="3" name="Content Placeholder 2">
+            <a:extLst>
+              <a:ext uri="{FF2B5EF4-FFF2-40B4-BE49-F238E27FC236}">
+                <a16:creationId xmlns:a16="http://schemas.microsoft.com/office/drawing/2014/main" id="{98D7AAA8-1867-46CB-B05A-B80151A62DBA}"/>
+              </a:ext>
+            </a:extLst>
+          </p:cNvPr>
+          <p:cNvSpPr>
+            <a:spLocks noGrp="1"/>
+          </p:cNvSpPr>
+          <p:nvPr>
+            <p:ph idx="1"/>
+          </p:nvPr>
+        </p:nvSpPr>
+        <p:spPr/>
+        <p:txBody>
+          <a:bodyPr>
+            <a:normAutofit/>
+          </a:bodyPr>
+          <a:lstStyle/>
+          <a:p>
+            <a:r>
+              <a:rPr lang="en-US" sz="2400" dirty="0" err="1"/>
+              <a:t>Reflashing</a:t>
+            </a:r>
+            <a:r>
+              <a:rPr lang="en-US" sz="2400" dirty="0"/>
+              <a:t> with new libraries</a:t>
+            </a:r>
+          </a:p>
+          <a:p>
+            <a:r>
+              <a:rPr lang="en-US" sz="2400" dirty="0"/>
+              <a:t>Arm:</a:t>
+            </a:r>
+          </a:p>
+          <a:p>
+            <a:pPr lvl="1"/>
+            <a:r>
+              <a:rPr lang="en-US" sz="2000" dirty="0"/>
+              <a:t>Accounting for error accumulation in trajectory movement</a:t>
+            </a:r>
+          </a:p>
+          <a:p>
+            <a:pPr lvl="1"/>
+            <a:r>
+              <a:rPr lang="en-US" sz="2000" dirty="0"/>
+              <a:t>List of setup commands need to run after restart</a:t>
+            </a:r>
+          </a:p>
+          <a:p>
+            <a:pPr lvl="2"/>
+            <a:r>
+              <a:rPr lang="en-US" sz="1600" dirty="0"/>
+              <a:t>Catkin build</a:t>
+            </a:r>
+          </a:p>
+          <a:p>
+            <a:pPr lvl="3"/>
+            <a:r>
+              <a:rPr lang="en-US" sz="1600" dirty="0"/>
+              <a:t>Close terminal</a:t>
+            </a:r>
+          </a:p>
+          <a:p>
+            <a:pPr lvl="2"/>
+            <a:r>
+              <a:rPr lang="en-US" sz="1600" dirty="0" err="1"/>
+              <a:t>Setup.bash</a:t>
+            </a:r>
+            <a:endParaRPr lang="en-US" sz="1600" dirty="0"/>
+          </a:p>
+          <a:p>
+            <a:pPr lvl="2"/>
+            <a:r>
+              <a:rPr lang="en-US" sz="1600" dirty="0"/>
+              <a:t>Activate correct </a:t>
+            </a:r>
+            <a:r>
+              <a:rPr lang="en-US" sz="1600" dirty="0" err="1"/>
+              <a:t>usb</a:t>
+            </a:r>
+            <a:r>
+              <a:rPr lang="en-US" sz="1600" dirty="0"/>
+              <a:t> port</a:t>
+            </a:r>
+          </a:p>
+          <a:p>
+            <a:pPr lvl="2"/>
+            <a:r>
+              <a:rPr lang="en-US" sz="1600" dirty="0"/>
+              <a:t>Then </a:t>
+            </a:r>
+            <a:r>
+              <a:rPr lang="en-US" sz="1600" dirty="0" err="1"/>
+              <a:t>roslaunch</a:t>
+            </a:r>
+            <a:endParaRPr lang="en-US" sz="1600" dirty="0"/>
+          </a:p>
+          <a:p>
+            <a:pPr lvl="3"/>
+            <a:r>
+              <a:rPr lang="en-US" dirty="0"/>
+              <a:t>Sliders with </a:t>
+            </a:r>
+            <a:r>
+              <a:rPr lang="en-US" dirty="0" err="1"/>
+              <a:t>rqt_joint_trajectory_controller</a:t>
+            </a:r>
+            <a:endParaRPr lang="en-US" dirty="0"/>
+          </a:p>
+        </p:txBody>
+      </p:sp>
+    </p:spTree>
+    <p:extLst>
+      <p:ext uri="{BB962C8B-B14F-4D97-AF65-F5344CB8AC3E}">
+        <p14:creationId xmlns:p14="http://schemas.microsoft.com/office/powerpoint/2010/main" val="135725356"/>
+      </p:ext>
+    </p:extLst>
+  </p:cSld>
+  <p:clrMapOvr>
+    <a:masterClrMapping/>
+  </p:clrMapOvr>
+</p:sld>
+</file>
+
+<file path=ppt/slides/slide15.xml><?xml version="1.0" encoding="utf-8"?>
+<p:sld xmlns:a="http://schemas.openxmlformats.org/drawingml/2006/main" xmlns:r="http://schemas.openxmlformats.org/officeDocument/2006/relationships" xmlns:p="http://schemas.openxmlformats.org/presentationml/2006/main">
+  <p:cSld>
+    <p:spTree>
+      <p:nvGrpSpPr>
+        <p:cNvPr id="1" name=""/>
+        <p:cNvGrpSpPr/>
+        <p:nvPr/>
+      </p:nvGrpSpPr>
+      <p:grpSpPr>
+        <a:xfrm>
+          <a:off x="0" y="0"/>
+          <a:ext cx="0" cy="0"/>
+          <a:chOff x="0" y="0"/>
+          <a:chExt cx="0" cy="0"/>
+        </a:xfrm>
+      </p:grpSpPr>
       <p:sp>
         <p:nvSpPr>
           <p:cNvPr id="2" name="Title 1">
@@ -13827,64 +11887,71 @@
         </p:nvSpPr>
         <p:spPr/>
         <p:txBody>
-          <a:bodyPr/>
+          <a:bodyPr>
+            <a:normAutofit lnSpcReduction="10000"/>
+          </a:bodyPr>
           <a:lstStyle/>
           <a:p>
             <a:r>
-              <a:rPr lang="en-US" dirty="0"/>
+              <a:rPr lang="en-US" sz="2400" dirty="0"/>
               <a:t>Git</a:t>
             </a:r>
           </a:p>
           <a:p>
             <a:pPr lvl="1"/>
             <a:r>
-              <a:rPr lang="en-US" dirty="0"/>
-              <a:t>Integration into ROS</a:t>
-            </a:r>
+              <a:rPr lang="en-US" sz="2000" dirty="0"/>
+              <a:t>Integration into ROS </a:t>
+            </a:r>
+            <a:r>
+              <a:rPr lang="en-US" sz="2000" dirty="0" err="1"/>
+              <a:t>usb</a:t>
+            </a:r>
+            <a:endParaRPr lang="en-US" sz="2000" dirty="0"/>
           </a:p>
           <a:p>
             <a:pPr lvl="1"/>
             <a:r>
-              <a:rPr lang="en-US" dirty="0"/>
-              <a:t>VIM and how to publish</a:t>
-            </a:r>
-          </a:p>
-          <a:p>
-            <a:r>
-              <a:rPr lang="en-US" dirty="0"/>
+              <a:rPr lang="en-US" sz="2000" dirty="0"/>
+              <a:t>VIM and how to commit</a:t>
+            </a:r>
+          </a:p>
+          <a:p>
+            <a:r>
+              <a:rPr lang="en-US" sz="2400" dirty="0"/>
               <a:t>ROS</a:t>
             </a:r>
           </a:p>
           <a:p>
             <a:pPr lvl="1"/>
             <a:r>
-              <a:rPr lang="en-US" dirty="0"/>
+              <a:rPr lang="en-US" sz="2000" dirty="0"/>
               <a:t>How to send messages to the arm motors</a:t>
             </a:r>
           </a:p>
           <a:p>
             <a:pPr lvl="1"/>
             <a:r>
-              <a:rPr lang="en-US" dirty="0"/>
+              <a:rPr lang="en-US" sz="2000" dirty="0"/>
               <a:t>Simulation vs. actual arm testing</a:t>
             </a:r>
           </a:p>
           <a:p>
             <a:pPr lvl="1"/>
             <a:r>
-              <a:rPr lang="en-US" dirty="0"/>
+              <a:rPr lang="en-US" sz="2000" dirty="0"/>
               <a:t>Structure of messages</a:t>
             </a:r>
           </a:p>
           <a:p>
             <a:r>
-              <a:rPr lang="en-US" dirty="0"/>
+              <a:rPr lang="en-US" sz="2400" dirty="0"/>
               <a:t>Hardware setup</a:t>
             </a:r>
           </a:p>
           <a:p>
             <a:r>
-              <a:rPr lang="en-US" dirty="0"/>
+              <a:rPr lang="en-US" sz="2400" dirty="0"/>
               <a:t>The Beauty of Improvisation</a:t>
             </a:r>
           </a:p>
@@ -13903,17 +11970,9 @@
 </p:sld>
 </file>
 
-<file path=ppt/slides/slide11.xml><?xml version="1.0" encoding="utf-8"?>
+<file path=ppt/slides/slide16.xml><?xml version="1.0" encoding="utf-8"?>
 <p:sld xmlns:a="http://schemas.openxmlformats.org/drawingml/2006/main" xmlns:r="http://schemas.openxmlformats.org/officeDocument/2006/relationships" xmlns:p="http://schemas.openxmlformats.org/presentationml/2006/main">
   <p:cSld>
-    <p:bg>
-      <p:bgPr>
-        <a:solidFill>
-          <a:schemeClr val="bg1"/>
-        </a:solidFill>
-        <a:effectLst/>
-      </p:bgPr>
-    </p:bg>
     <p:spTree>
       <p:nvGrpSpPr>
         <p:cNvPr id="1" name=""/>
@@ -13933,7 +11992,7 @@
           <p:cNvPr id="2" name="Title 1">
             <a:extLst>
               <a:ext uri="{FF2B5EF4-FFF2-40B4-BE49-F238E27FC236}">
-                <a16:creationId xmlns:a16="http://schemas.microsoft.com/office/drawing/2014/main" id="{C0AF16EB-16E6-3943-BB9F-131795B594B5}"/>
+                <a16:creationId xmlns:a16="http://schemas.microsoft.com/office/drawing/2014/main" id="{0CF40118-D38F-44A1-B646-300AB3B1BB9F}"/>
               </a:ext>
             </a:extLst>
           </p:cNvPr>
@@ -13944,62 +12003,131 @@
             <p:ph type="title"/>
           </p:nvPr>
         </p:nvSpPr>
-        <p:spPr>
-          <a:xfrm>
-            <a:off x="1066800" y="642594"/>
-            <a:ext cx="10058400" cy="1371600"/>
-          </a:xfrm>
-        </p:spPr>
+        <p:spPr/>
         <p:txBody>
-          <a:bodyPr>
-            <a:normAutofit/>
-          </a:bodyPr>
+          <a:bodyPr/>
           <a:lstStyle/>
           <a:p>
-            <a:pPr algn="ctr"/>
             <a:r>
               <a:rPr lang="en-US" dirty="0"/>
-              <a:t>Findings</a:t>
-            </a:r>
-            <a:endParaRPr lang="en-US"/>
+              <a:t>References</a:t>
+            </a:r>
           </a:p>
         </p:txBody>
       </p:sp>
-      <p:graphicFrame>
-        <p:nvGraphicFramePr>
-          <p:cNvPr id="5" name="Content Placeholder 2">
+      <p:sp>
+        <p:nvSpPr>
+          <p:cNvPr id="3" name="Content Placeholder 2">
             <a:extLst>
               <a:ext uri="{FF2B5EF4-FFF2-40B4-BE49-F238E27FC236}">
-                <a16:creationId xmlns:a16="http://schemas.microsoft.com/office/drawing/2014/main" id="{C3D26FCD-F511-4722-8DB5-C91863A3E186}"/>
+                <a16:creationId xmlns:a16="http://schemas.microsoft.com/office/drawing/2014/main" id="{2D20363D-5A38-44BE-9B39-981C47CD04D7}"/>
               </a:ext>
             </a:extLst>
           </p:cNvPr>
-          <p:cNvGraphicFramePr>
-            <a:graphicFrameLocks noGrp="1"/>
-          </p:cNvGraphicFramePr>
+          <p:cNvSpPr>
+            <a:spLocks noGrp="1"/>
+          </p:cNvSpPr>
           <p:nvPr>
             <p:ph idx="1"/>
-            <p:extLst>
-              <p:ext uri="{D42A27DB-BD31-4B8C-83A1-F6EECF244321}">
-                <p14:modId xmlns:p14="http://schemas.microsoft.com/office/powerpoint/2010/main" val="354001289"/>
-              </p:ext>
-            </p:extLst>
           </p:nvPr>
-        </p:nvGraphicFramePr>
-        <p:xfrm>
-          <a:off x="1066800" y="2310063"/>
-          <a:ext cx="10058400" cy="3725612"/>
-        </p:xfrm>
-        <a:graphic>
-          <a:graphicData uri="http://schemas.openxmlformats.org/drawingml/2006/diagram">
-            <dgm:relIds xmlns:dgm="http://schemas.openxmlformats.org/drawingml/2006/diagram" xmlns:r="http://schemas.openxmlformats.org/officeDocument/2006/relationships" r:dm="rId2" r:lo="rId3" r:qs="rId4" r:cs="rId5"/>
-          </a:graphicData>
-        </a:graphic>
-      </p:graphicFrame>
+        </p:nvSpPr>
+        <p:spPr/>
+        <p:txBody>
+          <a:bodyPr/>
+          <a:lstStyle/>
+          <a:p>
+            <a:pPr marL="342900" indent="-342900">
+              <a:buFont typeface="+mj-lt"/>
+              <a:buAutoNum type="arabicPeriod"/>
+            </a:pPr>
+            <a:r>
+              <a:rPr lang="en-US" dirty="0">
+                <a:hlinkClick r:id="rId2"/>
+              </a:rPr>
+              <a:t>https://ieeexplore.ieee.org/stamp/stamp.jsp?tp=&amp;arnumber=6840112</a:t>
+            </a:r>
+            <a:endParaRPr lang="en-US" dirty="0"/>
+          </a:p>
+          <a:p>
+            <a:pPr marL="342900" indent="-342900">
+              <a:buFont typeface="+mj-lt"/>
+              <a:buAutoNum type="arabicPeriod"/>
+            </a:pPr>
+            <a:r>
+              <a:rPr lang="en-US" dirty="0">
+                <a:hlinkClick r:id="rId3"/>
+              </a:rPr>
+              <a:t>https://link.springer.com/content/pdf/10.1007%2Fs12369-013-0196-9.pdf</a:t>
+            </a:r>
+            <a:endParaRPr lang="en-US" dirty="0"/>
+          </a:p>
+          <a:p>
+            <a:pPr marL="342900" indent="-342900">
+              <a:buFont typeface="+mj-lt"/>
+              <a:buAutoNum type="arabicPeriod"/>
+            </a:pPr>
+            <a:r>
+              <a:rPr lang="en-US" dirty="0">
+                <a:hlinkClick r:id="rId4"/>
+              </a:rPr>
+              <a:t>https://ieeexplore.ieee.org/stamp/stamp.jsp?tp=&amp;arnumber=4600749</a:t>
+            </a:r>
+            <a:endParaRPr lang="en-US" dirty="0"/>
+          </a:p>
+          <a:p>
+            <a:pPr marL="342900" indent="-342900">
+              <a:buFont typeface="+mj-lt"/>
+              <a:buAutoNum type="arabicPeriod"/>
+            </a:pPr>
+            <a:r>
+              <a:rPr lang="en-US" dirty="0">
+                <a:hlinkClick r:id="rId5"/>
+              </a:rPr>
+              <a:t>https://www.sciencedirect.com/science/article/pii/S0262885606002897</a:t>
+            </a:r>
+            <a:endParaRPr lang="en-US" dirty="0">
+              <a:solidFill>
+                <a:schemeClr val="tx1">
+                  <a:lumMod val="75000"/>
+                  <a:lumOff val="25000"/>
+                </a:schemeClr>
+              </a:solidFill>
+            </a:endParaRPr>
+          </a:p>
+          <a:p>
+            <a:pPr marL="342900" indent="-342900">
+              <a:buFont typeface="+mj-lt"/>
+              <a:buAutoNum type="arabicPeriod"/>
+            </a:pPr>
+            <a:endParaRPr lang="en-US" dirty="0"/>
+          </a:p>
+          <a:p>
+            <a:pPr marL="342900" indent="-342900">
+              <a:buFont typeface="+mj-lt"/>
+              <a:buAutoNum type="arabicPeriod"/>
+            </a:pPr>
+            <a:endParaRPr lang="en-US" dirty="0"/>
+          </a:p>
+          <a:p>
+            <a:pPr marL="342900" indent="-342900">
+              <a:buFont typeface="+mj-lt"/>
+              <a:buAutoNum type="arabicPeriod"/>
+            </a:pPr>
+            <a:endParaRPr lang="en-US" dirty="0"/>
+          </a:p>
+          <a:p>
+            <a:pPr marL="342900" indent="-342900">
+              <a:buFont typeface="+mj-lt"/>
+              <a:buAutoNum type="arabicPeriod"/>
+            </a:pPr>
+            <a:endParaRPr lang="en-US" dirty="0"/>
+          </a:p>
+        </p:txBody>
+      </p:sp>
     </p:spTree>
     <p:extLst>
       <p:ext uri="{BB962C8B-B14F-4D97-AF65-F5344CB8AC3E}">
-        <p14:creationId xmlns:p14="http://schemas.microsoft.com/office/powerpoint/2010/main" val="2739376859"/>
+        <p14:creationId xmlns:p14="http://schemas.microsoft.com/office/powerpoint/2010/main" val="1293348277"/>
       </p:ext>
     </p:extLst>
   </p:cSld>
@@ -14568,14 +12696,14 @@
             <p:ph idx="1"/>
             <p:extLst>
               <p:ext uri="{D42A27DB-BD31-4B8C-83A1-F6EECF244321}">
-                <p14:modId xmlns:p14="http://schemas.microsoft.com/office/powerpoint/2010/main" val="1861788257"/>
+                <p14:modId xmlns:p14="http://schemas.microsoft.com/office/powerpoint/2010/main" val="1447498735"/>
               </p:ext>
             </p:extLst>
           </p:nvPr>
         </p:nvGraphicFramePr>
         <p:xfrm>
-          <a:off x="1286615" y="1286931"/>
-          <a:ext cx="5668310" cy="4284136"/>
+          <a:off x="1115920" y="1286931"/>
+          <a:ext cx="5963981" cy="4284136"/>
         </p:xfrm>
         <a:graphic>
           <a:graphicData uri="http://schemas.openxmlformats.org/drawingml/2006/diagram">
@@ -14917,7 +13045,7 @@
           <a:lstStyle/>
           <a:p>
             <a:r>
-              <a:rPr lang="en-US" sz="3600"/>
+              <a:rPr lang="en-US" sz="3600" dirty="0"/>
               <a:t>Previous Work</a:t>
             </a:r>
           </a:p>
@@ -15007,7 +13135,7 @@
           <a:lstStyle/>
           <a:p>
             <a:r>
-              <a:rPr lang="en-US" dirty="0">
+              <a:rPr lang="en-US" sz="1800" dirty="0">
                 <a:solidFill>
                   <a:schemeClr val="tx1">
                     <a:lumMod val="75000"/>
@@ -15015,22 +13143,10 @@
                   </a:schemeClr>
                 </a:solidFill>
               </a:rPr>
-              <a:t>An interactive robotic arm for assisting elderly throughout a home-like settings.</a:t>
-            </a:r>
-          </a:p>
-          <a:p>
-            <a:pPr lvl="1"/>
-            <a:r>
-              <a:rPr lang="en-US" dirty="0">
-                <a:hlinkClick r:id="rId3"/>
-              </a:rPr>
-              <a:t>https://ieeexplore.ieee.org/stamp/stamp.jsp?tp=&amp;arnumber=6840112</a:t>
-            </a:r>
-            <a:endParaRPr lang="en-US" dirty="0"/>
-          </a:p>
-          <a:p>
-            <a:r>
-              <a:rPr lang="en-US" dirty="0">
+              <a:t>An interactive robotic arm for assisting elderly throughout a home-like settings</a:t>
+            </a:r>
+            <a:r>
+              <a:rPr lang="en-US" sz="1800" baseline="30000" dirty="0">
                 <a:solidFill>
                   <a:schemeClr val="tx1">
                     <a:lumMod val="75000"/>
@@ -15038,22 +13154,10 @@
                   </a:schemeClr>
                 </a:solidFill>
               </a:rPr>
-              <a:t>How speech, speech + gesture + congruency, and speech + gesture + incongruency can affect human understanding.</a:t>
-            </a:r>
-          </a:p>
-          <a:p>
-            <a:pPr lvl="1"/>
-            <a:r>
-              <a:rPr lang="en-US" dirty="0">
-                <a:hlinkClick r:id="rId4"/>
-              </a:rPr>
-              <a:t>https://link.springer.com/content/pdf/10.1007%2Fs12369-013-0196-9.pdf</a:t>
-            </a:r>
-            <a:endParaRPr lang="en-US" dirty="0"/>
-          </a:p>
-          <a:p>
-            <a:r>
-              <a:rPr lang="en-US" dirty="0">
+              <a:t>[1]</a:t>
+            </a:r>
+            <a:br>
+              <a:rPr lang="en-US" sz="1800" dirty="0">
                 <a:solidFill>
                   <a:schemeClr val="tx1">
                     <a:lumMod val="75000"/>
@@ -15061,22 +13165,103 @@
                   </a:schemeClr>
                 </a:solidFill>
               </a:rPr>
-              <a:t>The effect of robotic presence on how requests and personal space are perceived.</a:t>
-            </a:r>
-          </a:p>
-          <a:p>
-            <a:pPr lvl="1"/>
-            <a:r>
-              <a:rPr lang="en-US" dirty="0">
-                <a:hlinkClick r:id="rId5"/>
+            </a:br>
+            <a:endParaRPr lang="en-US" sz="1800" dirty="0">
+              <a:solidFill>
+                <a:schemeClr val="tx1">
+                  <a:lumMod val="75000"/>
+                  <a:lumOff val="25000"/>
+                </a:schemeClr>
+              </a:solidFill>
+            </a:endParaRPr>
+          </a:p>
+          <a:p>
+            <a:r>
+              <a:rPr lang="en-US" sz="1800" dirty="0">
+                <a:solidFill>
+                  <a:schemeClr val="tx1">
+                    <a:lumMod val="75000"/>
+                    <a:lumOff val="25000"/>
+                  </a:schemeClr>
+                </a:solidFill>
               </a:rPr>
-              <a:t>https://ieeexplore.ieee.org/stamp/stamp.jsp?tp=&amp;arnumber=4600749</a:t>
-            </a:r>
-            <a:endParaRPr lang="en-US" dirty="0"/>
-          </a:p>
-          <a:p>
-            <a:r>
-              <a:rPr lang="en-US" dirty="0">
+              <a:t>How speech, speech + gesture + congruency, and speech + gesture + incongruency can affect human understanding</a:t>
+            </a:r>
+            <a:r>
+              <a:rPr lang="en-US" sz="1800" baseline="30000" dirty="0">
+                <a:solidFill>
+                  <a:schemeClr val="tx1">
+                    <a:lumMod val="75000"/>
+                    <a:lumOff val="25000"/>
+                  </a:schemeClr>
+                </a:solidFill>
+              </a:rPr>
+              <a:t>[2]</a:t>
+            </a:r>
+            <a:br>
+              <a:rPr lang="en-US" sz="1800" dirty="0">
+                <a:solidFill>
+                  <a:schemeClr val="tx1">
+                    <a:lumMod val="75000"/>
+                    <a:lumOff val="25000"/>
+                  </a:schemeClr>
+                </a:solidFill>
+              </a:rPr>
+            </a:br>
+            <a:endParaRPr lang="en-US" sz="1800" dirty="0">
+              <a:solidFill>
+                <a:schemeClr val="tx1">
+                  <a:lumMod val="75000"/>
+                  <a:lumOff val="25000"/>
+                </a:schemeClr>
+              </a:solidFill>
+            </a:endParaRPr>
+          </a:p>
+          <a:p>
+            <a:r>
+              <a:rPr lang="en-US" sz="1800" dirty="0">
+                <a:solidFill>
+                  <a:schemeClr val="tx1">
+                    <a:lumMod val="75000"/>
+                    <a:lumOff val="25000"/>
+                  </a:schemeClr>
+                </a:solidFill>
+              </a:rPr>
+              <a:t>The effect of robotic presence on how requests and personal space are perceived</a:t>
+            </a:r>
+            <a:r>
+              <a:rPr lang="en-US" sz="1800" baseline="30000" dirty="0">
+                <a:solidFill>
+                  <a:schemeClr val="tx1">
+                    <a:lumMod val="75000"/>
+                    <a:lumOff val="25000"/>
+                  </a:schemeClr>
+                </a:solidFill>
+              </a:rPr>
+              <a:t>[3]</a:t>
+            </a:r>
+            <a:br>
+              <a:rPr lang="en-US" sz="1800" dirty="0">
+                <a:solidFill>
+                  <a:schemeClr val="tx1">
+                    <a:lumMod val="75000"/>
+                    <a:lumOff val="25000"/>
+                  </a:schemeClr>
+                </a:solidFill>
+              </a:rPr>
+            </a:br>
+            <a:endParaRPr lang="en-US" sz="1800" dirty="0">
+              <a:solidFill>
+                <a:schemeClr val="tx1">
+                  <a:lumMod val="75000"/>
+                  <a:lumOff val="25000"/>
+                </a:schemeClr>
+              </a:solidFill>
+            </a:endParaRPr>
+          </a:p>
+          <a:p>
+            <a:r>
+              <a:rPr lang="en-US" sz="1800" dirty="0">
                 <a:solidFill>
                   <a:schemeClr val="tx1">
                     <a:lumMod val="75000"/>
@@ -15086,16 +13271,18 @@
               </a:rPr>
               <a:t>Robotic visual recognition of human pointing gestures for human-robot interactions</a:t>
             </a:r>
-          </a:p>
-          <a:p>
-            <a:pPr lvl="1"/>
-            <a:r>
-              <a:rPr lang="en-US" dirty="0">
-                <a:hlinkClick r:id="rId6"/>
+            <a:r>
+              <a:rPr lang="en-US" sz="1800" baseline="30000" dirty="0">
+                <a:solidFill>
+                  <a:schemeClr val="tx1">
+                    <a:lumMod val="75000"/>
+                    <a:lumOff val="25000"/>
+                  </a:schemeClr>
+                </a:solidFill>
               </a:rPr>
-              <a:t>https://www.sciencedirect.com/science/article/pii/S0262885606002897</a:t>
-            </a:r>
-            <a:endParaRPr lang="en-US" dirty="0">
+              <a:t>[4]</a:t>
+            </a:r>
+            <a:endParaRPr lang="en-US" sz="1800" dirty="0">
               <a:solidFill>
                 <a:schemeClr val="tx1">
                   <a:lumMod val="75000"/>
@@ -15208,17 +13395,17 @@
             </a:r>
           </a:p>
           <a:p>
-            <a:pPr marL="457200" indent="-457200">
+            <a:pPr marL="731520" lvl="1" indent="-457200">
               <a:buFont typeface="+mj-lt"/>
               <a:buAutoNum type="arabicPeriod"/>
             </a:pPr>
             <a:r>
-              <a:rPr lang="en-US" sz="2400" dirty="0"/>
+              <a:rPr lang="en-US" sz="2200" dirty="0"/>
               <a:t>Identifying a region being pointed at</a:t>
             </a:r>
           </a:p>
           <a:p>
-            <a:pPr marL="457200" indent="-457200">
+            <a:pPr marL="731520" lvl="1" indent="-457200">
               <a:buFont typeface="+mj-lt"/>
               <a:buAutoNum type="arabicPeriod"/>
             </a:pPr>
@@ -15226,29 +13413,6 @@
               <a:rPr lang="en-US" sz="2400" dirty="0"/>
               <a:t>Identifying a point being pointed at</a:t>
             </a:r>
-            <a:endParaRPr lang="en-US" sz="2000" dirty="0"/>
-          </a:p>
-          <a:p>
-            <a:endParaRPr lang="en-US" sz="2000" dirty="0"/>
-          </a:p>
-          <a:p>
-            <a:pPr marL="617220" lvl="1" indent="-342900">
-              <a:buFont typeface="+mj-lt"/>
-              <a:buAutoNum type="arabicPeriod"/>
-            </a:pPr>
-            <a:endParaRPr lang="en-US" sz="1800" dirty="0"/>
-          </a:p>
-          <a:p>
-            <a:pPr marL="617220" lvl="1" indent="-342900">
-              <a:buFont typeface="+mj-lt"/>
-              <a:buAutoNum type="arabicPeriod"/>
-            </a:pPr>
-            <a:endParaRPr lang="en-US" sz="1800" dirty="0"/>
-          </a:p>
-          <a:p>
-            <a:endParaRPr lang="en-US" sz="2000" dirty="0"/>
-          </a:p>
-          <a:p>
             <a:endParaRPr lang="en-US" dirty="0"/>
           </a:p>
         </p:txBody>
@@ -15329,13 +13493,13 @@
         </p:nvSpPr>
         <p:spPr>
           <a:xfrm>
-            <a:off x="4071256" y="1687286"/>
-            <a:ext cx="7587344" cy="4702628"/>
+            <a:off x="4071256" y="1858616"/>
+            <a:ext cx="7587344" cy="4531297"/>
           </a:xfrm>
         </p:spPr>
         <p:txBody>
           <a:bodyPr>
-            <a:normAutofit fontScale="92500" lnSpcReduction="20000"/>
+            <a:normAutofit fontScale="85000" lnSpcReduction="20000"/>
           </a:bodyPr>
           <a:lstStyle/>
           <a:p>
@@ -16015,35 +14179,48 @@
           <a:p>
             <a:r>
               <a:rPr lang="en-US" sz="2400" dirty="0"/>
-              <a:t>What we would have measured:</a:t>
+              <a:t>Participant’s Correctness</a:t>
             </a:r>
           </a:p>
           <a:p>
             <a:pPr lvl="1"/>
             <a:r>
-              <a:rPr lang="en-US" sz="1800" dirty="0"/>
-              <a:t>Participant’s Correctness</a:t>
-            </a:r>
-          </a:p>
-          <a:p>
-            <a:pPr lvl="2"/>
-            <a:r>
-              <a:rPr lang="en-US" sz="1600" dirty="0"/>
+              <a:rPr lang="en-US" sz="2000" dirty="0"/>
               <a:t>Interpreting where the robot is pointing</a:t>
             </a:r>
+            <a:br>
+              <a:rPr lang="en-US" sz="2000" dirty="0"/>
+            </a:br>
+            <a:endParaRPr lang="en-US" sz="2000" dirty="0"/>
+          </a:p>
+          <a:p>
+            <a:r>
+              <a:rPr lang="en-US" sz="2400" dirty="0"/>
+              <a:t>Participant Confidence</a:t>
+            </a:r>
           </a:p>
           <a:p>
             <a:pPr lvl="1"/>
             <a:r>
-              <a:rPr lang="en-US" sz="1800" dirty="0"/>
-              <a:t>Participant Confidence in their selection</a:t>
+              <a:rPr lang="en-US" sz="2000" dirty="0"/>
+              <a:t>Rating their selection choice</a:t>
+            </a:r>
+            <a:br>
+              <a:rPr lang="en-US" sz="2000" dirty="0"/>
+            </a:br>
+            <a:endParaRPr lang="en-US" sz="2000" dirty="0"/>
+          </a:p>
+          <a:p>
+            <a:r>
+              <a:rPr lang="en-US" sz="2400" dirty="0"/>
+              <a:t>Deviation</a:t>
             </a:r>
           </a:p>
           <a:p>
             <a:pPr lvl="1"/>
             <a:r>
-              <a:rPr lang="en-US" sz="1800" dirty="0"/>
-              <a:t>Deviation between robot’s actual pointing location and participant’s interpretation of the location.</a:t>
+              <a:rPr lang="en-US" sz="2000" dirty="0"/>
+              <a:t>Robot’s actual pointing location and participant’s interpretation of the location</a:t>
             </a:r>
           </a:p>
           <a:p>
@@ -16086,7 +14263,7 @@
           <p:cNvPr id="2" name="Title 1">
             <a:extLst>
               <a:ext uri="{FF2B5EF4-FFF2-40B4-BE49-F238E27FC236}">
-                <a16:creationId xmlns:a16="http://schemas.microsoft.com/office/drawing/2014/main" id="{4FC55BF4-E044-E946-808F-AAE2946F1DC6}"/>
+                <a16:creationId xmlns:a16="http://schemas.microsoft.com/office/drawing/2014/main" id="{AE606D15-BF81-4B7F-A16B-E377780B3A86}"/>
               </a:ext>
             </a:extLst>
           </p:cNvPr>
@@ -16114,7 +14291,7 @@
           <p:cNvPr id="3" name="Content Placeholder 2">
             <a:extLst>
               <a:ext uri="{FF2B5EF4-FFF2-40B4-BE49-F238E27FC236}">
-                <a16:creationId xmlns:a16="http://schemas.microsoft.com/office/drawing/2014/main" id="{F04C5D2F-6431-2740-A7FD-94E9A60D45BD}"/>
+                <a16:creationId xmlns:a16="http://schemas.microsoft.com/office/drawing/2014/main" id="{DB2C597C-E68C-4B9E-B90D-783F629241C8}"/>
               </a:ext>
             </a:extLst>
           </p:cNvPr>
@@ -16127,65 +14304,17 @@
         </p:nvSpPr>
         <p:spPr/>
         <p:txBody>
-          <a:bodyPr>
-            <a:normAutofit/>
-          </a:bodyPr>
+          <a:bodyPr/>
           <a:lstStyle/>
           <a:p>
-            <a:r>
-              <a:rPr lang="en-US" sz="2400" dirty="0"/>
-              <a:t>ROS issues</a:t>
-            </a:r>
-          </a:p>
-          <a:p>
-            <a:r>
-              <a:rPr lang="en-US" sz="2400" dirty="0" err="1"/>
-              <a:t>Cutecom</a:t>
-            </a:r>
-            <a:r>
-              <a:rPr lang="en-US" sz="2400" dirty="0"/>
-              <a:t> is just how the name sounds</a:t>
-            </a:r>
-          </a:p>
-          <a:p>
-            <a:r>
-              <a:rPr lang="en-US" sz="2400" dirty="0"/>
-              <a:t>TGFAS (Thank God For Arm Sliders)</a:t>
-            </a:r>
-          </a:p>
-          <a:p>
-            <a:pPr lvl="1"/>
-            <a:r>
-              <a:rPr lang="en-US" sz="2200" dirty="0"/>
-              <a:t>But also, not</a:t>
-            </a:r>
-          </a:p>
-          <a:p>
-            <a:r>
-              <a:rPr lang="en-US" sz="2400" dirty="0"/>
-              <a:t>Why so many errors?</a:t>
-            </a:r>
-          </a:p>
-          <a:p>
-            <a:r>
-              <a:rPr lang="en-US" sz="2400" dirty="0"/>
-              <a:t>Did you </a:t>
-            </a:r>
-            <a:r>
-              <a:rPr lang="en-US" sz="2400" dirty="0" err="1"/>
-              <a:t>chmod</a:t>
-            </a:r>
-            <a:r>
-              <a:rPr lang="en-US" sz="2400" dirty="0"/>
-              <a:t> 777?</a:t>
-            </a:r>
+            <a:endParaRPr lang="en-US"/>
           </a:p>
         </p:txBody>
       </p:sp>
     </p:spTree>
     <p:extLst>
       <p:ext uri="{BB962C8B-B14F-4D97-AF65-F5344CB8AC3E}">
-        <p14:creationId xmlns:p14="http://schemas.microsoft.com/office/powerpoint/2010/main" val="1310768622"/>
+        <p14:creationId xmlns:p14="http://schemas.microsoft.com/office/powerpoint/2010/main" val="1610236690"/>
       </p:ext>
     </p:extLst>
   </p:cSld>
@@ -16212,243 +14341,382 @@
           <a:chExt cx="0" cy="0"/>
         </a:xfrm>
       </p:grpSpPr>
-      <p:sp>
-        <p:nvSpPr>
-          <p:cNvPr id="2" name="Title 1">
+      <p:pic>
+        <p:nvPicPr>
+          <p:cNvPr id="5" name="Picture 4" descr="A picture containing indoor, computer, table, sitting&#10;&#10;Description automatically generated">
             <a:extLst>
               <a:ext uri="{FF2B5EF4-FFF2-40B4-BE49-F238E27FC236}">
-                <a16:creationId xmlns:a16="http://schemas.microsoft.com/office/drawing/2014/main" id="{6B7EFD50-B4A5-B844-890D-D0C85687797C}"/>
+                <a16:creationId xmlns:a16="http://schemas.microsoft.com/office/drawing/2014/main" id="{E0491365-7418-C14D-8186-D24FE2757FF6}"/>
               </a:ext>
             </a:extLst>
           </p:cNvPr>
-          <p:cNvSpPr>
-            <a:spLocks noGrp="1"/>
-          </p:cNvSpPr>
-          <p:nvPr>
-            <p:ph type="title"/>
-          </p:nvPr>
+          <p:cNvPicPr>
+            <a:picLocks noChangeAspect="1"/>
+          </p:cNvPicPr>
+          <p:nvPr/>
+        </p:nvPicPr>
+        <p:blipFill rotWithShape="1">
+          <a:blip r:embed="rId2"/>
+          <a:srcRect l="20886" r="13698"/>
+          <a:stretch/>
+        </p:blipFill>
+        <p:spPr>
+          <a:xfrm>
+            <a:off x="3105150" y="0"/>
+            <a:ext cx="5981700" cy="6858000"/>
+          </a:xfrm>
+          <a:prstGeom prst="rect">
+            <a:avLst/>
+          </a:prstGeom>
+        </p:spPr>
+      </p:pic>
+      <p:sp>
+        <p:nvSpPr>
+          <p:cNvPr id="6" name="TextBox 5">
+            <a:extLst>
+              <a:ext uri="{FF2B5EF4-FFF2-40B4-BE49-F238E27FC236}">
+                <a16:creationId xmlns:a16="http://schemas.microsoft.com/office/drawing/2014/main" id="{7ABA7099-4EC8-F74D-B995-8BBDB700910E}"/>
+              </a:ext>
+            </a:extLst>
+          </p:cNvPr>
+          <p:cNvSpPr txBox="1"/>
+          <p:nvPr/>
         </p:nvSpPr>
-        <p:spPr/>
+        <p:spPr>
+          <a:xfrm>
+            <a:off x="8362949" y="2470794"/>
+            <a:ext cx="1123951" cy="584775"/>
+          </a:xfrm>
+          <a:prstGeom prst="rect">
+            <a:avLst/>
+          </a:prstGeom>
+          <a:solidFill>
+            <a:schemeClr val="tx1"/>
+          </a:solidFill>
+        </p:spPr>
         <p:txBody>
-          <a:bodyPr/>
+          <a:bodyPr wrap="square" rtlCol="0">
+            <a:spAutoFit/>
+          </a:bodyPr>
           <a:lstStyle/>
           <a:p>
             <a:r>
-              <a:rPr lang="en-US" dirty="0"/>
-              <a:t>Challenges</a:t>
+              <a:rPr lang="en-US" sz="3200" b="1" dirty="0">
+                <a:solidFill>
+                  <a:schemeClr val="bg1"/>
+                </a:solidFill>
+              </a:rPr>
+              <a:t>Laser</a:t>
             </a:r>
           </a:p>
         </p:txBody>
       </p:sp>
       <p:sp>
         <p:nvSpPr>
-          <p:cNvPr id="3" name="Content Placeholder 2">
+          <p:cNvPr id="7" name="TextBox 6">
             <a:extLst>
               <a:ext uri="{FF2B5EF4-FFF2-40B4-BE49-F238E27FC236}">
-                <a16:creationId xmlns:a16="http://schemas.microsoft.com/office/drawing/2014/main" id="{C7B3FC05-D0E1-4845-AD31-AA88CAE78CA9}"/>
+                <a16:creationId xmlns:a16="http://schemas.microsoft.com/office/drawing/2014/main" id="{0D55BFD3-1979-9F42-8D49-6936BE656999}"/>
               </a:ext>
             </a:extLst>
           </p:cNvPr>
-          <p:cNvSpPr>
-            <a:spLocks noGrp="1"/>
-          </p:cNvSpPr>
-          <p:nvPr>
-            <p:ph idx="1"/>
-          </p:nvPr>
+          <p:cNvSpPr txBox="1"/>
+          <p:nvPr/>
         </p:nvSpPr>
-        <p:spPr/>
+        <p:spPr>
+          <a:xfrm>
+            <a:off x="8362949" y="4234844"/>
+            <a:ext cx="2338389" cy="1077218"/>
+          </a:xfrm>
+          <a:prstGeom prst="rect">
+            <a:avLst/>
+          </a:prstGeom>
+          <a:solidFill>
+            <a:schemeClr val="tx1"/>
+          </a:solidFill>
+        </p:spPr>
         <p:txBody>
-          <a:bodyPr>
-            <a:normAutofit fontScale="70000" lnSpcReduction="20000"/>
+          <a:bodyPr wrap="square" rtlCol="0">
+            <a:spAutoFit/>
           </a:bodyPr>
           <a:lstStyle/>
           <a:p>
             <a:r>
-              <a:rPr lang="en-US" dirty="0"/>
-              <a:t>Hardware</a:t>
-            </a:r>
-          </a:p>
-          <a:p>
-            <a:pPr lvl="1"/>
-            <a:r>
-              <a:rPr lang="en-US" dirty="0"/>
-              <a:t>Arm:</a:t>
-            </a:r>
-          </a:p>
-          <a:p>
-            <a:pPr lvl="2"/>
-            <a:r>
-              <a:rPr lang="en-US" dirty="0"/>
-              <a:t>Initial arm set up with correct wiring and </a:t>
-            </a:r>
-            <a:r>
-              <a:rPr lang="en-US" dirty="0" err="1"/>
-              <a:t>usb</a:t>
-            </a:r>
-            <a:r>
-              <a:rPr lang="en-US" dirty="0"/>
-              <a:t> plug in</a:t>
-            </a:r>
-          </a:p>
-          <a:p>
-            <a:pPr lvl="2"/>
-            <a:r>
-              <a:rPr lang="en-US" dirty="0"/>
-              <a:t>Interfacing between ROS and motors</a:t>
-            </a:r>
-          </a:p>
-          <a:p>
-            <a:pPr lvl="1"/>
-            <a:r>
-              <a:rPr lang="en-US" dirty="0"/>
-              <a:t>Hand:</a:t>
-            </a:r>
-          </a:p>
-          <a:p>
-            <a:pPr lvl="2"/>
-            <a:r>
-              <a:rPr lang="en-US" dirty="0"/>
-              <a:t>Updated to latest ROS build</a:t>
-            </a:r>
-          </a:p>
-          <a:p>
-            <a:pPr lvl="2"/>
-            <a:r>
-              <a:rPr lang="en-US" dirty="0"/>
-              <a:t>Interfacing between hand and arm</a:t>
-            </a:r>
-          </a:p>
-          <a:p>
-            <a:r>
-              <a:rPr lang="en-US" dirty="0"/>
-              <a:t>Software</a:t>
-            </a:r>
-          </a:p>
-          <a:p>
-            <a:pPr lvl="1"/>
-            <a:r>
-              <a:rPr lang="en-US" dirty="0" err="1"/>
-              <a:t>Reflashing</a:t>
-            </a:r>
-            <a:r>
-              <a:rPr lang="en-US" dirty="0"/>
-              <a:t> with new libraries</a:t>
-            </a:r>
-          </a:p>
-          <a:p>
-            <a:pPr lvl="1"/>
-            <a:r>
-              <a:rPr lang="en-US" dirty="0"/>
-              <a:t>Learning to include GitHub into ROS</a:t>
-            </a:r>
-          </a:p>
-          <a:p>
-            <a:pPr lvl="1"/>
-            <a:r>
-              <a:rPr lang="en-US" dirty="0"/>
-              <a:t>Arm:</a:t>
-            </a:r>
-          </a:p>
-          <a:p>
-            <a:pPr lvl="2"/>
-            <a:r>
-              <a:rPr lang="en-US" dirty="0"/>
-              <a:t>Precise trajectory movement due to error accumulation </a:t>
-            </a:r>
-          </a:p>
-          <a:p>
-            <a:pPr lvl="2"/>
-            <a:r>
-              <a:rPr lang="en-US" dirty="0"/>
-              <a:t>List of setup commands need to run after restart</a:t>
-            </a:r>
-          </a:p>
-          <a:p>
-            <a:pPr lvl="3"/>
-            <a:r>
-              <a:rPr lang="en-US" dirty="0"/>
-              <a:t>Activate </a:t>
-            </a:r>
-            <a:r>
-              <a:rPr lang="en-US" dirty="0" err="1"/>
-              <a:t>usb</a:t>
-            </a:r>
-            <a:r>
-              <a:rPr lang="en-US" dirty="0"/>
-              <a:t> port</a:t>
-            </a:r>
-          </a:p>
-          <a:p>
-            <a:pPr lvl="3"/>
-            <a:r>
-              <a:rPr lang="en-US" dirty="0"/>
-              <a:t>Catkin build</a:t>
-            </a:r>
-          </a:p>
-          <a:p>
-            <a:pPr lvl="3"/>
-            <a:r>
-              <a:rPr lang="en-US" dirty="0" err="1"/>
-              <a:t>Setup.bash</a:t>
-            </a:r>
-            <a:endParaRPr lang="en-US" dirty="0"/>
-          </a:p>
-          <a:p>
-            <a:pPr lvl="3"/>
-            <a:r>
-              <a:rPr lang="en-US" dirty="0"/>
-              <a:t>Then </a:t>
-            </a:r>
-            <a:r>
-              <a:rPr lang="en-US" dirty="0" err="1"/>
-              <a:t>roslaunch</a:t>
-            </a:r>
-            <a:endParaRPr lang="en-US" dirty="0"/>
-          </a:p>
-          <a:p>
-            <a:pPr lvl="4"/>
-            <a:r>
-              <a:rPr lang="en-US" dirty="0"/>
-              <a:t>Sliders with </a:t>
-            </a:r>
-            <a:r>
-              <a:rPr lang="en-US" dirty="0" err="1"/>
-              <a:t>rqt_joint_trajectory_controller</a:t>
-            </a:r>
-            <a:endParaRPr lang="en-US" dirty="0"/>
-          </a:p>
-          <a:p>
-            <a:pPr lvl="1"/>
-            <a:r>
-              <a:rPr lang="en-US" dirty="0"/>
-              <a:t>Hand:</a:t>
-            </a:r>
-          </a:p>
-          <a:p>
-            <a:pPr lvl="2"/>
-            <a:r>
-              <a:rPr lang="en-US" dirty="0"/>
-              <a:t>Commands without </a:t>
-            </a:r>
-            <a:r>
-              <a:rPr lang="en-US" dirty="0" err="1"/>
-              <a:t>cutecom</a:t>
-            </a:r>
-            <a:endParaRPr lang="en-US" dirty="0"/>
-          </a:p>
-          <a:p>
-            <a:pPr lvl="2"/>
-            <a:r>
-              <a:rPr lang="en-US" dirty="0"/>
-              <a:t>Arduino instead of ROS?</a:t>
+              <a:rPr lang="en-US" sz="3200" b="1" dirty="0">
+                <a:solidFill>
+                  <a:schemeClr val="bg1"/>
+                </a:solidFill>
+              </a:rPr>
+              <a:t>Robotic Arm (2 DOF)</a:t>
             </a:r>
           </a:p>
         </p:txBody>
       </p:sp>
+      <p:sp>
+        <p:nvSpPr>
+          <p:cNvPr id="8" name="TextBox 7">
+            <a:extLst>
+              <a:ext uri="{FF2B5EF4-FFF2-40B4-BE49-F238E27FC236}">
+                <a16:creationId xmlns:a16="http://schemas.microsoft.com/office/drawing/2014/main" id="{61761088-5EF0-754A-BC28-DFCFE306F8C6}"/>
+              </a:ext>
+            </a:extLst>
+          </p:cNvPr>
+          <p:cNvSpPr txBox="1"/>
+          <p:nvPr/>
+        </p:nvSpPr>
+        <p:spPr>
+          <a:xfrm>
+            <a:off x="747713" y="2351782"/>
+            <a:ext cx="2771775" cy="1077218"/>
+          </a:xfrm>
+          <a:prstGeom prst="rect">
+            <a:avLst/>
+          </a:prstGeom>
+          <a:solidFill>
+            <a:schemeClr val="tx1"/>
+          </a:solidFill>
+        </p:spPr>
+        <p:txBody>
+          <a:bodyPr wrap="square" rtlCol="0">
+            <a:spAutoFit/>
+          </a:bodyPr>
+          <a:lstStyle/>
+          <a:p>
+            <a:r>
+              <a:rPr lang="en-US" sz="3200" b="1" dirty="0">
+                <a:solidFill>
+                  <a:schemeClr val="bg1"/>
+                </a:solidFill>
+              </a:rPr>
+              <a:t>Power Supply (12 V)</a:t>
+            </a:r>
+          </a:p>
+        </p:txBody>
+      </p:sp>
+      <p:sp>
+        <p:nvSpPr>
+          <p:cNvPr id="9" name="TextBox 8">
+            <a:extLst>
+              <a:ext uri="{FF2B5EF4-FFF2-40B4-BE49-F238E27FC236}">
+                <a16:creationId xmlns:a16="http://schemas.microsoft.com/office/drawing/2014/main" id="{9465E000-5EEC-B04B-954B-72ACC61340E5}"/>
+              </a:ext>
+            </a:extLst>
+          </p:cNvPr>
+          <p:cNvSpPr txBox="1"/>
+          <p:nvPr/>
+        </p:nvSpPr>
+        <p:spPr>
+          <a:xfrm>
+            <a:off x="8362949" y="1253550"/>
+            <a:ext cx="2771775" cy="584775"/>
+          </a:xfrm>
+          <a:prstGeom prst="rect">
+            <a:avLst/>
+          </a:prstGeom>
+          <a:solidFill>
+            <a:schemeClr val="tx1"/>
+          </a:solidFill>
+        </p:spPr>
+        <p:txBody>
+          <a:bodyPr wrap="square" rtlCol="0">
+            <a:spAutoFit/>
+          </a:bodyPr>
+          <a:lstStyle/>
+          <a:p>
+            <a:r>
+              <a:rPr lang="en-US" sz="3200" b="1" dirty="0">
+                <a:solidFill>
+                  <a:schemeClr val="bg1"/>
+                </a:solidFill>
+              </a:rPr>
+              <a:t>Pointing Hand</a:t>
+            </a:r>
+          </a:p>
+        </p:txBody>
+      </p:sp>
+      <p:cxnSp>
+        <p:nvCxnSpPr>
+          <p:cNvPr id="11" name="Straight Arrow Connector 10">
+            <a:extLst>
+              <a:ext uri="{FF2B5EF4-FFF2-40B4-BE49-F238E27FC236}">
+                <a16:creationId xmlns:a16="http://schemas.microsoft.com/office/drawing/2014/main" id="{4919D90A-7596-ED45-8C66-999834660D67}"/>
+              </a:ext>
+            </a:extLst>
+          </p:cNvPr>
+          <p:cNvCxnSpPr>
+            <a:stCxn id="9" idx="1"/>
+          </p:cNvCxnSpPr>
+          <p:nvPr/>
+        </p:nvCxnSpPr>
+        <p:spPr>
+          <a:xfrm flipH="1">
+            <a:off x="7600950" y="1545938"/>
+            <a:ext cx="761999" cy="11400"/>
+          </a:xfrm>
+          <a:prstGeom prst="straightConnector1">
+            <a:avLst/>
+          </a:prstGeom>
+          <a:ln w="88900">
+            <a:solidFill>
+              <a:schemeClr val="tx1"/>
+            </a:solidFill>
+            <a:tailEnd type="triangle"/>
+          </a:ln>
+        </p:spPr>
+        <p:style>
+          <a:lnRef idx="1">
+            <a:schemeClr val="dk1"/>
+          </a:lnRef>
+          <a:fillRef idx="0">
+            <a:schemeClr val="dk1"/>
+          </a:fillRef>
+          <a:effectRef idx="0">
+            <a:schemeClr val="dk1"/>
+          </a:effectRef>
+          <a:fontRef idx="minor">
+            <a:schemeClr val="tx1"/>
+          </a:fontRef>
+        </p:style>
+      </p:cxnSp>
+      <p:cxnSp>
+        <p:nvCxnSpPr>
+          <p:cNvPr id="12" name="Straight Arrow Connector 11">
+            <a:extLst>
+              <a:ext uri="{FF2B5EF4-FFF2-40B4-BE49-F238E27FC236}">
+                <a16:creationId xmlns:a16="http://schemas.microsoft.com/office/drawing/2014/main" id="{54153761-5FFA-7242-BB1A-C88AC1D9A051}"/>
+              </a:ext>
+            </a:extLst>
+          </p:cNvPr>
+          <p:cNvCxnSpPr>
+            <a:cxnSpLocks/>
+            <a:stCxn id="6" idx="1"/>
+          </p:cNvCxnSpPr>
+          <p:nvPr/>
+        </p:nvCxnSpPr>
+        <p:spPr>
+          <a:xfrm flipH="1">
+            <a:off x="7600951" y="2763182"/>
+            <a:ext cx="761998" cy="0"/>
+          </a:xfrm>
+          <a:prstGeom prst="straightConnector1">
+            <a:avLst/>
+          </a:prstGeom>
+          <a:ln w="88900">
+            <a:solidFill>
+              <a:schemeClr val="tx1"/>
+            </a:solidFill>
+            <a:tailEnd type="triangle"/>
+          </a:ln>
+        </p:spPr>
+        <p:style>
+          <a:lnRef idx="1">
+            <a:schemeClr val="dk1"/>
+          </a:lnRef>
+          <a:fillRef idx="0">
+            <a:schemeClr val="dk1"/>
+          </a:fillRef>
+          <a:effectRef idx="0">
+            <a:schemeClr val="dk1"/>
+          </a:effectRef>
+          <a:fontRef idx="minor">
+            <a:schemeClr val="tx1"/>
+          </a:fontRef>
+        </p:style>
+      </p:cxnSp>
+      <p:cxnSp>
+        <p:nvCxnSpPr>
+          <p:cNvPr id="15" name="Straight Arrow Connector 14">
+            <a:extLst>
+              <a:ext uri="{FF2B5EF4-FFF2-40B4-BE49-F238E27FC236}">
+                <a16:creationId xmlns:a16="http://schemas.microsoft.com/office/drawing/2014/main" id="{94B554D5-BB07-0D45-A403-69BBE003DEA6}"/>
+              </a:ext>
+            </a:extLst>
+          </p:cNvPr>
+          <p:cNvCxnSpPr>
+            <a:cxnSpLocks/>
+            <a:stCxn id="7" idx="1"/>
+          </p:cNvCxnSpPr>
+          <p:nvPr/>
+        </p:nvCxnSpPr>
+        <p:spPr>
+          <a:xfrm flipH="1">
+            <a:off x="7215188" y="4773453"/>
+            <a:ext cx="1147761" cy="0"/>
+          </a:xfrm>
+          <a:prstGeom prst="straightConnector1">
+            <a:avLst/>
+          </a:prstGeom>
+          <a:ln w="88900">
+            <a:solidFill>
+              <a:schemeClr val="tx1"/>
+            </a:solidFill>
+            <a:tailEnd type="triangle"/>
+          </a:ln>
+        </p:spPr>
+        <p:style>
+          <a:lnRef idx="1">
+            <a:schemeClr val="dk1"/>
+          </a:lnRef>
+          <a:fillRef idx="0">
+            <a:schemeClr val="dk1"/>
+          </a:fillRef>
+          <a:effectRef idx="0">
+            <a:schemeClr val="dk1"/>
+          </a:effectRef>
+          <a:fontRef idx="minor">
+            <a:schemeClr val="tx1"/>
+          </a:fontRef>
+        </p:style>
+      </p:cxnSp>
+      <p:cxnSp>
+        <p:nvCxnSpPr>
+          <p:cNvPr id="20" name="Straight Arrow Connector 19">
+            <a:extLst>
+              <a:ext uri="{FF2B5EF4-FFF2-40B4-BE49-F238E27FC236}">
+                <a16:creationId xmlns:a16="http://schemas.microsoft.com/office/drawing/2014/main" id="{1F9B3581-5B7B-804D-8DD4-A3133C7631BD}"/>
+              </a:ext>
+            </a:extLst>
+          </p:cNvPr>
+          <p:cNvCxnSpPr>
+            <a:cxnSpLocks/>
+            <a:stCxn id="8" idx="2"/>
+          </p:cNvCxnSpPr>
+          <p:nvPr/>
+        </p:nvCxnSpPr>
+        <p:spPr>
+          <a:xfrm>
+            <a:off x="2133601" y="3429000"/>
+            <a:ext cx="1843087" cy="1399465"/>
+          </a:xfrm>
+          <a:prstGeom prst="straightConnector1">
+            <a:avLst/>
+          </a:prstGeom>
+          <a:ln w="88900">
+            <a:solidFill>
+              <a:schemeClr val="tx1"/>
+            </a:solidFill>
+            <a:tailEnd type="triangle"/>
+          </a:ln>
+        </p:spPr>
+        <p:style>
+          <a:lnRef idx="1">
+            <a:schemeClr val="dk1"/>
+          </a:lnRef>
+          <a:fillRef idx="0">
+            <a:schemeClr val="dk1"/>
+          </a:fillRef>
+          <a:effectRef idx="0">
+            <a:schemeClr val="dk1"/>
+          </a:effectRef>
+          <a:fontRef idx="minor">
+            <a:schemeClr val="tx1"/>
+          </a:fontRef>
+        </p:style>
+      </p:cxnSp>
     </p:spTree>
     <p:extLst>
       <p:ext uri="{BB962C8B-B14F-4D97-AF65-F5344CB8AC3E}">
-        <p14:creationId xmlns:p14="http://schemas.microsoft.com/office/powerpoint/2010/main" val="3853216191"/>
+        <p14:creationId xmlns:p14="http://schemas.microsoft.com/office/powerpoint/2010/main" val="711652798"/>
       </p:ext>
     </p:extLst>
   </p:cSld>
